--- a/slides.pptx
+++ b/slides.pptx
@@ -3458,15 +3458,7 @@
                   <a:schemeClr val="accent1"/>
                 </a:solidFill>
               </a:rPr>
-              <a:t>Session leader and content created by: Kelsey </a:t>
-            </a:r>
-            <a:r>
-              <a:rPr lang="en-US" dirty="0" smtClean="0">
-                <a:solidFill>
-                  <a:schemeClr val="accent1"/>
-                </a:solidFill>
-              </a:rPr>
-              <a:t>Chatlosh @</a:t>
+              <a:t>Session leader and content created by: Kelsey Chatlosh @</a:t>
             </a:r>
             <a:r>
               <a:rPr lang="en-US" dirty="0" err="1" smtClean="0">
@@ -3489,7 +3481,15 @@
                   <a:schemeClr val="accent1"/>
                 </a:solidFill>
               </a:rPr>
-              <a:t>Edited by: Patrick Sweeney </a:t>
+              <a:t>Edited by: Patrick Sweeney @</a:t>
+            </a:r>
+            <a:r>
+              <a:rPr lang="en-US" dirty="0" err="1" smtClean="0">
+                <a:solidFill>
+                  <a:schemeClr val="accent1"/>
+                </a:solidFill>
+              </a:rPr>
+              <a:t>pswee</a:t>
             </a:r>
             <a:r>
               <a:rPr lang="en-US" dirty="0" smtClean="0">
@@ -3497,45 +3497,8 @@
                   <a:schemeClr val="accent1"/>
                 </a:solidFill>
               </a:rPr>
-              <a:t>@</a:t>
-            </a:r>
-            <a:r>
-              <a:rPr lang="en-US" dirty="0" err="1" smtClean="0">
-                <a:solidFill>
-                  <a:schemeClr val="accent1"/>
-                </a:solidFill>
-              </a:rPr>
-              <a:t>pswee</a:t>
-            </a:r>
-            <a:r>
-              <a:rPr lang="en-US" dirty="0" smtClean="0">
-                <a:solidFill>
-                  <a:schemeClr val="accent1"/>
-                </a:solidFill>
-              </a:rPr>
-              <a:t> and </a:t>
-            </a:r>
-            <a:r>
-              <a:rPr lang="en-US" dirty="0" smtClean="0">
-                <a:solidFill>
-                  <a:schemeClr val="accent1"/>
-                </a:solidFill>
-              </a:rPr>
-              <a:t>Patrick </a:t>
-            </a:r>
-            <a:r>
-              <a:rPr lang="en-US" dirty="0" smtClean="0">
-                <a:solidFill>
-                  <a:schemeClr val="accent1"/>
-                </a:solidFill>
-              </a:rPr>
-              <a:t>Smyth @psmyth01</a:t>
-            </a:r>
-            <a:endParaRPr lang="en-US" dirty="0" smtClean="0">
-              <a:solidFill>
-                <a:schemeClr val="accent1"/>
-              </a:solidFill>
-            </a:endParaRPr>
+              <a:t> and Patrick Smyth @psmyth01</a:t>
+            </a:r>
           </a:p>
           <a:p>
             <a:r>
@@ -3658,8 +3621,8 @@
         </p:nvSpPr>
         <p:spPr>
           <a:xfrm>
-            <a:off x="1523999" y="2165100"/>
-            <a:ext cx="9144000" cy="2387600"/>
+            <a:off x="761998" y="2025400"/>
+            <a:ext cx="10668001" cy="2387600"/>
           </a:xfrm>
         </p:spPr>
         <p:txBody>
@@ -3688,7 +3651,55 @@
             </a:r>
             <a:r>
               <a:rPr lang="en-US" dirty="0"/>
-              <a:t> for a great definition of consent</a:t>
+              <a:t> </a:t>
+            </a:r>
+            <a:r>
+              <a:rPr lang="en-US" dirty="0" smtClean="0">
+                <a:solidFill>
+                  <a:srgbClr val="FFF8A9"/>
+                </a:solidFill>
+              </a:rPr>
+              <a:t>[</a:t>
+            </a:r>
+            <a:r>
+              <a:rPr lang="en-US" dirty="0" err="1" smtClean="0">
+                <a:solidFill>
+                  <a:srgbClr val="FFF8A9"/>
+                </a:solidFill>
+              </a:rPr>
+              <a:t>tinyurl.com</a:t>
+            </a:r>
+            <a:r>
+              <a:rPr lang="en-US" dirty="0" smtClean="0">
+                <a:solidFill>
+                  <a:srgbClr val="FFF8A9"/>
+                </a:solidFill>
+              </a:rPr>
+              <a:t>/</a:t>
+            </a:r>
+            <a:r>
+              <a:rPr lang="en-US" dirty="0" err="1" smtClean="0">
+                <a:solidFill>
+                  <a:srgbClr val="FFF8A9"/>
+                </a:solidFill>
+              </a:rPr>
+              <a:t>consentpp</a:t>
+            </a:r>
+            <a:r>
+              <a:rPr lang="en-US" dirty="0" smtClean="0">
+                <a:solidFill>
+                  <a:srgbClr val="FFF8A9"/>
+                </a:solidFill>
+              </a:rPr>
+              <a:t>]</a:t>
+            </a:r>
+            <a:r>
+              <a:rPr lang="en-US" dirty="0" smtClean="0"/>
+              <a:t> for </a:t>
+            </a:r>
+            <a:r>
+              <a:rPr lang="en-US" dirty="0"/>
+              <a:t>a great definition of consent</a:t>
             </a:r>
           </a:p>
         </p:txBody>
@@ -3728,15 +3739,7 @@
                   <a:schemeClr val="accent5"/>
                 </a:solidFill>
               </a:rPr>
-              <a:t>belmont</a:t>
-            </a:r>
-            <a:r>
-              <a:rPr lang="en-US" dirty="0" err="1" smtClean="0">
-                <a:solidFill>
-                  <a:schemeClr val="accent5"/>
-                </a:solidFill>
-              </a:rPr>
-              <a:t>.md</a:t>
+              <a:t>belmont.md</a:t>
             </a:r>
             <a:r>
               <a:rPr lang="en-US" dirty="0" smtClean="0">
@@ -4072,11 +4075,7 @@
             <a:pPr algn="ctr"/>
             <a:r>
               <a:rPr lang="en-US" dirty="0" smtClean="0"/>
-              <a:t>*A </a:t>
-            </a:r>
-            <a:r>
-              <a:rPr lang="en-US" dirty="0" smtClean="0"/>
-              <a:t>note on formal methods</a:t>
+              <a:t>*A note on formal methods</a:t>
             </a:r>
             <a:endParaRPr lang="en-US" dirty="0"/>
           </a:p>
@@ -4243,10 +4242,6 @@
               <a:rPr lang="en-US" sz="3100" dirty="0" smtClean="0"/>
               <a:t>discuss:</a:t>
             </a:r>
-            <a:r>
-              <a:rPr lang="en-US" sz="3100" dirty="0" smtClean="0"/>
-              <a:t/>
-            </a:r>
             <a:br>
               <a:rPr lang="en-US" sz="3100" dirty="0" smtClean="0"/>
             </a:br>
@@ -4267,19 +4262,7 @@
             </a:r>
             <a:r>
               <a:rPr lang="en-US" sz="3100" dirty="0" smtClean="0"/>
-              <a:t> of </a:t>
-            </a:r>
-            <a:r>
-              <a:rPr lang="en-US" sz="3100" dirty="0" smtClean="0"/>
-              <a:t>your project—</a:t>
-            </a:r>
-            <a:r>
-              <a:rPr lang="en-US" sz="3100" dirty="0" smtClean="0"/>
-              <a:t>what </a:t>
-            </a:r>
-            <a:r>
-              <a:rPr lang="en-US" sz="3100" dirty="0" smtClean="0"/>
-              <a:t>does it </a:t>
+              <a:t> of your project—what does it </a:t>
             </a:r>
             <a:r>
               <a:rPr lang="en-US" sz="3100" i="1" dirty="0" smtClean="0"/>
@@ -4317,11 +4300,7 @@
             </a:r>
             <a:r>
               <a:rPr lang="en-US" sz="3100" dirty="0" smtClean="0"/>
-              <a:t> of your </a:t>
-            </a:r>
-            <a:r>
-              <a:rPr lang="en-US" sz="3100" dirty="0" smtClean="0"/>
-              <a:t>project—</a:t>
+              <a:t> of your project—</a:t>
             </a:r>
             <a:r>
               <a:rPr lang="en-US" sz="3100" i="1" dirty="0" smtClean="0"/>
@@ -4343,27 +4322,7 @@
             </a:br>
             <a:r>
               <a:rPr lang="en-US" sz="3100" dirty="0" smtClean="0"/>
-              <a:t>&gt;&gt;  In </a:t>
-            </a:r>
-            <a:r>
-              <a:rPr lang="en-US" sz="3100" dirty="0" smtClean="0"/>
-              <a:t>relation to </a:t>
-            </a:r>
-            <a:r>
-              <a:rPr lang="en-US" sz="3100" dirty="0" smtClean="0"/>
-              <a:t>each of your projects' </a:t>
-            </a:r>
-            <a:r>
-              <a:rPr lang="en-US" sz="3100" dirty="0" smtClean="0"/>
-              <a:t>purpose and design, what might be some ethical concerns that fall beyond questions of legality or the purview of the </a:t>
-            </a:r>
-            <a:r>
-              <a:rPr lang="en-US" sz="3100" dirty="0" smtClean="0"/>
-              <a:t>IRB?</a:t>
-            </a:r>
-            <a:r>
-              <a:rPr lang="en-US" sz="3100" dirty="0" smtClean="0"/>
-              <a:t/>
+              <a:t>&gt;&gt;  In relation to each of your projects' purpose and design, what might be some ethical concerns that fall beyond questions of legality or the purview of the IRB?</a:t>
             </a:r>
             <a:br>
               <a:rPr lang="en-US" sz="3100" dirty="0" smtClean="0"/>
@@ -4531,15 +4490,15 @@
         </p:nvSpPr>
         <p:spPr>
           <a:xfrm>
-            <a:off x="5630779" y="3565541"/>
-            <a:ext cx="6096000" cy="1569660"/>
+            <a:off x="3965074" y="3565541"/>
+            <a:ext cx="7761705" cy="2308324"/>
           </a:xfrm>
           <a:prstGeom prst="rect">
             <a:avLst/>
           </a:prstGeom>
         </p:spPr>
         <p:txBody>
-          <a:bodyPr>
+          <a:bodyPr wrap="square">
             <a:spAutoFit/>
           </a:bodyPr>
           <a:lstStyle/>
@@ -4554,7 +4513,55 @@
             </a:br>
             <a:r>
               <a:rPr lang="en-US" sz="4800" dirty="0" smtClean="0"/>
-              <a:t>(Markham 2016)</a:t>
+              <a:t>(Markham </a:t>
+            </a:r>
+            <a:r>
+              <a:rPr lang="en-US" sz="4800" dirty="0" smtClean="0"/>
+              <a:t>2016 </a:t>
+            </a:r>
+            <a:r>
+              <a:rPr lang="en-US" sz="4800" dirty="0" smtClean="0">
+                <a:solidFill>
+                  <a:srgbClr val="FFF8A9"/>
+                </a:solidFill>
+              </a:rPr>
+              <a:t>[</a:t>
+            </a:r>
+            <a:r>
+              <a:rPr lang="en-US" sz="4800" dirty="0" err="1" smtClean="0">
+                <a:solidFill>
+                  <a:srgbClr val="FFF8A9"/>
+                </a:solidFill>
+              </a:rPr>
+              <a:t>tinyurl.com</a:t>
+            </a:r>
+            <a:r>
+              <a:rPr lang="en-US" sz="4800" dirty="0" smtClean="0">
+                <a:solidFill>
+                  <a:srgbClr val="FFF8A9"/>
+                </a:solidFill>
+              </a:rPr>
+              <a:t>/</a:t>
+            </a:r>
+            <a:r>
+              <a:rPr lang="en-US" sz="4800" dirty="0" err="1" smtClean="0">
+                <a:solidFill>
+                  <a:srgbClr val="FFF8A9"/>
+                </a:solidFill>
+              </a:rPr>
+              <a:t>markhamethics</a:t>
+            </a:r>
+            <a:r>
+              <a:rPr lang="en-US" sz="4800" dirty="0" smtClean="0">
+                <a:solidFill>
+                  <a:srgbClr val="FFF8A9"/>
+                </a:solidFill>
+              </a:rPr>
+              <a:t>]</a:t>
+            </a:r>
+            <a:r>
+              <a:rPr lang="en-US" sz="4800" dirty="0" smtClean="0"/>
+              <a:t>)</a:t>
             </a:r>
             <a:endParaRPr lang="en-US" sz="4800" dirty="0"/>
           </a:p>
@@ -4568,7 +4575,7 @@
         </p:nvCxnSpPr>
         <p:spPr>
           <a:xfrm>
-            <a:off x="4523874" y="4025065"/>
+            <a:off x="3723774" y="3989973"/>
             <a:ext cx="1106905" cy="0"/>
           </a:xfrm>
           <a:prstGeom prst="straightConnector1">
@@ -4877,11 +4884,7 @@
             </a:pPr>
             <a:r>
               <a:rPr lang="en-US" sz="3200" dirty="0" smtClean="0"/>
-              <a:t>&gt;&gt;  </a:t>
-            </a:r>
-            <a:r>
-              <a:rPr lang="en-US" sz="3200" dirty="0" smtClean="0"/>
-              <a:t>to </a:t>
+              <a:t>&gt;&gt;  to </a:t>
             </a:r>
             <a:r>
               <a:rPr lang="en-US" sz="3200" dirty="0"/>
@@ -4898,11 +4901,7 @@
             </a:pPr>
             <a:r>
               <a:rPr lang="en-US" sz="3200" dirty="0" smtClean="0"/>
-              <a:t>&gt;&gt;  </a:t>
-            </a:r>
-            <a:r>
-              <a:rPr lang="en-US" sz="3200" dirty="0" smtClean="0"/>
-              <a:t>to </a:t>
+              <a:t>&gt;&gt;  to </a:t>
             </a:r>
             <a:r>
               <a:rPr lang="en-US" sz="3200" dirty="0"/>
@@ -4919,11 +4918,7 @@
             </a:pPr>
             <a:r>
               <a:rPr lang="en-US" sz="3200" dirty="0" smtClean="0"/>
-              <a:t>&gt;&gt;  </a:t>
-            </a:r>
-            <a:r>
-              <a:rPr lang="en-US" sz="3200" dirty="0" smtClean="0"/>
-              <a:t>in </a:t>
+              <a:t>&gt;&gt;  in </a:t>
             </a:r>
             <a:r>
               <a:rPr lang="en-US" sz="3200" dirty="0"/>
@@ -5578,7 +5573,6 @@
               <a:rPr lang="en-US" sz="3200" dirty="0" smtClean="0"/>
               <a:t> 2012 report)</a:t>
             </a:r>
-            <a:endParaRPr lang="en-US" sz="3200" dirty="0" smtClean="0"/>
           </a:p>
         </p:txBody>
       </p:sp>
@@ -6092,8 +6086,8 @@
         </p:nvSpPr>
         <p:spPr>
           <a:xfrm>
-            <a:off x="831850" y="1934328"/>
-            <a:ext cx="10515600" cy="2852737"/>
+            <a:off x="638175" y="1934328"/>
+            <a:ext cx="10902950" cy="2852737"/>
           </a:xfrm>
         </p:spPr>
         <p:txBody>
@@ -6140,33 +6134,117 @@
             </a:br>
             <a:r>
               <a:rPr lang="en-US" sz="2400" dirty="0" smtClean="0"/>
-              <a:t>Review</a:t>
+              <a:t>Review </a:t>
+            </a:r>
+            <a:r>
+              <a:rPr lang="en-US" sz="2400" dirty="0">
+                <a:hlinkClick r:id="rId2"/>
+              </a:rPr>
+              <a:t>Joshua Tabak and Vivian Zayas's academic article</a:t>
+            </a:r>
+            <a:r>
+              <a:rPr lang="en-US" sz="2400" dirty="0"/>
+              <a:t> </a:t>
+            </a:r>
+            <a:r>
+              <a:rPr lang="en-US" sz="2400" dirty="0" smtClean="0">
+                <a:solidFill>
+                  <a:srgbClr val="FFF8A9"/>
+                </a:solidFill>
+              </a:rPr>
+              <a:t>[</a:t>
+            </a:r>
+            <a:r>
+              <a:rPr lang="en-US" sz="2400" dirty="0" err="1" smtClean="0">
+                <a:solidFill>
+                  <a:srgbClr val="FFF8A9"/>
+                </a:solidFill>
+              </a:rPr>
+              <a:t>tinyurl.com</a:t>
+            </a:r>
+            <a:r>
+              <a:rPr lang="en-US" sz="2400" dirty="0" smtClean="0">
+                <a:solidFill>
+                  <a:srgbClr val="FFF8A9"/>
+                </a:solidFill>
+              </a:rPr>
+              <a:t>/</a:t>
+            </a:r>
+            <a:r>
+              <a:rPr lang="en-US" sz="2400" dirty="0" err="1" smtClean="0">
+                <a:solidFill>
+                  <a:srgbClr val="FFF8A9"/>
+                </a:solidFill>
+              </a:rPr>
+              <a:t>tabakzayas</a:t>
+            </a:r>
+            <a:r>
+              <a:rPr lang="en-US" sz="2400" dirty="0" smtClean="0">
+                <a:solidFill>
+                  <a:srgbClr val="FFF8A9"/>
+                </a:solidFill>
+              </a:rPr>
+              <a:t>] </a:t>
+            </a:r>
+            <a:r>
+              <a:rPr lang="en-US" sz="2400" dirty="0" smtClean="0"/>
+              <a:t>and </a:t>
+            </a:r>
+            <a:r>
+              <a:rPr lang="en-US" sz="2400" dirty="0">
+                <a:hlinkClick r:id="rId3"/>
+              </a:rPr>
+              <a:t>their summary of it for the New York </a:t>
+            </a:r>
+            <a:r>
+              <a:rPr lang="en-US" sz="2400" dirty="0" smtClean="0">
+                <a:hlinkClick r:id="rId3"/>
+              </a:rPr>
+              <a:t>Times</a:t>
             </a:r>
             <a:r>
               <a:rPr lang="en-US" sz="2400" dirty="0" smtClean="0"/>
               <a:t> </a:t>
             </a:r>
             <a:r>
-              <a:rPr lang="en-US" sz="2400" dirty="0">
-                <a:hlinkClick r:id="rId2"/>
-              </a:rPr>
-              <a:t>Joshua Tabak and Vivian Zayas's academic article</a:t>
-            </a:r>
-            <a:r>
-              <a:rPr lang="en-US" sz="2400" dirty="0"/>
-              <a:t> and </a:t>
-            </a:r>
-            <a:r>
-              <a:rPr lang="en-US" sz="2400" dirty="0">
-                <a:hlinkClick r:id="rId3"/>
-              </a:rPr>
-              <a:t>their summary of it for the New York </a:t>
-            </a:r>
-            <a:r>
               <a:rPr lang="en-US" sz="2400" dirty="0" smtClean="0">
-                <a:hlinkClick r:id="rId3"/>
-              </a:rPr>
-              <a:t>Times</a:t>
+                <a:solidFill>
+                  <a:srgbClr val="FFF8A9"/>
+                </a:solidFill>
+              </a:rPr>
+              <a:t>[</a:t>
+            </a:r>
+            <a:r>
+              <a:rPr lang="en-US" sz="2400" dirty="0" err="1" smtClean="0">
+                <a:solidFill>
+                  <a:srgbClr val="FFF8A9"/>
+                </a:solidFill>
+              </a:rPr>
+              <a:t>tinyurl.com</a:t>
+            </a:r>
+            <a:r>
+              <a:rPr lang="en-US" sz="2400" dirty="0" smtClean="0">
+                <a:solidFill>
+                  <a:srgbClr val="FFF8A9"/>
+                </a:solidFill>
+              </a:rPr>
+              <a:t>/</a:t>
+            </a:r>
+            <a:r>
+              <a:rPr lang="en-US" sz="2400" dirty="0" err="1" smtClean="0">
+                <a:solidFill>
+                  <a:srgbClr val="FFF8A9"/>
+                </a:solidFill>
+              </a:rPr>
+              <a:t>gaydarscience</a:t>
+            </a:r>
+            <a:r>
+              <a:rPr lang="en-US" sz="2400" dirty="0" smtClean="0">
+                <a:solidFill>
+                  <a:srgbClr val="FFF8A9"/>
+                </a:solidFill>
+              </a:rPr>
+              <a:t>]</a:t>
             </a:r>
             <a:r>
               <a:rPr lang="en-US" sz="2400" b="1" dirty="0" smtClean="0"/>
@@ -6290,9 +6368,63 @@
               <a:rPr lang="en-US" sz="2400" dirty="0">
                 <a:hlinkClick r:id="rId4"/>
               </a:rPr>
-              <a:t>Patrick Sweeney, "Images of Faces Gleaned from Social Media in Social Psychological Research on Sexual Orientation," 2017</a:t>
-            </a:r>
-            <a:endParaRPr lang="en-US" sz="2000" dirty="0"/>
+              <a:t>Patrick Sweeney, "Images of Faces Gleaned from Social Media in Social Psychological Research on Sexual Orientation," </a:t>
+            </a:r>
+            <a:r>
+              <a:rPr lang="en-US" sz="2400" dirty="0" smtClean="0">
+                <a:hlinkClick r:id="rId4"/>
+              </a:rPr>
+              <a:t>2017</a:t>
+            </a:r>
+            <a:r>
+              <a:rPr lang="en-US" sz="2400" dirty="0" smtClean="0"/>
+              <a:t> </a:t>
+            </a:r>
+            <a:r>
+              <a:rPr lang="en-US" sz="2400" dirty="0" smtClean="0">
+                <a:solidFill>
+                  <a:srgbClr val="FFF8A9"/>
+                </a:solidFill>
+              </a:rPr>
+              <a:t>[</a:t>
+            </a:r>
+            <a:r>
+              <a:rPr lang="en-US" sz="2400" dirty="0" err="1" smtClean="0">
+                <a:solidFill>
+                  <a:srgbClr val="FFF8A9"/>
+                </a:solidFill>
+              </a:rPr>
+              <a:t>tinyurl.com</a:t>
+            </a:r>
+            <a:r>
+              <a:rPr lang="en-US" sz="2400" dirty="0" smtClean="0">
+                <a:solidFill>
+                  <a:srgbClr val="FFF8A9"/>
+                </a:solidFill>
+              </a:rPr>
+              <a:t>/</a:t>
+            </a:r>
+            <a:r>
+              <a:rPr lang="en-US" sz="2400" dirty="0" err="1" smtClean="0">
+                <a:solidFill>
+                  <a:srgbClr val="FFF8A9"/>
+                </a:solidFill>
+              </a:rPr>
+              <a:t>sweeneyimages</a:t>
+            </a:r>
+            <a:r>
+              <a:rPr lang="en-US" sz="2400" dirty="0" smtClean="0">
+                <a:solidFill>
+                  <a:srgbClr val="FFF8A9"/>
+                </a:solidFill>
+              </a:rPr>
+              <a:t>]</a:t>
+            </a:r>
+            <a:endParaRPr lang="en-US" sz="2000" dirty="0">
+              <a:solidFill>
+                <a:srgbClr val="FFF8A9"/>
+              </a:solidFill>
+            </a:endParaRPr>
           </a:p>
         </p:txBody>
       </p:sp>
@@ -7708,8 +7840,8 @@
         </p:nvSpPr>
         <p:spPr>
           <a:xfrm>
-            <a:off x="831850" y="1838075"/>
-            <a:ext cx="10515600" cy="2852737"/>
+            <a:off x="574675" y="1825375"/>
+            <a:ext cx="11029950" cy="2852737"/>
           </a:xfrm>
         </p:spPr>
         <p:txBody>
@@ -7763,14 +7895,46 @@
               <a:t>out the </a:t>
             </a:r>
             <a:r>
-              <a:rPr lang="en-US" sz="3200" dirty="0">
+              <a:rPr lang="en-US" sz="3200" dirty="0" smtClean="0">
                 <a:hlinkClick r:id="rId2"/>
               </a:rPr>
               <a:t>Interference Archive (IA) website</a:t>
             </a:r>
             <a:r>
+              <a:rPr lang="en-US" sz="3200" dirty="0" smtClean="0"/>
+              <a:t> </a:t>
+            </a:r>
+            <a:r>
+              <a:rPr lang="en-US" sz="3200" dirty="0" smtClean="0">
+                <a:solidFill>
+                  <a:srgbClr val="FFF8A9"/>
+                </a:solidFill>
+              </a:rPr>
+              <a:t>[</a:t>
+            </a:r>
+            <a:r>
+              <a:rPr lang="en-US" sz="3200" dirty="0" err="1" smtClean="0">
+                <a:solidFill>
+                  <a:srgbClr val="FFF8A9"/>
+                </a:solidFill>
+              </a:rPr>
+              <a:t>interferencearchive.org</a:t>
+            </a:r>
+            <a:r>
+              <a:rPr lang="en-US" sz="3200" dirty="0" smtClean="0">
+                <a:solidFill>
+                  <a:srgbClr val="FFF8A9"/>
+                </a:solidFill>
+              </a:rPr>
+              <a:t>]</a:t>
+            </a:r>
+            <a:r>
+              <a:rPr lang="en-US" sz="3200" dirty="0" smtClean="0"/>
+              <a:t>, </a:t>
+            </a:r>
+            <a:r>
               <a:rPr lang="en-US" sz="3200" dirty="0"/>
-              <a:t>, read </a:t>
+              <a:t>read </a:t>
             </a:r>
             <a:r>
               <a:rPr lang="en-US" sz="3200" dirty="0">
@@ -7780,7 +7944,55 @@
             </a:r>
             <a:r>
               <a:rPr lang="en-US" sz="3200" dirty="0"/>
-              <a:t> and discuss</a:t>
+              <a:t> </a:t>
+            </a:r>
+            <a:r>
+              <a:rPr lang="en-US" sz="3200" dirty="0" smtClean="0">
+                <a:solidFill>
+                  <a:srgbClr val="FFF8A9"/>
+                </a:solidFill>
+              </a:rPr>
+              <a:t>[</a:t>
+            </a:r>
+            <a:r>
+              <a:rPr lang="en-US" sz="3200" dirty="0" err="1" smtClean="0">
+                <a:solidFill>
+                  <a:srgbClr val="FFF8A9"/>
+                </a:solidFill>
+              </a:rPr>
+              <a:t>tinyurl.com</a:t>
+            </a:r>
+            <a:r>
+              <a:rPr lang="en-US" sz="3200" dirty="0" smtClean="0">
+                <a:solidFill>
+                  <a:srgbClr val="FFF8A9"/>
+                </a:solidFill>
+              </a:rPr>
+              <a:t>/</a:t>
+            </a:r>
+            <a:r>
+              <a:rPr lang="en-US" sz="3200" dirty="0" err="1" smtClean="0">
+                <a:solidFill>
+                  <a:srgbClr val="FFF8A9"/>
+                </a:solidFill>
+              </a:rPr>
+              <a:t>joynerhidden</a:t>
+            </a:r>
+            <a:r>
+              <a:rPr lang="en-US" sz="3200" dirty="0" smtClean="0">
+                <a:solidFill>
+                  <a:srgbClr val="FFF8A9"/>
+                </a:solidFill>
+              </a:rPr>
+              <a:t>]</a:t>
+            </a:r>
+            <a:r>
+              <a:rPr lang="en-US" sz="3200" dirty="0" smtClean="0"/>
+              <a:t> and </a:t>
+            </a:r>
+            <a:r>
+              <a:rPr lang="en-US" sz="3200" dirty="0"/>
+              <a:t>discuss</a:t>
             </a:r>
             <a:r>
               <a:rPr lang="en-US" sz="3200" dirty="0" smtClean="0"/>
@@ -7798,11 +8010,7 @@
             </a:br>
             <a:r>
               <a:rPr lang="en-US" sz="3200" dirty="0" smtClean="0"/>
-              <a:t>&gt;&gt;</a:t>
-            </a:r>
-            <a:r>
-              <a:rPr lang="en-US" sz="3200" dirty="0" smtClean="0"/>
-              <a:t> What </a:t>
+              <a:t>&gt;&gt; What </a:t>
             </a:r>
             <a:r>
               <a:rPr lang="en-US" sz="3200" dirty="0"/>
@@ -7824,15 +8032,7 @@
             </a:br>
             <a:r>
               <a:rPr lang="en-US" sz="3200" dirty="0" smtClean="0"/>
-              <a:t>&gt;</a:t>
-            </a:r>
-            <a:r>
-              <a:rPr lang="en-US" sz="3200" dirty="0" smtClean="0"/>
-              <a:t>&gt;</a:t>
-            </a:r>
-            <a:r>
-              <a:rPr lang="en-US" sz="3200" dirty="0" smtClean="0"/>
-              <a:t>  In </a:t>
+              <a:t>&gt;&gt;  In </a:t>
             </a:r>
             <a:r>
               <a:rPr lang="en-US" sz="3200" dirty="0"/>
@@ -7854,11 +8054,7 @@
             </a:br>
             <a:r>
               <a:rPr lang="en-US" sz="3200" dirty="0" smtClean="0"/>
-              <a:t>&gt;&gt;</a:t>
-            </a:r>
-            <a:r>
-              <a:rPr lang="en-US" sz="3200" dirty="0" smtClean="0"/>
-              <a:t>  What </a:t>
+              <a:t>&gt;&gt;  What </a:t>
             </a:r>
             <a:r>
               <a:rPr lang="en-US" sz="3200" dirty="0"/>
@@ -7917,15 +8113,15 @@
                   <a:schemeClr val="tx2"/>
                 </a:solidFill>
               </a:rPr>
-              <a:t>[See</a:t>
-            </a:r>
-            <a:r>
-              <a:rPr lang="en-US" smtClean="0">
+              <a:t>[See: </a:t>
+            </a:r>
+            <a:r>
+              <a:rPr lang="en-US" dirty="0" smtClean="0">
                 <a:solidFill>
                   <a:schemeClr val="tx2"/>
                 </a:solidFill>
               </a:rPr>
-              <a:t>: impact1cont.md</a:t>
+              <a:t>impact2cont.md</a:t>
             </a:r>
             <a:r>
               <a:rPr lang="en-US" dirty="0" smtClean="0">
@@ -8277,11 +8473,7 @@
             <a:pPr algn="ctr"/>
             <a:r>
               <a:rPr lang="en-US" sz="6000" dirty="0" smtClean="0"/>
-              <a:t>How m</a:t>
-            </a:r>
-            <a:r>
-              <a:rPr lang="en-US" sz="6000" dirty="0" smtClean="0"/>
-              <a:t>ay digital projects or </a:t>
+              <a:t>How may digital projects or </a:t>
             </a:r>
             <a:r>
               <a:rPr lang="en-US" sz="6000" dirty="0"/>
@@ -8913,15 +9105,7 @@
                   <a:schemeClr val="tx2"/>
                 </a:solidFill>
               </a:rPr>
-              <a:t>: </a:t>
-            </a:r>
-            <a:r>
-              <a:rPr lang="en-US" smtClean="0">
-                <a:solidFill>
-                  <a:schemeClr val="tx2"/>
-                </a:solidFill>
-              </a:rPr>
-              <a:t>impact3.md</a:t>
+              <a:t>: impact3.md</a:t>
             </a:r>
             <a:r>
               <a:rPr lang="en-US" dirty="0" smtClean="0">
@@ -10489,19 +10673,7 @@
           <a:p>
             <a:r>
               <a:rPr lang="en-US" dirty="0" smtClean="0"/>
-              <a:t>for</a:t>
-            </a:r>
-            <a:r>
-              <a:rPr lang="en-US" dirty="0" smtClean="0"/>
-              <a:t> example: how were computers developed? </a:t>
-            </a:r>
-            <a:r>
-              <a:rPr lang="en-US" dirty="0" smtClean="0"/>
-              <a:t>By whom? Where? Why</a:t>
-            </a:r>
-            <a:r>
-              <a:rPr lang="en-US" dirty="0" smtClean="0"/>
-              <a:t>? </a:t>
+              <a:t>for example: how were computers developed? By whom? Where? Why? </a:t>
             </a:r>
             <a:br>
               <a:rPr lang="en-US" dirty="0" smtClean="0"/>
@@ -11074,7 +11246,6 @@
               <a:rPr lang="en-US" sz="2800" dirty="0"/>
               <a:t>your research methodology</a:t>
             </a:r>
-            <a:endParaRPr lang="en-US" sz="2800" dirty="0"/>
           </a:p>
         </p:txBody>
       </p:sp>
@@ -11212,15 +11383,7 @@
                   <a:schemeClr val="accent1"/>
                 </a:solidFill>
               </a:rPr>
-              <a:t>Session leader and content created by: Kelsey </a:t>
-            </a:r>
-            <a:r>
-              <a:rPr lang="en-US" dirty="0" smtClean="0">
-                <a:solidFill>
-                  <a:schemeClr val="accent1"/>
-                </a:solidFill>
-              </a:rPr>
-              <a:t>Chatlosh @</a:t>
+              <a:t>Session leader and content created by: Kelsey Chatlosh @</a:t>
             </a:r>
             <a:r>
               <a:rPr lang="en-US" dirty="0" err="1" smtClean="0">
@@ -11243,7 +11406,15 @@
                   <a:schemeClr val="accent1"/>
                 </a:solidFill>
               </a:rPr>
-              <a:t>Edited by: Patrick Sweeney </a:t>
+              <a:t>Edited by: Patrick Sweeney @</a:t>
+            </a:r>
+            <a:r>
+              <a:rPr lang="en-US" dirty="0" err="1" smtClean="0">
+                <a:solidFill>
+                  <a:schemeClr val="accent1"/>
+                </a:solidFill>
+              </a:rPr>
+              <a:t>pswee</a:t>
             </a:r>
             <a:r>
               <a:rPr lang="en-US" dirty="0" smtClean="0">
@@ -11251,45 +11422,8 @@
                   <a:schemeClr val="accent1"/>
                 </a:solidFill>
               </a:rPr>
-              <a:t>@</a:t>
-            </a:r>
-            <a:r>
-              <a:rPr lang="en-US" dirty="0" err="1" smtClean="0">
-                <a:solidFill>
-                  <a:schemeClr val="accent1"/>
-                </a:solidFill>
-              </a:rPr>
-              <a:t>pswee</a:t>
-            </a:r>
-            <a:r>
-              <a:rPr lang="en-US" dirty="0" smtClean="0">
-                <a:solidFill>
-                  <a:schemeClr val="accent1"/>
-                </a:solidFill>
-              </a:rPr>
-              <a:t> and </a:t>
-            </a:r>
-            <a:r>
-              <a:rPr lang="en-US" dirty="0" smtClean="0">
-                <a:solidFill>
-                  <a:schemeClr val="accent1"/>
-                </a:solidFill>
-              </a:rPr>
-              <a:t>Patrick </a:t>
-            </a:r>
-            <a:r>
-              <a:rPr lang="en-US" dirty="0" smtClean="0">
-                <a:solidFill>
-                  <a:schemeClr val="accent1"/>
-                </a:solidFill>
-              </a:rPr>
-              <a:t>Smyth @psmyth01</a:t>
-            </a:r>
-            <a:endParaRPr lang="en-US" dirty="0" smtClean="0">
-              <a:solidFill>
-                <a:schemeClr val="accent1"/>
-              </a:solidFill>
-            </a:endParaRPr>
+              <a:t> and Patrick Smyth @psmyth01</a:t>
+            </a:r>
           </a:p>
           <a:p>
             <a:r>
@@ -11898,11 +12032,7 @@
           <a:p>
             <a:r>
               <a:rPr lang="en-US" dirty="0" smtClean="0"/>
-              <a:t>3 core </a:t>
-            </a:r>
-            <a:r>
-              <a:rPr lang="en-US" dirty="0" smtClean="0"/>
-              <a:t>principles</a:t>
+              <a:t>3 core principles</a:t>
             </a:r>
             <a:endParaRPr lang="en-US" dirty="0"/>
           </a:p>
@@ -12014,13 +12144,8 @@
             </a:pPr>
             <a:r>
               <a:rPr lang="en-US" dirty="0" smtClean="0"/>
-              <a:t>Informed </a:t>
-            </a:r>
-            <a:r>
-              <a:rPr lang="en-US" dirty="0" smtClean="0"/>
-              <a:t>consent</a:t>
-            </a:r>
-            <a:endParaRPr lang="en-US" dirty="0" smtClean="0"/>
+              <a:t>Informed consent</a:t>
+            </a:r>
           </a:p>
           <a:p>
             <a:pPr marL="514350" indent="-514350">

--- a/slides.pptx
+++ b/slides.pptx
@@ -5,7 +5,7 @@
     <p:sldMasterId id="2147483660" r:id="rId1"/>
   </p:sldMasterIdLst>
   <p:notesMasterIdLst>
-    <p:notesMasterId r:id="rId55"/>
+    <p:notesMasterId r:id="rId54"/>
   </p:notesMasterIdLst>
   <p:sldIdLst>
     <p:sldId id="256" r:id="rId2"/>
@@ -20,47 +20,46 @@
     <p:sldId id="268" r:id="rId11"/>
     <p:sldId id="315" r:id="rId12"/>
     <p:sldId id="270" r:id="rId13"/>
-    <p:sldId id="271" r:id="rId14"/>
-    <p:sldId id="291" r:id="rId15"/>
-    <p:sldId id="272" r:id="rId16"/>
-    <p:sldId id="274" r:id="rId17"/>
-    <p:sldId id="276" r:id="rId18"/>
-    <p:sldId id="273" r:id="rId19"/>
-    <p:sldId id="278" r:id="rId20"/>
-    <p:sldId id="280" r:id="rId21"/>
-    <p:sldId id="281" r:id="rId22"/>
-    <p:sldId id="282" r:id="rId23"/>
-    <p:sldId id="283" r:id="rId24"/>
-    <p:sldId id="298" r:id="rId25"/>
-    <p:sldId id="277" r:id="rId26"/>
-    <p:sldId id="284" r:id="rId27"/>
-    <p:sldId id="285" r:id="rId28"/>
-    <p:sldId id="286" r:id="rId29"/>
-    <p:sldId id="287" r:id="rId30"/>
-    <p:sldId id="290" r:id="rId31"/>
-    <p:sldId id="289" r:id="rId32"/>
-    <p:sldId id="288" r:id="rId33"/>
-    <p:sldId id="299" r:id="rId34"/>
-    <p:sldId id="292" r:id="rId35"/>
-    <p:sldId id="293" r:id="rId36"/>
-    <p:sldId id="294" r:id="rId37"/>
-    <p:sldId id="295" r:id="rId38"/>
-    <p:sldId id="296" r:id="rId39"/>
-    <p:sldId id="307" r:id="rId40"/>
-    <p:sldId id="297" r:id="rId41"/>
-    <p:sldId id="300" r:id="rId42"/>
-    <p:sldId id="301" r:id="rId43"/>
-    <p:sldId id="303" r:id="rId44"/>
-    <p:sldId id="302" r:id="rId45"/>
-    <p:sldId id="304" r:id="rId46"/>
-    <p:sldId id="310" r:id="rId47"/>
-    <p:sldId id="305" r:id="rId48"/>
-    <p:sldId id="306" r:id="rId49"/>
-    <p:sldId id="308" r:id="rId50"/>
-    <p:sldId id="309" r:id="rId51"/>
-    <p:sldId id="311" r:id="rId52"/>
-    <p:sldId id="313" r:id="rId53"/>
-    <p:sldId id="314" r:id="rId54"/>
+    <p:sldId id="291" r:id="rId14"/>
+    <p:sldId id="272" r:id="rId15"/>
+    <p:sldId id="274" r:id="rId16"/>
+    <p:sldId id="276" r:id="rId17"/>
+    <p:sldId id="273" r:id="rId18"/>
+    <p:sldId id="278" r:id="rId19"/>
+    <p:sldId id="280" r:id="rId20"/>
+    <p:sldId id="281" r:id="rId21"/>
+    <p:sldId id="282" r:id="rId22"/>
+    <p:sldId id="283" r:id="rId23"/>
+    <p:sldId id="298" r:id="rId24"/>
+    <p:sldId id="277" r:id="rId25"/>
+    <p:sldId id="284" r:id="rId26"/>
+    <p:sldId id="285" r:id="rId27"/>
+    <p:sldId id="286" r:id="rId28"/>
+    <p:sldId id="287" r:id="rId29"/>
+    <p:sldId id="290" r:id="rId30"/>
+    <p:sldId id="289" r:id="rId31"/>
+    <p:sldId id="288" r:id="rId32"/>
+    <p:sldId id="299" r:id="rId33"/>
+    <p:sldId id="292" r:id="rId34"/>
+    <p:sldId id="293" r:id="rId35"/>
+    <p:sldId id="294" r:id="rId36"/>
+    <p:sldId id="295" r:id="rId37"/>
+    <p:sldId id="296" r:id="rId38"/>
+    <p:sldId id="307" r:id="rId39"/>
+    <p:sldId id="297" r:id="rId40"/>
+    <p:sldId id="300" r:id="rId41"/>
+    <p:sldId id="301" r:id="rId42"/>
+    <p:sldId id="303" r:id="rId43"/>
+    <p:sldId id="302" r:id="rId44"/>
+    <p:sldId id="304" r:id="rId45"/>
+    <p:sldId id="310" r:id="rId46"/>
+    <p:sldId id="305" r:id="rId47"/>
+    <p:sldId id="306" r:id="rId48"/>
+    <p:sldId id="308" r:id="rId49"/>
+    <p:sldId id="309" r:id="rId50"/>
+    <p:sldId id="311" r:id="rId51"/>
+    <p:sldId id="313" r:id="rId52"/>
+    <p:sldId id="314" r:id="rId53"/>
   </p:sldIdLst>
   <p:sldSz cx="12192000" cy="6858000"/>
   <p:notesSz cx="6858000" cy="9144000"/>
@@ -3589,6 +3588,13 @@
   <p:clrMapOvr>
     <a:masterClrMapping/>
   </p:clrMapOvr>
+  <p:timing>
+    <p:tnLst>
+      <p:par>
+        <p:cTn id="1" dur="indefinite" restart="never" nodeType="tmRoot"/>
+      </p:par>
+    </p:tnLst>
+  </p:timing>
 </p:sld>
 </file>
 
@@ -4043,6 +4049,16 @@
 <file path=ppt/slides/slide13.xml><?xml version="1.0" encoding="utf-8"?>
 <p:sld xmlns:a="http://schemas.openxmlformats.org/drawingml/2006/main" xmlns:r="http://schemas.openxmlformats.org/officeDocument/2006/relationships" xmlns:p="http://schemas.openxmlformats.org/presentationml/2006/main">
   <p:cSld>
+    <p:bg>
+      <p:bgPr>
+        <a:solidFill>
+          <a:schemeClr val="accent1">
+            <a:lumMod val="50000"/>
+          </a:schemeClr>
+        </a:solidFill>
+        <a:effectLst/>
+      </p:bgPr>
+    </p:bg>
     <p:spTree>
       <p:nvGrpSpPr>
         <p:cNvPr id="1" name=""/>
@@ -4067,17 +4083,179 @@
             <p:ph type="title"/>
           </p:nvPr>
         </p:nvSpPr>
-        <p:spPr/>
-        <p:txBody>
-          <a:bodyPr anchor="ctr"/>
-          <a:lstStyle/>
-          <a:p>
-            <a:pPr algn="ctr"/>
-            <a:r>
-              <a:rPr lang="en-US" dirty="0" smtClean="0"/>
-              <a:t>*A note on formal methods</a:t>
-            </a:r>
-            <a:endParaRPr lang="en-US" dirty="0"/>
+        <p:spPr>
+          <a:xfrm>
+            <a:off x="831850" y="2255170"/>
+            <a:ext cx="10515600" cy="2852737"/>
+          </a:xfrm>
+        </p:spPr>
+        <p:txBody>
+          <a:bodyPr anchor="ctr">
+            <a:normAutofit fontScale="90000"/>
+          </a:bodyPr>
+          <a:lstStyle/>
+          <a:p>
+            <a:r>
+              <a:rPr lang="en-US" sz="3100" b="1" u="sng" dirty="0" smtClean="0"/>
+              <a:t>Activity</a:t>
+            </a:r>
+            <a:r>
+              <a:rPr lang="en-US" sz="3100" b="1" dirty="0" smtClean="0"/>
+              <a:t/>
+            </a:r>
+            <a:br>
+              <a:rPr lang="en-US" sz="3100" b="1" dirty="0" smtClean="0"/>
+            </a:br>
+            <a:r>
+              <a:rPr lang="en-US" sz="3100" b="1" dirty="0" smtClean="0"/>
+              <a:t/>
+            </a:r>
+            <a:br>
+              <a:rPr lang="en-US" sz="3100" b="1" dirty="0" smtClean="0"/>
+            </a:br>
+            <a:r>
+              <a:rPr lang="en-US" sz="3100" dirty="0" smtClean="0"/>
+              <a:t>Think </a:t>
+            </a:r>
+            <a:r>
+              <a:rPr lang="en-US" sz="3100" dirty="0"/>
+              <a:t>about a</a:t>
+            </a:r>
+            <a:r>
+              <a:rPr lang="en-US" sz="3100" dirty="0" smtClean="0"/>
+              <a:t> </a:t>
+            </a:r>
+            <a:r>
+              <a:rPr lang="en-US" sz="3100" dirty="0"/>
+              <a:t>digital project or research you are or will be working </a:t>
+            </a:r>
+            <a:r>
+              <a:rPr lang="en-US" sz="3100" dirty="0" smtClean="0"/>
+              <a:t>on</a:t>
+            </a:r>
+            <a:r>
+              <a:rPr lang="en-US" sz="3100" dirty="0"/>
+              <a:t>. Pair up with another person near you and </a:t>
+            </a:r>
+            <a:r>
+              <a:rPr lang="en-US" sz="3100" dirty="0" smtClean="0"/>
+              <a:t>discuss:</a:t>
+            </a:r>
+            <a:br>
+              <a:rPr lang="en-US" sz="3100" dirty="0" smtClean="0"/>
+            </a:br>
+            <a:r>
+              <a:rPr lang="en-US" sz="3100" dirty="0" smtClean="0"/>
+              <a:t/>
+            </a:r>
+            <a:br>
+              <a:rPr lang="en-US" sz="3100" dirty="0" smtClean="0"/>
+            </a:br>
+            <a:r>
+              <a:rPr lang="en-US" sz="3100" dirty="0" smtClean="0"/>
+              <a:t>&gt;&gt;  In 1 minute each, what is the </a:t>
+            </a:r>
+            <a:r>
+              <a:rPr lang="en-US" sz="3100" i="1" dirty="0" smtClean="0"/>
+              <a:t>purpose</a:t>
+            </a:r>
+            <a:r>
+              <a:rPr lang="en-US" sz="3100" dirty="0" smtClean="0"/>
+              <a:t> of your project—what does it </a:t>
+            </a:r>
+            <a:r>
+              <a:rPr lang="en-US" sz="3100" i="1" dirty="0" smtClean="0"/>
+              <a:t>aim</a:t>
+            </a:r>
+            <a:r>
+              <a:rPr lang="en-US" sz="3100" dirty="0" smtClean="0"/>
+              <a:t> to </a:t>
+            </a:r>
+            <a:r>
+              <a:rPr lang="en-US" sz="3100" i="1" dirty="0" smtClean="0"/>
+              <a:t>do</a:t>
+            </a:r>
+            <a:r>
+              <a:rPr lang="en-US" sz="3100" dirty="0" smtClean="0"/>
+              <a:t>?</a:t>
+            </a:r>
+            <a:br>
+              <a:rPr lang="en-US" sz="3100" dirty="0" smtClean="0"/>
+            </a:br>
+            <a:r>
+              <a:rPr lang="en-US" sz="3100" dirty="0" smtClean="0"/>
+              <a:t/>
+            </a:r>
+            <a:br>
+              <a:rPr lang="en-US" sz="3100" dirty="0" smtClean="0"/>
+            </a:br>
+            <a:r>
+              <a:rPr lang="en-US" sz="3100" dirty="0" smtClean="0"/>
+              <a:t>&gt;&gt;  In 1 minute each, what is the </a:t>
+            </a:r>
+            <a:r>
+              <a:rPr lang="en-US" sz="3100" i="1" dirty="0" smtClean="0"/>
+              <a:t>design</a:t>
+            </a:r>
+            <a:r>
+              <a:rPr lang="en-US" sz="3100" dirty="0" smtClean="0"/>
+              <a:t> of your project—</a:t>
+            </a:r>
+            <a:r>
+              <a:rPr lang="en-US" sz="3100" i="1" dirty="0" smtClean="0"/>
+              <a:t>how</a:t>
+            </a:r>
+            <a:r>
+              <a:rPr lang="en-US" sz="3100" dirty="0" smtClean="0"/>
+              <a:t> will you do this?</a:t>
+            </a:r>
+            <a:br>
+              <a:rPr lang="en-US" sz="3100" dirty="0" smtClean="0"/>
+            </a:br>
+            <a:r>
+              <a:rPr lang="en-US" sz="3100" dirty="0" smtClean="0"/>
+              <a:t/>
+            </a:r>
+            <a:br>
+              <a:rPr lang="en-US" sz="3100" dirty="0" smtClean="0"/>
+            </a:br>
+            <a:r>
+              <a:rPr lang="en-US" sz="3100" dirty="0" smtClean="0"/>
+              <a:t>&gt;&gt;  In relation to each of your projects' purpose and design, what might be some ethical concerns that fall beyond questions of legality or the purview of the IRB?</a:t>
+            </a:r>
+            <a:br>
+              <a:rPr lang="en-US" sz="3100" dirty="0" smtClean="0"/>
+            </a:br>
+            <a:r>
+              <a:rPr lang="en-US" sz="3100" dirty="0"/>
+              <a:t/>
+            </a:r>
+            <a:br>
+              <a:rPr lang="en-US" sz="3100" dirty="0"/>
+            </a:br>
+            <a:r>
+              <a:rPr lang="en-US" sz="3100" dirty="0" smtClean="0"/>
+              <a:t>Share </a:t>
+            </a:r>
+            <a:r>
+              <a:rPr lang="en-US" sz="3100" dirty="0"/>
+              <a:t>as a class.</a:t>
+            </a:r>
+            <a:r>
+              <a:rPr lang="en-US" sz="3200" dirty="0"/>
+              <a:t/>
+            </a:r>
+            <a:br>
+              <a:rPr lang="en-US" sz="3200" dirty="0"/>
+            </a:br>
+            <a:r>
+              <a:rPr lang="en-US" sz="3200" dirty="0"/>
+              <a:t/>
+            </a:r>
+            <a:br>
+              <a:rPr lang="en-US" sz="3200" dirty="0"/>
+            </a:br>
+            <a:endParaRPr lang="en-US" sz="3000" dirty="0"/>
           </a:p>
         </p:txBody>
       </p:sp>
@@ -4105,7 +4283,7 @@
             <a:r>
               <a:rPr lang="en-US" dirty="0" smtClean="0">
                 <a:solidFill>
-                  <a:schemeClr val="accent5"/>
+                  <a:schemeClr val="tx2"/>
                 </a:solidFill>
               </a:rPr>
               <a:t>[See: </a:t>
@@ -4113,7 +4291,7 @@
             <a:r>
               <a:rPr lang="en-US" dirty="0" err="1" smtClean="0">
                 <a:solidFill>
-                  <a:schemeClr val="accent5"/>
+                  <a:schemeClr val="tx2"/>
                 </a:solidFill>
               </a:rPr>
               <a:t>beyond.md</a:t>
@@ -4121,14 +4299,14 @@
             <a:r>
               <a:rPr lang="en-US" dirty="0" smtClean="0">
                 <a:solidFill>
-                  <a:schemeClr val="accent5"/>
+                  <a:schemeClr val="tx2"/>
                 </a:solidFill>
               </a:rPr>
               <a:t>]</a:t>
             </a:r>
             <a:endParaRPr lang="en-US" dirty="0">
               <a:solidFill>
-                <a:schemeClr val="accent5"/>
+                <a:schemeClr val="tx2"/>
               </a:solidFill>
             </a:endParaRPr>
           </a:p>
@@ -4137,7 +4315,7 @@
     </p:spTree>
     <p:extLst>
       <p:ext uri="{BB962C8B-B14F-4D97-AF65-F5344CB8AC3E}">
-        <p14:creationId xmlns:p14="http://schemas.microsoft.com/office/powerpoint/2010/main" val="1248937395"/>
+        <p14:creationId xmlns:p14="http://schemas.microsoft.com/office/powerpoint/2010/main" val="1397899116"/>
       </p:ext>
     </p:extLst>
   </p:cSld>
@@ -4148,6 +4326,1657 @@
 </file>
 
 <file path=ppt/slides/slide14.xml><?xml version="1.0" encoding="utf-8"?>
+<p:sld xmlns:a="http://schemas.openxmlformats.org/drawingml/2006/main" xmlns:r="http://schemas.openxmlformats.org/officeDocument/2006/relationships" xmlns:p="http://schemas.openxmlformats.org/presentationml/2006/main">
+  <p:cSld>
+    <p:bg>
+      <p:bgPr>
+        <a:solidFill>
+          <a:schemeClr val="accent5">
+            <a:lumMod val="50000"/>
+          </a:schemeClr>
+        </a:solidFill>
+        <a:effectLst/>
+      </p:bgPr>
+    </p:bg>
+    <p:spTree>
+      <p:nvGrpSpPr>
+        <p:cNvPr id="1" name=""/>
+        <p:cNvGrpSpPr/>
+        <p:nvPr/>
+      </p:nvGrpSpPr>
+      <p:grpSpPr>
+        <a:xfrm>
+          <a:off x="0" y="0"/>
+          <a:ext cx="0" cy="0"/>
+          <a:chOff x="0" y="0"/>
+          <a:chExt cx="0" cy="0"/>
+        </a:xfrm>
+      </p:grpSpPr>
+      <p:sp>
+        <p:nvSpPr>
+          <p:cNvPr id="2" name="Title 1"/>
+          <p:cNvSpPr>
+            <a:spLocks noGrp="1"/>
+          </p:cNvSpPr>
+          <p:nvPr>
+            <p:ph type="title"/>
+          </p:nvPr>
+        </p:nvSpPr>
+        <p:spPr>
+          <a:xfrm>
+            <a:off x="0" y="1244517"/>
+            <a:ext cx="10515600" cy="2852737"/>
+          </a:xfrm>
+        </p:spPr>
+        <p:txBody>
+          <a:bodyPr anchor="ctr"/>
+          <a:lstStyle/>
+          <a:p>
+            <a:pPr algn="ctr"/>
+            <a:r>
+              <a:rPr lang="en-US" dirty="0" smtClean="0"/>
+              <a:t>Ethics beyond compliance</a:t>
+            </a:r>
+            <a:endParaRPr lang="en-US" dirty="0"/>
+          </a:p>
+        </p:txBody>
+      </p:sp>
+      <p:sp>
+        <p:nvSpPr>
+          <p:cNvPr id="3" name="Rectangle 2"/>
+          <p:cNvSpPr/>
+          <p:nvPr/>
+        </p:nvSpPr>
+        <p:spPr>
+          <a:xfrm>
+            <a:off x="3965074" y="3565541"/>
+            <a:ext cx="7761705" cy="2308324"/>
+          </a:xfrm>
+          <a:prstGeom prst="rect">
+            <a:avLst/>
+          </a:prstGeom>
+        </p:spPr>
+        <p:txBody>
+          <a:bodyPr wrap="square">
+            <a:spAutoFit/>
+          </a:bodyPr>
+          <a:lstStyle/>
+          <a:p>
+            <a:pPr algn="ctr"/>
+            <a:r>
+              <a:rPr lang="en-US" sz="4800" dirty="0" smtClean="0"/>
+              <a:t>An “impact approach” </a:t>
+            </a:r>
+            <a:br>
+              <a:rPr lang="en-US" sz="4800" dirty="0" smtClean="0"/>
+            </a:br>
+            <a:r>
+              <a:rPr lang="en-US" sz="4800" dirty="0" smtClean="0"/>
+              <a:t>(Markham </a:t>
+            </a:r>
+            <a:r>
+              <a:rPr lang="en-US" sz="4800" dirty="0" smtClean="0"/>
+              <a:t>2016 </a:t>
+            </a:r>
+            <a:r>
+              <a:rPr lang="en-US" sz="4800" dirty="0" smtClean="0">
+                <a:solidFill>
+                  <a:srgbClr val="FFF8A9"/>
+                </a:solidFill>
+              </a:rPr>
+              <a:t>[</a:t>
+            </a:r>
+            <a:r>
+              <a:rPr lang="en-US" sz="4800" dirty="0" err="1" smtClean="0">
+                <a:solidFill>
+                  <a:srgbClr val="FFF8A9"/>
+                </a:solidFill>
+              </a:rPr>
+              <a:t>tinyurl.com</a:t>
+            </a:r>
+            <a:r>
+              <a:rPr lang="en-US" sz="4800" dirty="0" smtClean="0">
+                <a:solidFill>
+                  <a:srgbClr val="FFF8A9"/>
+                </a:solidFill>
+              </a:rPr>
+              <a:t>/</a:t>
+            </a:r>
+            <a:r>
+              <a:rPr lang="en-US" sz="4800" dirty="0" err="1" smtClean="0">
+                <a:solidFill>
+                  <a:srgbClr val="FFF8A9"/>
+                </a:solidFill>
+              </a:rPr>
+              <a:t>markhamethics</a:t>
+            </a:r>
+            <a:r>
+              <a:rPr lang="en-US" sz="4800" dirty="0" smtClean="0">
+                <a:solidFill>
+                  <a:srgbClr val="FFF8A9"/>
+                </a:solidFill>
+              </a:rPr>
+              <a:t>]</a:t>
+            </a:r>
+            <a:r>
+              <a:rPr lang="en-US" sz="4800" dirty="0" smtClean="0"/>
+              <a:t>)</a:t>
+            </a:r>
+            <a:endParaRPr lang="en-US" sz="4800" dirty="0"/>
+          </a:p>
+        </p:txBody>
+      </p:sp>
+      <p:cxnSp>
+        <p:nvCxnSpPr>
+          <p:cNvPr id="4" name="Straight Arrow Connector 3"/>
+          <p:cNvCxnSpPr/>
+          <p:nvPr/>
+        </p:nvCxnSpPr>
+        <p:spPr>
+          <a:xfrm>
+            <a:off x="3723774" y="3989973"/>
+            <a:ext cx="1106905" cy="0"/>
+          </a:xfrm>
+          <a:prstGeom prst="straightConnector1">
+            <a:avLst/>
+          </a:prstGeom>
+          <a:ln w="152400">
+            <a:tailEnd type="triangle"/>
+          </a:ln>
+        </p:spPr>
+        <p:style>
+          <a:lnRef idx="1">
+            <a:schemeClr val="accent1"/>
+          </a:lnRef>
+          <a:fillRef idx="0">
+            <a:schemeClr val="accent1"/>
+          </a:fillRef>
+          <a:effectRef idx="0">
+            <a:schemeClr val="accent1"/>
+          </a:effectRef>
+          <a:fontRef idx="minor">
+            <a:schemeClr val="tx1"/>
+          </a:fontRef>
+        </p:style>
+      </p:cxnSp>
+      <p:sp>
+        <p:nvSpPr>
+          <p:cNvPr id="6" name="Rectangle 5"/>
+          <p:cNvSpPr/>
+          <p:nvPr/>
+        </p:nvSpPr>
+        <p:spPr>
+          <a:xfrm>
+            <a:off x="5257800" y="6354110"/>
+            <a:ext cx="2313710" cy="369332"/>
+          </a:xfrm>
+          <a:prstGeom prst="rect">
+            <a:avLst/>
+          </a:prstGeom>
+        </p:spPr>
+        <p:txBody>
+          <a:bodyPr wrap="none">
+            <a:spAutoFit/>
+          </a:bodyPr>
+          <a:lstStyle/>
+          <a:p>
+            <a:r>
+              <a:rPr lang="en-US" dirty="0" smtClean="0">
+                <a:solidFill>
+                  <a:schemeClr val="tx2"/>
+                </a:solidFill>
+              </a:rPr>
+              <a:t>[See: </a:t>
+            </a:r>
+            <a:r>
+              <a:rPr lang="en-US" dirty="0" err="1" smtClean="0">
+                <a:solidFill>
+                  <a:schemeClr val="tx2"/>
+                </a:solidFill>
+              </a:rPr>
+              <a:t>levelsimpact.md</a:t>
+            </a:r>
+            <a:r>
+              <a:rPr lang="en-US" dirty="0" smtClean="0">
+                <a:solidFill>
+                  <a:schemeClr val="tx2"/>
+                </a:solidFill>
+              </a:rPr>
+              <a:t>]</a:t>
+            </a:r>
+            <a:endParaRPr lang="en-US" dirty="0">
+              <a:solidFill>
+                <a:schemeClr val="tx2"/>
+              </a:solidFill>
+            </a:endParaRPr>
+          </a:p>
+        </p:txBody>
+      </p:sp>
+    </p:spTree>
+    <p:extLst>
+      <p:ext uri="{BB962C8B-B14F-4D97-AF65-F5344CB8AC3E}">
+        <p14:creationId xmlns:p14="http://schemas.microsoft.com/office/powerpoint/2010/main" val="910849687"/>
+      </p:ext>
+    </p:extLst>
+  </p:cSld>
+  <p:clrMapOvr>
+    <a:masterClrMapping/>
+  </p:clrMapOvr>
+</p:sld>
+</file>
+
+<file path=ppt/slides/slide15.xml><?xml version="1.0" encoding="utf-8"?>
+<p:sld xmlns:a="http://schemas.openxmlformats.org/drawingml/2006/main" xmlns:r="http://schemas.openxmlformats.org/officeDocument/2006/relationships" xmlns:p="http://schemas.openxmlformats.org/presentationml/2006/main">
+  <p:cSld>
+    <p:spTree>
+      <p:nvGrpSpPr>
+        <p:cNvPr id="1" name=""/>
+        <p:cNvGrpSpPr/>
+        <p:nvPr/>
+      </p:nvGrpSpPr>
+      <p:grpSpPr>
+        <a:xfrm>
+          <a:off x="0" y="0"/>
+          <a:ext cx="0" cy="0"/>
+          <a:chOff x="0" y="0"/>
+          <a:chExt cx="0" cy="0"/>
+        </a:xfrm>
+      </p:grpSpPr>
+      <p:sp>
+        <p:nvSpPr>
+          <p:cNvPr id="3" name="Content Placeholder 2"/>
+          <p:cNvSpPr>
+            <a:spLocks noGrp="1"/>
+          </p:cNvSpPr>
+          <p:nvPr>
+            <p:ph idx="1"/>
+          </p:nvPr>
+        </p:nvSpPr>
+        <p:spPr>
+          <a:xfrm>
+            <a:off x="806116" y="1857709"/>
+            <a:ext cx="10515600" cy="3596607"/>
+          </a:xfrm>
+        </p:spPr>
+        <p:txBody>
+          <a:bodyPr>
+            <a:noAutofit/>
+          </a:bodyPr>
+          <a:lstStyle/>
+          <a:p>
+            <a:pPr marL="0" indent="0">
+              <a:buNone/>
+            </a:pPr>
+            <a:r>
+              <a:rPr lang="en-US" sz="3200" dirty="0"/>
+              <a:t>This session, drawing from Markham (2016), will focus on three </a:t>
+            </a:r>
+            <a:r>
+              <a:rPr lang="en-US" sz="3200" b="1" i="1" dirty="0"/>
+              <a:t>levels of impact</a:t>
+            </a:r>
+            <a:r>
+              <a:rPr lang="en-US" sz="3200" dirty="0"/>
+              <a:t>:</a:t>
+            </a:r>
+          </a:p>
+          <a:p>
+            <a:pPr marL="514350" indent="-514350">
+              <a:buFont typeface="+mj-lt"/>
+              <a:buAutoNum type="arabicPeriod"/>
+            </a:pPr>
+            <a:r>
+              <a:rPr lang="en-US" sz="3200" dirty="0"/>
+              <a:t>Direct impacts on people</a:t>
+            </a:r>
+          </a:p>
+          <a:p>
+            <a:pPr marL="514350" indent="-514350">
+              <a:buFont typeface="+mj-lt"/>
+              <a:buAutoNum type="arabicPeriod"/>
+            </a:pPr>
+            <a:r>
+              <a:rPr lang="en-US" sz="3200" dirty="0"/>
+              <a:t>Ramifications of (re)producing categories</a:t>
+            </a:r>
+          </a:p>
+          <a:p>
+            <a:pPr marL="514350" indent="-514350">
+              <a:buFont typeface="+mj-lt"/>
+              <a:buAutoNum type="arabicPeriod"/>
+            </a:pPr>
+            <a:r>
+              <a:rPr lang="en-US" sz="3200" dirty="0"/>
+              <a:t>Social, political and economic effects</a:t>
+            </a:r>
+          </a:p>
+        </p:txBody>
+      </p:sp>
+      <p:sp>
+        <p:nvSpPr>
+          <p:cNvPr id="4" name="Rectangle 3"/>
+          <p:cNvSpPr/>
+          <p:nvPr/>
+        </p:nvSpPr>
+        <p:spPr>
+          <a:xfrm>
+            <a:off x="4907061" y="6354110"/>
+            <a:ext cx="2313710" cy="369332"/>
+          </a:xfrm>
+          <a:prstGeom prst="rect">
+            <a:avLst/>
+          </a:prstGeom>
+        </p:spPr>
+        <p:txBody>
+          <a:bodyPr wrap="none">
+            <a:spAutoFit/>
+          </a:bodyPr>
+          <a:lstStyle/>
+          <a:p>
+            <a:r>
+              <a:rPr lang="en-US" dirty="0" smtClean="0">
+                <a:solidFill>
+                  <a:schemeClr val="accent5"/>
+                </a:solidFill>
+              </a:rPr>
+              <a:t>[See: </a:t>
+            </a:r>
+            <a:r>
+              <a:rPr lang="en-US" dirty="0" err="1" smtClean="0">
+                <a:solidFill>
+                  <a:schemeClr val="accent5"/>
+                </a:solidFill>
+              </a:rPr>
+              <a:t>levelsimpact.md</a:t>
+            </a:r>
+            <a:r>
+              <a:rPr lang="en-US" dirty="0" smtClean="0">
+                <a:solidFill>
+                  <a:schemeClr val="accent5"/>
+                </a:solidFill>
+              </a:rPr>
+              <a:t>]</a:t>
+            </a:r>
+            <a:endParaRPr lang="en-US" dirty="0">
+              <a:solidFill>
+                <a:schemeClr val="accent5"/>
+              </a:solidFill>
+            </a:endParaRPr>
+          </a:p>
+        </p:txBody>
+      </p:sp>
+    </p:spTree>
+    <p:extLst>
+      <p:ext uri="{BB962C8B-B14F-4D97-AF65-F5344CB8AC3E}">
+        <p14:creationId xmlns:p14="http://schemas.microsoft.com/office/powerpoint/2010/main" val="69844357"/>
+      </p:ext>
+    </p:extLst>
+  </p:cSld>
+  <p:clrMapOvr>
+    <a:masterClrMapping/>
+  </p:clrMapOvr>
+</p:sld>
+</file>
+
+<file path=ppt/slides/slide16.xml><?xml version="1.0" encoding="utf-8"?>
+<p:sld xmlns:a="http://schemas.openxmlformats.org/drawingml/2006/main" xmlns:r="http://schemas.openxmlformats.org/officeDocument/2006/relationships" xmlns:p="http://schemas.openxmlformats.org/presentationml/2006/main">
+  <p:cSld>
+    <p:spTree>
+      <p:nvGrpSpPr>
+        <p:cNvPr id="1" name=""/>
+        <p:cNvGrpSpPr/>
+        <p:nvPr/>
+      </p:nvGrpSpPr>
+      <p:grpSpPr>
+        <a:xfrm>
+          <a:off x="0" y="0"/>
+          <a:ext cx="0" cy="0"/>
+          <a:chOff x="0" y="0"/>
+          <a:chExt cx="0" cy="0"/>
+        </a:xfrm>
+      </p:grpSpPr>
+      <p:sp>
+        <p:nvSpPr>
+          <p:cNvPr id="3" name="Content Placeholder 2"/>
+          <p:cNvSpPr>
+            <a:spLocks noGrp="1"/>
+          </p:cNvSpPr>
+          <p:nvPr>
+            <p:ph idx="1"/>
+          </p:nvPr>
+        </p:nvSpPr>
+        <p:spPr>
+          <a:xfrm>
+            <a:off x="806116" y="1857709"/>
+            <a:ext cx="10515600" cy="3596607"/>
+          </a:xfrm>
+        </p:spPr>
+        <p:txBody>
+          <a:bodyPr>
+            <a:noAutofit/>
+          </a:bodyPr>
+          <a:lstStyle/>
+          <a:p>
+            <a:pPr marL="0" indent="0">
+              <a:buNone/>
+            </a:pPr>
+            <a:r>
+              <a:rPr lang="en-US" sz="3200" dirty="0"/>
+              <a:t>Additionally, this workshop will address the </a:t>
+            </a:r>
+            <a:r>
+              <a:rPr lang="en-US" sz="3200" b="1" i="1" dirty="0"/>
+              <a:t>range of impact</a:t>
+            </a:r>
+            <a:r>
+              <a:rPr lang="en-US" sz="3200" dirty="0"/>
+              <a:t>, or the range of accessibility to your </a:t>
+            </a:r>
+            <a:r>
+              <a:rPr lang="en-US" sz="3200" dirty="0" smtClean="0"/>
+              <a:t>work:</a:t>
+            </a:r>
+          </a:p>
+          <a:p>
+            <a:pPr marL="0" indent="0">
+              <a:buNone/>
+            </a:pPr>
+            <a:r>
+              <a:rPr lang="en-US" sz="3200" dirty="0" smtClean="0"/>
+              <a:t>&gt;&gt;  to </a:t>
+            </a:r>
+            <a:r>
+              <a:rPr lang="en-US" sz="3200" dirty="0"/>
+              <a:t>people with </a:t>
+            </a:r>
+            <a:r>
+              <a:rPr lang="en-US" sz="3200" dirty="0" smtClean="0"/>
+              <a:t>disabilities,</a:t>
+            </a:r>
+          </a:p>
+          <a:p>
+            <a:pPr marL="0" indent="0">
+              <a:buNone/>
+            </a:pPr>
+            <a:r>
+              <a:rPr lang="en-US" sz="3200" dirty="0" smtClean="0"/>
+              <a:t>&gt;&gt;  to </a:t>
+            </a:r>
+            <a:r>
+              <a:rPr lang="en-US" sz="3200" dirty="0"/>
+              <a:t>people in different countries or who speak different languages, </a:t>
+            </a:r>
+            <a:r>
+              <a:rPr lang="en-US" sz="3200" dirty="0" smtClean="0"/>
+              <a:t>and</a:t>
+            </a:r>
+          </a:p>
+          <a:p>
+            <a:pPr marL="0" indent="0">
+              <a:buNone/>
+            </a:pPr>
+            <a:r>
+              <a:rPr lang="en-US" sz="3200" dirty="0" smtClean="0"/>
+              <a:t>&gt;&gt;  in </a:t>
+            </a:r>
+            <a:r>
+              <a:rPr lang="en-US" sz="3200" dirty="0"/>
+              <a:t>terms of cost and proprietary accessibility</a:t>
+            </a:r>
+            <a:r>
+              <a:rPr lang="en-US" sz="3200" dirty="0" smtClean="0"/>
+              <a:t>.</a:t>
+            </a:r>
+            <a:r>
+              <a:rPr lang="en-US" sz="3200" dirty="0"/>
+              <a:t/>
+            </a:r>
+            <a:br>
+              <a:rPr lang="en-US" sz="3200" dirty="0"/>
+            </a:br>
+            <a:endParaRPr lang="en-US" sz="3200" dirty="0"/>
+          </a:p>
+        </p:txBody>
+      </p:sp>
+      <p:sp>
+        <p:nvSpPr>
+          <p:cNvPr id="4" name="Rectangle 3"/>
+          <p:cNvSpPr/>
+          <p:nvPr/>
+        </p:nvSpPr>
+        <p:spPr>
+          <a:xfrm>
+            <a:off x="4907061" y="6354110"/>
+            <a:ext cx="2313710" cy="369332"/>
+          </a:xfrm>
+          <a:prstGeom prst="rect">
+            <a:avLst/>
+          </a:prstGeom>
+        </p:spPr>
+        <p:txBody>
+          <a:bodyPr wrap="none">
+            <a:spAutoFit/>
+          </a:bodyPr>
+          <a:lstStyle/>
+          <a:p>
+            <a:r>
+              <a:rPr lang="en-US" dirty="0" smtClean="0">
+                <a:solidFill>
+                  <a:schemeClr val="accent5"/>
+                </a:solidFill>
+              </a:rPr>
+              <a:t>[See: </a:t>
+            </a:r>
+            <a:r>
+              <a:rPr lang="en-US" dirty="0" err="1" smtClean="0">
+                <a:solidFill>
+                  <a:schemeClr val="accent5"/>
+                </a:solidFill>
+              </a:rPr>
+              <a:t>levelsimpact.md</a:t>
+            </a:r>
+            <a:r>
+              <a:rPr lang="en-US" dirty="0" smtClean="0">
+                <a:solidFill>
+                  <a:schemeClr val="accent5"/>
+                </a:solidFill>
+              </a:rPr>
+              <a:t>]</a:t>
+            </a:r>
+            <a:endParaRPr lang="en-US" dirty="0">
+              <a:solidFill>
+                <a:schemeClr val="accent5"/>
+              </a:solidFill>
+            </a:endParaRPr>
+          </a:p>
+        </p:txBody>
+      </p:sp>
+    </p:spTree>
+    <p:extLst>
+      <p:ext uri="{BB962C8B-B14F-4D97-AF65-F5344CB8AC3E}">
+        <p14:creationId xmlns:p14="http://schemas.microsoft.com/office/powerpoint/2010/main" val="945384503"/>
+      </p:ext>
+    </p:extLst>
+  </p:cSld>
+  <p:clrMapOvr>
+    <a:masterClrMapping/>
+  </p:clrMapOvr>
+</p:sld>
+</file>
+
+<file path=ppt/slides/slide17.xml><?xml version="1.0" encoding="utf-8"?>
+<p:sld xmlns:a="http://schemas.openxmlformats.org/drawingml/2006/main" xmlns:r="http://schemas.openxmlformats.org/officeDocument/2006/relationships" xmlns:p="http://schemas.openxmlformats.org/presentationml/2006/main">
+  <p:cSld>
+    <p:bg>
+      <p:bgPr>
+        <a:solidFill>
+          <a:schemeClr val="accent5">
+            <a:lumMod val="50000"/>
+          </a:schemeClr>
+        </a:solidFill>
+        <a:effectLst/>
+      </p:bgPr>
+    </p:bg>
+    <p:spTree>
+      <p:nvGrpSpPr>
+        <p:cNvPr id="1" name=""/>
+        <p:cNvGrpSpPr/>
+        <p:nvPr/>
+      </p:nvGrpSpPr>
+      <p:grpSpPr>
+        <a:xfrm>
+          <a:off x="0" y="0"/>
+          <a:ext cx="0" cy="0"/>
+          <a:chOff x="0" y="0"/>
+          <a:chExt cx="0" cy="0"/>
+        </a:xfrm>
+      </p:grpSpPr>
+      <p:sp>
+        <p:nvSpPr>
+          <p:cNvPr id="2" name="Title 1"/>
+          <p:cNvSpPr>
+            <a:spLocks noGrp="1"/>
+          </p:cNvSpPr>
+          <p:nvPr>
+            <p:ph type="title"/>
+          </p:nvPr>
+        </p:nvSpPr>
+        <p:spPr>
+          <a:xfrm>
+            <a:off x="831850" y="1902244"/>
+            <a:ext cx="10173034" cy="2852737"/>
+          </a:xfrm>
+        </p:spPr>
+        <p:txBody>
+          <a:bodyPr anchor="ctr">
+            <a:normAutofit fontScale="90000"/>
+          </a:bodyPr>
+          <a:lstStyle/>
+          <a:p>
+            <a:pPr algn="ctr"/>
+            <a:r>
+              <a:rPr lang="en-US" sz="8900" dirty="0" smtClean="0"/>
+              <a:t>Level of impact 1:</a:t>
+            </a:r>
+            <a:br>
+              <a:rPr lang="en-US" sz="8900" dirty="0" smtClean="0"/>
+            </a:br>
+            <a:r>
+              <a:rPr lang="en-US" dirty="0"/>
+              <a:t>  </a:t>
+            </a:r>
+            <a:r>
+              <a:rPr lang="en-US" dirty="0" smtClean="0"/>
+              <a:t/>
+            </a:r>
+            <a:br>
+              <a:rPr lang="en-US" dirty="0" smtClean="0"/>
+            </a:br>
+            <a:r>
+              <a:rPr lang="en-US" dirty="0" smtClean="0"/>
+              <a:t>“how </a:t>
+            </a:r>
+            <a:r>
+              <a:rPr lang="en-US" dirty="0"/>
+              <a:t>our methods of data collection impact humans, </a:t>
+            </a:r>
+            <a:r>
+              <a:rPr lang="en-US" dirty="0" smtClean="0"/>
+              <a:t>directly” (Markham 2016)</a:t>
+            </a:r>
+            <a:endParaRPr lang="en-US" dirty="0"/>
+          </a:p>
+        </p:txBody>
+      </p:sp>
+      <p:sp>
+        <p:nvSpPr>
+          <p:cNvPr id="3" name="Rectangle 2"/>
+          <p:cNvSpPr/>
+          <p:nvPr/>
+        </p:nvSpPr>
+        <p:spPr>
+          <a:xfrm>
+            <a:off x="4940374" y="6305984"/>
+            <a:ext cx="1955985" cy="369332"/>
+          </a:xfrm>
+          <a:prstGeom prst="rect">
+            <a:avLst/>
+          </a:prstGeom>
+        </p:spPr>
+        <p:txBody>
+          <a:bodyPr wrap="none">
+            <a:spAutoFit/>
+          </a:bodyPr>
+          <a:lstStyle/>
+          <a:p>
+            <a:r>
+              <a:rPr lang="en-US" dirty="0" smtClean="0">
+                <a:solidFill>
+                  <a:schemeClr val="tx2"/>
+                </a:solidFill>
+              </a:rPr>
+              <a:t>[See: impact1.md]</a:t>
+            </a:r>
+            <a:endParaRPr lang="en-US" dirty="0">
+              <a:solidFill>
+                <a:schemeClr val="tx2"/>
+              </a:solidFill>
+            </a:endParaRPr>
+          </a:p>
+        </p:txBody>
+      </p:sp>
+    </p:spTree>
+    <p:extLst>
+      <p:ext uri="{BB962C8B-B14F-4D97-AF65-F5344CB8AC3E}">
+        <p14:creationId xmlns:p14="http://schemas.microsoft.com/office/powerpoint/2010/main" val="1866030089"/>
+      </p:ext>
+    </p:extLst>
+  </p:cSld>
+  <p:clrMapOvr>
+    <a:masterClrMapping/>
+  </p:clrMapOvr>
+</p:sld>
+</file>
+
+<file path=ppt/slides/slide18.xml><?xml version="1.0" encoding="utf-8"?>
+<p:sld xmlns:a="http://schemas.openxmlformats.org/drawingml/2006/main" xmlns:r="http://schemas.openxmlformats.org/officeDocument/2006/relationships" xmlns:p="http://schemas.openxmlformats.org/presentationml/2006/main">
+  <p:cSld>
+    <p:spTree>
+      <p:nvGrpSpPr>
+        <p:cNvPr id="1" name=""/>
+        <p:cNvGrpSpPr/>
+        <p:nvPr/>
+      </p:nvGrpSpPr>
+      <p:grpSpPr>
+        <a:xfrm>
+          <a:off x="0" y="0"/>
+          <a:ext cx="0" cy="0"/>
+          <a:chOff x="0" y="0"/>
+          <a:chExt cx="0" cy="0"/>
+        </a:xfrm>
+      </p:grpSpPr>
+      <p:sp>
+        <p:nvSpPr>
+          <p:cNvPr id="2" name="Title 1"/>
+          <p:cNvSpPr>
+            <a:spLocks noGrp="1"/>
+          </p:cNvSpPr>
+          <p:nvPr>
+            <p:ph type="title"/>
+          </p:nvPr>
+        </p:nvSpPr>
+        <p:spPr>
+          <a:xfrm>
+            <a:off x="838200" y="2659146"/>
+            <a:ext cx="10515600" cy="1325563"/>
+          </a:xfrm>
+        </p:spPr>
+        <p:txBody>
+          <a:bodyPr>
+            <a:noAutofit/>
+          </a:bodyPr>
+          <a:lstStyle/>
+          <a:p>
+            <a:pPr algn="ctr"/>
+            <a:r>
+              <a:rPr lang="en-US" sz="6000" dirty="0"/>
+              <a:t>What counts as "human"? </a:t>
+            </a:r>
+            <a:r>
+              <a:rPr lang="en-US" sz="6000" dirty="0" smtClean="0"/>
+              <a:t/>
+            </a:r>
+            <a:br>
+              <a:rPr lang="en-US" sz="6000" dirty="0" smtClean="0"/>
+            </a:br>
+            <a:r>
+              <a:rPr lang="en-US" sz="6000" dirty="0" smtClean="0"/>
+              <a:t>What </a:t>
+            </a:r>
+            <a:r>
+              <a:rPr lang="en-US" sz="6000" dirty="0"/>
+              <a:t>data should be off limits?</a:t>
+            </a:r>
+            <a:r>
+              <a:rPr lang="en-US" sz="3600" dirty="0"/>
+              <a:t/>
+            </a:r>
+            <a:br>
+              <a:rPr lang="en-US" sz="3600" dirty="0"/>
+            </a:br>
+            <a:endParaRPr lang="en-US" sz="3600" dirty="0"/>
+          </a:p>
+        </p:txBody>
+      </p:sp>
+      <p:sp>
+        <p:nvSpPr>
+          <p:cNvPr id="3" name="Rectangle 2"/>
+          <p:cNvSpPr/>
+          <p:nvPr/>
+        </p:nvSpPr>
+        <p:spPr>
+          <a:xfrm>
+            <a:off x="4940374" y="6305984"/>
+            <a:ext cx="1955985" cy="369332"/>
+          </a:xfrm>
+          <a:prstGeom prst="rect">
+            <a:avLst/>
+          </a:prstGeom>
+        </p:spPr>
+        <p:txBody>
+          <a:bodyPr wrap="none">
+            <a:spAutoFit/>
+          </a:bodyPr>
+          <a:lstStyle/>
+          <a:p>
+            <a:r>
+              <a:rPr lang="en-US" dirty="0" smtClean="0">
+                <a:solidFill>
+                  <a:schemeClr val="accent5"/>
+                </a:solidFill>
+              </a:rPr>
+              <a:t>[See: impact1.md]</a:t>
+            </a:r>
+            <a:endParaRPr lang="en-US" dirty="0">
+              <a:solidFill>
+                <a:schemeClr val="accent5"/>
+              </a:solidFill>
+            </a:endParaRPr>
+          </a:p>
+        </p:txBody>
+      </p:sp>
+    </p:spTree>
+    <p:extLst>
+      <p:ext uri="{BB962C8B-B14F-4D97-AF65-F5344CB8AC3E}">
+        <p14:creationId xmlns:p14="http://schemas.microsoft.com/office/powerpoint/2010/main" val="252967089"/>
+      </p:ext>
+    </p:extLst>
+  </p:cSld>
+  <p:clrMapOvr>
+    <a:masterClrMapping/>
+  </p:clrMapOvr>
+</p:sld>
+</file>
+
+<file path=ppt/slides/slide19.xml><?xml version="1.0" encoding="utf-8"?>
+<p:sld xmlns:a="http://schemas.openxmlformats.org/drawingml/2006/main" xmlns:r="http://schemas.openxmlformats.org/officeDocument/2006/relationships" xmlns:p="http://schemas.openxmlformats.org/presentationml/2006/main">
+  <p:cSld>
+    <p:spTree>
+      <p:nvGrpSpPr>
+        <p:cNvPr id="1" name=""/>
+        <p:cNvGrpSpPr/>
+        <p:nvPr/>
+      </p:nvGrpSpPr>
+      <p:grpSpPr>
+        <a:xfrm>
+          <a:off x="0" y="0"/>
+          <a:ext cx="0" cy="0"/>
+          <a:chOff x="0" y="0"/>
+          <a:chExt cx="0" cy="0"/>
+        </a:xfrm>
+      </p:grpSpPr>
+      <p:sp>
+        <p:nvSpPr>
+          <p:cNvPr id="2" name="Title 1"/>
+          <p:cNvSpPr>
+            <a:spLocks noGrp="1"/>
+          </p:cNvSpPr>
+          <p:nvPr>
+            <p:ph type="title"/>
+          </p:nvPr>
+        </p:nvSpPr>
+        <p:spPr>
+          <a:xfrm>
+            <a:off x="838200" y="1129916"/>
+            <a:ext cx="10515600" cy="1325563"/>
+          </a:xfrm>
+        </p:spPr>
+        <p:txBody>
+          <a:bodyPr>
+            <a:normAutofit/>
+          </a:bodyPr>
+          <a:lstStyle/>
+          <a:p>
+            <a:r>
+              <a:rPr lang="en-US" sz="6600" dirty="0" smtClean="0"/>
+              <a:t>Commonly blurred definitions</a:t>
+            </a:r>
+            <a:endParaRPr lang="en-US" sz="6600" dirty="0"/>
+          </a:p>
+        </p:txBody>
+      </p:sp>
+      <p:sp>
+        <p:nvSpPr>
+          <p:cNvPr id="3" name="Content Placeholder 2"/>
+          <p:cNvSpPr>
+            <a:spLocks noGrp="1"/>
+          </p:cNvSpPr>
+          <p:nvPr>
+            <p:ph idx="1"/>
+          </p:nvPr>
+        </p:nvSpPr>
+        <p:spPr>
+          <a:xfrm>
+            <a:off x="838200" y="2455479"/>
+            <a:ext cx="10515600" cy="2920416"/>
+          </a:xfrm>
+        </p:spPr>
+        <p:txBody>
+          <a:bodyPr>
+            <a:normAutofit/>
+          </a:bodyPr>
+          <a:lstStyle/>
+          <a:p>
+            <a:pPr marL="0" indent="0">
+              <a:buNone/>
+            </a:pPr>
+            <a:r>
+              <a:rPr lang="en-US" sz="4800" dirty="0" smtClean="0"/>
+              <a:t>&gt;&gt;  “</a:t>
+            </a:r>
+            <a:r>
+              <a:rPr lang="en-US" sz="4800" dirty="0"/>
+              <a:t>human </a:t>
+            </a:r>
+            <a:r>
+              <a:rPr lang="en-US" sz="4800" dirty="0" smtClean="0"/>
+              <a:t>subjects”</a:t>
+            </a:r>
+          </a:p>
+          <a:p>
+            <a:pPr marL="0" indent="0">
+              <a:buNone/>
+            </a:pPr>
+            <a:r>
+              <a:rPr lang="en-US" sz="4800" dirty="0" smtClean="0"/>
+              <a:t>&gt;&gt;  public </a:t>
+            </a:r>
+            <a:r>
+              <a:rPr lang="en-US" sz="4800" dirty="0"/>
+              <a:t>vs. </a:t>
+            </a:r>
+            <a:r>
+              <a:rPr lang="en-US" sz="4800" dirty="0" smtClean="0"/>
+              <a:t>private</a:t>
+            </a:r>
+          </a:p>
+          <a:p>
+            <a:pPr marL="0" indent="0">
+              <a:buNone/>
+            </a:pPr>
+            <a:r>
+              <a:rPr lang="en-US" sz="4800" dirty="0" smtClean="0"/>
+              <a:t>&gt;&gt;  data(text</a:t>
+            </a:r>
+            <a:r>
+              <a:rPr lang="en-US" sz="4800" dirty="0"/>
+              <a:t>) vs. </a:t>
+            </a:r>
+            <a:r>
+              <a:rPr lang="en-US" sz="4800" dirty="0" smtClean="0"/>
+              <a:t>persons</a:t>
+            </a:r>
+          </a:p>
+          <a:p>
+            <a:pPr marL="0" indent="0">
+              <a:buNone/>
+            </a:pPr>
+            <a:r>
+              <a:rPr lang="en-US" sz="3200" dirty="0" smtClean="0"/>
+              <a:t>(Source: </a:t>
+            </a:r>
+            <a:r>
+              <a:rPr lang="en-US" sz="3200" dirty="0" err="1" smtClean="0"/>
+              <a:t>AoIR</a:t>
+            </a:r>
+            <a:r>
+              <a:rPr lang="en-US" sz="3200" dirty="0" smtClean="0"/>
+              <a:t> 2012 report)</a:t>
+            </a:r>
+          </a:p>
+        </p:txBody>
+      </p:sp>
+      <p:sp>
+        <p:nvSpPr>
+          <p:cNvPr id="4" name="Rectangle 3"/>
+          <p:cNvSpPr/>
+          <p:nvPr/>
+        </p:nvSpPr>
+        <p:spPr>
+          <a:xfrm>
+            <a:off x="4940374" y="6305984"/>
+            <a:ext cx="1955985" cy="369332"/>
+          </a:xfrm>
+          <a:prstGeom prst="rect">
+            <a:avLst/>
+          </a:prstGeom>
+        </p:spPr>
+        <p:txBody>
+          <a:bodyPr wrap="none">
+            <a:spAutoFit/>
+          </a:bodyPr>
+          <a:lstStyle/>
+          <a:p>
+            <a:r>
+              <a:rPr lang="en-US" dirty="0" smtClean="0">
+                <a:solidFill>
+                  <a:schemeClr val="accent5"/>
+                </a:solidFill>
+              </a:rPr>
+              <a:t>[See: impact1.md]</a:t>
+            </a:r>
+            <a:endParaRPr lang="en-US" dirty="0">
+              <a:solidFill>
+                <a:schemeClr val="accent5"/>
+              </a:solidFill>
+            </a:endParaRPr>
+          </a:p>
+        </p:txBody>
+      </p:sp>
+    </p:spTree>
+    <p:extLst>
+      <p:ext uri="{BB962C8B-B14F-4D97-AF65-F5344CB8AC3E}">
+        <p14:creationId xmlns:p14="http://schemas.microsoft.com/office/powerpoint/2010/main" val="1307242050"/>
+      </p:ext>
+    </p:extLst>
+  </p:cSld>
+  <p:clrMapOvr>
+    <a:masterClrMapping/>
+  </p:clrMapOvr>
+</p:sld>
+</file>
+
+<file path=ppt/slides/slide2.xml><?xml version="1.0" encoding="utf-8"?>
+<p:sld xmlns:a="http://schemas.openxmlformats.org/drawingml/2006/main" xmlns:r="http://schemas.openxmlformats.org/officeDocument/2006/relationships" xmlns:p="http://schemas.openxmlformats.org/presentationml/2006/main">
+  <p:cSld>
+    <p:spTree>
+      <p:nvGrpSpPr>
+        <p:cNvPr id="1" name=""/>
+        <p:cNvGrpSpPr/>
+        <p:nvPr/>
+      </p:nvGrpSpPr>
+      <p:grpSpPr>
+        <a:xfrm>
+          <a:off x="0" y="0"/>
+          <a:ext cx="0" cy="0"/>
+          <a:chOff x="0" y="0"/>
+          <a:chExt cx="0" cy="0"/>
+        </a:xfrm>
+      </p:grpSpPr>
+      <p:sp>
+        <p:nvSpPr>
+          <p:cNvPr id="2" name="Title 1"/>
+          <p:cNvSpPr>
+            <a:spLocks noGrp="1"/>
+          </p:cNvSpPr>
+          <p:nvPr>
+            <p:ph type="title"/>
+          </p:nvPr>
+        </p:nvSpPr>
+        <p:spPr>
+          <a:xfrm>
+            <a:off x="603913" y="1361412"/>
+            <a:ext cx="5630839" cy="1325563"/>
+          </a:xfrm>
+        </p:spPr>
+        <p:txBody>
+          <a:bodyPr/>
+          <a:lstStyle/>
+          <a:p>
+            <a:r>
+              <a:rPr lang="en-US" dirty="0" smtClean="0"/>
+              <a:t>institutional compliance</a:t>
+            </a:r>
+            <a:endParaRPr lang="en-US" dirty="0"/>
+          </a:p>
+        </p:txBody>
+      </p:sp>
+      <p:sp>
+        <p:nvSpPr>
+          <p:cNvPr id="3" name="Title 1"/>
+          <p:cNvSpPr txBox="1">
+            <a:spLocks/>
+          </p:cNvSpPr>
+          <p:nvPr/>
+        </p:nvSpPr>
+        <p:spPr>
+          <a:xfrm>
+            <a:off x="5519262" y="4492375"/>
+            <a:ext cx="6078941" cy="1325563"/>
+          </a:xfrm>
+          <a:prstGeom prst="rect">
+            <a:avLst/>
+          </a:prstGeom>
+        </p:spPr>
+        <p:txBody>
+          <a:bodyPr vert="horz" lIns="91440" tIns="45720" rIns="91440" bIns="45720" rtlCol="0" anchor="ctr">
+            <a:normAutofit/>
+          </a:bodyPr>
+          <a:lstStyle>
+            <a:lvl1pPr algn="l" defTabSz="914400" rtl="0" eaLnBrk="1" latinLnBrk="0" hangingPunct="1">
+              <a:lnSpc>
+                <a:spcPct val="90000"/>
+              </a:lnSpc>
+              <a:spcBef>
+                <a:spcPct val="0"/>
+              </a:spcBef>
+              <a:buNone/>
+              <a:defRPr sz="4400" kern="1200">
+                <a:solidFill>
+                  <a:schemeClr val="tx1"/>
+                </a:solidFill>
+                <a:latin typeface="+mj-lt"/>
+                <a:ea typeface="+mj-ea"/>
+                <a:cs typeface="+mj-cs"/>
+              </a:defRPr>
+            </a:lvl1pPr>
+          </a:lstStyle>
+          <a:p>
+            <a:r>
+              <a:rPr lang="en-US" dirty="0"/>
+              <a:t>e</a:t>
+            </a:r>
+            <a:r>
+              <a:rPr lang="en-US" dirty="0" smtClean="0"/>
+              <a:t>thics beyond compliance</a:t>
+            </a:r>
+            <a:endParaRPr lang="en-US" dirty="0"/>
+          </a:p>
+        </p:txBody>
+      </p:sp>
+      <p:cxnSp>
+        <p:nvCxnSpPr>
+          <p:cNvPr id="5" name="Straight Connector 4"/>
+          <p:cNvCxnSpPr/>
+          <p:nvPr/>
+        </p:nvCxnSpPr>
+        <p:spPr>
+          <a:xfrm flipV="1">
+            <a:off x="0" y="0"/>
+            <a:ext cx="12192000" cy="6858000"/>
+          </a:xfrm>
+          <a:prstGeom prst="line">
+            <a:avLst/>
+          </a:prstGeom>
+          <a:ln w="133350"/>
+        </p:spPr>
+        <p:style>
+          <a:lnRef idx="1">
+            <a:schemeClr val="accent1"/>
+          </a:lnRef>
+          <a:fillRef idx="0">
+            <a:schemeClr val="accent1"/>
+          </a:fillRef>
+          <a:effectRef idx="0">
+            <a:schemeClr val="accent1"/>
+          </a:effectRef>
+          <a:fontRef idx="minor">
+            <a:schemeClr val="tx1"/>
+          </a:fontRef>
+        </p:style>
+      </p:cxnSp>
+      <p:sp>
+        <p:nvSpPr>
+          <p:cNvPr id="6" name="Rectangle 5"/>
+          <p:cNvSpPr/>
+          <p:nvPr/>
+        </p:nvSpPr>
+        <p:spPr>
+          <a:xfrm>
+            <a:off x="4943761" y="6356502"/>
+            <a:ext cx="1995354" cy="369332"/>
+          </a:xfrm>
+          <a:prstGeom prst="rect">
+            <a:avLst/>
+          </a:prstGeom>
+        </p:spPr>
+        <p:txBody>
+          <a:bodyPr wrap="none">
+            <a:spAutoFit/>
+          </a:bodyPr>
+          <a:lstStyle/>
+          <a:p>
+            <a:r>
+              <a:rPr lang="en-US" dirty="0" smtClean="0">
+                <a:solidFill>
+                  <a:schemeClr val="accent5"/>
+                </a:solidFill>
+              </a:rPr>
+              <a:t>[See: README.MD]</a:t>
+            </a:r>
+            <a:endParaRPr lang="en-US" dirty="0">
+              <a:solidFill>
+                <a:schemeClr val="accent5"/>
+              </a:solidFill>
+            </a:endParaRPr>
+          </a:p>
+        </p:txBody>
+      </p:sp>
+    </p:spTree>
+    <p:extLst>
+      <p:ext uri="{BB962C8B-B14F-4D97-AF65-F5344CB8AC3E}">
+        <p14:creationId xmlns:p14="http://schemas.microsoft.com/office/powerpoint/2010/main" val="1735273037"/>
+      </p:ext>
+    </p:extLst>
+  </p:cSld>
+  <p:clrMapOvr>
+    <a:masterClrMapping/>
+  </p:clrMapOvr>
+  <p:timing>
+    <p:tnLst>
+      <p:par>
+        <p:cTn id="1" dur="indefinite" restart="never" nodeType="tmRoot"/>
+      </p:par>
+    </p:tnLst>
+  </p:timing>
+</p:sld>
+</file>
+
+<file path=ppt/slides/slide20.xml><?xml version="1.0" encoding="utf-8"?>
+<p:sld xmlns:a="http://schemas.openxmlformats.org/drawingml/2006/main" xmlns:r="http://schemas.openxmlformats.org/officeDocument/2006/relationships" xmlns:p="http://schemas.openxmlformats.org/presentationml/2006/main">
+  <p:cSld>
+    <p:spTree>
+      <p:nvGrpSpPr>
+        <p:cNvPr id="1" name=""/>
+        <p:cNvGrpSpPr/>
+        <p:nvPr/>
+      </p:nvGrpSpPr>
+      <p:grpSpPr>
+        <a:xfrm>
+          <a:off x="0" y="0"/>
+          <a:ext cx="0" cy="0"/>
+          <a:chOff x="0" y="0"/>
+          <a:chExt cx="0" cy="0"/>
+        </a:xfrm>
+      </p:grpSpPr>
+      <p:sp>
+        <p:nvSpPr>
+          <p:cNvPr id="2" name="Title 1"/>
+          <p:cNvSpPr>
+            <a:spLocks noGrp="1"/>
+          </p:cNvSpPr>
+          <p:nvPr>
+            <p:ph type="title"/>
+          </p:nvPr>
+        </p:nvSpPr>
+        <p:spPr>
+          <a:xfrm>
+            <a:off x="863598" y="250825"/>
+            <a:ext cx="10464800" cy="1325563"/>
+          </a:xfrm>
+        </p:spPr>
+        <p:txBody>
+          <a:bodyPr>
+            <a:normAutofit/>
+          </a:bodyPr>
+          <a:lstStyle/>
+          <a:p>
+            <a:r>
+              <a:rPr lang="en-US" sz="3200" dirty="0" smtClean="0"/>
+              <a:t>Human subjects &amp; “the distance </a:t>
+            </a:r>
+            <a:r>
+              <a:rPr lang="en-US" sz="3200" smtClean="0"/>
+              <a:t>principle</a:t>
+            </a:r>
+            <a:r>
+              <a:rPr lang="en-US" sz="3200" smtClean="0"/>
+              <a:t>” </a:t>
+            </a:r>
+            <a:r>
+              <a:rPr lang="en-US" sz="3200" smtClean="0"/>
+              <a:t>(</a:t>
+            </a:r>
+            <a:r>
+              <a:rPr lang="en-US" sz="3200" dirty="0" smtClean="0"/>
+              <a:t>Markham 2016)</a:t>
+            </a:r>
+            <a:endParaRPr lang="en-US" sz="3200" dirty="0"/>
+          </a:p>
+        </p:txBody>
+      </p:sp>
+      <p:pic>
+        <p:nvPicPr>
+          <p:cNvPr id="4" name="Content Placeholder 3"/>
+          <p:cNvPicPr>
+            <a:picLocks noGrp="1" noChangeAspect="1"/>
+          </p:cNvPicPr>
+          <p:nvPr>
+            <p:ph idx="1"/>
+          </p:nvPr>
+        </p:nvPicPr>
+        <p:blipFill>
+          <a:blip r:embed="rId2">
+            <a:extLst>
+              <a:ext uri="{28A0092B-C50C-407E-A947-70E740481C1C}">
+                <a14:useLocalDpi xmlns:a14="http://schemas.microsoft.com/office/drawing/2010/main" val="0"/>
+              </a:ext>
+            </a:extLst>
+          </a:blip>
+          <a:stretch>
+            <a:fillRect/>
+          </a:stretch>
+        </p:blipFill>
+        <p:spPr>
+          <a:xfrm>
+            <a:off x="2123524" y="1400648"/>
+            <a:ext cx="7944952" cy="4351338"/>
+          </a:xfrm>
+        </p:spPr>
+      </p:pic>
+      <p:sp>
+        <p:nvSpPr>
+          <p:cNvPr id="5" name="Rectangle 4"/>
+          <p:cNvSpPr/>
+          <p:nvPr/>
+        </p:nvSpPr>
+        <p:spPr>
+          <a:xfrm>
+            <a:off x="5118006" y="6299583"/>
+            <a:ext cx="1955985" cy="369332"/>
+          </a:xfrm>
+          <a:prstGeom prst="rect">
+            <a:avLst/>
+          </a:prstGeom>
+        </p:spPr>
+        <p:txBody>
+          <a:bodyPr wrap="none">
+            <a:spAutoFit/>
+          </a:bodyPr>
+          <a:lstStyle/>
+          <a:p>
+            <a:r>
+              <a:rPr lang="en-US" dirty="0" smtClean="0">
+                <a:solidFill>
+                  <a:schemeClr val="accent5"/>
+                </a:solidFill>
+              </a:rPr>
+              <a:t>[See</a:t>
+            </a:r>
+            <a:r>
+              <a:rPr lang="en-US" smtClean="0">
+                <a:solidFill>
+                  <a:schemeClr val="accent5"/>
+                </a:solidFill>
+              </a:rPr>
+              <a:t>: impact1.md</a:t>
+            </a:r>
+            <a:r>
+              <a:rPr lang="en-US" dirty="0" smtClean="0">
+                <a:solidFill>
+                  <a:schemeClr val="accent5"/>
+                </a:solidFill>
+              </a:rPr>
+              <a:t>]</a:t>
+            </a:r>
+            <a:endParaRPr lang="en-US" dirty="0">
+              <a:solidFill>
+                <a:schemeClr val="accent5"/>
+              </a:solidFill>
+            </a:endParaRPr>
+          </a:p>
+        </p:txBody>
+      </p:sp>
+      <p:sp>
+        <p:nvSpPr>
+          <p:cNvPr id="6" name="Rectangle 5"/>
+          <p:cNvSpPr/>
+          <p:nvPr/>
+        </p:nvSpPr>
+        <p:spPr>
+          <a:xfrm>
+            <a:off x="966871" y="5872484"/>
+            <a:ext cx="10258257" cy="369332"/>
+          </a:xfrm>
+          <a:prstGeom prst="rect">
+            <a:avLst/>
+          </a:prstGeom>
+        </p:spPr>
+        <p:txBody>
+          <a:bodyPr wrap="none">
+            <a:spAutoFit/>
+          </a:bodyPr>
+          <a:lstStyle/>
+          <a:p>
+            <a:pPr algn="ctr"/>
+            <a:r>
+              <a:rPr lang="en-US" dirty="0" smtClean="0">
+                <a:solidFill>
+                  <a:schemeClr val="accent2"/>
+                </a:solidFill>
+              </a:rPr>
+              <a:t>[Image source: </a:t>
+            </a:r>
+            <a:r>
+              <a:rPr lang="en-US" dirty="0">
+                <a:solidFill>
+                  <a:schemeClr val="accent2"/>
+                </a:solidFill>
+              </a:rPr>
+              <a:t>A still image from "A real person, a lot like you" by Derek Sivers, </a:t>
+            </a:r>
+            <a:r>
+              <a:rPr lang="en-US" dirty="0" smtClean="0">
+                <a:solidFill>
+                  <a:schemeClr val="accent2"/>
+                </a:solidFill>
+              </a:rPr>
+              <a:t>shared </a:t>
+            </a:r>
+            <a:r>
+              <a:rPr lang="en-US" dirty="0">
+                <a:solidFill>
+                  <a:schemeClr val="accent2"/>
+                </a:solidFill>
+              </a:rPr>
+              <a:t>with his </a:t>
+            </a:r>
+            <a:r>
+              <a:rPr lang="en-US" dirty="0" smtClean="0">
+                <a:solidFill>
+                  <a:schemeClr val="accent2"/>
+                </a:solidFill>
+              </a:rPr>
+              <a:t>permission]</a:t>
+            </a:r>
+            <a:endParaRPr lang="en-US" dirty="0">
+              <a:solidFill>
+                <a:schemeClr val="accent2"/>
+              </a:solidFill>
+            </a:endParaRPr>
+          </a:p>
+        </p:txBody>
+      </p:sp>
+    </p:spTree>
+    <p:extLst>
+      <p:ext uri="{BB962C8B-B14F-4D97-AF65-F5344CB8AC3E}">
+        <p14:creationId xmlns:p14="http://schemas.microsoft.com/office/powerpoint/2010/main" val="2095566704"/>
+      </p:ext>
+    </p:extLst>
+  </p:cSld>
+  <p:clrMapOvr>
+    <a:masterClrMapping/>
+  </p:clrMapOvr>
+</p:sld>
+</file>
+
+<file path=ppt/slides/slide21.xml><?xml version="1.0" encoding="utf-8"?>
+<p:sld xmlns:a="http://schemas.openxmlformats.org/drawingml/2006/main" xmlns:r="http://schemas.openxmlformats.org/officeDocument/2006/relationships" xmlns:p="http://schemas.openxmlformats.org/presentationml/2006/main">
+  <p:cSld>
+    <p:spTree>
+      <p:nvGrpSpPr>
+        <p:cNvPr id="1" name=""/>
+        <p:cNvGrpSpPr/>
+        <p:nvPr/>
+      </p:nvGrpSpPr>
+      <p:grpSpPr>
+        <a:xfrm>
+          <a:off x="0" y="0"/>
+          <a:ext cx="0" cy="0"/>
+          <a:chOff x="0" y="0"/>
+          <a:chExt cx="0" cy="0"/>
+        </a:xfrm>
+      </p:grpSpPr>
+      <p:sp>
+        <p:nvSpPr>
+          <p:cNvPr id="2" name="Title 1"/>
+          <p:cNvSpPr>
+            <a:spLocks noGrp="1"/>
+          </p:cNvSpPr>
+          <p:nvPr>
+            <p:ph type="title"/>
+          </p:nvPr>
+        </p:nvSpPr>
+        <p:spPr>
+          <a:xfrm>
+            <a:off x="838200" y="2659146"/>
+            <a:ext cx="10515600" cy="1325563"/>
+          </a:xfrm>
+        </p:spPr>
+        <p:txBody>
+          <a:bodyPr>
+            <a:noAutofit/>
+          </a:bodyPr>
+          <a:lstStyle/>
+          <a:p>
+            <a:pPr algn="ctr"/>
+            <a:r>
+              <a:rPr lang="en-US" sz="6000" dirty="0" smtClean="0"/>
+              <a:t>“public data”</a:t>
+            </a:r>
+            <a:endParaRPr lang="en-US" sz="3600" dirty="0"/>
+          </a:p>
+        </p:txBody>
+      </p:sp>
+      <p:sp>
+        <p:nvSpPr>
+          <p:cNvPr id="4" name="Rectangle 3"/>
+          <p:cNvSpPr/>
+          <p:nvPr/>
+        </p:nvSpPr>
+        <p:spPr>
+          <a:xfrm>
+            <a:off x="4937221" y="6322027"/>
+            <a:ext cx="2317558" cy="369332"/>
+          </a:xfrm>
+          <a:prstGeom prst="rect">
+            <a:avLst/>
+          </a:prstGeom>
+        </p:spPr>
+        <p:txBody>
+          <a:bodyPr wrap="none">
+            <a:spAutoFit/>
+          </a:bodyPr>
+          <a:lstStyle/>
+          <a:p>
+            <a:r>
+              <a:rPr lang="en-US" dirty="0" smtClean="0">
+                <a:solidFill>
+                  <a:schemeClr val="accent5"/>
+                </a:solidFill>
+              </a:rPr>
+              <a:t>[See</a:t>
+            </a:r>
+            <a:r>
+              <a:rPr lang="en-US" smtClean="0">
+                <a:solidFill>
+                  <a:schemeClr val="accent5"/>
+                </a:solidFill>
+              </a:rPr>
+              <a:t>: impact1cont.md</a:t>
+            </a:r>
+            <a:r>
+              <a:rPr lang="en-US" dirty="0" smtClean="0">
+                <a:solidFill>
+                  <a:schemeClr val="accent5"/>
+                </a:solidFill>
+              </a:rPr>
+              <a:t>]</a:t>
+            </a:r>
+            <a:endParaRPr lang="en-US" dirty="0">
+              <a:solidFill>
+                <a:schemeClr val="accent5"/>
+              </a:solidFill>
+            </a:endParaRPr>
+          </a:p>
+        </p:txBody>
+      </p:sp>
+    </p:spTree>
+    <p:extLst>
+      <p:ext uri="{BB962C8B-B14F-4D97-AF65-F5344CB8AC3E}">
+        <p14:creationId xmlns:p14="http://schemas.microsoft.com/office/powerpoint/2010/main" val="191469049"/>
+      </p:ext>
+    </p:extLst>
+  </p:cSld>
+  <p:clrMapOvr>
+    <a:masterClrMapping/>
+  </p:clrMapOvr>
+</p:sld>
+</file>
+
+<file path=ppt/slides/slide22.xml><?xml version="1.0" encoding="utf-8"?>
+<p:sld xmlns:a="http://schemas.openxmlformats.org/drawingml/2006/main" xmlns:r="http://schemas.openxmlformats.org/officeDocument/2006/relationships" xmlns:p="http://schemas.openxmlformats.org/presentationml/2006/main">
+  <p:cSld>
+    <p:spTree>
+      <p:nvGrpSpPr>
+        <p:cNvPr id="1" name=""/>
+        <p:cNvGrpSpPr/>
+        <p:nvPr/>
+      </p:nvGrpSpPr>
+      <p:grpSpPr>
+        <a:xfrm>
+          <a:off x="0" y="0"/>
+          <a:ext cx="0" cy="0"/>
+          <a:chOff x="0" y="0"/>
+          <a:chExt cx="0" cy="0"/>
+        </a:xfrm>
+      </p:grpSpPr>
+      <p:sp>
+        <p:nvSpPr>
+          <p:cNvPr id="2" name="Title 1"/>
+          <p:cNvSpPr>
+            <a:spLocks noGrp="1"/>
+          </p:cNvSpPr>
+          <p:nvPr>
+            <p:ph type="title"/>
+          </p:nvPr>
+        </p:nvSpPr>
+        <p:spPr>
+          <a:xfrm>
+            <a:off x="838200" y="2659146"/>
+            <a:ext cx="10515600" cy="1325563"/>
+          </a:xfrm>
+        </p:spPr>
+        <p:txBody>
+          <a:bodyPr>
+            <a:noAutofit/>
+          </a:bodyPr>
+          <a:lstStyle/>
+          <a:p>
+            <a:pPr algn="ctr"/>
+            <a:r>
+              <a:rPr lang="en-US" sz="6000" dirty="0"/>
+              <a:t>t</a:t>
+            </a:r>
+            <a:r>
+              <a:rPr lang="en-US" sz="6000" dirty="0" smtClean="0"/>
+              <a:t>he question of personhood</a:t>
+            </a:r>
+            <a:endParaRPr lang="en-US" sz="3600" dirty="0"/>
+          </a:p>
+        </p:txBody>
+      </p:sp>
+      <p:sp>
+        <p:nvSpPr>
+          <p:cNvPr id="3" name="Rectangle 2"/>
+          <p:cNvSpPr/>
+          <p:nvPr/>
+        </p:nvSpPr>
+        <p:spPr>
+          <a:xfrm>
+            <a:off x="4937221" y="6322027"/>
+            <a:ext cx="2317558" cy="369332"/>
+          </a:xfrm>
+          <a:prstGeom prst="rect">
+            <a:avLst/>
+          </a:prstGeom>
+        </p:spPr>
+        <p:txBody>
+          <a:bodyPr wrap="none">
+            <a:spAutoFit/>
+          </a:bodyPr>
+          <a:lstStyle/>
+          <a:p>
+            <a:r>
+              <a:rPr lang="en-US" dirty="0" smtClean="0">
+                <a:solidFill>
+                  <a:schemeClr val="accent5"/>
+                </a:solidFill>
+              </a:rPr>
+              <a:t>[See: impact1cont.md]</a:t>
+            </a:r>
+            <a:endParaRPr lang="en-US" dirty="0">
+              <a:solidFill>
+                <a:schemeClr val="accent5"/>
+              </a:solidFill>
+            </a:endParaRPr>
+          </a:p>
+        </p:txBody>
+      </p:sp>
+    </p:spTree>
+    <p:extLst>
+      <p:ext uri="{BB962C8B-B14F-4D97-AF65-F5344CB8AC3E}">
+        <p14:creationId xmlns:p14="http://schemas.microsoft.com/office/powerpoint/2010/main" val="271384352"/>
+      </p:ext>
+    </p:extLst>
+  </p:cSld>
+  <p:clrMapOvr>
+    <a:masterClrMapping/>
+  </p:clrMapOvr>
+</p:sld>
+</file>
+
+<file path=ppt/slides/slide23.xml><?xml version="1.0" encoding="utf-8"?>
 <p:sld xmlns:a="http://schemas.openxmlformats.org/drawingml/2006/main" xmlns:r="http://schemas.openxmlformats.org/officeDocument/2006/relationships" xmlns:p="http://schemas.openxmlformats.org/presentationml/2006/main">
   <p:cSld>
     <p:bg>
@@ -4186,177 +6015,345 @@
         </p:nvSpPr>
         <p:spPr>
           <a:xfrm>
-            <a:off x="831850" y="2255170"/>
-            <a:ext cx="10515600" cy="2852737"/>
+            <a:off x="638175" y="1934328"/>
+            <a:ext cx="10902950" cy="2852737"/>
           </a:xfrm>
         </p:spPr>
         <p:txBody>
           <a:bodyPr anchor="ctr">
-            <a:normAutofit fontScale="90000"/>
+            <a:noAutofit/>
           </a:bodyPr>
           <a:lstStyle/>
           <a:p>
             <a:r>
-              <a:rPr lang="en-US" sz="3100" b="1" u="sng" dirty="0" smtClean="0"/>
+              <a:rPr lang="en-US" sz="2400" u="sng" dirty="0" smtClean="0"/>
               <a:t>Activity</a:t>
             </a:r>
-            <a:r>
-              <a:rPr lang="en-US" sz="3100" b="1" dirty="0" smtClean="0"/>
+            <a:br>
+              <a:rPr lang="en-US" sz="2400" u="sng" dirty="0" smtClean="0"/>
+            </a:br>
+            <a:r>
+              <a:rPr lang="en-US" sz="2400" u="sng" dirty="0" smtClean="0"/>
               <a:t/>
             </a:r>
             <a:br>
-              <a:rPr lang="en-US" sz="3100" b="1" dirty="0" smtClean="0"/>
+              <a:rPr lang="en-US" sz="2400" u="sng" dirty="0" smtClean="0"/>
             </a:br>
             <a:r>
-              <a:rPr lang="en-US" sz="3100" b="1" dirty="0" smtClean="0"/>
+              <a:rPr lang="en-US" sz="2400" dirty="0" smtClean="0"/>
+              <a:t>Let's </a:t>
+            </a:r>
+            <a:r>
+              <a:rPr lang="en-US" sz="2400" dirty="0"/>
+              <a:t>analyze and discuss a case study</a:t>
+            </a:r>
+            <a:r>
+              <a:rPr lang="en-US" sz="2400" dirty="0" smtClean="0"/>
+              <a:t>.</a:t>
+            </a:r>
+            <a:br>
+              <a:rPr lang="en-US" sz="2400" dirty="0" smtClean="0"/>
+            </a:br>
+            <a:r>
+              <a:rPr lang="en-US" sz="2400" dirty="0"/>
               <a:t/>
             </a:r>
             <a:br>
-              <a:rPr lang="en-US" sz="3100" b="1" dirty="0" smtClean="0"/>
+              <a:rPr lang="en-US" sz="2400" dirty="0"/>
             </a:br>
             <a:r>
-              <a:rPr lang="en-US" sz="3100" dirty="0" smtClean="0"/>
-              <a:t>Think </a:t>
-            </a:r>
-            <a:r>
-              <a:rPr lang="en-US" sz="3100" dirty="0"/>
-              <a:t>about a</a:t>
-            </a:r>
-            <a:r>
-              <a:rPr lang="en-US" sz="3100" dirty="0" smtClean="0"/>
+              <a:rPr lang="en-US" sz="2400" dirty="0" smtClean="0"/>
+              <a:t>Review </a:t>
+            </a:r>
+            <a:r>
+              <a:rPr lang="en-US" sz="2400" dirty="0">
+                <a:hlinkClick r:id="rId2"/>
+              </a:rPr>
+              <a:t>Joshua Tabak and Vivian Zayas's academic article</a:t>
+            </a:r>
+            <a:r>
+              <a:rPr lang="en-US" sz="2400" dirty="0"/>
               <a:t> </a:t>
             </a:r>
             <a:r>
-              <a:rPr lang="en-US" sz="3100" dirty="0"/>
-              <a:t>digital project or research you are or will be working </a:t>
-            </a:r>
-            <a:r>
-              <a:rPr lang="en-US" sz="3100" dirty="0" smtClean="0"/>
-              <a:t>on</a:t>
-            </a:r>
-            <a:r>
-              <a:rPr lang="en-US" sz="3100" dirty="0"/>
-              <a:t>. Pair up with another person near you and </a:t>
-            </a:r>
-            <a:r>
-              <a:rPr lang="en-US" sz="3100" dirty="0" smtClean="0"/>
-              <a:t>discuss:</a:t>
+              <a:rPr lang="en-US" sz="2400" dirty="0" smtClean="0">
+                <a:solidFill>
+                  <a:srgbClr val="FFF8A9"/>
+                </a:solidFill>
+              </a:rPr>
+              <a:t>[</a:t>
+            </a:r>
+            <a:r>
+              <a:rPr lang="en-US" sz="2400" dirty="0" err="1" smtClean="0">
+                <a:solidFill>
+                  <a:srgbClr val="FFF8A9"/>
+                </a:solidFill>
+              </a:rPr>
+              <a:t>tinyurl.com</a:t>
+            </a:r>
+            <a:r>
+              <a:rPr lang="en-US" sz="2400" dirty="0" smtClean="0">
+                <a:solidFill>
+                  <a:srgbClr val="FFF8A9"/>
+                </a:solidFill>
+              </a:rPr>
+              <a:t>/</a:t>
+            </a:r>
+            <a:r>
+              <a:rPr lang="en-US" sz="2400" dirty="0" err="1" smtClean="0">
+                <a:solidFill>
+                  <a:srgbClr val="FFF8A9"/>
+                </a:solidFill>
+              </a:rPr>
+              <a:t>tabakzayas</a:t>
+            </a:r>
+            <a:r>
+              <a:rPr lang="en-US" sz="2400" dirty="0" smtClean="0">
+                <a:solidFill>
+                  <a:srgbClr val="FFF8A9"/>
+                </a:solidFill>
+              </a:rPr>
+              <a:t>] </a:t>
+            </a:r>
+            <a:r>
+              <a:rPr lang="en-US" sz="2400" dirty="0" smtClean="0"/>
+              <a:t>and </a:t>
+            </a:r>
+            <a:r>
+              <a:rPr lang="en-US" sz="2400" dirty="0">
+                <a:hlinkClick r:id="rId3"/>
+              </a:rPr>
+              <a:t>their summary of it for the New York </a:t>
+            </a:r>
+            <a:r>
+              <a:rPr lang="en-US" sz="2400" dirty="0" smtClean="0">
+                <a:hlinkClick r:id="rId3"/>
+              </a:rPr>
+              <a:t>Times</a:t>
+            </a:r>
+            <a:r>
+              <a:rPr lang="en-US" sz="2400" dirty="0" smtClean="0"/>
+              <a:t> </a:t>
+            </a:r>
+            <a:r>
+              <a:rPr lang="en-US" sz="2400" dirty="0" smtClean="0">
+                <a:solidFill>
+                  <a:srgbClr val="FFF8A9"/>
+                </a:solidFill>
+              </a:rPr>
+              <a:t>[</a:t>
+            </a:r>
+            <a:r>
+              <a:rPr lang="en-US" sz="2400" dirty="0" err="1" smtClean="0">
+                <a:solidFill>
+                  <a:srgbClr val="FFF8A9"/>
+                </a:solidFill>
+              </a:rPr>
+              <a:t>tinyurl.com</a:t>
+            </a:r>
+            <a:r>
+              <a:rPr lang="en-US" sz="2400" dirty="0" smtClean="0">
+                <a:solidFill>
+                  <a:srgbClr val="FFF8A9"/>
+                </a:solidFill>
+              </a:rPr>
+              <a:t>/</a:t>
+            </a:r>
+            <a:r>
+              <a:rPr lang="en-US" sz="2400" dirty="0" err="1" smtClean="0">
+                <a:solidFill>
+                  <a:srgbClr val="FFF8A9"/>
+                </a:solidFill>
+              </a:rPr>
+              <a:t>gaydarscience</a:t>
+            </a:r>
+            <a:r>
+              <a:rPr lang="en-US" sz="2400" dirty="0" smtClean="0">
+                <a:solidFill>
+                  <a:srgbClr val="FFF8A9"/>
+                </a:solidFill>
+              </a:rPr>
+              <a:t>]</a:t>
+            </a:r>
+            <a:r>
+              <a:rPr lang="en-US" sz="2400" b="1" dirty="0" smtClean="0"/>
+              <a:t>,</a:t>
+            </a:r>
+            <a:r>
+              <a:rPr lang="en-US" sz="2400" dirty="0" smtClean="0"/>
+              <a:t> </a:t>
+            </a:r>
+            <a:r>
+              <a:rPr lang="en-US" sz="2400" dirty="0"/>
+              <a:t>and discuss</a:t>
+            </a:r>
+            <a:r>
+              <a:rPr lang="en-US" sz="2400" dirty="0" smtClean="0"/>
+              <a:t>:</a:t>
             </a:r>
             <a:br>
-              <a:rPr lang="en-US" sz="3100" dirty="0" smtClean="0"/>
+              <a:rPr lang="en-US" sz="2400" dirty="0" smtClean="0"/>
             </a:br>
             <a:r>
-              <a:rPr lang="en-US" sz="3100" dirty="0" smtClean="0"/>
+              <a:rPr lang="en-US" sz="2400" dirty="0"/>
               <a:t/>
             </a:r>
             <a:br>
-              <a:rPr lang="en-US" sz="3100" dirty="0" smtClean="0"/>
+              <a:rPr lang="en-US" sz="2400" dirty="0"/>
             </a:br>
             <a:r>
-              <a:rPr lang="en-US" sz="3100" dirty="0" smtClean="0"/>
-              <a:t>&gt;&gt;  In 1 minute each, what is the </a:t>
-            </a:r>
-            <a:r>
-              <a:rPr lang="en-US" sz="3100" i="1" dirty="0" smtClean="0"/>
-              <a:t>purpose</a:t>
-            </a:r>
-            <a:r>
-              <a:rPr lang="en-US" sz="3100" dirty="0" smtClean="0"/>
-              <a:t> of your project—what does it </a:t>
-            </a:r>
-            <a:r>
-              <a:rPr lang="en-US" sz="3100" i="1" dirty="0" smtClean="0"/>
-              <a:t>aim</a:t>
-            </a:r>
-            <a:r>
-              <a:rPr lang="en-US" sz="3100" dirty="0" smtClean="0"/>
-              <a:t> to </a:t>
-            </a:r>
-            <a:r>
-              <a:rPr lang="en-US" sz="3100" i="1" dirty="0" smtClean="0"/>
-              <a:t>do</a:t>
-            </a:r>
-            <a:r>
-              <a:rPr lang="en-US" sz="3100" dirty="0" smtClean="0"/>
+              <a:rPr lang="en-US" sz="2400" dirty="0" smtClean="0"/>
+              <a:t>&gt;&gt;  What </a:t>
+            </a:r>
+            <a:r>
+              <a:rPr lang="en-US" sz="2400" dirty="0"/>
+              <a:t>kinds of “human subjects” are involved in this study</a:t>
+            </a:r>
+            <a:r>
+              <a:rPr lang="en-US" sz="2400" dirty="0" smtClean="0"/>
               <a:t>?</a:t>
             </a:r>
             <a:br>
-              <a:rPr lang="en-US" sz="3100" dirty="0" smtClean="0"/>
+              <a:rPr lang="en-US" sz="2400" dirty="0" smtClean="0"/>
             </a:br>
             <a:r>
-              <a:rPr lang="en-US" sz="3100" dirty="0" smtClean="0"/>
+              <a:rPr lang="en-US" sz="2400" dirty="0"/>
               <a:t/>
             </a:r>
             <a:br>
-              <a:rPr lang="en-US" sz="3100" dirty="0" smtClean="0"/>
+              <a:rPr lang="en-US" sz="2400" dirty="0"/>
             </a:br>
             <a:r>
-              <a:rPr lang="en-US" sz="3100" dirty="0" smtClean="0"/>
-              <a:t>&gt;&gt;  In 1 minute each, what is the </a:t>
-            </a:r>
-            <a:r>
-              <a:rPr lang="en-US" sz="3100" i="1" dirty="0" smtClean="0"/>
-              <a:t>design</a:t>
-            </a:r>
-            <a:r>
-              <a:rPr lang="en-US" sz="3100" dirty="0" smtClean="0"/>
-              <a:t> of your project—</a:t>
-            </a:r>
-            <a:r>
-              <a:rPr lang="en-US" sz="3100" i="1" dirty="0" smtClean="0"/>
-              <a:t>how</a:t>
-            </a:r>
-            <a:r>
-              <a:rPr lang="en-US" sz="3100" dirty="0" smtClean="0"/>
-              <a:t> will you do this?</a:t>
+              <a:rPr lang="en-US" sz="2400" dirty="0" smtClean="0"/>
+              <a:t>&gt;&gt;  Is </a:t>
+            </a:r>
+            <a:r>
+              <a:rPr lang="en-US" sz="2400" dirty="0"/>
+              <a:t>a social media photo of oneself an extension of the self</a:t>
+            </a:r>
+            <a:r>
+              <a:rPr lang="en-US" sz="2400" dirty="0" smtClean="0"/>
+              <a:t>?</a:t>
             </a:r>
             <a:br>
-              <a:rPr lang="en-US" sz="3100" dirty="0" smtClean="0"/>
+              <a:rPr lang="en-US" sz="2400" dirty="0" smtClean="0"/>
             </a:br>
             <a:r>
-              <a:rPr lang="en-US" sz="3100" dirty="0" smtClean="0"/>
+              <a:rPr lang="en-US" sz="2400" dirty="0"/>
               <a:t/>
             </a:r>
             <a:br>
-              <a:rPr lang="en-US" sz="3100" dirty="0" smtClean="0"/>
+              <a:rPr lang="en-US" sz="2400" dirty="0"/>
             </a:br>
             <a:r>
-              <a:rPr lang="en-US" sz="3100" dirty="0" smtClean="0"/>
-              <a:t>&gt;&gt;  In relation to each of your projects' purpose and design, what might be some ethical concerns that fall beyond questions of legality or the purview of the IRB?</a:t>
+              <a:rPr lang="en-US" sz="2400" dirty="0" smtClean="0"/>
+              <a:t>&gt;&gt;  Does </a:t>
+            </a:r>
+            <a:r>
+              <a:rPr lang="en-US" sz="2400" dirty="0"/>
+              <a:t>their methodology raise any ethical concerns</a:t>
+            </a:r>
+            <a:r>
+              <a:rPr lang="en-US" sz="2400" dirty="0" smtClean="0"/>
+              <a:t>?</a:t>
             </a:r>
             <a:br>
-              <a:rPr lang="en-US" sz="3100" dirty="0" smtClean="0"/>
+              <a:rPr lang="en-US" sz="2400" dirty="0" smtClean="0"/>
             </a:br>
             <a:r>
-              <a:rPr lang="en-US" sz="3100" dirty="0"/>
+              <a:rPr lang="en-US" sz="2400" dirty="0"/>
               <a:t/>
             </a:r>
             <a:br>
-              <a:rPr lang="en-US" sz="3100" dirty="0"/>
+              <a:rPr lang="en-US" sz="2400" dirty="0"/>
             </a:br>
             <a:r>
-              <a:rPr lang="en-US" sz="3100" dirty="0" smtClean="0"/>
-              <a:t>Share </a:t>
-            </a:r>
-            <a:r>
-              <a:rPr lang="en-US" sz="3100" dirty="0"/>
-              <a:t>as a class.</a:t>
-            </a:r>
-            <a:r>
-              <a:rPr lang="en-US" sz="3200" dirty="0"/>
+              <a:rPr lang="en-US" sz="2400" dirty="0"/>
+              <a:t>Discuss with your table, then share as a group.</a:t>
+            </a:r>
+            <a:r>
+              <a:rPr lang="en-US" sz="2400" dirty="0" smtClean="0"/>
               <a:t/>
             </a:r>
             <a:br>
-              <a:rPr lang="en-US" sz="3200" dirty="0"/>
+              <a:rPr lang="en-US" sz="2400" dirty="0" smtClean="0"/>
             </a:br>
             <a:r>
-              <a:rPr lang="en-US" sz="3200" dirty="0"/>
+              <a:rPr lang="en-US" sz="2400" dirty="0"/>
               <a:t/>
             </a:r>
             <a:br>
-              <a:rPr lang="en-US" sz="3200" dirty="0"/>
+              <a:rPr lang="en-US" sz="2400" dirty="0"/>
             </a:br>
-            <a:endParaRPr lang="en-US" sz="3000" dirty="0"/>
+            <a:r>
+              <a:rPr lang="en-US" sz="2400" dirty="0" smtClean="0"/>
+              <a:t>Further </a:t>
+            </a:r>
+            <a:r>
+              <a:rPr lang="en-US" sz="2400" dirty="0"/>
+              <a:t>reading: </a:t>
+            </a:r>
+            <a:r>
+              <a:rPr lang="en-US" sz="2400" dirty="0">
+                <a:hlinkClick r:id="rId4"/>
+              </a:rPr>
+              <a:t>Patrick Sweeney, "Images of Faces Gleaned from Social Media in Social Psychological Research on Sexual Orientation," </a:t>
+            </a:r>
+            <a:r>
+              <a:rPr lang="en-US" sz="2400" dirty="0" smtClean="0">
+                <a:hlinkClick r:id="rId4"/>
+              </a:rPr>
+              <a:t>2017</a:t>
+            </a:r>
+            <a:r>
+              <a:rPr lang="en-US" sz="2400" dirty="0" smtClean="0"/>
+              <a:t> </a:t>
+            </a:r>
+            <a:r>
+              <a:rPr lang="en-US" sz="2400" dirty="0" smtClean="0">
+                <a:solidFill>
+                  <a:srgbClr val="FFF8A9"/>
+                </a:solidFill>
+              </a:rPr>
+              <a:t>[</a:t>
+            </a:r>
+            <a:r>
+              <a:rPr lang="en-US" sz="2400" dirty="0" err="1" smtClean="0">
+                <a:solidFill>
+                  <a:srgbClr val="FFF8A9"/>
+                </a:solidFill>
+              </a:rPr>
+              <a:t>tinyurl.com</a:t>
+            </a:r>
+            <a:r>
+              <a:rPr lang="en-US" sz="2400" dirty="0" smtClean="0">
+                <a:solidFill>
+                  <a:srgbClr val="FFF8A9"/>
+                </a:solidFill>
+              </a:rPr>
+              <a:t>/</a:t>
+            </a:r>
+            <a:r>
+              <a:rPr lang="en-US" sz="2400" dirty="0" err="1" smtClean="0">
+                <a:solidFill>
+                  <a:srgbClr val="FFF8A9"/>
+                </a:solidFill>
+              </a:rPr>
+              <a:t>sweeneyimages</a:t>
+            </a:r>
+            <a:r>
+              <a:rPr lang="en-US" sz="2400" dirty="0" smtClean="0">
+                <a:solidFill>
+                  <a:srgbClr val="FFF8A9"/>
+                </a:solidFill>
+              </a:rPr>
+              <a:t>]</a:t>
+            </a:r>
+            <a:endParaRPr lang="en-US" sz="2000" dirty="0">
+              <a:solidFill>
+                <a:srgbClr val="FFF8A9"/>
+              </a:solidFill>
+            </a:endParaRPr>
           </a:p>
         </p:txBody>
       </p:sp>
@@ -4368,8 +6365,8 @@
         </p:nvSpPr>
         <p:spPr>
           <a:xfrm>
-            <a:off x="5167346" y="6376373"/>
-            <a:ext cx="1844608" cy="369332"/>
+            <a:off x="4930871" y="6344289"/>
+            <a:ext cx="2317558" cy="369332"/>
           </a:xfrm>
           <a:prstGeom prst="rect">
             <a:avLst/>
@@ -4387,15 +6384,15 @@
                   <a:schemeClr val="tx2"/>
                 </a:solidFill>
               </a:rPr>
-              <a:t>[See: </a:t>
-            </a:r>
-            <a:r>
-              <a:rPr lang="en-US" dirty="0" err="1" smtClean="0">
+              <a:t>[See</a:t>
+            </a:r>
+            <a:r>
+              <a:rPr lang="en-US" smtClean="0">
                 <a:solidFill>
                   <a:schemeClr val="tx2"/>
                 </a:solidFill>
               </a:rPr>
-              <a:t>beyond.md</a:t>
+              <a:t>: impact1cont.md</a:t>
             </a:r>
             <a:r>
               <a:rPr lang="en-US" dirty="0" smtClean="0">
@@ -4416,7 +6413,7 @@
     </p:spTree>
     <p:extLst>
       <p:ext uri="{BB962C8B-B14F-4D97-AF65-F5344CB8AC3E}">
-        <p14:creationId xmlns:p14="http://schemas.microsoft.com/office/powerpoint/2010/main" val="1397899116"/>
+        <p14:creationId xmlns:p14="http://schemas.microsoft.com/office/powerpoint/2010/main" val="2018461583"/>
       </p:ext>
     </p:extLst>
   </p:cSld>
@@ -4426,7 +6423,7 @@
 </p:sld>
 </file>
 
-<file path=ppt/slides/slide15.xml><?xml version="1.0" encoding="utf-8"?>
+<file path=ppt/slides/slide24.xml><?xml version="1.0" encoding="utf-8"?>
 <p:sld xmlns:a="http://schemas.openxmlformats.org/drawingml/2006/main" xmlns:r="http://schemas.openxmlformats.org/officeDocument/2006/relationships" xmlns:p="http://schemas.openxmlformats.org/presentationml/2006/main">
   <p:cSld>
     <p:bg>
@@ -4465,18 +6462,42 @@
         </p:nvSpPr>
         <p:spPr>
           <a:xfrm>
-            <a:off x="0" y="1244517"/>
-            <a:ext cx="10515600" cy="2852737"/>
-          </a:xfrm>
-        </p:spPr>
-        <p:txBody>
-          <a:bodyPr anchor="ctr"/>
+            <a:off x="831850" y="1902244"/>
+            <a:ext cx="10173034" cy="2852737"/>
+          </a:xfrm>
+        </p:spPr>
+        <p:txBody>
+          <a:bodyPr anchor="ctr">
+            <a:normAutofit fontScale="90000"/>
+          </a:bodyPr>
           <a:lstStyle/>
           <a:p>
             <a:pPr algn="ctr"/>
             <a:r>
+              <a:rPr lang="en-US" sz="8900" dirty="0" smtClean="0"/>
+              <a:t>Level of impact 2:</a:t>
+            </a:r>
+            <a:br>
+              <a:rPr lang="en-US" sz="8900" dirty="0" smtClean="0"/>
+            </a:br>
+            <a:r>
+              <a:rPr lang="en-US" dirty="0"/>
+              <a:t>  </a:t>
+            </a:r>
+            <a:r>
               <a:rPr lang="en-US" dirty="0" smtClean="0"/>
-              <a:t>Ethics beyond compliance</a:t>
+              <a:t/>
+            </a:r>
+            <a:br>
+              <a:rPr lang="en-US" dirty="0" smtClean="0"/>
+            </a:br>
+            <a:r>
+              <a:rPr lang="en-US" dirty="0" smtClean="0"/>
+              <a:t>the </a:t>
+            </a:r>
+            <a:r>
+              <a:rPr lang="en-US" dirty="0" smtClean="0"/>
+              <a:t>ramifications of (re)producing categories</a:t>
             </a:r>
             <a:endParaRPr lang="en-US" dirty="0"/>
           </a:p>
@@ -4484,138 +6505,20 @@
       </p:sp>
       <p:sp>
         <p:nvSpPr>
-          <p:cNvPr id="3" name="Rectangle 2"/>
+          <p:cNvPr id="4" name="Rectangle 3"/>
           <p:cNvSpPr/>
           <p:nvPr/>
         </p:nvSpPr>
         <p:spPr>
           <a:xfrm>
-            <a:off x="3965074" y="3565541"/>
-            <a:ext cx="7761705" cy="2308324"/>
+            <a:off x="5087138" y="6322027"/>
+            <a:ext cx="1903085" cy="369332"/>
           </a:xfrm>
           <a:prstGeom prst="rect">
             <a:avLst/>
           </a:prstGeom>
         </p:spPr>
         <p:txBody>
-          <a:bodyPr wrap="square">
-            <a:spAutoFit/>
-          </a:bodyPr>
-          <a:lstStyle/>
-          <a:p>
-            <a:pPr algn="ctr"/>
-            <a:r>
-              <a:rPr lang="en-US" sz="4800" dirty="0" smtClean="0"/>
-              <a:t>An “impact approach” </a:t>
-            </a:r>
-            <a:br>
-              <a:rPr lang="en-US" sz="4800" dirty="0" smtClean="0"/>
-            </a:br>
-            <a:r>
-              <a:rPr lang="en-US" sz="4800" dirty="0" smtClean="0"/>
-              <a:t>(Markham </a:t>
-            </a:r>
-            <a:r>
-              <a:rPr lang="en-US" sz="4800" dirty="0" smtClean="0"/>
-              <a:t>2016 </a:t>
-            </a:r>
-            <a:r>
-              <a:rPr lang="en-US" sz="4800" dirty="0" smtClean="0">
-                <a:solidFill>
-                  <a:srgbClr val="FFF8A9"/>
-                </a:solidFill>
-              </a:rPr>
-              <a:t>[</a:t>
-            </a:r>
-            <a:r>
-              <a:rPr lang="en-US" sz="4800" dirty="0" err="1" smtClean="0">
-                <a:solidFill>
-                  <a:srgbClr val="FFF8A9"/>
-                </a:solidFill>
-              </a:rPr>
-              <a:t>tinyurl.com</a:t>
-            </a:r>
-            <a:r>
-              <a:rPr lang="en-US" sz="4800" dirty="0" smtClean="0">
-                <a:solidFill>
-                  <a:srgbClr val="FFF8A9"/>
-                </a:solidFill>
-              </a:rPr>
-              <a:t>/</a:t>
-            </a:r>
-            <a:r>
-              <a:rPr lang="en-US" sz="4800" dirty="0" err="1" smtClean="0">
-                <a:solidFill>
-                  <a:srgbClr val="FFF8A9"/>
-                </a:solidFill>
-              </a:rPr>
-              <a:t>markhamethics</a:t>
-            </a:r>
-            <a:r>
-              <a:rPr lang="en-US" sz="4800" dirty="0" smtClean="0">
-                <a:solidFill>
-                  <a:srgbClr val="FFF8A9"/>
-                </a:solidFill>
-              </a:rPr>
-              <a:t>]</a:t>
-            </a:r>
-            <a:r>
-              <a:rPr lang="en-US" sz="4800" dirty="0" smtClean="0"/>
-              <a:t>)</a:t>
-            </a:r>
-            <a:endParaRPr lang="en-US" sz="4800" dirty="0"/>
-          </a:p>
-        </p:txBody>
-      </p:sp>
-      <p:cxnSp>
-        <p:nvCxnSpPr>
-          <p:cNvPr id="4" name="Straight Arrow Connector 3"/>
-          <p:cNvCxnSpPr/>
-          <p:nvPr/>
-        </p:nvCxnSpPr>
-        <p:spPr>
-          <a:xfrm>
-            <a:off x="3723774" y="3989973"/>
-            <a:ext cx="1106905" cy="0"/>
-          </a:xfrm>
-          <a:prstGeom prst="straightConnector1">
-            <a:avLst/>
-          </a:prstGeom>
-          <a:ln w="152400">
-            <a:tailEnd type="triangle"/>
-          </a:ln>
-        </p:spPr>
-        <p:style>
-          <a:lnRef idx="1">
-            <a:schemeClr val="accent1"/>
-          </a:lnRef>
-          <a:fillRef idx="0">
-            <a:schemeClr val="accent1"/>
-          </a:fillRef>
-          <a:effectRef idx="0">
-            <a:schemeClr val="accent1"/>
-          </a:effectRef>
-          <a:fontRef idx="minor">
-            <a:schemeClr val="tx1"/>
-          </a:fontRef>
-        </p:style>
-      </p:cxnSp>
-      <p:sp>
-        <p:nvSpPr>
-          <p:cNvPr id="6" name="Rectangle 5"/>
-          <p:cNvSpPr/>
-          <p:nvPr/>
-        </p:nvSpPr>
-        <p:spPr>
-          <a:xfrm>
-            <a:off x="5257800" y="6354110"/>
-            <a:ext cx="2313710" cy="369332"/>
-          </a:xfrm>
-          <a:prstGeom prst="rect">
-            <a:avLst/>
-          </a:prstGeom>
-        </p:spPr>
-        <p:txBody>
           <a:bodyPr wrap="none">
             <a:spAutoFit/>
           </a:bodyPr>
@@ -4627,23 +6530,7 @@
                   <a:schemeClr val="tx2"/>
                 </a:solidFill>
               </a:rPr>
-              <a:t>[See: </a:t>
-            </a:r>
-            <a:r>
-              <a:rPr lang="en-US" dirty="0" err="1" smtClean="0">
-                <a:solidFill>
-                  <a:schemeClr val="tx2"/>
-                </a:solidFill>
-              </a:rPr>
-              <a:t>levelsimpact.md</a:t>
-            </a:r>
-            <a:r>
-              <a:rPr lang="en-US" dirty="0" smtClean="0">
-                <a:solidFill>
-                  <a:schemeClr val="tx2"/>
-                </a:solidFill>
-              </a:rPr>
-              <a:t>]</a:t>
+              <a:t>[See: impact2.md]</a:t>
             </a:r>
             <a:endParaRPr lang="en-US" dirty="0">
               <a:solidFill>
@@ -4656,7 +6543,7 @@
     </p:spTree>
     <p:extLst>
       <p:ext uri="{BB962C8B-B14F-4D97-AF65-F5344CB8AC3E}">
-        <p14:creationId xmlns:p14="http://schemas.microsoft.com/office/powerpoint/2010/main" val="910849687"/>
+        <p14:creationId xmlns:p14="http://schemas.microsoft.com/office/powerpoint/2010/main" val="4388747"/>
       </p:ext>
     </p:extLst>
   </p:cSld>
@@ -4666,7 +6553,7 @@
 </p:sld>
 </file>
 
-<file path=ppt/slides/slide16.xml><?xml version="1.0" encoding="utf-8"?>
+<file path=ppt/slides/slide25.xml><?xml version="1.0" encoding="utf-8"?>
 <p:sld xmlns:a="http://schemas.openxmlformats.org/drawingml/2006/main" xmlns:r="http://schemas.openxmlformats.org/officeDocument/2006/relationships" xmlns:p="http://schemas.openxmlformats.org/presentationml/2006/main">
   <p:cSld>
     <p:spTree>
@@ -4685,84 +6572,80 @@
       </p:grpSpPr>
       <p:sp>
         <p:nvSpPr>
-          <p:cNvPr id="3" name="Content Placeholder 2"/>
+          <p:cNvPr id="2" name="Title 1"/>
           <p:cNvSpPr>
             <a:spLocks noGrp="1"/>
           </p:cNvSpPr>
           <p:nvPr>
-            <p:ph idx="1"/>
-          </p:nvPr>
-        </p:nvSpPr>
-        <p:spPr>
-          <a:xfrm>
-            <a:off x="806116" y="1857709"/>
-            <a:ext cx="10515600" cy="3596607"/>
-          </a:xfrm>
-        </p:spPr>
-        <p:txBody>
-          <a:bodyPr>
-            <a:noAutofit/>
+            <p:ph type="title"/>
+          </p:nvPr>
+        </p:nvSpPr>
+        <p:spPr>
+          <a:xfrm>
+            <a:off x="751638" y="1677655"/>
+            <a:ext cx="10574087" cy="2852737"/>
+          </a:xfrm>
+        </p:spPr>
+        <p:txBody>
+          <a:bodyPr anchor="ctr">
+            <a:normAutofit fontScale="90000"/>
           </a:bodyPr>
           <a:lstStyle/>
           <a:p>
-            <a:pPr marL="0" indent="0">
-              <a:buNone/>
-            </a:pPr>
-            <a:r>
-              <a:rPr lang="en-US" sz="3200" dirty="0"/>
-              <a:t>This session, drawing from Markham (2016), will focus on three </a:t>
-            </a:r>
-            <a:r>
-              <a:rPr lang="en-US" sz="3200" b="1" i="1" dirty="0"/>
-              <a:t>levels of impact</a:t>
-            </a:r>
-            <a:r>
-              <a:rPr lang="en-US" sz="3200" dirty="0"/>
-              <a:t>:</a:t>
-            </a:r>
-          </a:p>
-          <a:p>
-            <a:pPr marL="514350" indent="-514350">
-              <a:buFont typeface="+mj-lt"/>
-              <a:buAutoNum type="arabicPeriod"/>
-            </a:pPr>
-            <a:r>
-              <a:rPr lang="en-US" sz="3200" dirty="0"/>
-              <a:t>Direct impacts on people</a:t>
-            </a:r>
-          </a:p>
-          <a:p>
-            <a:pPr marL="514350" indent="-514350">
-              <a:buFont typeface="+mj-lt"/>
-              <a:buAutoNum type="arabicPeriod"/>
-            </a:pPr>
-            <a:r>
-              <a:rPr lang="en-US" sz="3200" dirty="0"/>
-              <a:t>Ramifications of (re)producing categories</a:t>
-            </a:r>
-          </a:p>
-          <a:p>
-            <a:pPr marL="514350" indent="-514350">
-              <a:buFont typeface="+mj-lt"/>
-              <a:buAutoNum type="arabicPeriod"/>
-            </a:pPr>
-            <a:r>
-              <a:rPr lang="en-US" sz="3200" dirty="0"/>
-              <a:t>Social, political and economic effects</a:t>
-            </a:r>
-          </a:p>
-        </p:txBody>
-      </p:sp>
-      <p:sp>
-        <p:nvSpPr>
-          <p:cNvPr id="4" name="Rectangle 3"/>
+            <a:pPr algn="ctr"/>
+            <a:r>
+              <a:rPr lang="en-US" dirty="0"/>
+              <a:t> </a:t>
+            </a:r>
+            <a:r>
+              <a:rPr lang="en-US" dirty="0" smtClean="0"/>
+              <a:t/>
+            </a:r>
+            <a:br>
+              <a:rPr lang="en-US" dirty="0" smtClean="0"/>
+            </a:br>
+            <a:r>
+              <a:rPr lang="en-US" dirty="0" smtClean="0"/>
+              <a:t>“</a:t>
+            </a:r>
+            <a:r>
+              <a:rPr lang="en-US" dirty="0"/>
+              <a:t>how our methods of organizing data, analytical interpretations, or findings as shared datasets are being used—or might be used—to </a:t>
+            </a:r>
+            <a:r>
+              <a:rPr lang="en-US" b="1" i="1" dirty="0"/>
+              <a:t>build definitional categories</a:t>
+            </a:r>
+            <a:r>
+              <a:rPr lang="en-US" dirty="0"/>
+              <a:t> or to </a:t>
+            </a:r>
+            <a:r>
+              <a:rPr lang="en-US" b="1" i="1" dirty="0"/>
+              <a:t>profile particular </a:t>
+            </a:r>
+            <a:r>
+              <a:rPr lang="en-US" b="1" i="1" dirty="0" smtClean="0"/>
+              <a:t>groups</a:t>
+            </a:r>
+            <a:r>
+              <a:rPr lang="en-US" dirty="0" smtClean="0"/>
+              <a:t>” (Markham 2016)</a:t>
+            </a:r>
+            <a:endParaRPr lang="en-US" dirty="0"/>
+          </a:p>
+        </p:txBody>
+      </p:sp>
+      <p:sp>
+        <p:nvSpPr>
+          <p:cNvPr id="3" name="Rectangle 2"/>
           <p:cNvSpPr/>
           <p:nvPr/>
         </p:nvSpPr>
         <p:spPr>
           <a:xfrm>
-            <a:off x="4907061" y="6354110"/>
-            <a:ext cx="2313710" cy="369332"/>
+            <a:off x="5087138" y="6322027"/>
+            <a:ext cx="1903085" cy="369332"/>
           </a:xfrm>
           <a:prstGeom prst="rect">
             <a:avLst/>
@@ -4780,23 +6663,7 @@
                   <a:schemeClr val="accent5"/>
                 </a:solidFill>
               </a:rPr>
-              <a:t>[See: </a:t>
-            </a:r>
-            <a:r>
-              <a:rPr lang="en-US" dirty="0" err="1" smtClean="0">
-                <a:solidFill>
-                  <a:schemeClr val="accent5"/>
-                </a:solidFill>
-              </a:rPr>
-              <a:t>levelsimpact.md</a:t>
-            </a:r>
-            <a:r>
-              <a:rPr lang="en-US" dirty="0" smtClean="0">
-                <a:solidFill>
-                  <a:schemeClr val="accent5"/>
-                </a:solidFill>
-              </a:rPr>
-              <a:t>]</a:t>
+              <a:t>[See: impact2.md]</a:t>
             </a:r>
             <a:endParaRPr lang="en-US" dirty="0">
               <a:solidFill>
@@ -4809,1808 +6676,7 @@
     </p:spTree>
     <p:extLst>
       <p:ext uri="{BB962C8B-B14F-4D97-AF65-F5344CB8AC3E}">
-        <p14:creationId xmlns:p14="http://schemas.microsoft.com/office/powerpoint/2010/main" val="69844357"/>
-      </p:ext>
-    </p:extLst>
-  </p:cSld>
-  <p:clrMapOvr>
-    <a:masterClrMapping/>
-  </p:clrMapOvr>
-</p:sld>
-</file>
-
-<file path=ppt/slides/slide17.xml><?xml version="1.0" encoding="utf-8"?>
-<p:sld xmlns:a="http://schemas.openxmlformats.org/drawingml/2006/main" xmlns:r="http://schemas.openxmlformats.org/officeDocument/2006/relationships" xmlns:p="http://schemas.openxmlformats.org/presentationml/2006/main">
-  <p:cSld>
-    <p:spTree>
-      <p:nvGrpSpPr>
-        <p:cNvPr id="1" name=""/>
-        <p:cNvGrpSpPr/>
-        <p:nvPr/>
-      </p:nvGrpSpPr>
-      <p:grpSpPr>
-        <a:xfrm>
-          <a:off x="0" y="0"/>
-          <a:ext cx="0" cy="0"/>
-          <a:chOff x="0" y="0"/>
-          <a:chExt cx="0" cy="0"/>
-        </a:xfrm>
-      </p:grpSpPr>
-      <p:sp>
-        <p:nvSpPr>
-          <p:cNvPr id="3" name="Content Placeholder 2"/>
-          <p:cNvSpPr>
-            <a:spLocks noGrp="1"/>
-          </p:cNvSpPr>
-          <p:nvPr>
-            <p:ph idx="1"/>
-          </p:nvPr>
-        </p:nvSpPr>
-        <p:spPr>
-          <a:xfrm>
-            <a:off x="806116" y="1857709"/>
-            <a:ext cx="10515600" cy="3596607"/>
-          </a:xfrm>
-        </p:spPr>
-        <p:txBody>
-          <a:bodyPr>
-            <a:noAutofit/>
-          </a:bodyPr>
-          <a:lstStyle/>
-          <a:p>
-            <a:pPr marL="0" indent="0">
-              <a:buNone/>
-            </a:pPr>
-            <a:r>
-              <a:rPr lang="en-US" sz="3200" dirty="0"/>
-              <a:t>Additionally, this workshop will address the </a:t>
-            </a:r>
-            <a:r>
-              <a:rPr lang="en-US" sz="3200" b="1" i="1" dirty="0"/>
-              <a:t>range of impact</a:t>
-            </a:r>
-            <a:r>
-              <a:rPr lang="en-US" sz="3200" dirty="0"/>
-              <a:t>, or the range of accessibility to your </a:t>
-            </a:r>
-            <a:r>
-              <a:rPr lang="en-US" sz="3200" dirty="0" smtClean="0"/>
-              <a:t>work:</a:t>
-            </a:r>
-          </a:p>
-          <a:p>
-            <a:pPr marL="0" indent="0">
-              <a:buNone/>
-            </a:pPr>
-            <a:r>
-              <a:rPr lang="en-US" sz="3200" dirty="0" smtClean="0"/>
-              <a:t>&gt;&gt;  to </a:t>
-            </a:r>
-            <a:r>
-              <a:rPr lang="en-US" sz="3200" dirty="0"/>
-              <a:t>people with </a:t>
-            </a:r>
-            <a:r>
-              <a:rPr lang="en-US" sz="3200" dirty="0" smtClean="0"/>
-              <a:t>disabilities,</a:t>
-            </a:r>
-          </a:p>
-          <a:p>
-            <a:pPr marL="0" indent="0">
-              <a:buNone/>
-            </a:pPr>
-            <a:r>
-              <a:rPr lang="en-US" sz="3200" dirty="0" smtClean="0"/>
-              <a:t>&gt;&gt;  to </a:t>
-            </a:r>
-            <a:r>
-              <a:rPr lang="en-US" sz="3200" dirty="0"/>
-              <a:t>people in different countries or who speak different languages, </a:t>
-            </a:r>
-            <a:r>
-              <a:rPr lang="en-US" sz="3200" dirty="0" smtClean="0"/>
-              <a:t>and</a:t>
-            </a:r>
-          </a:p>
-          <a:p>
-            <a:pPr marL="0" indent="0">
-              <a:buNone/>
-            </a:pPr>
-            <a:r>
-              <a:rPr lang="en-US" sz="3200" dirty="0" smtClean="0"/>
-              <a:t>&gt;&gt;  in </a:t>
-            </a:r>
-            <a:r>
-              <a:rPr lang="en-US" sz="3200" dirty="0"/>
-              <a:t>terms of cost and proprietary accessibility</a:t>
-            </a:r>
-            <a:r>
-              <a:rPr lang="en-US" sz="3200" dirty="0" smtClean="0"/>
-              <a:t>.</a:t>
-            </a:r>
-            <a:r>
-              <a:rPr lang="en-US" sz="3200" dirty="0"/>
-              <a:t/>
-            </a:r>
-            <a:br>
-              <a:rPr lang="en-US" sz="3200" dirty="0"/>
-            </a:br>
-            <a:endParaRPr lang="en-US" sz="3200" dirty="0"/>
-          </a:p>
-        </p:txBody>
-      </p:sp>
-      <p:sp>
-        <p:nvSpPr>
-          <p:cNvPr id="4" name="Rectangle 3"/>
-          <p:cNvSpPr/>
-          <p:nvPr/>
-        </p:nvSpPr>
-        <p:spPr>
-          <a:xfrm>
-            <a:off x="4907061" y="6354110"/>
-            <a:ext cx="2313710" cy="369332"/>
-          </a:xfrm>
-          <a:prstGeom prst="rect">
-            <a:avLst/>
-          </a:prstGeom>
-        </p:spPr>
-        <p:txBody>
-          <a:bodyPr wrap="none">
-            <a:spAutoFit/>
-          </a:bodyPr>
-          <a:lstStyle/>
-          <a:p>
-            <a:r>
-              <a:rPr lang="en-US" dirty="0" smtClean="0">
-                <a:solidFill>
-                  <a:schemeClr val="accent5"/>
-                </a:solidFill>
-              </a:rPr>
-              <a:t>[See: </a:t>
-            </a:r>
-            <a:r>
-              <a:rPr lang="en-US" dirty="0" err="1" smtClean="0">
-                <a:solidFill>
-                  <a:schemeClr val="accent5"/>
-                </a:solidFill>
-              </a:rPr>
-              <a:t>levelsimpact.md</a:t>
-            </a:r>
-            <a:r>
-              <a:rPr lang="en-US" dirty="0" smtClean="0">
-                <a:solidFill>
-                  <a:schemeClr val="accent5"/>
-                </a:solidFill>
-              </a:rPr>
-              <a:t>]</a:t>
-            </a:r>
-            <a:endParaRPr lang="en-US" dirty="0">
-              <a:solidFill>
-                <a:schemeClr val="accent5"/>
-              </a:solidFill>
-            </a:endParaRPr>
-          </a:p>
-        </p:txBody>
-      </p:sp>
-    </p:spTree>
-    <p:extLst>
-      <p:ext uri="{BB962C8B-B14F-4D97-AF65-F5344CB8AC3E}">
-        <p14:creationId xmlns:p14="http://schemas.microsoft.com/office/powerpoint/2010/main" val="945384503"/>
-      </p:ext>
-    </p:extLst>
-  </p:cSld>
-  <p:clrMapOvr>
-    <a:masterClrMapping/>
-  </p:clrMapOvr>
-</p:sld>
-</file>
-
-<file path=ppt/slides/slide18.xml><?xml version="1.0" encoding="utf-8"?>
-<p:sld xmlns:a="http://schemas.openxmlformats.org/drawingml/2006/main" xmlns:r="http://schemas.openxmlformats.org/officeDocument/2006/relationships" xmlns:p="http://schemas.openxmlformats.org/presentationml/2006/main">
-  <p:cSld>
-    <p:bg>
-      <p:bgPr>
-        <a:solidFill>
-          <a:schemeClr val="accent5">
-            <a:lumMod val="50000"/>
-          </a:schemeClr>
-        </a:solidFill>
-        <a:effectLst/>
-      </p:bgPr>
-    </p:bg>
-    <p:spTree>
-      <p:nvGrpSpPr>
-        <p:cNvPr id="1" name=""/>
-        <p:cNvGrpSpPr/>
-        <p:nvPr/>
-      </p:nvGrpSpPr>
-      <p:grpSpPr>
-        <a:xfrm>
-          <a:off x="0" y="0"/>
-          <a:ext cx="0" cy="0"/>
-          <a:chOff x="0" y="0"/>
-          <a:chExt cx="0" cy="0"/>
-        </a:xfrm>
-      </p:grpSpPr>
-      <p:sp>
-        <p:nvSpPr>
-          <p:cNvPr id="2" name="Title 1"/>
-          <p:cNvSpPr>
-            <a:spLocks noGrp="1"/>
-          </p:cNvSpPr>
-          <p:nvPr>
-            <p:ph type="title"/>
-          </p:nvPr>
-        </p:nvSpPr>
-        <p:spPr>
-          <a:xfrm>
-            <a:off x="831850" y="1902244"/>
-            <a:ext cx="10173034" cy="2852737"/>
-          </a:xfrm>
-        </p:spPr>
-        <p:txBody>
-          <a:bodyPr anchor="ctr">
-            <a:normAutofit fontScale="90000"/>
-          </a:bodyPr>
-          <a:lstStyle/>
-          <a:p>
-            <a:pPr algn="ctr"/>
-            <a:r>
-              <a:rPr lang="en-US" sz="8900" dirty="0" smtClean="0"/>
-              <a:t>Level of impact 1:</a:t>
-            </a:r>
-            <a:br>
-              <a:rPr lang="en-US" sz="8900" dirty="0" smtClean="0"/>
-            </a:br>
-            <a:r>
-              <a:rPr lang="en-US" dirty="0"/>
-              <a:t>  </a:t>
-            </a:r>
-            <a:r>
-              <a:rPr lang="en-US" dirty="0" smtClean="0"/>
-              <a:t/>
-            </a:r>
-            <a:br>
-              <a:rPr lang="en-US" dirty="0" smtClean="0"/>
-            </a:br>
-            <a:r>
-              <a:rPr lang="en-US" dirty="0" smtClean="0"/>
-              <a:t>“how </a:t>
-            </a:r>
-            <a:r>
-              <a:rPr lang="en-US" dirty="0"/>
-              <a:t>our methods of data collection impact humans, </a:t>
-            </a:r>
-            <a:r>
-              <a:rPr lang="en-US" dirty="0" smtClean="0"/>
-              <a:t>directly” (Markham 2016)</a:t>
-            </a:r>
-            <a:endParaRPr lang="en-US" dirty="0"/>
-          </a:p>
-        </p:txBody>
-      </p:sp>
-      <p:sp>
-        <p:nvSpPr>
-          <p:cNvPr id="3" name="Rectangle 2"/>
-          <p:cNvSpPr/>
-          <p:nvPr/>
-        </p:nvSpPr>
-        <p:spPr>
-          <a:xfrm>
-            <a:off x="4940374" y="6305984"/>
-            <a:ext cx="1955985" cy="369332"/>
-          </a:xfrm>
-          <a:prstGeom prst="rect">
-            <a:avLst/>
-          </a:prstGeom>
-        </p:spPr>
-        <p:txBody>
-          <a:bodyPr wrap="none">
-            <a:spAutoFit/>
-          </a:bodyPr>
-          <a:lstStyle/>
-          <a:p>
-            <a:r>
-              <a:rPr lang="en-US" dirty="0" smtClean="0">
-                <a:solidFill>
-                  <a:schemeClr val="tx2"/>
-                </a:solidFill>
-              </a:rPr>
-              <a:t>[See: impact1.md]</a:t>
-            </a:r>
-            <a:endParaRPr lang="en-US" dirty="0">
-              <a:solidFill>
-                <a:schemeClr val="tx2"/>
-              </a:solidFill>
-            </a:endParaRPr>
-          </a:p>
-        </p:txBody>
-      </p:sp>
-    </p:spTree>
-    <p:extLst>
-      <p:ext uri="{BB962C8B-B14F-4D97-AF65-F5344CB8AC3E}">
-        <p14:creationId xmlns:p14="http://schemas.microsoft.com/office/powerpoint/2010/main" val="1866030089"/>
-      </p:ext>
-    </p:extLst>
-  </p:cSld>
-  <p:clrMapOvr>
-    <a:masterClrMapping/>
-  </p:clrMapOvr>
-</p:sld>
-</file>
-
-<file path=ppt/slides/slide19.xml><?xml version="1.0" encoding="utf-8"?>
-<p:sld xmlns:a="http://schemas.openxmlformats.org/drawingml/2006/main" xmlns:r="http://schemas.openxmlformats.org/officeDocument/2006/relationships" xmlns:p="http://schemas.openxmlformats.org/presentationml/2006/main">
-  <p:cSld>
-    <p:spTree>
-      <p:nvGrpSpPr>
-        <p:cNvPr id="1" name=""/>
-        <p:cNvGrpSpPr/>
-        <p:nvPr/>
-      </p:nvGrpSpPr>
-      <p:grpSpPr>
-        <a:xfrm>
-          <a:off x="0" y="0"/>
-          <a:ext cx="0" cy="0"/>
-          <a:chOff x="0" y="0"/>
-          <a:chExt cx="0" cy="0"/>
-        </a:xfrm>
-      </p:grpSpPr>
-      <p:sp>
-        <p:nvSpPr>
-          <p:cNvPr id="2" name="Title 1"/>
-          <p:cNvSpPr>
-            <a:spLocks noGrp="1"/>
-          </p:cNvSpPr>
-          <p:nvPr>
-            <p:ph type="title"/>
-          </p:nvPr>
-        </p:nvSpPr>
-        <p:spPr>
-          <a:xfrm>
-            <a:off x="838200" y="2659146"/>
-            <a:ext cx="10515600" cy="1325563"/>
-          </a:xfrm>
-        </p:spPr>
-        <p:txBody>
-          <a:bodyPr>
-            <a:noAutofit/>
-          </a:bodyPr>
-          <a:lstStyle/>
-          <a:p>
-            <a:pPr algn="ctr"/>
-            <a:r>
-              <a:rPr lang="en-US" sz="6000" dirty="0"/>
-              <a:t>What counts as "human"? </a:t>
-            </a:r>
-            <a:r>
-              <a:rPr lang="en-US" sz="6000" dirty="0" smtClean="0"/>
-              <a:t/>
-            </a:r>
-            <a:br>
-              <a:rPr lang="en-US" sz="6000" dirty="0" smtClean="0"/>
-            </a:br>
-            <a:r>
-              <a:rPr lang="en-US" sz="6000" dirty="0" smtClean="0"/>
-              <a:t>What </a:t>
-            </a:r>
-            <a:r>
-              <a:rPr lang="en-US" sz="6000" dirty="0"/>
-              <a:t>data should be off limits?</a:t>
-            </a:r>
-            <a:r>
-              <a:rPr lang="en-US" sz="3600" dirty="0"/>
-              <a:t/>
-            </a:r>
-            <a:br>
-              <a:rPr lang="en-US" sz="3600" dirty="0"/>
-            </a:br>
-            <a:endParaRPr lang="en-US" sz="3600" dirty="0"/>
-          </a:p>
-        </p:txBody>
-      </p:sp>
-      <p:sp>
-        <p:nvSpPr>
-          <p:cNvPr id="3" name="Rectangle 2"/>
-          <p:cNvSpPr/>
-          <p:nvPr/>
-        </p:nvSpPr>
-        <p:spPr>
-          <a:xfrm>
-            <a:off x="4940374" y="6305984"/>
-            <a:ext cx="1955985" cy="369332"/>
-          </a:xfrm>
-          <a:prstGeom prst="rect">
-            <a:avLst/>
-          </a:prstGeom>
-        </p:spPr>
-        <p:txBody>
-          <a:bodyPr wrap="none">
-            <a:spAutoFit/>
-          </a:bodyPr>
-          <a:lstStyle/>
-          <a:p>
-            <a:r>
-              <a:rPr lang="en-US" dirty="0" smtClean="0">
-                <a:solidFill>
-                  <a:schemeClr val="accent5"/>
-                </a:solidFill>
-              </a:rPr>
-              <a:t>[See: impact1.md]</a:t>
-            </a:r>
-            <a:endParaRPr lang="en-US" dirty="0">
-              <a:solidFill>
-                <a:schemeClr val="accent5"/>
-              </a:solidFill>
-            </a:endParaRPr>
-          </a:p>
-        </p:txBody>
-      </p:sp>
-    </p:spTree>
-    <p:extLst>
-      <p:ext uri="{BB962C8B-B14F-4D97-AF65-F5344CB8AC3E}">
-        <p14:creationId xmlns:p14="http://schemas.microsoft.com/office/powerpoint/2010/main" val="252967089"/>
-      </p:ext>
-    </p:extLst>
-  </p:cSld>
-  <p:clrMapOvr>
-    <a:masterClrMapping/>
-  </p:clrMapOvr>
-</p:sld>
-</file>
-
-<file path=ppt/slides/slide2.xml><?xml version="1.0" encoding="utf-8"?>
-<p:sld xmlns:a="http://schemas.openxmlformats.org/drawingml/2006/main" xmlns:r="http://schemas.openxmlformats.org/officeDocument/2006/relationships" xmlns:p="http://schemas.openxmlformats.org/presentationml/2006/main">
-  <p:cSld>
-    <p:spTree>
-      <p:nvGrpSpPr>
-        <p:cNvPr id="1" name=""/>
-        <p:cNvGrpSpPr/>
-        <p:nvPr/>
-      </p:nvGrpSpPr>
-      <p:grpSpPr>
-        <a:xfrm>
-          <a:off x="0" y="0"/>
-          <a:ext cx="0" cy="0"/>
-          <a:chOff x="0" y="0"/>
-          <a:chExt cx="0" cy="0"/>
-        </a:xfrm>
-      </p:grpSpPr>
-      <p:sp>
-        <p:nvSpPr>
-          <p:cNvPr id="2" name="Title 1"/>
-          <p:cNvSpPr>
-            <a:spLocks noGrp="1"/>
-          </p:cNvSpPr>
-          <p:nvPr>
-            <p:ph type="title"/>
-          </p:nvPr>
-        </p:nvSpPr>
-        <p:spPr>
-          <a:xfrm>
-            <a:off x="603913" y="1361412"/>
-            <a:ext cx="5630839" cy="1325563"/>
-          </a:xfrm>
-        </p:spPr>
-        <p:txBody>
-          <a:bodyPr/>
-          <a:lstStyle/>
-          <a:p>
-            <a:r>
-              <a:rPr lang="en-US" dirty="0" smtClean="0"/>
-              <a:t>institutional compliance</a:t>
-            </a:r>
-            <a:endParaRPr lang="en-US" dirty="0"/>
-          </a:p>
-        </p:txBody>
-      </p:sp>
-      <p:sp>
-        <p:nvSpPr>
-          <p:cNvPr id="3" name="Title 1"/>
-          <p:cNvSpPr txBox="1">
-            <a:spLocks/>
-          </p:cNvSpPr>
-          <p:nvPr/>
-        </p:nvSpPr>
-        <p:spPr>
-          <a:xfrm>
-            <a:off x="5519262" y="4492375"/>
-            <a:ext cx="6078941" cy="1325563"/>
-          </a:xfrm>
-          <a:prstGeom prst="rect">
-            <a:avLst/>
-          </a:prstGeom>
-        </p:spPr>
-        <p:txBody>
-          <a:bodyPr vert="horz" lIns="91440" tIns="45720" rIns="91440" bIns="45720" rtlCol="0" anchor="ctr">
-            <a:normAutofit/>
-          </a:bodyPr>
-          <a:lstStyle>
-            <a:lvl1pPr algn="l" defTabSz="914400" rtl="0" eaLnBrk="1" latinLnBrk="0" hangingPunct="1">
-              <a:lnSpc>
-                <a:spcPct val="90000"/>
-              </a:lnSpc>
-              <a:spcBef>
-                <a:spcPct val="0"/>
-              </a:spcBef>
-              <a:buNone/>
-              <a:defRPr sz="4400" kern="1200">
-                <a:solidFill>
-                  <a:schemeClr val="tx1"/>
-                </a:solidFill>
-                <a:latin typeface="+mj-lt"/>
-                <a:ea typeface="+mj-ea"/>
-                <a:cs typeface="+mj-cs"/>
-              </a:defRPr>
-            </a:lvl1pPr>
-          </a:lstStyle>
-          <a:p>
-            <a:r>
-              <a:rPr lang="en-US" dirty="0"/>
-              <a:t>e</a:t>
-            </a:r>
-            <a:r>
-              <a:rPr lang="en-US" dirty="0" smtClean="0"/>
-              <a:t>thics beyond compliance</a:t>
-            </a:r>
-            <a:endParaRPr lang="en-US" dirty="0"/>
-          </a:p>
-        </p:txBody>
-      </p:sp>
-      <p:cxnSp>
-        <p:nvCxnSpPr>
-          <p:cNvPr id="5" name="Straight Connector 4"/>
-          <p:cNvCxnSpPr/>
-          <p:nvPr/>
-        </p:nvCxnSpPr>
-        <p:spPr>
-          <a:xfrm flipV="1">
-            <a:off x="0" y="0"/>
-            <a:ext cx="12192000" cy="6858000"/>
-          </a:xfrm>
-          <a:prstGeom prst="line">
-            <a:avLst/>
-          </a:prstGeom>
-          <a:ln w="133350"/>
-        </p:spPr>
-        <p:style>
-          <a:lnRef idx="1">
-            <a:schemeClr val="accent1"/>
-          </a:lnRef>
-          <a:fillRef idx="0">
-            <a:schemeClr val="accent1"/>
-          </a:fillRef>
-          <a:effectRef idx="0">
-            <a:schemeClr val="accent1"/>
-          </a:effectRef>
-          <a:fontRef idx="minor">
-            <a:schemeClr val="tx1"/>
-          </a:fontRef>
-        </p:style>
-      </p:cxnSp>
-      <p:sp>
-        <p:nvSpPr>
-          <p:cNvPr id="6" name="Rectangle 5"/>
-          <p:cNvSpPr/>
-          <p:nvPr/>
-        </p:nvSpPr>
-        <p:spPr>
-          <a:xfrm>
-            <a:off x="4943761" y="6356502"/>
-            <a:ext cx="1995354" cy="369332"/>
-          </a:xfrm>
-          <a:prstGeom prst="rect">
-            <a:avLst/>
-          </a:prstGeom>
-        </p:spPr>
-        <p:txBody>
-          <a:bodyPr wrap="none">
-            <a:spAutoFit/>
-          </a:bodyPr>
-          <a:lstStyle/>
-          <a:p>
-            <a:r>
-              <a:rPr lang="en-US" dirty="0" smtClean="0">
-                <a:solidFill>
-                  <a:schemeClr val="accent5"/>
-                </a:solidFill>
-              </a:rPr>
-              <a:t>[See: README.MD]</a:t>
-            </a:r>
-            <a:endParaRPr lang="en-US" dirty="0">
-              <a:solidFill>
-                <a:schemeClr val="accent5"/>
-              </a:solidFill>
-            </a:endParaRPr>
-          </a:p>
-        </p:txBody>
-      </p:sp>
-    </p:spTree>
-    <p:extLst>
-      <p:ext uri="{BB962C8B-B14F-4D97-AF65-F5344CB8AC3E}">
-        <p14:creationId xmlns:p14="http://schemas.microsoft.com/office/powerpoint/2010/main" val="1735273037"/>
-      </p:ext>
-    </p:extLst>
-  </p:cSld>
-  <p:clrMapOvr>
-    <a:masterClrMapping/>
-  </p:clrMapOvr>
-</p:sld>
-</file>
-
-<file path=ppt/slides/slide20.xml><?xml version="1.0" encoding="utf-8"?>
-<p:sld xmlns:a="http://schemas.openxmlformats.org/drawingml/2006/main" xmlns:r="http://schemas.openxmlformats.org/officeDocument/2006/relationships" xmlns:p="http://schemas.openxmlformats.org/presentationml/2006/main">
-  <p:cSld>
-    <p:spTree>
-      <p:nvGrpSpPr>
-        <p:cNvPr id="1" name=""/>
-        <p:cNvGrpSpPr/>
-        <p:nvPr/>
-      </p:nvGrpSpPr>
-      <p:grpSpPr>
-        <a:xfrm>
-          <a:off x="0" y="0"/>
-          <a:ext cx="0" cy="0"/>
-          <a:chOff x="0" y="0"/>
-          <a:chExt cx="0" cy="0"/>
-        </a:xfrm>
-      </p:grpSpPr>
-      <p:sp>
-        <p:nvSpPr>
-          <p:cNvPr id="2" name="Title 1"/>
-          <p:cNvSpPr>
-            <a:spLocks noGrp="1"/>
-          </p:cNvSpPr>
-          <p:nvPr>
-            <p:ph type="title"/>
-          </p:nvPr>
-        </p:nvSpPr>
-        <p:spPr>
-          <a:xfrm>
-            <a:off x="838200" y="1129916"/>
-            <a:ext cx="10515600" cy="1325563"/>
-          </a:xfrm>
-        </p:spPr>
-        <p:txBody>
-          <a:bodyPr>
-            <a:normAutofit/>
-          </a:bodyPr>
-          <a:lstStyle/>
-          <a:p>
-            <a:r>
-              <a:rPr lang="en-US" sz="6600" dirty="0" smtClean="0"/>
-              <a:t>Commonly blurred definitions</a:t>
-            </a:r>
-            <a:endParaRPr lang="en-US" sz="6600" dirty="0"/>
-          </a:p>
-        </p:txBody>
-      </p:sp>
-      <p:sp>
-        <p:nvSpPr>
-          <p:cNvPr id="3" name="Content Placeholder 2"/>
-          <p:cNvSpPr>
-            <a:spLocks noGrp="1"/>
-          </p:cNvSpPr>
-          <p:nvPr>
-            <p:ph idx="1"/>
-          </p:nvPr>
-        </p:nvSpPr>
-        <p:spPr>
-          <a:xfrm>
-            <a:off x="838200" y="2455479"/>
-            <a:ext cx="10515600" cy="2920416"/>
-          </a:xfrm>
-        </p:spPr>
-        <p:txBody>
-          <a:bodyPr>
-            <a:normAutofit/>
-          </a:bodyPr>
-          <a:lstStyle/>
-          <a:p>
-            <a:pPr marL="0" indent="0">
-              <a:buNone/>
-            </a:pPr>
-            <a:r>
-              <a:rPr lang="en-US" sz="4800" dirty="0" smtClean="0"/>
-              <a:t>&gt;&gt;  “</a:t>
-            </a:r>
-            <a:r>
-              <a:rPr lang="en-US" sz="4800" dirty="0"/>
-              <a:t>human </a:t>
-            </a:r>
-            <a:r>
-              <a:rPr lang="en-US" sz="4800" dirty="0" smtClean="0"/>
-              <a:t>subjects”</a:t>
-            </a:r>
-          </a:p>
-          <a:p>
-            <a:pPr marL="0" indent="0">
-              <a:buNone/>
-            </a:pPr>
-            <a:r>
-              <a:rPr lang="en-US" sz="4800" dirty="0" smtClean="0"/>
-              <a:t>&gt;&gt;  public </a:t>
-            </a:r>
-            <a:r>
-              <a:rPr lang="en-US" sz="4800" dirty="0"/>
-              <a:t>vs. </a:t>
-            </a:r>
-            <a:r>
-              <a:rPr lang="en-US" sz="4800" dirty="0" smtClean="0"/>
-              <a:t>private</a:t>
-            </a:r>
-          </a:p>
-          <a:p>
-            <a:pPr marL="0" indent="0">
-              <a:buNone/>
-            </a:pPr>
-            <a:r>
-              <a:rPr lang="en-US" sz="4800" dirty="0" smtClean="0"/>
-              <a:t>&gt;&gt;  data(text</a:t>
-            </a:r>
-            <a:r>
-              <a:rPr lang="en-US" sz="4800" dirty="0"/>
-              <a:t>) vs. </a:t>
-            </a:r>
-            <a:r>
-              <a:rPr lang="en-US" sz="4800" dirty="0" smtClean="0"/>
-              <a:t>persons</a:t>
-            </a:r>
-          </a:p>
-          <a:p>
-            <a:pPr marL="0" indent="0">
-              <a:buNone/>
-            </a:pPr>
-            <a:r>
-              <a:rPr lang="en-US" sz="3200" dirty="0" smtClean="0"/>
-              <a:t>(Source: </a:t>
-            </a:r>
-            <a:r>
-              <a:rPr lang="en-US" sz="3200" dirty="0" err="1" smtClean="0"/>
-              <a:t>AoIR</a:t>
-            </a:r>
-            <a:r>
-              <a:rPr lang="en-US" sz="3200" dirty="0" smtClean="0"/>
-              <a:t> 2012 report)</a:t>
-            </a:r>
-          </a:p>
-        </p:txBody>
-      </p:sp>
-      <p:sp>
-        <p:nvSpPr>
-          <p:cNvPr id="4" name="Rectangle 3"/>
-          <p:cNvSpPr/>
-          <p:nvPr/>
-        </p:nvSpPr>
-        <p:spPr>
-          <a:xfrm>
-            <a:off x="4940374" y="6305984"/>
-            <a:ext cx="1955985" cy="369332"/>
-          </a:xfrm>
-          <a:prstGeom prst="rect">
-            <a:avLst/>
-          </a:prstGeom>
-        </p:spPr>
-        <p:txBody>
-          <a:bodyPr wrap="none">
-            <a:spAutoFit/>
-          </a:bodyPr>
-          <a:lstStyle/>
-          <a:p>
-            <a:r>
-              <a:rPr lang="en-US" dirty="0" smtClean="0">
-                <a:solidFill>
-                  <a:schemeClr val="accent5"/>
-                </a:solidFill>
-              </a:rPr>
-              <a:t>[See: impact1.md]</a:t>
-            </a:r>
-            <a:endParaRPr lang="en-US" dirty="0">
-              <a:solidFill>
-                <a:schemeClr val="accent5"/>
-              </a:solidFill>
-            </a:endParaRPr>
-          </a:p>
-        </p:txBody>
-      </p:sp>
-    </p:spTree>
-    <p:extLst>
-      <p:ext uri="{BB962C8B-B14F-4D97-AF65-F5344CB8AC3E}">
-        <p14:creationId xmlns:p14="http://schemas.microsoft.com/office/powerpoint/2010/main" val="1307242050"/>
-      </p:ext>
-    </p:extLst>
-  </p:cSld>
-  <p:clrMapOvr>
-    <a:masterClrMapping/>
-  </p:clrMapOvr>
-</p:sld>
-</file>
-
-<file path=ppt/slides/slide21.xml><?xml version="1.0" encoding="utf-8"?>
-<p:sld xmlns:a="http://schemas.openxmlformats.org/drawingml/2006/main" xmlns:r="http://schemas.openxmlformats.org/officeDocument/2006/relationships" xmlns:p="http://schemas.openxmlformats.org/presentationml/2006/main">
-  <p:cSld>
-    <p:spTree>
-      <p:nvGrpSpPr>
-        <p:cNvPr id="1" name=""/>
-        <p:cNvGrpSpPr/>
-        <p:nvPr/>
-      </p:nvGrpSpPr>
-      <p:grpSpPr>
-        <a:xfrm>
-          <a:off x="0" y="0"/>
-          <a:ext cx="0" cy="0"/>
-          <a:chOff x="0" y="0"/>
-          <a:chExt cx="0" cy="0"/>
-        </a:xfrm>
-      </p:grpSpPr>
-      <p:sp>
-        <p:nvSpPr>
-          <p:cNvPr id="2" name="Title 1"/>
-          <p:cNvSpPr>
-            <a:spLocks noGrp="1"/>
-          </p:cNvSpPr>
-          <p:nvPr>
-            <p:ph type="title"/>
-          </p:nvPr>
-        </p:nvSpPr>
-        <p:spPr/>
-        <p:txBody>
-          <a:bodyPr/>
-          <a:lstStyle/>
-          <a:p>
-            <a:r>
-              <a:rPr lang="en-US" dirty="0" smtClean="0"/>
-              <a:t>Human subjects &amp; “the distance principle”</a:t>
-            </a:r>
-            <a:endParaRPr lang="en-US" dirty="0"/>
-          </a:p>
-        </p:txBody>
-      </p:sp>
-      <p:pic>
-        <p:nvPicPr>
-          <p:cNvPr id="4" name="Content Placeholder 3"/>
-          <p:cNvPicPr>
-            <a:picLocks noGrp="1" noChangeAspect="1"/>
-          </p:cNvPicPr>
-          <p:nvPr>
-            <p:ph idx="1"/>
-          </p:nvPr>
-        </p:nvPicPr>
-        <p:blipFill>
-          <a:blip r:embed="rId2">
-            <a:extLst>
-              <a:ext uri="{28A0092B-C50C-407E-A947-70E740481C1C}">
-                <a14:useLocalDpi xmlns:a14="http://schemas.microsoft.com/office/drawing/2010/main" val="0"/>
-              </a:ext>
-            </a:extLst>
-          </a:blip>
-          <a:stretch>
-            <a:fillRect/>
-          </a:stretch>
-        </p:blipFill>
-        <p:spPr>
-          <a:xfrm>
-            <a:off x="2123524" y="1400648"/>
-            <a:ext cx="7944952" cy="4351338"/>
-          </a:xfrm>
-        </p:spPr>
-      </p:pic>
-      <p:sp>
-        <p:nvSpPr>
-          <p:cNvPr id="5" name="Rectangle 4"/>
-          <p:cNvSpPr/>
-          <p:nvPr/>
-        </p:nvSpPr>
-        <p:spPr>
-          <a:xfrm>
-            <a:off x="5118006" y="6299583"/>
-            <a:ext cx="1955985" cy="369332"/>
-          </a:xfrm>
-          <a:prstGeom prst="rect">
-            <a:avLst/>
-          </a:prstGeom>
-        </p:spPr>
-        <p:txBody>
-          <a:bodyPr wrap="none">
-            <a:spAutoFit/>
-          </a:bodyPr>
-          <a:lstStyle/>
-          <a:p>
-            <a:r>
-              <a:rPr lang="en-US" dirty="0" smtClean="0">
-                <a:solidFill>
-                  <a:schemeClr val="accent5"/>
-                </a:solidFill>
-              </a:rPr>
-              <a:t>[See</a:t>
-            </a:r>
-            <a:r>
-              <a:rPr lang="en-US" smtClean="0">
-                <a:solidFill>
-                  <a:schemeClr val="accent5"/>
-                </a:solidFill>
-              </a:rPr>
-              <a:t>: impact1.md</a:t>
-            </a:r>
-            <a:r>
-              <a:rPr lang="en-US" dirty="0" smtClean="0">
-                <a:solidFill>
-                  <a:schemeClr val="accent5"/>
-                </a:solidFill>
-              </a:rPr>
-              <a:t>]</a:t>
-            </a:r>
-            <a:endParaRPr lang="en-US" dirty="0">
-              <a:solidFill>
-                <a:schemeClr val="accent5"/>
-              </a:solidFill>
-            </a:endParaRPr>
-          </a:p>
-        </p:txBody>
-      </p:sp>
-      <p:sp>
-        <p:nvSpPr>
-          <p:cNvPr id="6" name="Rectangle 5"/>
-          <p:cNvSpPr/>
-          <p:nvPr/>
-        </p:nvSpPr>
-        <p:spPr>
-          <a:xfrm>
-            <a:off x="966871" y="5872484"/>
-            <a:ext cx="10258257" cy="369332"/>
-          </a:xfrm>
-          <a:prstGeom prst="rect">
-            <a:avLst/>
-          </a:prstGeom>
-        </p:spPr>
-        <p:txBody>
-          <a:bodyPr wrap="none">
-            <a:spAutoFit/>
-          </a:bodyPr>
-          <a:lstStyle/>
-          <a:p>
-            <a:pPr algn="ctr"/>
-            <a:r>
-              <a:rPr lang="en-US" dirty="0" smtClean="0">
-                <a:solidFill>
-                  <a:schemeClr val="accent2"/>
-                </a:solidFill>
-              </a:rPr>
-              <a:t>[Image source: </a:t>
-            </a:r>
-            <a:r>
-              <a:rPr lang="en-US" dirty="0">
-                <a:solidFill>
-                  <a:schemeClr val="accent2"/>
-                </a:solidFill>
-              </a:rPr>
-              <a:t>A still image from "A real person, a lot like you" by Derek Sivers, </a:t>
-            </a:r>
-            <a:r>
-              <a:rPr lang="en-US" dirty="0" smtClean="0">
-                <a:solidFill>
-                  <a:schemeClr val="accent2"/>
-                </a:solidFill>
-              </a:rPr>
-              <a:t>shared </a:t>
-            </a:r>
-            <a:r>
-              <a:rPr lang="en-US" dirty="0">
-                <a:solidFill>
-                  <a:schemeClr val="accent2"/>
-                </a:solidFill>
-              </a:rPr>
-              <a:t>with his </a:t>
-            </a:r>
-            <a:r>
-              <a:rPr lang="en-US" dirty="0" smtClean="0">
-                <a:solidFill>
-                  <a:schemeClr val="accent2"/>
-                </a:solidFill>
-              </a:rPr>
-              <a:t>permission]</a:t>
-            </a:r>
-            <a:endParaRPr lang="en-US" dirty="0">
-              <a:solidFill>
-                <a:schemeClr val="accent2"/>
-              </a:solidFill>
-            </a:endParaRPr>
-          </a:p>
-        </p:txBody>
-      </p:sp>
-    </p:spTree>
-    <p:extLst>
-      <p:ext uri="{BB962C8B-B14F-4D97-AF65-F5344CB8AC3E}">
-        <p14:creationId xmlns:p14="http://schemas.microsoft.com/office/powerpoint/2010/main" val="2095566704"/>
-      </p:ext>
-    </p:extLst>
-  </p:cSld>
-  <p:clrMapOvr>
-    <a:masterClrMapping/>
-  </p:clrMapOvr>
-</p:sld>
-</file>
-
-<file path=ppt/slides/slide22.xml><?xml version="1.0" encoding="utf-8"?>
-<p:sld xmlns:a="http://schemas.openxmlformats.org/drawingml/2006/main" xmlns:r="http://schemas.openxmlformats.org/officeDocument/2006/relationships" xmlns:p="http://schemas.openxmlformats.org/presentationml/2006/main">
-  <p:cSld>
-    <p:spTree>
-      <p:nvGrpSpPr>
-        <p:cNvPr id="1" name=""/>
-        <p:cNvGrpSpPr/>
-        <p:nvPr/>
-      </p:nvGrpSpPr>
-      <p:grpSpPr>
-        <a:xfrm>
-          <a:off x="0" y="0"/>
-          <a:ext cx="0" cy="0"/>
-          <a:chOff x="0" y="0"/>
-          <a:chExt cx="0" cy="0"/>
-        </a:xfrm>
-      </p:grpSpPr>
-      <p:sp>
-        <p:nvSpPr>
-          <p:cNvPr id="2" name="Title 1"/>
-          <p:cNvSpPr>
-            <a:spLocks noGrp="1"/>
-          </p:cNvSpPr>
-          <p:nvPr>
-            <p:ph type="title"/>
-          </p:nvPr>
-        </p:nvSpPr>
-        <p:spPr>
-          <a:xfrm>
-            <a:off x="838200" y="2659146"/>
-            <a:ext cx="10515600" cy="1325563"/>
-          </a:xfrm>
-        </p:spPr>
-        <p:txBody>
-          <a:bodyPr>
-            <a:noAutofit/>
-          </a:bodyPr>
-          <a:lstStyle/>
-          <a:p>
-            <a:pPr algn="ctr"/>
-            <a:r>
-              <a:rPr lang="en-US" sz="6000" dirty="0" smtClean="0"/>
-              <a:t>“public data”</a:t>
-            </a:r>
-            <a:endParaRPr lang="en-US" sz="3600" dirty="0"/>
-          </a:p>
-        </p:txBody>
-      </p:sp>
-      <p:sp>
-        <p:nvSpPr>
-          <p:cNvPr id="4" name="Rectangle 3"/>
-          <p:cNvSpPr/>
-          <p:nvPr/>
-        </p:nvSpPr>
-        <p:spPr>
-          <a:xfrm>
-            <a:off x="4937221" y="6322027"/>
-            <a:ext cx="2317558" cy="369332"/>
-          </a:xfrm>
-          <a:prstGeom prst="rect">
-            <a:avLst/>
-          </a:prstGeom>
-        </p:spPr>
-        <p:txBody>
-          <a:bodyPr wrap="none">
-            <a:spAutoFit/>
-          </a:bodyPr>
-          <a:lstStyle/>
-          <a:p>
-            <a:r>
-              <a:rPr lang="en-US" dirty="0" smtClean="0">
-                <a:solidFill>
-                  <a:schemeClr val="accent5"/>
-                </a:solidFill>
-              </a:rPr>
-              <a:t>[See</a:t>
-            </a:r>
-            <a:r>
-              <a:rPr lang="en-US" smtClean="0">
-                <a:solidFill>
-                  <a:schemeClr val="accent5"/>
-                </a:solidFill>
-              </a:rPr>
-              <a:t>: impact1cont.md</a:t>
-            </a:r>
-            <a:r>
-              <a:rPr lang="en-US" dirty="0" smtClean="0">
-                <a:solidFill>
-                  <a:schemeClr val="accent5"/>
-                </a:solidFill>
-              </a:rPr>
-              <a:t>]</a:t>
-            </a:r>
-            <a:endParaRPr lang="en-US" dirty="0">
-              <a:solidFill>
-                <a:schemeClr val="accent5"/>
-              </a:solidFill>
-            </a:endParaRPr>
-          </a:p>
-        </p:txBody>
-      </p:sp>
-    </p:spTree>
-    <p:extLst>
-      <p:ext uri="{BB962C8B-B14F-4D97-AF65-F5344CB8AC3E}">
-        <p14:creationId xmlns:p14="http://schemas.microsoft.com/office/powerpoint/2010/main" val="191469049"/>
-      </p:ext>
-    </p:extLst>
-  </p:cSld>
-  <p:clrMapOvr>
-    <a:masterClrMapping/>
-  </p:clrMapOvr>
-</p:sld>
-</file>
-
-<file path=ppt/slides/slide23.xml><?xml version="1.0" encoding="utf-8"?>
-<p:sld xmlns:a="http://schemas.openxmlformats.org/drawingml/2006/main" xmlns:r="http://schemas.openxmlformats.org/officeDocument/2006/relationships" xmlns:p="http://schemas.openxmlformats.org/presentationml/2006/main">
-  <p:cSld>
-    <p:spTree>
-      <p:nvGrpSpPr>
-        <p:cNvPr id="1" name=""/>
-        <p:cNvGrpSpPr/>
-        <p:nvPr/>
-      </p:nvGrpSpPr>
-      <p:grpSpPr>
-        <a:xfrm>
-          <a:off x="0" y="0"/>
-          <a:ext cx="0" cy="0"/>
-          <a:chOff x="0" y="0"/>
-          <a:chExt cx="0" cy="0"/>
-        </a:xfrm>
-      </p:grpSpPr>
-      <p:sp>
-        <p:nvSpPr>
-          <p:cNvPr id="2" name="Title 1"/>
-          <p:cNvSpPr>
-            <a:spLocks noGrp="1"/>
-          </p:cNvSpPr>
-          <p:nvPr>
-            <p:ph type="title"/>
-          </p:nvPr>
-        </p:nvSpPr>
-        <p:spPr>
-          <a:xfrm>
-            <a:off x="838200" y="2659146"/>
-            <a:ext cx="10515600" cy="1325563"/>
-          </a:xfrm>
-        </p:spPr>
-        <p:txBody>
-          <a:bodyPr>
-            <a:noAutofit/>
-          </a:bodyPr>
-          <a:lstStyle/>
-          <a:p>
-            <a:pPr algn="ctr"/>
-            <a:r>
-              <a:rPr lang="en-US" sz="6000" dirty="0"/>
-              <a:t>t</a:t>
-            </a:r>
-            <a:r>
-              <a:rPr lang="en-US" sz="6000" dirty="0" smtClean="0"/>
-              <a:t>he question of personhood</a:t>
-            </a:r>
-            <a:endParaRPr lang="en-US" sz="3600" dirty="0"/>
-          </a:p>
-        </p:txBody>
-      </p:sp>
-      <p:sp>
-        <p:nvSpPr>
-          <p:cNvPr id="3" name="Rectangle 2"/>
-          <p:cNvSpPr/>
-          <p:nvPr/>
-        </p:nvSpPr>
-        <p:spPr>
-          <a:xfrm>
-            <a:off x="4937221" y="6322027"/>
-            <a:ext cx="2317558" cy="369332"/>
-          </a:xfrm>
-          <a:prstGeom prst="rect">
-            <a:avLst/>
-          </a:prstGeom>
-        </p:spPr>
-        <p:txBody>
-          <a:bodyPr wrap="none">
-            <a:spAutoFit/>
-          </a:bodyPr>
-          <a:lstStyle/>
-          <a:p>
-            <a:r>
-              <a:rPr lang="en-US" dirty="0" smtClean="0">
-                <a:solidFill>
-                  <a:schemeClr val="accent5"/>
-                </a:solidFill>
-              </a:rPr>
-              <a:t>[See: impact1cont.md]</a:t>
-            </a:r>
-            <a:endParaRPr lang="en-US" dirty="0">
-              <a:solidFill>
-                <a:schemeClr val="accent5"/>
-              </a:solidFill>
-            </a:endParaRPr>
-          </a:p>
-        </p:txBody>
-      </p:sp>
-    </p:spTree>
-    <p:extLst>
-      <p:ext uri="{BB962C8B-B14F-4D97-AF65-F5344CB8AC3E}">
-        <p14:creationId xmlns:p14="http://schemas.microsoft.com/office/powerpoint/2010/main" val="271384352"/>
-      </p:ext>
-    </p:extLst>
-  </p:cSld>
-  <p:clrMapOvr>
-    <a:masterClrMapping/>
-  </p:clrMapOvr>
-</p:sld>
-</file>
-
-<file path=ppt/slides/slide24.xml><?xml version="1.0" encoding="utf-8"?>
-<p:sld xmlns:a="http://schemas.openxmlformats.org/drawingml/2006/main" xmlns:r="http://schemas.openxmlformats.org/officeDocument/2006/relationships" xmlns:p="http://schemas.openxmlformats.org/presentationml/2006/main">
-  <p:cSld>
-    <p:bg>
-      <p:bgPr>
-        <a:solidFill>
-          <a:schemeClr val="accent1">
-            <a:lumMod val="50000"/>
-          </a:schemeClr>
-        </a:solidFill>
-        <a:effectLst/>
-      </p:bgPr>
-    </p:bg>
-    <p:spTree>
-      <p:nvGrpSpPr>
-        <p:cNvPr id="1" name=""/>
-        <p:cNvGrpSpPr/>
-        <p:nvPr/>
-      </p:nvGrpSpPr>
-      <p:grpSpPr>
-        <a:xfrm>
-          <a:off x="0" y="0"/>
-          <a:ext cx="0" cy="0"/>
-          <a:chOff x="0" y="0"/>
-          <a:chExt cx="0" cy="0"/>
-        </a:xfrm>
-      </p:grpSpPr>
-      <p:sp>
-        <p:nvSpPr>
-          <p:cNvPr id="2" name="Title 1"/>
-          <p:cNvSpPr>
-            <a:spLocks noGrp="1"/>
-          </p:cNvSpPr>
-          <p:nvPr>
-            <p:ph type="title"/>
-          </p:nvPr>
-        </p:nvSpPr>
-        <p:spPr>
-          <a:xfrm>
-            <a:off x="638175" y="1934328"/>
-            <a:ext cx="10902950" cy="2852737"/>
-          </a:xfrm>
-        </p:spPr>
-        <p:txBody>
-          <a:bodyPr anchor="ctr">
-            <a:noAutofit/>
-          </a:bodyPr>
-          <a:lstStyle/>
-          <a:p>
-            <a:r>
-              <a:rPr lang="en-US" sz="2400" u="sng" dirty="0" smtClean="0"/>
-              <a:t>Activity</a:t>
-            </a:r>
-            <a:br>
-              <a:rPr lang="en-US" sz="2400" u="sng" dirty="0" smtClean="0"/>
-            </a:br>
-            <a:r>
-              <a:rPr lang="en-US" sz="2400" u="sng" dirty="0" smtClean="0"/>
-              <a:t/>
-            </a:r>
-            <a:br>
-              <a:rPr lang="en-US" sz="2400" u="sng" dirty="0" smtClean="0"/>
-            </a:br>
-            <a:r>
-              <a:rPr lang="en-US" sz="2400" dirty="0" smtClean="0"/>
-              <a:t>Let's </a:t>
-            </a:r>
-            <a:r>
-              <a:rPr lang="en-US" sz="2400" dirty="0"/>
-              <a:t>analyze and discuss a case study</a:t>
-            </a:r>
-            <a:r>
-              <a:rPr lang="en-US" sz="2400" dirty="0" smtClean="0"/>
-              <a:t>.</a:t>
-            </a:r>
-            <a:br>
-              <a:rPr lang="en-US" sz="2400" dirty="0" smtClean="0"/>
-            </a:br>
-            <a:r>
-              <a:rPr lang="en-US" sz="2400" dirty="0"/>
-              <a:t/>
-            </a:r>
-            <a:br>
-              <a:rPr lang="en-US" sz="2400" dirty="0"/>
-            </a:br>
-            <a:r>
-              <a:rPr lang="en-US" sz="2400" dirty="0" smtClean="0"/>
-              <a:t>Review </a:t>
-            </a:r>
-            <a:r>
-              <a:rPr lang="en-US" sz="2400" dirty="0">
-                <a:hlinkClick r:id="rId2"/>
-              </a:rPr>
-              <a:t>Joshua Tabak and Vivian Zayas's academic article</a:t>
-            </a:r>
-            <a:r>
-              <a:rPr lang="en-US" sz="2400" dirty="0"/>
-              <a:t> </a:t>
-            </a:r>
-            <a:r>
-              <a:rPr lang="en-US" sz="2400" dirty="0" smtClean="0">
-                <a:solidFill>
-                  <a:srgbClr val="FFF8A9"/>
-                </a:solidFill>
-              </a:rPr>
-              <a:t>[</a:t>
-            </a:r>
-            <a:r>
-              <a:rPr lang="en-US" sz="2400" dirty="0" err="1" smtClean="0">
-                <a:solidFill>
-                  <a:srgbClr val="FFF8A9"/>
-                </a:solidFill>
-              </a:rPr>
-              <a:t>tinyurl.com</a:t>
-            </a:r>
-            <a:r>
-              <a:rPr lang="en-US" sz="2400" dirty="0" smtClean="0">
-                <a:solidFill>
-                  <a:srgbClr val="FFF8A9"/>
-                </a:solidFill>
-              </a:rPr>
-              <a:t>/</a:t>
-            </a:r>
-            <a:r>
-              <a:rPr lang="en-US" sz="2400" dirty="0" err="1" smtClean="0">
-                <a:solidFill>
-                  <a:srgbClr val="FFF8A9"/>
-                </a:solidFill>
-              </a:rPr>
-              <a:t>tabakzayas</a:t>
-            </a:r>
-            <a:r>
-              <a:rPr lang="en-US" sz="2400" dirty="0" smtClean="0">
-                <a:solidFill>
-                  <a:srgbClr val="FFF8A9"/>
-                </a:solidFill>
-              </a:rPr>
-              <a:t>] </a:t>
-            </a:r>
-            <a:r>
-              <a:rPr lang="en-US" sz="2400" dirty="0" smtClean="0"/>
-              <a:t>and </a:t>
-            </a:r>
-            <a:r>
-              <a:rPr lang="en-US" sz="2400" dirty="0">
-                <a:hlinkClick r:id="rId3"/>
-              </a:rPr>
-              <a:t>their summary of it for the New York </a:t>
-            </a:r>
-            <a:r>
-              <a:rPr lang="en-US" sz="2400" dirty="0" smtClean="0">
-                <a:hlinkClick r:id="rId3"/>
-              </a:rPr>
-              <a:t>Times</a:t>
-            </a:r>
-            <a:r>
-              <a:rPr lang="en-US" sz="2400" dirty="0" smtClean="0"/>
-              <a:t> </a:t>
-            </a:r>
-            <a:r>
-              <a:rPr lang="en-US" sz="2400" dirty="0" smtClean="0">
-                <a:solidFill>
-                  <a:srgbClr val="FFF8A9"/>
-                </a:solidFill>
-              </a:rPr>
-              <a:t>[</a:t>
-            </a:r>
-            <a:r>
-              <a:rPr lang="en-US" sz="2400" dirty="0" err="1" smtClean="0">
-                <a:solidFill>
-                  <a:srgbClr val="FFF8A9"/>
-                </a:solidFill>
-              </a:rPr>
-              <a:t>tinyurl.com</a:t>
-            </a:r>
-            <a:r>
-              <a:rPr lang="en-US" sz="2400" dirty="0" smtClean="0">
-                <a:solidFill>
-                  <a:srgbClr val="FFF8A9"/>
-                </a:solidFill>
-              </a:rPr>
-              <a:t>/</a:t>
-            </a:r>
-            <a:r>
-              <a:rPr lang="en-US" sz="2400" dirty="0" err="1" smtClean="0">
-                <a:solidFill>
-                  <a:srgbClr val="FFF8A9"/>
-                </a:solidFill>
-              </a:rPr>
-              <a:t>gaydarscience</a:t>
-            </a:r>
-            <a:r>
-              <a:rPr lang="en-US" sz="2400" dirty="0" smtClean="0">
-                <a:solidFill>
-                  <a:srgbClr val="FFF8A9"/>
-                </a:solidFill>
-              </a:rPr>
-              <a:t>]</a:t>
-            </a:r>
-            <a:r>
-              <a:rPr lang="en-US" sz="2400" b="1" dirty="0" smtClean="0"/>
-              <a:t>,</a:t>
-            </a:r>
-            <a:r>
-              <a:rPr lang="en-US" sz="2400" dirty="0" smtClean="0"/>
-              <a:t> </a:t>
-            </a:r>
-            <a:r>
-              <a:rPr lang="en-US" sz="2400" dirty="0"/>
-              <a:t>and discuss</a:t>
-            </a:r>
-            <a:r>
-              <a:rPr lang="en-US" sz="2400" dirty="0" smtClean="0"/>
-              <a:t>:</a:t>
-            </a:r>
-            <a:br>
-              <a:rPr lang="en-US" sz="2400" dirty="0" smtClean="0"/>
-            </a:br>
-            <a:r>
-              <a:rPr lang="en-US" sz="2400" dirty="0"/>
-              <a:t/>
-            </a:r>
-            <a:br>
-              <a:rPr lang="en-US" sz="2400" dirty="0"/>
-            </a:br>
-            <a:r>
-              <a:rPr lang="en-US" sz="2400" dirty="0" smtClean="0"/>
-              <a:t>&gt;&gt;  What </a:t>
-            </a:r>
-            <a:r>
-              <a:rPr lang="en-US" sz="2400" dirty="0"/>
-              <a:t>kinds of “human subjects” are involved in this study</a:t>
-            </a:r>
-            <a:r>
-              <a:rPr lang="en-US" sz="2400" dirty="0" smtClean="0"/>
-              <a:t>?</a:t>
-            </a:r>
-            <a:br>
-              <a:rPr lang="en-US" sz="2400" dirty="0" smtClean="0"/>
-            </a:br>
-            <a:r>
-              <a:rPr lang="en-US" sz="2400" dirty="0"/>
-              <a:t/>
-            </a:r>
-            <a:br>
-              <a:rPr lang="en-US" sz="2400" dirty="0"/>
-            </a:br>
-            <a:r>
-              <a:rPr lang="en-US" sz="2400" dirty="0" smtClean="0"/>
-              <a:t>&gt;&gt;  Is </a:t>
-            </a:r>
-            <a:r>
-              <a:rPr lang="en-US" sz="2400" dirty="0"/>
-              <a:t>a social media photo of oneself an extension of the self</a:t>
-            </a:r>
-            <a:r>
-              <a:rPr lang="en-US" sz="2400" dirty="0" smtClean="0"/>
-              <a:t>?</a:t>
-            </a:r>
-            <a:br>
-              <a:rPr lang="en-US" sz="2400" dirty="0" smtClean="0"/>
-            </a:br>
-            <a:r>
-              <a:rPr lang="en-US" sz="2400" dirty="0"/>
-              <a:t/>
-            </a:r>
-            <a:br>
-              <a:rPr lang="en-US" sz="2400" dirty="0"/>
-            </a:br>
-            <a:r>
-              <a:rPr lang="en-US" sz="2400" dirty="0" smtClean="0"/>
-              <a:t>&gt;&gt;  Does </a:t>
-            </a:r>
-            <a:r>
-              <a:rPr lang="en-US" sz="2400" dirty="0"/>
-              <a:t>their methodology raise any ethical concerns</a:t>
-            </a:r>
-            <a:r>
-              <a:rPr lang="en-US" sz="2400" dirty="0" smtClean="0"/>
-              <a:t>?</a:t>
-            </a:r>
-            <a:br>
-              <a:rPr lang="en-US" sz="2400" dirty="0" smtClean="0"/>
-            </a:br>
-            <a:r>
-              <a:rPr lang="en-US" sz="2400" dirty="0"/>
-              <a:t/>
-            </a:r>
-            <a:br>
-              <a:rPr lang="en-US" sz="2400" dirty="0"/>
-            </a:br>
-            <a:r>
-              <a:rPr lang="en-US" sz="2400" dirty="0"/>
-              <a:t>Discuss with your table, then share as a group.</a:t>
-            </a:r>
-            <a:r>
-              <a:rPr lang="en-US" sz="2400" dirty="0" smtClean="0"/>
-              <a:t/>
-            </a:r>
-            <a:br>
-              <a:rPr lang="en-US" sz="2400" dirty="0" smtClean="0"/>
-            </a:br>
-            <a:r>
-              <a:rPr lang="en-US" sz="2400" dirty="0"/>
-              <a:t/>
-            </a:r>
-            <a:br>
-              <a:rPr lang="en-US" sz="2400" dirty="0"/>
-            </a:br>
-            <a:r>
-              <a:rPr lang="en-US" sz="2400" dirty="0" smtClean="0"/>
-              <a:t>Further </a:t>
-            </a:r>
-            <a:r>
-              <a:rPr lang="en-US" sz="2400" dirty="0"/>
-              <a:t>reading: </a:t>
-            </a:r>
-            <a:r>
-              <a:rPr lang="en-US" sz="2400" dirty="0">
-                <a:hlinkClick r:id="rId4"/>
-              </a:rPr>
-              <a:t>Patrick Sweeney, "Images of Faces Gleaned from Social Media in Social Psychological Research on Sexual Orientation," </a:t>
-            </a:r>
-            <a:r>
-              <a:rPr lang="en-US" sz="2400" dirty="0" smtClean="0">
-                <a:hlinkClick r:id="rId4"/>
-              </a:rPr>
-              <a:t>2017</a:t>
-            </a:r>
-            <a:r>
-              <a:rPr lang="en-US" sz="2400" dirty="0" smtClean="0"/>
-              <a:t> </a:t>
-            </a:r>
-            <a:r>
-              <a:rPr lang="en-US" sz="2400" dirty="0" smtClean="0">
-                <a:solidFill>
-                  <a:srgbClr val="FFF8A9"/>
-                </a:solidFill>
-              </a:rPr>
-              <a:t>[</a:t>
-            </a:r>
-            <a:r>
-              <a:rPr lang="en-US" sz="2400" dirty="0" err="1" smtClean="0">
-                <a:solidFill>
-                  <a:srgbClr val="FFF8A9"/>
-                </a:solidFill>
-              </a:rPr>
-              <a:t>tinyurl.com</a:t>
-            </a:r>
-            <a:r>
-              <a:rPr lang="en-US" sz="2400" dirty="0" smtClean="0">
-                <a:solidFill>
-                  <a:srgbClr val="FFF8A9"/>
-                </a:solidFill>
-              </a:rPr>
-              <a:t>/</a:t>
-            </a:r>
-            <a:r>
-              <a:rPr lang="en-US" sz="2400" dirty="0" err="1" smtClean="0">
-                <a:solidFill>
-                  <a:srgbClr val="FFF8A9"/>
-                </a:solidFill>
-              </a:rPr>
-              <a:t>sweeneyimages</a:t>
-            </a:r>
-            <a:r>
-              <a:rPr lang="en-US" sz="2400" dirty="0" smtClean="0">
-                <a:solidFill>
-                  <a:srgbClr val="FFF8A9"/>
-                </a:solidFill>
-              </a:rPr>
-              <a:t>]</a:t>
-            </a:r>
-            <a:endParaRPr lang="en-US" sz="2000" dirty="0">
-              <a:solidFill>
-                <a:srgbClr val="FFF8A9"/>
-              </a:solidFill>
-            </a:endParaRPr>
-          </a:p>
-        </p:txBody>
-      </p:sp>
-      <p:sp>
-        <p:nvSpPr>
-          <p:cNvPr id="4" name="Rectangle 3"/>
-          <p:cNvSpPr/>
-          <p:nvPr/>
-        </p:nvSpPr>
-        <p:spPr>
-          <a:xfrm>
-            <a:off x="4930871" y="6344289"/>
-            <a:ext cx="2317558" cy="369332"/>
-          </a:xfrm>
-          <a:prstGeom prst="rect">
-            <a:avLst/>
-          </a:prstGeom>
-        </p:spPr>
-        <p:txBody>
-          <a:bodyPr wrap="none">
-            <a:spAutoFit/>
-          </a:bodyPr>
-          <a:lstStyle/>
-          <a:p>
-            <a:r>
-              <a:rPr lang="en-US" dirty="0" smtClean="0">
-                <a:solidFill>
-                  <a:schemeClr val="tx2"/>
-                </a:solidFill>
-              </a:rPr>
-              <a:t>[See</a:t>
-            </a:r>
-            <a:r>
-              <a:rPr lang="en-US" smtClean="0">
-                <a:solidFill>
-                  <a:schemeClr val="tx2"/>
-                </a:solidFill>
-              </a:rPr>
-              <a:t>: impact1cont.md</a:t>
-            </a:r>
-            <a:r>
-              <a:rPr lang="en-US" dirty="0" smtClean="0">
-                <a:solidFill>
-                  <a:schemeClr val="tx2"/>
-                </a:solidFill>
-              </a:rPr>
-              <a:t>]</a:t>
-            </a:r>
-            <a:endParaRPr lang="en-US" dirty="0">
-              <a:solidFill>
-                <a:schemeClr val="tx2"/>
-              </a:solidFill>
-            </a:endParaRPr>
-          </a:p>
-        </p:txBody>
-      </p:sp>
-    </p:spTree>
-    <p:extLst>
-      <p:ext uri="{BB962C8B-B14F-4D97-AF65-F5344CB8AC3E}">
-        <p14:creationId xmlns:p14="http://schemas.microsoft.com/office/powerpoint/2010/main" val="2018461583"/>
-      </p:ext>
-    </p:extLst>
-  </p:cSld>
-  <p:clrMapOvr>
-    <a:masterClrMapping/>
-  </p:clrMapOvr>
-</p:sld>
-</file>
-
-<file path=ppt/slides/slide25.xml><?xml version="1.0" encoding="utf-8"?>
-<p:sld xmlns:a="http://schemas.openxmlformats.org/drawingml/2006/main" xmlns:r="http://schemas.openxmlformats.org/officeDocument/2006/relationships" xmlns:p="http://schemas.openxmlformats.org/presentationml/2006/main">
-  <p:cSld>
-    <p:bg>
-      <p:bgPr>
-        <a:solidFill>
-          <a:schemeClr val="accent5">
-            <a:lumMod val="50000"/>
-          </a:schemeClr>
-        </a:solidFill>
-        <a:effectLst/>
-      </p:bgPr>
-    </p:bg>
-    <p:spTree>
-      <p:nvGrpSpPr>
-        <p:cNvPr id="1" name=""/>
-        <p:cNvGrpSpPr/>
-        <p:nvPr/>
-      </p:nvGrpSpPr>
-      <p:grpSpPr>
-        <a:xfrm>
-          <a:off x="0" y="0"/>
-          <a:ext cx="0" cy="0"/>
-          <a:chOff x="0" y="0"/>
-          <a:chExt cx="0" cy="0"/>
-        </a:xfrm>
-      </p:grpSpPr>
-      <p:sp>
-        <p:nvSpPr>
-          <p:cNvPr id="2" name="Title 1"/>
-          <p:cNvSpPr>
-            <a:spLocks noGrp="1"/>
-          </p:cNvSpPr>
-          <p:nvPr>
-            <p:ph type="title"/>
-          </p:nvPr>
-        </p:nvSpPr>
-        <p:spPr>
-          <a:xfrm>
-            <a:off x="831850" y="1902244"/>
-            <a:ext cx="10173034" cy="2852737"/>
-          </a:xfrm>
-        </p:spPr>
-        <p:txBody>
-          <a:bodyPr anchor="ctr">
-            <a:normAutofit fontScale="90000"/>
-          </a:bodyPr>
-          <a:lstStyle/>
-          <a:p>
-            <a:pPr algn="ctr"/>
-            <a:r>
-              <a:rPr lang="en-US" sz="8900" dirty="0" smtClean="0"/>
-              <a:t>Level of impact 2:</a:t>
-            </a:r>
-            <a:br>
-              <a:rPr lang="en-US" sz="8900" dirty="0" smtClean="0"/>
-            </a:br>
-            <a:r>
-              <a:rPr lang="en-US" dirty="0"/>
-              <a:t>  </a:t>
-            </a:r>
-            <a:r>
-              <a:rPr lang="en-US" dirty="0" smtClean="0"/>
-              <a:t/>
-            </a:r>
-            <a:br>
-              <a:rPr lang="en-US" dirty="0" smtClean="0"/>
-            </a:br>
-            <a:r>
-              <a:rPr lang="en-US" dirty="0" smtClean="0"/>
-              <a:t>the politics of knowledge production</a:t>
-            </a:r>
-            <a:endParaRPr lang="en-US" dirty="0"/>
-          </a:p>
-        </p:txBody>
-      </p:sp>
-      <p:sp>
-        <p:nvSpPr>
-          <p:cNvPr id="4" name="Rectangle 3"/>
-          <p:cNvSpPr/>
-          <p:nvPr/>
-        </p:nvSpPr>
-        <p:spPr>
-          <a:xfrm>
-            <a:off x="5087138" y="6322027"/>
-            <a:ext cx="1903085" cy="369332"/>
-          </a:xfrm>
-          <a:prstGeom prst="rect">
-            <a:avLst/>
-          </a:prstGeom>
-        </p:spPr>
-        <p:txBody>
-          <a:bodyPr wrap="none">
-            <a:spAutoFit/>
-          </a:bodyPr>
-          <a:lstStyle/>
-          <a:p>
-            <a:r>
-              <a:rPr lang="en-US" dirty="0" smtClean="0">
-                <a:solidFill>
-                  <a:schemeClr val="tx2"/>
-                </a:solidFill>
-              </a:rPr>
-              <a:t>[See: impact2.md]</a:t>
-            </a:r>
-            <a:endParaRPr lang="en-US" dirty="0">
-              <a:solidFill>
-                <a:schemeClr val="tx2"/>
-              </a:solidFill>
-            </a:endParaRPr>
-          </a:p>
-        </p:txBody>
-      </p:sp>
-    </p:spTree>
-    <p:extLst>
-      <p:ext uri="{BB962C8B-B14F-4D97-AF65-F5344CB8AC3E}">
-        <p14:creationId xmlns:p14="http://schemas.microsoft.com/office/powerpoint/2010/main" val="4388747"/>
+        <p14:creationId xmlns:p14="http://schemas.microsoft.com/office/powerpoint/2010/main" val="1117854536"/>
       </p:ext>
     </p:extLst>
   </p:cSld>
@@ -6637,75 +6703,37 @@
           <a:chExt cx="0" cy="0"/>
         </a:xfrm>
       </p:grpSpPr>
-      <p:sp>
-        <p:nvSpPr>
-          <p:cNvPr id="2" name="Title 1"/>
-          <p:cNvSpPr>
-            <a:spLocks noGrp="1"/>
-          </p:cNvSpPr>
-          <p:nvPr>
-            <p:ph type="title"/>
-          </p:nvPr>
-        </p:nvSpPr>
-        <p:spPr>
-          <a:xfrm>
-            <a:off x="751638" y="1677655"/>
-            <a:ext cx="10574087" cy="2852737"/>
-          </a:xfrm>
-        </p:spPr>
-        <p:txBody>
-          <a:bodyPr anchor="ctr">
-            <a:normAutofit fontScale="90000"/>
-          </a:bodyPr>
-          <a:lstStyle/>
-          <a:p>
-            <a:pPr algn="ctr"/>
-            <a:r>
-              <a:rPr lang="en-US" dirty="0"/>
-              <a:t> </a:t>
-            </a:r>
-            <a:r>
-              <a:rPr lang="en-US" dirty="0" smtClean="0"/>
-              <a:t/>
-            </a:r>
-            <a:br>
-              <a:rPr lang="en-US" dirty="0" smtClean="0"/>
-            </a:br>
-            <a:r>
-              <a:rPr lang="en-US" dirty="0" smtClean="0"/>
-              <a:t>“</a:t>
-            </a:r>
-            <a:r>
-              <a:rPr lang="en-US" dirty="0"/>
-              <a:t>how our methods of organizing data, analytical interpretations, or findings as shared datasets are being used—or might be used—to </a:t>
-            </a:r>
-            <a:r>
-              <a:rPr lang="en-US" b="1" i="1" dirty="0"/>
-              <a:t>build definitional categories</a:t>
-            </a:r>
-            <a:r>
-              <a:rPr lang="en-US" dirty="0"/>
-              <a:t> or to </a:t>
-            </a:r>
-            <a:r>
-              <a:rPr lang="en-US" b="1" i="1" dirty="0"/>
-              <a:t>profile particular </a:t>
-            </a:r>
-            <a:r>
-              <a:rPr lang="en-US" b="1" i="1" dirty="0" smtClean="0"/>
-              <a:t>groups</a:t>
-            </a:r>
-            <a:r>
-              <a:rPr lang="en-US" dirty="0" smtClean="0"/>
-              <a:t>” (Markham 2016)</a:t>
-            </a:r>
-            <a:endParaRPr lang="en-US" dirty="0"/>
-          </a:p>
-        </p:txBody>
-      </p:sp>
-      <p:sp>
-        <p:nvSpPr>
-          <p:cNvPr id="3" name="Rectangle 2"/>
+      <p:pic>
+        <p:nvPicPr>
+          <p:cNvPr id="5" name="Content Placeholder 4"/>
+          <p:cNvPicPr>
+            <a:picLocks noGrp="1" noChangeAspect="1"/>
+          </p:cNvPicPr>
+          <p:nvPr>
+            <p:ph sz="half" idx="1"/>
+          </p:nvPr>
+        </p:nvPicPr>
+        <p:blipFill rotWithShape="1">
+          <a:blip r:embed="rId2">
+            <a:extLst>
+              <a:ext uri="{28A0092B-C50C-407E-A947-70E740481C1C}">
+                <a14:useLocalDpi xmlns:a14="http://schemas.microsoft.com/office/drawing/2010/main" val="0"/>
+              </a:ext>
+            </a:extLst>
+          </a:blip>
+          <a:srcRect l="7044" r="9366"/>
+          <a:stretch/>
+        </p:blipFill>
+        <p:spPr>
+          <a:xfrm>
+            <a:off x="2712675" y="700855"/>
+            <a:ext cx="6880504" cy="5425057"/>
+          </a:xfrm>
+        </p:spPr>
+      </p:pic>
+      <p:sp>
+        <p:nvSpPr>
+          <p:cNvPr id="7" name="Rectangle 6"/>
           <p:cNvSpPr/>
           <p:nvPr/>
         </p:nvSpPr>
@@ -6730,7 +6758,23 @@
                   <a:schemeClr val="accent5"/>
                 </a:solidFill>
               </a:rPr>
-              <a:t>[See: impact2.md]</a:t>
+              <a:t>[See</a:t>
+            </a:r>
+            <a:r>
+              <a:rPr lang="en-US" smtClean="0">
+                <a:solidFill>
+                  <a:schemeClr val="accent5"/>
+                </a:solidFill>
+              </a:rPr>
+              <a:t>: impact2.md</a:t>
+            </a:r>
+            <a:r>
+              <a:rPr lang="en-US" dirty="0" smtClean="0">
+                <a:solidFill>
+                  <a:schemeClr val="accent5"/>
+                </a:solidFill>
+              </a:rPr>
+              <a:t>]</a:t>
             </a:r>
             <a:endParaRPr lang="en-US" dirty="0">
               <a:solidFill>
@@ -6743,7 +6787,7 @@
     </p:spTree>
     <p:extLst>
       <p:ext uri="{BB962C8B-B14F-4D97-AF65-F5344CB8AC3E}">
-        <p14:creationId xmlns:p14="http://schemas.microsoft.com/office/powerpoint/2010/main" val="1117854536"/>
+        <p14:creationId xmlns:p14="http://schemas.microsoft.com/office/powerpoint/2010/main" val="227931522"/>
       </p:ext>
     </p:extLst>
   </p:cSld>
@@ -6770,37 +6814,40 @@
           <a:chExt cx="0" cy="0"/>
         </a:xfrm>
       </p:grpSpPr>
-      <p:pic>
-        <p:nvPicPr>
-          <p:cNvPr id="5" name="Content Placeholder 4"/>
-          <p:cNvPicPr>
-            <a:picLocks noGrp="1" noChangeAspect="1"/>
-          </p:cNvPicPr>
-          <p:nvPr>
-            <p:ph sz="half" idx="1"/>
-          </p:nvPr>
-        </p:nvPicPr>
-        <p:blipFill rotWithShape="1">
-          <a:blip r:embed="rId2">
-            <a:extLst>
-              <a:ext uri="{28A0092B-C50C-407E-A947-70E740481C1C}">
-                <a14:useLocalDpi xmlns:a14="http://schemas.microsoft.com/office/drawing/2010/main" val="0"/>
-              </a:ext>
-            </a:extLst>
-          </a:blip>
-          <a:srcRect l="7044" r="9366"/>
-          <a:stretch/>
-        </p:blipFill>
-        <p:spPr>
-          <a:xfrm>
-            <a:off x="2712675" y="700855"/>
-            <a:ext cx="6880504" cy="5425057"/>
-          </a:xfrm>
-        </p:spPr>
-      </p:pic>
-      <p:sp>
-        <p:nvSpPr>
-          <p:cNvPr id="7" name="Rectangle 6"/>
+      <p:sp>
+        <p:nvSpPr>
+          <p:cNvPr id="2" name="Title 1"/>
+          <p:cNvSpPr>
+            <a:spLocks noGrp="1"/>
+          </p:cNvSpPr>
+          <p:nvPr>
+            <p:ph type="title"/>
+          </p:nvPr>
+        </p:nvSpPr>
+        <p:spPr>
+          <a:xfrm>
+            <a:off x="838200" y="2659146"/>
+            <a:ext cx="10515600" cy="1325563"/>
+          </a:xfrm>
+        </p:spPr>
+        <p:txBody>
+          <a:bodyPr>
+            <a:noAutofit/>
+          </a:bodyPr>
+          <a:lstStyle/>
+          <a:p>
+            <a:pPr algn="ctr"/>
+            <a:r>
+              <a:rPr lang="en-US" sz="6000" dirty="0" smtClean="0"/>
+              <a:t>How do digital tools and projects categorize or rely on categorizations?</a:t>
+            </a:r>
+            <a:endParaRPr lang="en-US" sz="3600" dirty="0"/>
+          </a:p>
+        </p:txBody>
+      </p:sp>
+      <p:sp>
+        <p:nvSpPr>
+          <p:cNvPr id="4" name="Rectangle 3"/>
           <p:cNvSpPr/>
           <p:nvPr/>
         </p:nvSpPr>
@@ -6854,7 +6901,7 @@
     </p:spTree>
     <p:extLst>
       <p:ext uri="{BB962C8B-B14F-4D97-AF65-F5344CB8AC3E}">
-        <p14:creationId xmlns:p14="http://schemas.microsoft.com/office/powerpoint/2010/main" val="227931522"/>
+        <p14:creationId xmlns:p14="http://schemas.microsoft.com/office/powerpoint/2010/main" val="955182536"/>
       </p:ext>
     </p:extLst>
   </p:cSld>
@@ -6906,7 +6953,7 @@
             <a:pPr algn="ctr"/>
             <a:r>
               <a:rPr lang="en-US" sz="6000" dirty="0" smtClean="0"/>
-              <a:t>How do digital tools and projects categorize or rely on categorizations?</a:t>
+              <a:t>What are some ramifications of (re)producing categories?</a:t>
             </a:r>
             <a:endParaRPr lang="en-US" sz="3600" dirty="0"/>
           </a:p>
@@ -6920,8 +6967,8 @@
         </p:nvSpPr>
         <p:spPr>
           <a:xfrm>
-            <a:off x="5087138" y="6322027"/>
-            <a:ext cx="1903085" cy="369332"/>
+            <a:off x="4937221" y="6338069"/>
+            <a:ext cx="2317558" cy="369332"/>
           </a:xfrm>
           <a:prstGeom prst="rect">
             <a:avLst/>
@@ -6947,7 +6994,7 @@
                   <a:schemeClr val="accent5"/>
                 </a:solidFill>
               </a:rPr>
-              <a:t>: impact2.md</a:t>
+              <a:t>: impact2cont.md</a:t>
             </a:r>
             <a:r>
               <a:rPr lang="en-US" dirty="0" smtClean="0">
@@ -6968,7 +7015,7 @@
     </p:spTree>
     <p:extLst>
       <p:ext uri="{BB962C8B-B14F-4D97-AF65-F5344CB8AC3E}">
-        <p14:creationId xmlns:p14="http://schemas.microsoft.com/office/powerpoint/2010/main" val="955182536"/>
+        <p14:creationId xmlns:p14="http://schemas.microsoft.com/office/powerpoint/2010/main" val="258840963"/>
       </p:ext>
     </p:extLst>
   </p:cSld>
@@ -6995,40 +7042,108 @@
           <a:chExt cx="0" cy="0"/>
         </a:xfrm>
       </p:grpSpPr>
-      <p:sp>
-        <p:nvSpPr>
-          <p:cNvPr id="2" name="Title 1"/>
-          <p:cNvSpPr>
-            <a:spLocks noGrp="1"/>
-          </p:cNvSpPr>
-          <p:nvPr>
-            <p:ph type="title"/>
-          </p:nvPr>
-        </p:nvSpPr>
-        <p:spPr>
-          <a:xfrm>
-            <a:off x="838200" y="2659146"/>
-            <a:ext cx="10515600" cy="1325563"/>
-          </a:xfrm>
-        </p:spPr>
-        <p:txBody>
-          <a:bodyPr>
-            <a:noAutofit/>
+      <p:pic>
+        <p:nvPicPr>
+          <p:cNvPr id="4" name="Content Placeholder 3"/>
+          <p:cNvPicPr>
+            <a:picLocks noGrp="1" noChangeAspect="1"/>
+          </p:cNvPicPr>
+          <p:nvPr>
+            <p:ph idx="1"/>
+          </p:nvPr>
+        </p:nvPicPr>
+        <p:blipFill>
+          <a:blip r:embed="rId2">
+            <a:extLst>
+              <a:ext uri="{28A0092B-C50C-407E-A947-70E740481C1C}">
+                <a14:useLocalDpi xmlns:a14="http://schemas.microsoft.com/office/drawing/2010/main" val="0"/>
+              </a:ext>
+            </a:extLst>
+          </a:blip>
+          <a:stretch>
+            <a:fillRect/>
+          </a:stretch>
+        </p:blipFill>
+        <p:spPr>
+          <a:xfrm>
+            <a:off x="1759612" y="497306"/>
+            <a:ext cx="8550804" cy="5326731"/>
+          </a:xfrm>
+        </p:spPr>
+      </p:pic>
+      <p:sp>
+        <p:nvSpPr>
+          <p:cNvPr id="5" name="Rectangle 4"/>
+          <p:cNvSpPr/>
+          <p:nvPr/>
+        </p:nvSpPr>
+        <p:spPr>
+          <a:xfrm>
+            <a:off x="305464" y="5968736"/>
+            <a:ext cx="11459099" cy="369332"/>
+          </a:xfrm>
+          <a:prstGeom prst="rect">
+            <a:avLst/>
+          </a:prstGeom>
+        </p:spPr>
+        <p:txBody>
+          <a:bodyPr wrap="none">
+            <a:spAutoFit/>
           </a:bodyPr>
           <a:lstStyle/>
           <a:p>
             <a:pPr algn="ctr"/>
             <a:r>
-              <a:rPr lang="en-US" sz="6000" dirty="0" smtClean="0"/>
-              <a:t>What are some ramifications of (re)producing categories?</a:t>
-            </a:r>
-            <a:endParaRPr lang="en-US" sz="3600" dirty="0"/>
-          </a:p>
-        </p:txBody>
-      </p:sp>
-      <p:sp>
-        <p:nvSpPr>
-          <p:cNvPr id="4" name="Rectangle 3"/>
+              <a:rPr lang="en-US" dirty="0" smtClean="0">
+                <a:solidFill>
+                  <a:schemeClr val="accent2"/>
+                </a:solidFill>
+              </a:rPr>
+              <a:t>[Image source: A comic by Adeline </a:t>
+            </a:r>
+            <a:r>
+              <a:rPr lang="en-US" dirty="0" err="1" smtClean="0">
+                <a:solidFill>
+                  <a:schemeClr val="accent2"/>
+                </a:solidFill>
+              </a:rPr>
+              <a:t>Koh</a:t>
+            </a:r>
+            <a:r>
+              <a:rPr lang="en-US" dirty="0" smtClean="0">
+                <a:solidFill>
+                  <a:schemeClr val="accent2"/>
+                </a:solidFill>
+              </a:rPr>
+              <a:t> from #</a:t>
+            </a:r>
+            <a:r>
+              <a:rPr lang="en-US" dirty="0" err="1" smtClean="0">
+                <a:solidFill>
+                  <a:schemeClr val="accent2"/>
+                </a:solidFill>
+              </a:rPr>
+              <a:t>DHPoco</a:t>
+            </a:r>
+            <a:r>
+              <a:rPr lang="en-US" dirty="0" smtClean="0">
+                <a:solidFill>
+                  <a:schemeClr val="accent2"/>
+                </a:solidFill>
+              </a:rPr>
+              <a:t>: Postcolonial Digital Humanities, shared here with her permission.]</a:t>
+            </a:r>
+            <a:endParaRPr lang="en-US" dirty="0">
+              <a:solidFill>
+                <a:schemeClr val="accent2"/>
+              </a:solidFill>
+            </a:endParaRPr>
+          </a:p>
+        </p:txBody>
+      </p:sp>
+      <p:sp>
+        <p:nvSpPr>
+          <p:cNvPr id="6" name="Rectangle 5"/>
           <p:cNvSpPr/>
           <p:nvPr/>
         </p:nvSpPr>
@@ -7082,7 +7197,7 @@
     </p:spTree>
     <p:extLst>
       <p:ext uri="{BB962C8B-B14F-4D97-AF65-F5344CB8AC3E}">
-        <p14:creationId xmlns:p14="http://schemas.microsoft.com/office/powerpoint/2010/main" val="258840963"/>
+        <p14:creationId xmlns:p14="http://schemas.microsoft.com/office/powerpoint/2010/main" val="613150394"/>
       </p:ext>
     </p:extLst>
   </p:cSld>
@@ -7236,188 +7351,6 @@
           <a:chExt cx="0" cy="0"/>
         </a:xfrm>
       </p:grpSpPr>
-      <p:pic>
-        <p:nvPicPr>
-          <p:cNvPr id="4" name="Content Placeholder 3"/>
-          <p:cNvPicPr>
-            <a:picLocks noGrp="1" noChangeAspect="1"/>
-          </p:cNvPicPr>
-          <p:nvPr>
-            <p:ph idx="1"/>
-          </p:nvPr>
-        </p:nvPicPr>
-        <p:blipFill>
-          <a:blip r:embed="rId2">
-            <a:extLst>
-              <a:ext uri="{28A0092B-C50C-407E-A947-70E740481C1C}">
-                <a14:useLocalDpi xmlns:a14="http://schemas.microsoft.com/office/drawing/2010/main" val="0"/>
-              </a:ext>
-            </a:extLst>
-          </a:blip>
-          <a:stretch>
-            <a:fillRect/>
-          </a:stretch>
-        </p:blipFill>
-        <p:spPr>
-          <a:xfrm>
-            <a:off x="1759612" y="497306"/>
-            <a:ext cx="8550804" cy="5326731"/>
-          </a:xfrm>
-        </p:spPr>
-      </p:pic>
-      <p:sp>
-        <p:nvSpPr>
-          <p:cNvPr id="5" name="Rectangle 4"/>
-          <p:cNvSpPr/>
-          <p:nvPr/>
-        </p:nvSpPr>
-        <p:spPr>
-          <a:xfrm>
-            <a:off x="305464" y="5968736"/>
-            <a:ext cx="11459099" cy="369332"/>
-          </a:xfrm>
-          <a:prstGeom prst="rect">
-            <a:avLst/>
-          </a:prstGeom>
-        </p:spPr>
-        <p:txBody>
-          <a:bodyPr wrap="none">
-            <a:spAutoFit/>
-          </a:bodyPr>
-          <a:lstStyle/>
-          <a:p>
-            <a:pPr algn="ctr"/>
-            <a:r>
-              <a:rPr lang="en-US" dirty="0" smtClean="0">
-                <a:solidFill>
-                  <a:schemeClr val="accent2"/>
-                </a:solidFill>
-              </a:rPr>
-              <a:t>[Image source: A comic by Adeline </a:t>
-            </a:r>
-            <a:r>
-              <a:rPr lang="en-US" dirty="0" err="1" smtClean="0">
-                <a:solidFill>
-                  <a:schemeClr val="accent2"/>
-                </a:solidFill>
-              </a:rPr>
-              <a:t>Koh</a:t>
-            </a:r>
-            <a:r>
-              <a:rPr lang="en-US" dirty="0" smtClean="0">
-                <a:solidFill>
-                  <a:schemeClr val="accent2"/>
-                </a:solidFill>
-              </a:rPr>
-              <a:t> from #</a:t>
-            </a:r>
-            <a:r>
-              <a:rPr lang="en-US" dirty="0" err="1" smtClean="0">
-                <a:solidFill>
-                  <a:schemeClr val="accent2"/>
-                </a:solidFill>
-              </a:rPr>
-              <a:t>DHPoco</a:t>
-            </a:r>
-            <a:r>
-              <a:rPr lang="en-US" dirty="0" smtClean="0">
-                <a:solidFill>
-                  <a:schemeClr val="accent2"/>
-                </a:solidFill>
-              </a:rPr>
-              <a:t>: Postcolonial Digital Humanities, shared here with her permission.]</a:t>
-            </a:r>
-            <a:endParaRPr lang="en-US" dirty="0">
-              <a:solidFill>
-                <a:schemeClr val="accent2"/>
-              </a:solidFill>
-            </a:endParaRPr>
-          </a:p>
-        </p:txBody>
-      </p:sp>
-      <p:sp>
-        <p:nvSpPr>
-          <p:cNvPr id="6" name="Rectangle 5"/>
-          <p:cNvSpPr/>
-          <p:nvPr/>
-        </p:nvSpPr>
-        <p:spPr>
-          <a:xfrm>
-            <a:off x="4937221" y="6338069"/>
-            <a:ext cx="2317558" cy="369332"/>
-          </a:xfrm>
-          <a:prstGeom prst="rect">
-            <a:avLst/>
-          </a:prstGeom>
-        </p:spPr>
-        <p:txBody>
-          <a:bodyPr wrap="none">
-            <a:spAutoFit/>
-          </a:bodyPr>
-          <a:lstStyle/>
-          <a:p>
-            <a:r>
-              <a:rPr lang="en-US" dirty="0" smtClean="0">
-                <a:solidFill>
-                  <a:schemeClr val="accent5"/>
-                </a:solidFill>
-              </a:rPr>
-              <a:t>[See</a:t>
-            </a:r>
-            <a:r>
-              <a:rPr lang="en-US" smtClean="0">
-                <a:solidFill>
-                  <a:schemeClr val="accent5"/>
-                </a:solidFill>
-              </a:rPr>
-              <a:t>: impact2cont.md</a:t>
-            </a:r>
-            <a:r>
-              <a:rPr lang="en-US" dirty="0" smtClean="0">
-                <a:solidFill>
-                  <a:schemeClr val="accent5"/>
-                </a:solidFill>
-              </a:rPr>
-              <a:t>]</a:t>
-            </a:r>
-            <a:endParaRPr lang="en-US" dirty="0">
-              <a:solidFill>
-                <a:schemeClr val="accent5"/>
-              </a:solidFill>
-            </a:endParaRPr>
-          </a:p>
-        </p:txBody>
-      </p:sp>
-    </p:spTree>
-    <p:extLst>
-      <p:ext uri="{BB962C8B-B14F-4D97-AF65-F5344CB8AC3E}">
-        <p14:creationId xmlns:p14="http://schemas.microsoft.com/office/powerpoint/2010/main" val="613150394"/>
-      </p:ext>
-    </p:extLst>
-  </p:cSld>
-  <p:clrMapOvr>
-    <a:masterClrMapping/>
-  </p:clrMapOvr>
-</p:sld>
-</file>
-
-<file path=ppt/slides/slide31.xml><?xml version="1.0" encoding="utf-8"?>
-<p:sld xmlns:a="http://schemas.openxmlformats.org/drawingml/2006/main" xmlns:r="http://schemas.openxmlformats.org/officeDocument/2006/relationships" xmlns:p="http://schemas.openxmlformats.org/presentationml/2006/main">
-  <p:cSld>
-    <p:spTree>
-      <p:nvGrpSpPr>
-        <p:cNvPr id="1" name=""/>
-        <p:cNvGrpSpPr/>
-        <p:nvPr/>
-      </p:nvGrpSpPr>
-      <p:grpSpPr>
-        <a:xfrm>
-          <a:off x="0" y="0"/>
-          <a:ext cx="0" cy="0"/>
-          <a:chOff x="0" y="0"/>
-          <a:chExt cx="0" cy="0"/>
-        </a:xfrm>
-      </p:grpSpPr>
       <p:sp>
         <p:nvSpPr>
           <p:cNvPr id="2" name="Title 1"/>
@@ -7675,7 +7608,7 @@
 </p:sld>
 </file>
 
-<file path=ppt/slides/slide32.xml><?xml version="1.0" encoding="utf-8"?>
+<file path=ppt/slides/slide31.xml><?xml version="1.0" encoding="utf-8"?>
 <p:sld xmlns:a="http://schemas.openxmlformats.org/drawingml/2006/main" xmlns:r="http://schemas.openxmlformats.org/officeDocument/2006/relationships" xmlns:p="http://schemas.openxmlformats.org/presentationml/2006/main">
   <p:cSld>
     <p:spTree>
@@ -7801,7 +7734,7 @@
 </p:sld>
 </file>
 
-<file path=ppt/slides/slide33.xml><?xml version="1.0" encoding="utf-8"?>
+<file path=ppt/slides/slide32.xml><?xml version="1.0" encoding="utf-8"?>
 <p:sld xmlns:a="http://schemas.openxmlformats.org/drawingml/2006/main" xmlns:r="http://schemas.openxmlformats.org/officeDocument/2006/relationships" xmlns:p="http://schemas.openxmlformats.org/presentationml/2006/main">
   <p:cSld>
     <p:bg>
@@ -8040,7 +7973,11 @@
             </a:r>
             <a:r>
               <a:rPr lang="en-US" sz="3200" dirty="0" smtClean="0"/>
-              <a:t>”?</a:t>
+              <a:t>” (Joyner 2016)?</a:t>
+            </a:r>
+            <a:r>
+              <a:rPr lang="en-US" sz="3200" dirty="0" smtClean="0"/>
+              <a:t/>
             </a:r>
             <a:br>
               <a:rPr lang="en-US" sz="3200" dirty="0" smtClean="0"/>
@@ -8152,7 +8089,7 @@
 </p:sld>
 </file>
 
-<file path=ppt/slides/slide34.xml><?xml version="1.0" encoding="utf-8"?>
+<file path=ppt/slides/slide33.xml><?xml version="1.0" encoding="utf-8"?>
 <p:sld xmlns:a="http://schemas.openxmlformats.org/drawingml/2006/main" xmlns:r="http://schemas.openxmlformats.org/officeDocument/2006/relationships" xmlns:p="http://schemas.openxmlformats.org/presentationml/2006/main">
   <p:cSld>
     <p:bg>
@@ -8277,6 +8214,160 @@
 </p:sld>
 </file>
 
+<file path=ppt/slides/slide34.xml><?xml version="1.0" encoding="utf-8"?>
+<p:sld xmlns:a="http://schemas.openxmlformats.org/drawingml/2006/main" xmlns:r="http://schemas.openxmlformats.org/officeDocument/2006/relationships" xmlns:p="http://schemas.openxmlformats.org/presentationml/2006/main">
+  <p:cSld>
+    <p:spTree>
+      <p:nvGrpSpPr>
+        <p:cNvPr id="1" name=""/>
+        <p:cNvGrpSpPr/>
+        <p:nvPr/>
+      </p:nvGrpSpPr>
+      <p:grpSpPr>
+        <a:xfrm>
+          <a:off x="0" y="0"/>
+          <a:ext cx="0" cy="0"/>
+          <a:chOff x="0" y="0"/>
+          <a:chExt cx="0" cy="0"/>
+        </a:xfrm>
+      </p:grpSpPr>
+      <p:sp>
+        <p:nvSpPr>
+          <p:cNvPr id="2" name="Title 1"/>
+          <p:cNvSpPr>
+            <a:spLocks noGrp="1"/>
+          </p:cNvSpPr>
+          <p:nvPr>
+            <p:ph type="title"/>
+          </p:nvPr>
+        </p:nvSpPr>
+        <p:spPr>
+          <a:xfrm>
+            <a:off x="838200" y="2659146"/>
+            <a:ext cx="10515600" cy="1325563"/>
+          </a:xfrm>
+        </p:spPr>
+        <p:txBody>
+          <a:bodyPr>
+            <a:noAutofit/>
+          </a:bodyPr>
+          <a:lstStyle/>
+          <a:p>
+            <a:pPr algn="ctr"/>
+            <a:r>
+              <a:rPr lang="en-US" sz="6000" dirty="0"/>
+              <a:t>Whose </a:t>
+            </a:r>
+            <a:r>
+              <a:rPr lang="en-US" sz="6000" b="1" i="1" dirty="0"/>
+              <a:t>labor</a:t>
+            </a:r>
+            <a:r>
+              <a:rPr lang="en-US" sz="6000" dirty="0"/>
+              <a:t> and what </a:t>
+            </a:r>
+            <a:r>
+              <a:rPr lang="en-US" sz="6000" b="1" i="1" dirty="0"/>
+              <a:t>materials</a:t>
+            </a:r>
+            <a:r>
+              <a:rPr lang="en-US" sz="6000" dirty="0"/>
+              <a:t> are used to make the digital tools </a:t>
+            </a:r>
+            <a:r>
+              <a:rPr lang="en-US" sz="6000" dirty="0" smtClean="0"/>
+              <a:t>we </a:t>
+            </a:r>
+            <a:r>
+              <a:rPr lang="en-US" sz="6000" dirty="0"/>
+              <a:t>use? </a:t>
+            </a:r>
+            <a:r>
+              <a:rPr lang="en-US" sz="6000" dirty="0" smtClean="0"/>
+              <a:t>How </a:t>
+            </a:r>
+            <a:r>
+              <a:rPr lang="en-US" sz="6000" dirty="0"/>
+              <a:t>should we </a:t>
+            </a:r>
+            <a:r>
+              <a:rPr lang="en-US" sz="6000" dirty="0" smtClean="0"/>
+              <a:t>attribute </a:t>
+            </a:r>
+            <a:r>
+              <a:rPr lang="en-US" sz="6000" dirty="0"/>
+              <a:t>others' labor? </a:t>
+            </a:r>
+            <a:r>
+              <a:rPr lang="en-US" sz="6000" dirty="0" smtClean="0"/>
+              <a:t>How </a:t>
+            </a:r>
+            <a:r>
+              <a:rPr lang="en-US" sz="6000" dirty="0"/>
+              <a:t>can we </a:t>
+            </a:r>
+            <a:r>
+              <a:rPr lang="en-US" sz="6000" dirty="0" smtClean="0"/>
+              <a:t>be </a:t>
+            </a:r>
+            <a:r>
+              <a:rPr lang="en-US" sz="6000" dirty="0"/>
+              <a:t>held accountable?</a:t>
+            </a:r>
+            <a:endParaRPr lang="en-US" sz="3600" dirty="0"/>
+          </a:p>
+        </p:txBody>
+      </p:sp>
+      <p:sp>
+        <p:nvSpPr>
+          <p:cNvPr id="4" name="Rectangle 3"/>
+          <p:cNvSpPr/>
+          <p:nvPr/>
+        </p:nvSpPr>
+        <p:spPr>
+          <a:xfrm>
+            <a:off x="4937221" y="6338069"/>
+            <a:ext cx="1903085" cy="369332"/>
+          </a:xfrm>
+          <a:prstGeom prst="rect">
+            <a:avLst/>
+          </a:prstGeom>
+        </p:spPr>
+        <p:txBody>
+          <a:bodyPr wrap="none">
+            <a:spAutoFit/>
+          </a:bodyPr>
+          <a:lstStyle/>
+          <a:p>
+            <a:r>
+              <a:rPr lang="en-US" dirty="0" smtClean="0">
+                <a:solidFill>
+                  <a:schemeClr val="accent5"/>
+                </a:solidFill>
+              </a:rPr>
+              <a:t>[See: impact3.md]</a:t>
+            </a:r>
+            <a:endParaRPr lang="en-US" dirty="0">
+              <a:solidFill>
+                <a:schemeClr val="accent5"/>
+              </a:solidFill>
+            </a:endParaRPr>
+          </a:p>
+        </p:txBody>
+      </p:sp>
+    </p:spTree>
+    <p:extLst>
+      <p:ext uri="{BB962C8B-B14F-4D97-AF65-F5344CB8AC3E}">
+        <p14:creationId xmlns:p14="http://schemas.microsoft.com/office/powerpoint/2010/main" val="917349253"/>
+      </p:ext>
+    </p:extLst>
+  </p:cSld>
+  <p:clrMapOvr>
+    <a:masterClrMapping/>
+  </p:clrMapOvr>
+</p:sld>
+</file>
+
 <file path=ppt/slides/slide35.xml><?xml version="1.0" encoding="utf-8"?>
 <p:sld xmlns:a="http://schemas.openxmlformats.org/drawingml/2006/main" xmlns:r="http://schemas.openxmlformats.org/officeDocument/2006/relationships" xmlns:p="http://schemas.openxmlformats.org/presentationml/2006/main">
   <p:cSld>
@@ -8318,56 +8409,12 @@
           <a:p>
             <a:pPr algn="ctr"/>
             <a:r>
+              <a:rPr lang="en-US" sz="6000" dirty="0" smtClean="0"/>
+              <a:t>How may digital projects or </a:t>
+            </a:r>
+            <a:r>
               <a:rPr lang="en-US" sz="6000" dirty="0"/>
-              <a:t>Whose </a:t>
-            </a:r>
-            <a:r>
-              <a:rPr lang="en-US" sz="6000" b="1" i="1" dirty="0"/>
-              <a:t>labor</a:t>
-            </a:r>
-            <a:r>
-              <a:rPr lang="en-US" sz="6000" dirty="0"/>
-              <a:t> and what </a:t>
-            </a:r>
-            <a:r>
-              <a:rPr lang="en-US" sz="6000" b="1" i="1" dirty="0"/>
-              <a:t>materials</a:t>
-            </a:r>
-            <a:r>
-              <a:rPr lang="en-US" sz="6000" dirty="0"/>
-              <a:t> are used to make the digital tools </a:t>
-            </a:r>
-            <a:r>
-              <a:rPr lang="en-US" sz="6000" dirty="0" smtClean="0"/>
-              <a:t>we </a:t>
-            </a:r>
-            <a:r>
-              <a:rPr lang="en-US" sz="6000" dirty="0"/>
-              <a:t>use? </a:t>
-            </a:r>
-            <a:r>
-              <a:rPr lang="en-US" sz="6000" dirty="0" smtClean="0"/>
-              <a:t>How </a:t>
-            </a:r>
-            <a:r>
-              <a:rPr lang="en-US" sz="6000" dirty="0"/>
-              <a:t>should we </a:t>
-            </a:r>
-            <a:r>
-              <a:rPr lang="en-US" sz="6000" dirty="0" smtClean="0"/>
-              <a:t>attribute </a:t>
-            </a:r>
-            <a:r>
-              <a:rPr lang="en-US" sz="6000" dirty="0"/>
-              <a:t>others' labor? </a:t>
-            </a:r>
-            <a:r>
-              <a:rPr lang="en-US" sz="6000" dirty="0" smtClean="0"/>
-              <a:t>How </a:t>
-            </a:r>
-            <a:r>
-              <a:rPr lang="en-US" sz="6000" dirty="0"/>
-              <a:t>can we </a:t>
+              <a:t>research </a:t>
             </a:r>
             <a:r>
               <a:rPr lang="en-US" sz="6000" dirty="0" smtClean="0"/>
@@ -8375,7 +8422,23 @@
             </a:r>
             <a:r>
               <a:rPr lang="en-US" sz="6000" dirty="0"/>
-              <a:t>held accountable?</a:t>
+              <a:t>used to justify or facilitate potentially harmful </a:t>
+            </a:r>
+            <a:r>
+              <a:rPr lang="en-US" sz="6000" b="1" i="1" dirty="0"/>
+              <a:t>control</a:t>
+            </a:r>
+            <a:r>
+              <a:rPr lang="en-US" sz="6000" dirty="0"/>
+              <a:t> or </a:t>
+            </a:r>
+            <a:r>
+              <a:rPr lang="en-US" sz="6000" b="1" i="1" dirty="0"/>
+              <a:t>surveillance</a:t>
+            </a:r>
+            <a:r>
+              <a:rPr lang="en-US" sz="6000" dirty="0"/>
+              <a:t>?</a:t>
             </a:r>
             <a:endParaRPr lang="en-US" sz="3600" dirty="0"/>
           </a:p>
@@ -8421,7 +8484,7 @@
     </p:spTree>
     <p:extLst>
       <p:ext uri="{BB962C8B-B14F-4D97-AF65-F5344CB8AC3E}">
-        <p14:creationId xmlns:p14="http://schemas.microsoft.com/office/powerpoint/2010/main" val="917349253"/>
+        <p14:creationId xmlns:p14="http://schemas.microsoft.com/office/powerpoint/2010/main" val="864375440"/>
       </p:ext>
     </p:extLst>
   </p:cSld>
@@ -8473,31 +8536,19 @@
             <a:pPr algn="ctr"/>
             <a:r>
               <a:rPr lang="en-US" sz="6000" dirty="0" smtClean="0"/>
-              <a:t>How may digital projects or </a:t>
+              <a:t>How may digital projects or research influence </a:t>
+            </a:r>
+            <a:r>
+              <a:rPr lang="en-US" sz="6000" b="1" i="1" dirty="0"/>
+              <a:t>social or political discourse</a:t>
             </a:r>
             <a:r>
               <a:rPr lang="en-US" sz="6000" dirty="0"/>
-              <a:t>research </a:t>
-            </a:r>
-            <a:r>
-              <a:rPr lang="en-US" sz="6000" dirty="0" smtClean="0"/>
-              <a:t>be </a:t>
-            </a:r>
-            <a:r>
-              <a:rPr lang="en-US" sz="6000" dirty="0"/>
-              <a:t>used to justify or facilitate potentially harmful </a:t>
+              <a:t>? Modes of </a:t>
             </a:r>
             <a:r>
               <a:rPr lang="en-US" sz="6000" b="1" i="1" dirty="0"/>
-              <a:t>control</a:t>
-            </a:r>
-            <a:r>
-              <a:rPr lang="en-US" sz="6000" dirty="0"/>
-              <a:t> or </a:t>
-            </a:r>
-            <a:r>
-              <a:rPr lang="en-US" sz="6000" b="1" i="1" dirty="0"/>
-              <a:t>surveillance</a:t>
+              <a:t>profit</a:t>
             </a:r>
             <a:r>
               <a:rPr lang="en-US" sz="6000" dirty="0"/>
@@ -8547,7 +8598,7 @@
     </p:spTree>
     <p:extLst>
       <p:ext uri="{BB962C8B-B14F-4D97-AF65-F5344CB8AC3E}">
-        <p14:creationId xmlns:p14="http://schemas.microsoft.com/office/powerpoint/2010/main" val="864375440"/>
+        <p14:creationId xmlns:p14="http://schemas.microsoft.com/office/powerpoint/2010/main" val="1803945490"/>
       </p:ext>
     </p:extLst>
   </p:cSld>
@@ -8576,120 +8627,6 @@
       </p:grpSpPr>
       <p:sp>
         <p:nvSpPr>
-          <p:cNvPr id="2" name="Title 1"/>
-          <p:cNvSpPr>
-            <a:spLocks noGrp="1"/>
-          </p:cNvSpPr>
-          <p:nvPr>
-            <p:ph type="title"/>
-          </p:nvPr>
-        </p:nvSpPr>
-        <p:spPr>
-          <a:xfrm>
-            <a:off x="838200" y="2659146"/>
-            <a:ext cx="10515600" cy="1325563"/>
-          </a:xfrm>
-        </p:spPr>
-        <p:txBody>
-          <a:bodyPr>
-            <a:noAutofit/>
-          </a:bodyPr>
-          <a:lstStyle/>
-          <a:p>
-            <a:pPr algn="ctr"/>
-            <a:r>
-              <a:rPr lang="en-US" sz="6000" dirty="0" smtClean="0"/>
-              <a:t>How may digital projects or research influence </a:t>
-            </a:r>
-            <a:r>
-              <a:rPr lang="en-US" sz="6000" b="1" i="1" dirty="0"/>
-              <a:t>social or political discourse</a:t>
-            </a:r>
-            <a:r>
-              <a:rPr lang="en-US" sz="6000" dirty="0"/>
-              <a:t>? Modes of </a:t>
-            </a:r>
-            <a:r>
-              <a:rPr lang="en-US" sz="6000" b="1" i="1" dirty="0"/>
-              <a:t>profit</a:t>
-            </a:r>
-            <a:r>
-              <a:rPr lang="en-US" sz="6000" dirty="0"/>
-              <a:t>?</a:t>
-            </a:r>
-            <a:endParaRPr lang="en-US" sz="3600" dirty="0"/>
-          </a:p>
-        </p:txBody>
-      </p:sp>
-      <p:sp>
-        <p:nvSpPr>
-          <p:cNvPr id="4" name="Rectangle 3"/>
-          <p:cNvSpPr/>
-          <p:nvPr/>
-        </p:nvSpPr>
-        <p:spPr>
-          <a:xfrm>
-            <a:off x="4937221" y="6338069"/>
-            <a:ext cx="1903085" cy="369332"/>
-          </a:xfrm>
-          <a:prstGeom prst="rect">
-            <a:avLst/>
-          </a:prstGeom>
-        </p:spPr>
-        <p:txBody>
-          <a:bodyPr wrap="none">
-            <a:spAutoFit/>
-          </a:bodyPr>
-          <a:lstStyle/>
-          <a:p>
-            <a:r>
-              <a:rPr lang="en-US" dirty="0" smtClean="0">
-                <a:solidFill>
-                  <a:schemeClr val="accent5"/>
-                </a:solidFill>
-              </a:rPr>
-              <a:t>[See: impact3.md]</a:t>
-            </a:r>
-            <a:endParaRPr lang="en-US" dirty="0">
-              <a:solidFill>
-                <a:schemeClr val="accent5"/>
-              </a:solidFill>
-            </a:endParaRPr>
-          </a:p>
-        </p:txBody>
-      </p:sp>
-    </p:spTree>
-    <p:extLst>
-      <p:ext uri="{BB962C8B-B14F-4D97-AF65-F5344CB8AC3E}">
-        <p14:creationId xmlns:p14="http://schemas.microsoft.com/office/powerpoint/2010/main" val="1803945490"/>
-      </p:ext>
-    </p:extLst>
-  </p:cSld>
-  <p:clrMapOvr>
-    <a:masterClrMapping/>
-  </p:clrMapOvr>
-</p:sld>
-</file>
-
-<file path=ppt/slides/slide38.xml><?xml version="1.0" encoding="utf-8"?>
-<p:sld xmlns:a="http://schemas.openxmlformats.org/drawingml/2006/main" xmlns:r="http://schemas.openxmlformats.org/officeDocument/2006/relationships" xmlns:p="http://schemas.openxmlformats.org/presentationml/2006/main">
-  <p:cSld>
-    <p:spTree>
-      <p:nvGrpSpPr>
-        <p:cNvPr id="1" name=""/>
-        <p:cNvGrpSpPr/>
-        <p:nvPr/>
-      </p:nvGrpSpPr>
-      <p:grpSpPr>
-        <a:xfrm>
-          <a:off x="0" y="0"/>
-          <a:ext cx="0" cy="0"/>
-          <a:chOff x="0" y="0"/>
-          <a:chExt cx="0" cy="0"/>
-        </a:xfrm>
-      </p:grpSpPr>
-      <p:sp>
-        <p:nvSpPr>
           <p:cNvPr id="5" name="Rectangle 4"/>
           <p:cNvSpPr/>
           <p:nvPr/>
@@ -8865,7 +8802,7 @@
 </p:sld>
 </file>
 
-<file path=ppt/slides/slide39.xml><?xml version="1.0" encoding="utf-8"?>
+<file path=ppt/slides/slide38.xml><?xml version="1.0" encoding="utf-8"?>
 <p:sld xmlns:a="http://schemas.openxmlformats.org/drawingml/2006/main" xmlns:r="http://schemas.openxmlformats.org/officeDocument/2006/relationships" xmlns:p="http://schemas.openxmlformats.org/presentationml/2006/main">
   <p:cSld>
     <p:bg>
@@ -9136,113 +9073,7 @@
 </p:sld>
 </file>
 
-<file path=ppt/slides/slide4.xml><?xml version="1.0" encoding="utf-8"?>
-<p:sld xmlns:a="http://schemas.openxmlformats.org/drawingml/2006/main" xmlns:r="http://schemas.openxmlformats.org/officeDocument/2006/relationships" xmlns:p="http://schemas.openxmlformats.org/presentationml/2006/main">
-  <p:cSld>
-    <p:spTree>
-      <p:nvGrpSpPr>
-        <p:cNvPr id="1" name=""/>
-        <p:cNvGrpSpPr/>
-        <p:nvPr/>
-      </p:nvGrpSpPr>
-      <p:grpSpPr>
-        <a:xfrm>
-          <a:off x="0" y="0"/>
-          <a:ext cx="0" cy="0"/>
-          <a:chOff x="0" y="0"/>
-          <a:chExt cx="0" cy="0"/>
-        </a:xfrm>
-      </p:grpSpPr>
-      <p:sp>
-        <p:nvSpPr>
-          <p:cNvPr id="2" name="Title 1"/>
-          <p:cNvSpPr>
-            <a:spLocks noGrp="1"/>
-          </p:cNvSpPr>
-          <p:nvPr>
-            <p:ph type="ctrTitle"/>
-          </p:nvPr>
-        </p:nvSpPr>
-        <p:spPr/>
-        <p:txBody>
-          <a:bodyPr/>
-          <a:lstStyle/>
-          <a:p>
-            <a:r>
-              <a:rPr lang="en-US" dirty="0" smtClean="0"/>
-              <a:t>“situated ethics”</a:t>
-            </a:r>
-            <a:endParaRPr lang="en-US" dirty="0"/>
-          </a:p>
-        </p:txBody>
-      </p:sp>
-      <p:sp>
-        <p:nvSpPr>
-          <p:cNvPr id="4" name="Rectangle 3"/>
-          <p:cNvSpPr/>
-          <p:nvPr/>
-        </p:nvSpPr>
-        <p:spPr>
-          <a:xfrm>
-            <a:off x="4943761" y="6356502"/>
-            <a:ext cx="2304477" cy="369332"/>
-          </a:xfrm>
-          <a:prstGeom prst="rect">
-            <a:avLst/>
-          </a:prstGeom>
-        </p:spPr>
-        <p:txBody>
-          <a:bodyPr wrap="none">
-            <a:spAutoFit/>
-          </a:bodyPr>
-          <a:lstStyle/>
-          <a:p>
-            <a:r>
-              <a:rPr lang="en-US" dirty="0" smtClean="0">
-                <a:solidFill>
-                  <a:schemeClr val="accent5"/>
-                </a:solidFill>
-              </a:rPr>
-              <a:t>[See: </a:t>
-            </a:r>
-            <a:r>
-              <a:rPr lang="en-US" dirty="0" err="1" smtClean="0">
-                <a:solidFill>
-                  <a:schemeClr val="accent5"/>
-                </a:solidFill>
-              </a:rPr>
-              <a:t>introduction.md</a:t>
-            </a:r>
-            <a:r>
-              <a:rPr lang="en-US" dirty="0" smtClean="0">
-                <a:solidFill>
-                  <a:schemeClr val="accent5"/>
-                </a:solidFill>
-              </a:rPr>
-              <a:t>]</a:t>
-            </a:r>
-            <a:endParaRPr lang="en-US" dirty="0">
-              <a:solidFill>
-                <a:schemeClr val="accent5"/>
-              </a:solidFill>
-            </a:endParaRPr>
-          </a:p>
-        </p:txBody>
-      </p:sp>
-    </p:spTree>
-    <p:extLst>
-      <p:ext uri="{BB962C8B-B14F-4D97-AF65-F5344CB8AC3E}">
-        <p14:creationId xmlns:p14="http://schemas.microsoft.com/office/powerpoint/2010/main" val="1490846477"/>
-      </p:ext>
-    </p:extLst>
-  </p:cSld>
-  <p:clrMapOvr>
-    <a:masterClrMapping/>
-  </p:clrMapOvr>
-</p:sld>
-</file>
-
-<file path=ppt/slides/slide40.xml><?xml version="1.0" encoding="utf-8"?>
+<file path=ppt/slides/slide39.xml><?xml version="1.0" encoding="utf-8"?>
 <p:sld xmlns:a="http://schemas.openxmlformats.org/drawingml/2006/main" xmlns:r="http://schemas.openxmlformats.org/officeDocument/2006/relationships" xmlns:p="http://schemas.openxmlformats.org/presentationml/2006/main">
   <p:cSld>
     <p:bg>
@@ -9380,6 +9211,241 @@
 </p:sld>
 </file>
 
+<file path=ppt/slides/slide4.xml><?xml version="1.0" encoding="utf-8"?>
+<p:sld xmlns:a="http://schemas.openxmlformats.org/drawingml/2006/main" xmlns:r="http://schemas.openxmlformats.org/officeDocument/2006/relationships" xmlns:p="http://schemas.openxmlformats.org/presentationml/2006/main">
+  <p:cSld>
+    <p:spTree>
+      <p:nvGrpSpPr>
+        <p:cNvPr id="1" name=""/>
+        <p:cNvGrpSpPr/>
+        <p:nvPr/>
+      </p:nvGrpSpPr>
+      <p:grpSpPr>
+        <a:xfrm>
+          <a:off x="0" y="0"/>
+          <a:ext cx="0" cy="0"/>
+          <a:chOff x="0" y="0"/>
+          <a:chExt cx="0" cy="0"/>
+        </a:xfrm>
+      </p:grpSpPr>
+      <p:sp>
+        <p:nvSpPr>
+          <p:cNvPr id="2" name="Title 1"/>
+          <p:cNvSpPr>
+            <a:spLocks noGrp="1"/>
+          </p:cNvSpPr>
+          <p:nvPr>
+            <p:ph type="ctrTitle"/>
+          </p:nvPr>
+        </p:nvSpPr>
+        <p:spPr/>
+        <p:txBody>
+          <a:bodyPr/>
+          <a:lstStyle/>
+          <a:p>
+            <a:r>
+              <a:rPr lang="en-US" dirty="0" smtClean="0"/>
+              <a:t>“situated ethics”</a:t>
+            </a:r>
+            <a:endParaRPr lang="en-US" dirty="0"/>
+          </a:p>
+        </p:txBody>
+      </p:sp>
+      <p:sp>
+        <p:nvSpPr>
+          <p:cNvPr id="4" name="Rectangle 3"/>
+          <p:cNvSpPr/>
+          <p:nvPr/>
+        </p:nvSpPr>
+        <p:spPr>
+          <a:xfrm>
+            <a:off x="4943761" y="6356502"/>
+            <a:ext cx="2304477" cy="369332"/>
+          </a:xfrm>
+          <a:prstGeom prst="rect">
+            <a:avLst/>
+          </a:prstGeom>
+        </p:spPr>
+        <p:txBody>
+          <a:bodyPr wrap="none">
+            <a:spAutoFit/>
+          </a:bodyPr>
+          <a:lstStyle/>
+          <a:p>
+            <a:r>
+              <a:rPr lang="en-US" dirty="0" smtClean="0">
+                <a:solidFill>
+                  <a:schemeClr val="accent5"/>
+                </a:solidFill>
+              </a:rPr>
+              <a:t>[See: </a:t>
+            </a:r>
+            <a:r>
+              <a:rPr lang="en-US" dirty="0" err="1" smtClean="0">
+                <a:solidFill>
+                  <a:schemeClr val="accent5"/>
+                </a:solidFill>
+              </a:rPr>
+              <a:t>introduction.md</a:t>
+            </a:r>
+            <a:r>
+              <a:rPr lang="en-US" dirty="0" smtClean="0">
+                <a:solidFill>
+                  <a:schemeClr val="accent5"/>
+                </a:solidFill>
+              </a:rPr>
+              <a:t>]</a:t>
+            </a:r>
+            <a:endParaRPr lang="en-US" dirty="0">
+              <a:solidFill>
+                <a:schemeClr val="accent5"/>
+              </a:solidFill>
+            </a:endParaRPr>
+          </a:p>
+        </p:txBody>
+      </p:sp>
+    </p:spTree>
+    <p:extLst>
+      <p:ext uri="{BB962C8B-B14F-4D97-AF65-F5344CB8AC3E}">
+        <p14:creationId xmlns:p14="http://schemas.microsoft.com/office/powerpoint/2010/main" val="1490846477"/>
+      </p:ext>
+    </p:extLst>
+  </p:cSld>
+  <p:clrMapOvr>
+    <a:masterClrMapping/>
+  </p:clrMapOvr>
+</p:sld>
+</file>
+
+<file path=ppt/slides/slide40.xml><?xml version="1.0" encoding="utf-8"?>
+<p:sld xmlns:a="http://schemas.openxmlformats.org/drawingml/2006/main" xmlns:r="http://schemas.openxmlformats.org/officeDocument/2006/relationships" xmlns:p="http://schemas.openxmlformats.org/presentationml/2006/main">
+  <p:cSld>
+    <p:spTree>
+      <p:nvGrpSpPr>
+        <p:cNvPr id="1" name=""/>
+        <p:cNvGrpSpPr/>
+        <p:nvPr/>
+      </p:nvGrpSpPr>
+      <p:grpSpPr>
+        <a:xfrm>
+          <a:off x="0" y="0"/>
+          <a:ext cx="0" cy="0"/>
+          <a:chOff x="0" y="0"/>
+          <a:chExt cx="0" cy="0"/>
+        </a:xfrm>
+      </p:grpSpPr>
+      <p:sp>
+        <p:nvSpPr>
+          <p:cNvPr id="2" name="Title 1"/>
+          <p:cNvSpPr>
+            <a:spLocks noGrp="1"/>
+          </p:cNvSpPr>
+          <p:nvPr>
+            <p:ph type="title"/>
+          </p:nvPr>
+        </p:nvSpPr>
+        <p:spPr>
+          <a:xfrm>
+            <a:off x="838200" y="2659146"/>
+            <a:ext cx="10515600" cy="1325563"/>
+          </a:xfrm>
+        </p:spPr>
+        <p:txBody>
+          <a:bodyPr>
+            <a:noAutofit/>
+          </a:bodyPr>
+          <a:lstStyle/>
+          <a:p>
+            <a:pPr algn="ctr"/>
+            <a:r>
+              <a:rPr lang="en-US" sz="6000" dirty="0"/>
+              <a:t>What is universal design? </a:t>
+            </a:r>
+            <a:r>
+              <a:rPr lang="en-US" sz="6000" dirty="0" smtClean="0"/>
+              <a:t/>
+            </a:r>
+            <a:br>
+              <a:rPr lang="en-US" sz="6000" dirty="0" smtClean="0"/>
+            </a:br>
+            <a:r>
+              <a:rPr lang="en-US" sz="6000" dirty="0" smtClean="0"/>
+              <a:t>What </a:t>
+            </a:r>
+            <a:r>
+              <a:rPr lang="en-US" sz="6000" dirty="0"/>
+              <a:t>is accessibility?</a:t>
+            </a:r>
+            <a:endParaRPr lang="en-US" sz="3600" dirty="0"/>
+          </a:p>
+        </p:txBody>
+      </p:sp>
+      <p:sp>
+        <p:nvSpPr>
+          <p:cNvPr id="4" name="Rectangle 3"/>
+          <p:cNvSpPr/>
+          <p:nvPr/>
+        </p:nvSpPr>
+        <p:spPr>
+          <a:xfrm>
+            <a:off x="5259905" y="6338069"/>
+            <a:ext cx="1672189" cy="369332"/>
+          </a:xfrm>
+          <a:prstGeom prst="rect">
+            <a:avLst/>
+          </a:prstGeom>
+        </p:spPr>
+        <p:txBody>
+          <a:bodyPr wrap="none">
+            <a:spAutoFit/>
+          </a:bodyPr>
+          <a:lstStyle/>
+          <a:p>
+            <a:r>
+              <a:rPr lang="en-US" dirty="0" smtClean="0">
+                <a:solidFill>
+                  <a:schemeClr val="accent5"/>
+                </a:solidFill>
+              </a:rPr>
+              <a:t>[See: </a:t>
+            </a:r>
+            <a:r>
+              <a:rPr lang="en-US" dirty="0" err="1" smtClean="0">
+                <a:solidFill>
+                  <a:schemeClr val="accent5"/>
+                </a:solidFill>
+              </a:rPr>
+              <a:t>range.md</a:t>
+            </a:r>
+            <a:r>
+              <a:rPr lang="en-US" dirty="0" smtClean="0">
+                <a:solidFill>
+                  <a:schemeClr val="accent5"/>
+                </a:solidFill>
+              </a:rPr>
+              <a:t>]</a:t>
+            </a:r>
+            <a:endParaRPr lang="en-US" dirty="0">
+              <a:solidFill>
+                <a:schemeClr val="accent5"/>
+              </a:solidFill>
+            </a:endParaRPr>
+          </a:p>
+        </p:txBody>
+      </p:sp>
+    </p:spTree>
+    <p:extLst>
+      <p:ext uri="{BB962C8B-B14F-4D97-AF65-F5344CB8AC3E}">
+        <p14:creationId xmlns:p14="http://schemas.microsoft.com/office/powerpoint/2010/main" val="474205018"/>
+      </p:ext>
+    </p:extLst>
+  </p:cSld>
+  <p:clrMapOvr>
+    <a:masterClrMapping/>
+  </p:clrMapOvr>
+</p:sld>
+</file>
+
 <file path=ppt/slides/slide41.xml><?xml version="1.0" encoding="utf-8"?>
 <p:sld xmlns:a="http://schemas.openxmlformats.org/drawingml/2006/main" xmlns:r="http://schemas.openxmlformats.org/officeDocument/2006/relationships" xmlns:p="http://schemas.openxmlformats.org/presentationml/2006/main">
   <p:cSld>
@@ -9422,22 +9488,7 @@
             <a:pPr algn="ctr"/>
             <a:r>
               <a:rPr lang="en-US" sz="6000" dirty="0"/>
-              <a:t>What is universal design? </a:t>
-            </a:r>
-            <a:r>
-              <a:rPr lang="en-US" sz="6000" dirty="0" smtClean="0"/>
-              <a:t/>
-            </a:r>
-            <a:br>
-              <a:rPr lang="en-US" sz="6000" dirty="0" smtClean="0"/>
-            </a:br>
-            <a:r>
-              <a:rPr lang="en-US" sz="6000" dirty="0" smtClean="0"/>
-              <a:t>What </a:t>
-            </a:r>
-            <a:r>
-              <a:rPr lang="en-US" sz="6000" dirty="0"/>
-              <a:t>is accessibility?</a:t>
+              <a:t>Accessibility to people with disabilities</a:t>
             </a:r>
             <a:endParaRPr lang="en-US" sz="3600" dirty="0"/>
           </a:p>
@@ -9499,7 +9550,7 @@
     </p:spTree>
     <p:extLst>
       <p:ext uri="{BB962C8B-B14F-4D97-AF65-F5344CB8AC3E}">
-        <p14:creationId xmlns:p14="http://schemas.microsoft.com/office/powerpoint/2010/main" val="474205018"/>
+        <p14:creationId xmlns:p14="http://schemas.microsoft.com/office/powerpoint/2010/main" val="1139936976"/>
       </p:ext>
     </p:extLst>
   </p:cSld>
@@ -9551,7 +9602,7 @@
             <a:pPr algn="ctr"/>
             <a:r>
               <a:rPr lang="en-US" sz="6000" dirty="0"/>
-              <a:t>Accessibility to people with disabilities</a:t>
+              <a:t>International accessibility and language access</a:t>
             </a:r>
             <a:endParaRPr lang="en-US" sz="3600" dirty="0"/>
           </a:p>
@@ -9613,7 +9664,7 @@
     </p:spTree>
     <p:extLst>
       <p:ext uri="{BB962C8B-B14F-4D97-AF65-F5344CB8AC3E}">
-        <p14:creationId xmlns:p14="http://schemas.microsoft.com/office/powerpoint/2010/main" val="1139936976"/>
+        <p14:creationId xmlns:p14="http://schemas.microsoft.com/office/powerpoint/2010/main" val="987773104"/>
       </p:ext>
     </p:extLst>
   </p:cSld>
@@ -9665,7 +9716,7 @@
             <a:pPr algn="ctr"/>
             <a:r>
               <a:rPr lang="en-US" sz="6000" dirty="0"/>
-              <a:t>International accessibility and language access</a:t>
+              <a:t>Openness and accessibility</a:t>
             </a:r>
             <a:endParaRPr lang="en-US" sz="3600" dirty="0"/>
           </a:p>
@@ -9727,7 +9778,7 @@
     </p:spTree>
     <p:extLst>
       <p:ext uri="{BB962C8B-B14F-4D97-AF65-F5344CB8AC3E}">
-        <p14:creationId xmlns:p14="http://schemas.microsoft.com/office/powerpoint/2010/main" val="987773104"/>
+        <p14:creationId xmlns:p14="http://schemas.microsoft.com/office/powerpoint/2010/main" val="1169566585"/>
       </p:ext>
     </p:extLst>
   </p:cSld>
@@ -9778,8 +9829,24 @@
           <a:p>
             <a:pPr algn="ctr"/>
             <a:r>
+              <a:rPr lang="en-US" sz="6000" dirty="0" smtClean="0"/>
+              <a:t>*A </a:t>
+            </a:r>
+            <a:r>
               <a:rPr lang="en-US" sz="6000" dirty="0"/>
-              <a:t>Openness and accessibility</a:t>
+              <a:t>note on </a:t>
+            </a:r>
+            <a:r>
+              <a:rPr lang="en-US" sz="6000" b="1" i="1" dirty="0"/>
+              <a:t>"free software"</a:t>
+            </a:r>
+            <a:r>
+              <a:rPr lang="en-US" sz="6000" dirty="0"/>
+              <a:t> and user </a:t>
+            </a:r>
+            <a:r>
+              <a:rPr lang="en-US" sz="6000" dirty="0" smtClean="0"/>
+              <a:t>control (Factor interview with Stallman, 2017)</a:t>
             </a:r>
             <a:endParaRPr lang="en-US" sz="3600" dirty="0"/>
           </a:p>
@@ -9841,7 +9908,7 @@
     </p:spTree>
     <p:extLst>
       <p:ext uri="{BB962C8B-B14F-4D97-AF65-F5344CB8AC3E}">
-        <p14:creationId xmlns:p14="http://schemas.microsoft.com/office/powerpoint/2010/main" val="1169566585"/>
+        <p14:creationId xmlns:p14="http://schemas.microsoft.com/office/powerpoint/2010/main" val="527949475"/>
       </p:ext>
     </p:extLst>
   </p:cSld>
@@ -9893,23 +9960,7 @@
             <a:pPr algn="ctr"/>
             <a:r>
               <a:rPr lang="en-US" sz="6000" dirty="0" smtClean="0"/>
-              <a:t>*A </a:t>
-            </a:r>
-            <a:r>
-              <a:rPr lang="en-US" sz="6000" dirty="0"/>
-              <a:t>note on </a:t>
-            </a:r>
-            <a:r>
-              <a:rPr lang="en-US" sz="6000" b="1" i="1" dirty="0"/>
-              <a:t>"free software"</a:t>
-            </a:r>
-            <a:r>
-              <a:rPr lang="en-US" sz="6000" dirty="0"/>
-              <a:t> and user </a:t>
-            </a:r>
-            <a:r>
-              <a:rPr lang="en-US" sz="6000" dirty="0" smtClean="0"/>
-              <a:t>control (Factor interview with Stallman, 2017)</a:t>
+              <a:t>Other kinds of accessibility?</a:t>
             </a:r>
             <a:endParaRPr lang="en-US" sz="3600" dirty="0"/>
           </a:p>
@@ -9971,7 +10022,7 @@
     </p:spTree>
     <p:extLst>
       <p:ext uri="{BB962C8B-B14F-4D97-AF65-F5344CB8AC3E}">
-        <p14:creationId xmlns:p14="http://schemas.microsoft.com/office/powerpoint/2010/main" val="527949475"/>
+        <p14:creationId xmlns:p14="http://schemas.microsoft.com/office/powerpoint/2010/main" val="313594282"/>
       </p:ext>
     </p:extLst>
   </p:cSld>
@@ -10023,7 +10074,19 @@
             <a:pPr algn="ctr"/>
             <a:r>
               <a:rPr lang="en-US" sz="6000" dirty="0" smtClean="0"/>
-              <a:t>Other kinds of accessibility?</a:t>
+              <a:t>When </a:t>
+            </a:r>
+            <a:r>
+              <a:rPr lang="en-US" sz="6000" dirty="0"/>
+              <a:t>might researchers or makers </a:t>
+            </a:r>
+            <a:r>
+              <a:rPr lang="en-US" sz="6000" b="1" i="1" dirty="0"/>
+              <a:t>not</a:t>
+            </a:r>
+            <a:r>
+              <a:rPr lang="en-US" sz="6000" dirty="0"/>
+              <a:t> want to make their work or data fully open and accessible?</a:t>
             </a:r>
             <a:endParaRPr lang="en-US" sz="3600" dirty="0"/>
           </a:p>
@@ -10085,7 +10148,7 @@
     </p:spTree>
     <p:extLst>
       <p:ext uri="{BB962C8B-B14F-4D97-AF65-F5344CB8AC3E}">
-        <p14:creationId xmlns:p14="http://schemas.microsoft.com/office/powerpoint/2010/main" val="313594282"/>
+        <p14:creationId xmlns:p14="http://schemas.microsoft.com/office/powerpoint/2010/main" val="1746666901"/>
       </p:ext>
     </p:extLst>
   </p:cSld>
@@ -10136,132 +10199,6 @@
           <a:p>
             <a:pPr algn="ctr"/>
             <a:r>
-              <a:rPr lang="en-US" sz="6000" dirty="0" smtClean="0"/>
-              <a:t>When </a:t>
-            </a:r>
-            <a:r>
-              <a:rPr lang="en-US" sz="6000" dirty="0"/>
-              <a:t>might researchers or makers </a:t>
-            </a:r>
-            <a:r>
-              <a:rPr lang="en-US" sz="6000" b="1" i="1" dirty="0"/>
-              <a:t>not</a:t>
-            </a:r>
-            <a:r>
-              <a:rPr lang="en-US" sz="6000" dirty="0"/>
-              <a:t> want to make their work or data fully open and accessible?</a:t>
-            </a:r>
-            <a:endParaRPr lang="en-US" sz="3600" dirty="0"/>
-          </a:p>
-        </p:txBody>
-      </p:sp>
-      <p:sp>
-        <p:nvSpPr>
-          <p:cNvPr id="4" name="Rectangle 3"/>
-          <p:cNvSpPr/>
-          <p:nvPr/>
-        </p:nvSpPr>
-        <p:spPr>
-          <a:xfrm>
-            <a:off x="5259905" y="6338069"/>
-            <a:ext cx="1672189" cy="369332"/>
-          </a:xfrm>
-          <a:prstGeom prst="rect">
-            <a:avLst/>
-          </a:prstGeom>
-        </p:spPr>
-        <p:txBody>
-          <a:bodyPr wrap="none">
-            <a:spAutoFit/>
-          </a:bodyPr>
-          <a:lstStyle/>
-          <a:p>
-            <a:r>
-              <a:rPr lang="en-US" dirty="0" smtClean="0">
-                <a:solidFill>
-                  <a:schemeClr val="accent5"/>
-                </a:solidFill>
-              </a:rPr>
-              <a:t>[See: </a:t>
-            </a:r>
-            <a:r>
-              <a:rPr lang="en-US" dirty="0" err="1" smtClean="0">
-                <a:solidFill>
-                  <a:schemeClr val="accent5"/>
-                </a:solidFill>
-              </a:rPr>
-              <a:t>range.md</a:t>
-            </a:r>
-            <a:r>
-              <a:rPr lang="en-US" dirty="0" smtClean="0">
-                <a:solidFill>
-                  <a:schemeClr val="accent5"/>
-                </a:solidFill>
-              </a:rPr>
-              <a:t>]</a:t>
-            </a:r>
-            <a:endParaRPr lang="en-US" dirty="0">
-              <a:solidFill>
-                <a:schemeClr val="accent5"/>
-              </a:solidFill>
-            </a:endParaRPr>
-          </a:p>
-        </p:txBody>
-      </p:sp>
-    </p:spTree>
-    <p:extLst>
-      <p:ext uri="{BB962C8B-B14F-4D97-AF65-F5344CB8AC3E}">
-        <p14:creationId xmlns:p14="http://schemas.microsoft.com/office/powerpoint/2010/main" val="1746666901"/>
-      </p:ext>
-    </p:extLst>
-  </p:cSld>
-  <p:clrMapOvr>
-    <a:masterClrMapping/>
-  </p:clrMapOvr>
-</p:sld>
-</file>
-
-<file path=ppt/slides/slide48.xml><?xml version="1.0" encoding="utf-8"?>
-<p:sld xmlns:a="http://schemas.openxmlformats.org/drawingml/2006/main" xmlns:r="http://schemas.openxmlformats.org/officeDocument/2006/relationships" xmlns:p="http://schemas.openxmlformats.org/presentationml/2006/main">
-  <p:cSld>
-    <p:spTree>
-      <p:nvGrpSpPr>
-        <p:cNvPr id="1" name=""/>
-        <p:cNvGrpSpPr/>
-        <p:nvPr/>
-      </p:nvGrpSpPr>
-      <p:grpSpPr>
-        <a:xfrm>
-          <a:off x="0" y="0"/>
-          <a:ext cx="0" cy="0"/>
-          <a:chOff x="0" y="0"/>
-          <a:chExt cx="0" cy="0"/>
-        </a:xfrm>
-      </p:grpSpPr>
-      <p:sp>
-        <p:nvSpPr>
-          <p:cNvPr id="2" name="Title 1"/>
-          <p:cNvSpPr>
-            <a:spLocks noGrp="1"/>
-          </p:cNvSpPr>
-          <p:nvPr>
-            <p:ph type="title"/>
-          </p:nvPr>
-        </p:nvSpPr>
-        <p:spPr>
-          <a:xfrm>
-            <a:off x="838200" y="2659146"/>
-            <a:ext cx="10515600" cy="1325563"/>
-          </a:xfrm>
-        </p:spPr>
-        <p:txBody>
-          <a:bodyPr>
-            <a:noAutofit/>
-          </a:bodyPr>
-          <a:lstStyle/>
-          <a:p>
-            <a:pPr algn="ctr"/>
-            <a:r>
               <a:rPr lang="en-US" sz="6000" dirty="0"/>
               <a:t>When might researchers or makers decide </a:t>
             </a:r>
@@ -10347,7 +10284,7 @@
 </p:sld>
 </file>
 
-<file path=ppt/slides/slide49.xml><?xml version="1.0" encoding="utf-8"?>
+<file path=ppt/slides/slide48.xml><?xml version="1.0" encoding="utf-8"?>
 <p:sld xmlns:a="http://schemas.openxmlformats.org/drawingml/2006/main" xmlns:r="http://schemas.openxmlformats.org/officeDocument/2006/relationships" xmlns:p="http://schemas.openxmlformats.org/presentationml/2006/main">
   <p:cSld>
     <p:bg>
@@ -10623,6 +10560,176 @@
     <p:extLst>
       <p:ext uri="{BB962C8B-B14F-4D97-AF65-F5344CB8AC3E}">
         <p14:creationId xmlns:p14="http://schemas.microsoft.com/office/powerpoint/2010/main" val="1928864662"/>
+      </p:ext>
+    </p:extLst>
+  </p:cSld>
+  <p:clrMapOvr>
+    <a:masterClrMapping/>
+  </p:clrMapOvr>
+</p:sld>
+</file>
+
+<file path=ppt/slides/slide49.xml><?xml version="1.0" encoding="utf-8"?>
+<p:sld xmlns:a="http://schemas.openxmlformats.org/drawingml/2006/main" xmlns:r="http://schemas.openxmlformats.org/officeDocument/2006/relationships" xmlns:p="http://schemas.openxmlformats.org/presentationml/2006/main">
+  <p:cSld>
+    <p:spTree>
+      <p:nvGrpSpPr>
+        <p:cNvPr id="1" name=""/>
+        <p:cNvGrpSpPr/>
+        <p:nvPr/>
+      </p:nvGrpSpPr>
+      <p:grpSpPr>
+        <a:xfrm>
+          <a:off x="0" y="0"/>
+          <a:ext cx="0" cy="0"/>
+          <a:chOff x="0" y="0"/>
+          <a:chExt cx="0" cy="0"/>
+        </a:xfrm>
+      </p:grpSpPr>
+      <p:sp>
+        <p:nvSpPr>
+          <p:cNvPr id="2" name="Title 1"/>
+          <p:cNvSpPr>
+            <a:spLocks noGrp="1"/>
+          </p:cNvSpPr>
+          <p:nvPr>
+            <p:ph type="title"/>
+          </p:nvPr>
+        </p:nvSpPr>
+        <p:spPr>
+          <a:xfrm>
+            <a:off x="838200" y="2659146"/>
+            <a:ext cx="10515600" cy="1325563"/>
+          </a:xfrm>
+        </p:spPr>
+        <p:txBody>
+          <a:bodyPr>
+            <a:noAutofit/>
+          </a:bodyPr>
+          <a:lstStyle/>
+          <a:p>
+            <a:pPr algn="ctr"/>
+            <a:r>
+              <a:rPr lang="en-US" sz="6000" dirty="0" smtClean="0"/>
+              <a:t>See additional </a:t>
+            </a:r>
+            <a:r>
+              <a:rPr lang="en-US" sz="6000" b="1" i="1" dirty="0" smtClean="0"/>
+              <a:t>case examples</a:t>
+            </a:r>
+            <a:r>
+              <a:rPr lang="en-US" sz="6000" dirty="0" smtClean="0"/>
+              <a:t>, a </a:t>
+            </a:r>
+            <a:r>
+              <a:rPr lang="en-US" sz="6000" b="1" i="1" dirty="0" smtClean="0"/>
+              <a:t>glossary </a:t>
+            </a:r>
+            <a:r>
+              <a:rPr lang="en-US" sz="6000" dirty="0" smtClean="0"/>
+              <a:t>of key terms and concepts, and a </a:t>
+            </a:r>
+            <a:r>
+              <a:rPr lang="en-US" sz="6000" b="1" i="1" dirty="0" smtClean="0"/>
+              <a:t>resources</a:t>
+            </a:r>
+            <a:r>
+              <a:rPr lang="en-US" sz="6000" dirty="0" smtClean="0"/>
+              <a:t> page on the DHRI ethics curriculum on GitHub </a:t>
+            </a:r>
+            <a:endParaRPr lang="en-US" sz="3600" dirty="0"/>
+          </a:p>
+        </p:txBody>
+      </p:sp>
+      <p:sp>
+        <p:nvSpPr>
+          <p:cNvPr id="4" name="Rectangle 3"/>
+          <p:cNvSpPr/>
+          <p:nvPr/>
+        </p:nvSpPr>
+        <p:spPr>
+          <a:xfrm>
+            <a:off x="3771357" y="6354111"/>
+            <a:ext cx="4649286" cy="369332"/>
+          </a:xfrm>
+          <a:prstGeom prst="rect">
+            <a:avLst/>
+          </a:prstGeom>
+        </p:spPr>
+        <p:txBody>
+          <a:bodyPr wrap="none">
+            <a:spAutoFit/>
+          </a:bodyPr>
+          <a:lstStyle/>
+          <a:p>
+            <a:r>
+              <a:rPr lang="en-US" dirty="0" smtClean="0">
+                <a:solidFill>
+                  <a:schemeClr val="accent5"/>
+                </a:solidFill>
+              </a:rPr>
+              <a:t>[See: </a:t>
+            </a:r>
+            <a:r>
+              <a:rPr lang="en-US" dirty="0" err="1" smtClean="0">
+                <a:solidFill>
+                  <a:schemeClr val="accent5"/>
+                </a:solidFill>
+              </a:rPr>
+              <a:t>cases.md</a:t>
+            </a:r>
+            <a:r>
+              <a:rPr lang="en-US" dirty="0" smtClean="0">
+                <a:solidFill>
+                  <a:schemeClr val="accent5"/>
+                </a:solidFill>
+              </a:rPr>
+              <a:t>, </a:t>
+            </a:r>
+            <a:r>
+              <a:rPr lang="en-US" dirty="0" err="1" smtClean="0">
+                <a:solidFill>
+                  <a:schemeClr val="accent5"/>
+                </a:solidFill>
+              </a:rPr>
+              <a:t>glossary.md</a:t>
+            </a:r>
+            <a:r>
+              <a:rPr lang="en-US" dirty="0" smtClean="0">
+                <a:solidFill>
+                  <a:schemeClr val="accent5"/>
+                </a:solidFill>
+              </a:rPr>
+              <a:t>, and </a:t>
+            </a:r>
+            <a:r>
+              <a:rPr lang="en-US" dirty="0" err="1" smtClean="0">
+                <a:solidFill>
+                  <a:schemeClr val="accent5"/>
+                </a:solidFill>
+              </a:rPr>
+              <a:t>resources.md</a:t>
+            </a:r>
+            <a:r>
+              <a:rPr lang="en-US" dirty="0" smtClean="0">
+                <a:solidFill>
+                  <a:schemeClr val="accent5"/>
+                </a:solidFill>
+              </a:rPr>
+              <a:t>]</a:t>
+            </a:r>
+            <a:endParaRPr lang="en-US" dirty="0">
+              <a:solidFill>
+                <a:schemeClr val="accent5"/>
+              </a:solidFill>
+            </a:endParaRPr>
+          </a:p>
+        </p:txBody>
+      </p:sp>
+    </p:spTree>
+    <p:extLst>
+      <p:ext uri="{BB962C8B-B14F-4D97-AF65-F5344CB8AC3E}">
+        <p14:creationId xmlns:p14="http://schemas.microsoft.com/office/powerpoint/2010/main" val="365867508"/>
       </p:ext>
     </p:extLst>
   </p:cSld>
@@ -10791,36 +10898,117 @@
           </a:bodyPr>
           <a:lstStyle/>
           <a:p>
-            <a:pPr algn="ctr"/>
-            <a:r>
-              <a:rPr lang="en-US" sz="6000" dirty="0" smtClean="0"/>
-              <a:t>See additional </a:t>
-            </a:r>
-            <a:r>
-              <a:rPr lang="en-US" sz="6000" b="1" i="1" dirty="0" smtClean="0"/>
-              <a:t>case examples</a:t>
-            </a:r>
-            <a:r>
-              <a:rPr lang="en-US" sz="6000" dirty="0" smtClean="0"/>
-              <a:t>, a </a:t>
-            </a:r>
-            <a:r>
-              <a:rPr lang="en-US" sz="6000" b="1" i="1" dirty="0" smtClean="0"/>
-              <a:t>glossary </a:t>
-            </a:r>
-            <a:r>
-              <a:rPr lang="en-US" sz="6000" dirty="0" smtClean="0"/>
-              <a:t>of key terms and concepts, and a </a:t>
-            </a:r>
-            <a:r>
-              <a:rPr lang="en-US" sz="6000" b="1" i="1" dirty="0" smtClean="0"/>
-              <a:t>resources</a:t>
-            </a:r>
-            <a:r>
-              <a:rPr lang="en-US" sz="6000" dirty="0" smtClean="0"/>
-              <a:t> page on the DHRI ethics curriculum on GitHub </a:t>
-            </a:r>
-            <a:endParaRPr lang="en-US" sz="3600" dirty="0"/>
+            <a:r>
+              <a:rPr lang="en-US" sz="2800" u="sng" dirty="0" smtClean="0"/>
+              <a:t>Workshop debrief</a:t>
+            </a:r>
+            <a:br>
+              <a:rPr lang="en-US" sz="2800" u="sng" dirty="0" smtClean="0"/>
+            </a:br>
+            <a:r>
+              <a:rPr lang="en-US" sz="2800" dirty="0"/>
+              <a:t/>
+            </a:r>
+            <a:br>
+              <a:rPr lang="en-US" sz="2800" dirty="0"/>
+            </a:br>
+            <a:r>
+              <a:rPr lang="en-US" sz="2800" dirty="0" smtClean="0"/>
+              <a:t>By </a:t>
+            </a:r>
+            <a:r>
+              <a:rPr lang="en-US" sz="2800" dirty="0"/>
+              <a:t>the end of this workshop, participants have</a:t>
+            </a:r>
+            <a:r>
+              <a:rPr lang="en-US" sz="2800" dirty="0" smtClean="0"/>
+              <a:t>:</a:t>
+            </a:r>
+            <a:br>
+              <a:rPr lang="en-US" sz="2800" dirty="0" smtClean="0"/>
+            </a:br>
+            <a:r>
+              <a:rPr lang="en-US" sz="2800" dirty="0" smtClean="0"/>
+              <a:t/>
+            </a:r>
+            <a:br>
+              <a:rPr lang="en-US" sz="2800" dirty="0" smtClean="0"/>
+            </a:br>
+            <a:r>
+              <a:rPr lang="en-US" sz="2800" dirty="0" smtClean="0"/>
+              <a:t>&gt;&gt;  Reviewed </a:t>
+            </a:r>
+            <a:r>
+              <a:rPr lang="en-US" sz="2800" dirty="0"/>
+              <a:t>ethical practices to satisfy institutional needs (IRB) when working with "human subjects</a:t>
+            </a:r>
+            <a:r>
+              <a:rPr lang="en-US" sz="2800" dirty="0" smtClean="0"/>
+              <a:t>.”</a:t>
+            </a:r>
+            <a:br>
+              <a:rPr lang="en-US" sz="2800" dirty="0" smtClean="0"/>
+            </a:br>
+            <a:r>
+              <a:rPr lang="en-US" sz="2800" dirty="0" smtClean="0"/>
+              <a:t/>
+            </a:r>
+            <a:br>
+              <a:rPr lang="en-US" sz="2800" dirty="0" smtClean="0"/>
+            </a:br>
+            <a:r>
+              <a:rPr lang="en-US" sz="2800" dirty="0" smtClean="0"/>
+              <a:t>&gt;&gt;  Learned </a:t>
+            </a:r>
+            <a:r>
+              <a:rPr lang="en-US" sz="2800" dirty="0"/>
+              <a:t>specific ethical questions and levels of impact to consider when doing various forms of digital research and using digital tools</a:t>
+            </a:r>
+            <a:r>
+              <a:rPr lang="en-US" sz="2800" dirty="0" smtClean="0"/>
+              <a:t>.</a:t>
+            </a:r>
+            <a:br>
+              <a:rPr lang="en-US" sz="2800" dirty="0" smtClean="0"/>
+            </a:br>
+            <a:r>
+              <a:rPr lang="en-US" sz="2800" dirty="0"/>
+              <a:t/>
+            </a:r>
+            <a:br>
+              <a:rPr lang="en-US" sz="2800" dirty="0"/>
+            </a:br>
+            <a:r>
+              <a:rPr lang="en-US" sz="2800" dirty="0" smtClean="0"/>
+              <a:t>&gt;&gt;  Engaged </a:t>
+            </a:r>
+            <a:r>
+              <a:rPr lang="en-US" sz="2800" dirty="0"/>
+              <a:t>with alternative approaches and case examples</a:t>
+            </a:r>
+            <a:r>
+              <a:rPr lang="en-US" sz="2800" dirty="0" smtClean="0"/>
+              <a:t>.</a:t>
+            </a:r>
+            <a:br>
+              <a:rPr lang="en-US" sz="2800" dirty="0" smtClean="0"/>
+            </a:br>
+            <a:r>
+              <a:rPr lang="en-US" sz="2800" dirty="0"/>
+              <a:t/>
+            </a:r>
+            <a:br>
+              <a:rPr lang="en-US" sz="2800" dirty="0"/>
+            </a:br>
+            <a:r>
+              <a:rPr lang="en-US" sz="2800" dirty="0" smtClean="0"/>
+              <a:t>&gt;&gt;  Envisioned </a:t>
+            </a:r>
+            <a:r>
+              <a:rPr lang="en-US" sz="2800" dirty="0"/>
+              <a:t>the ethics of their own projects and methodologies.</a:t>
+            </a:r>
+            <a:endParaRPr lang="en-US" sz="1400" dirty="0"/>
           </a:p>
         </p:txBody>
       </p:sp>
@@ -10832,8 +11020,8 @@
         </p:nvSpPr>
         <p:spPr>
           <a:xfrm>
-            <a:off x="3771357" y="6354111"/>
-            <a:ext cx="4649286" cy="369332"/>
+            <a:off x="5218259" y="6273901"/>
+            <a:ext cx="1755481" cy="369332"/>
           </a:xfrm>
           <a:prstGeom prst="rect">
             <a:avLst/>
@@ -10859,39 +11047,7 @@
                   <a:schemeClr val="accent5"/>
                 </a:solidFill>
               </a:rPr>
-              <a:t>cases.md</a:t>
-            </a:r>
-            <a:r>
-              <a:rPr lang="en-US" dirty="0" smtClean="0">
-                <a:solidFill>
-                  <a:schemeClr val="accent5"/>
-                </a:solidFill>
-              </a:rPr>
-              <a:t>, </a:t>
-            </a:r>
-            <a:r>
-              <a:rPr lang="en-US" dirty="0" err="1" smtClean="0">
-                <a:solidFill>
-                  <a:schemeClr val="accent5"/>
-                </a:solidFill>
-              </a:rPr>
-              <a:t>glossary.md</a:t>
-            </a:r>
-            <a:r>
-              <a:rPr lang="en-US" dirty="0" smtClean="0">
-                <a:solidFill>
-                  <a:schemeClr val="accent5"/>
-                </a:solidFill>
-              </a:rPr>
-              <a:t>, and </a:t>
-            </a:r>
-            <a:r>
-              <a:rPr lang="en-US" dirty="0" err="1" smtClean="0">
-                <a:solidFill>
-                  <a:schemeClr val="accent5"/>
-                </a:solidFill>
-              </a:rPr>
-              <a:t>resources.md</a:t>
+              <a:t>review.md</a:t>
             </a:r>
             <a:r>
               <a:rPr lang="en-US" dirty="0" smtClean="0">
@@ -10912,7 +11068,7 @@
     </p:spTree>
     <p:extLst>
       <p:ext uri="{BB962C8B-B14F-4D97-AF65-F5344CB8AC3E}">
-        <p14:creationId xmlns:p14="http://schemas.microsoft.com/office/powerpoint/2010/main" val="365867508"/>
+        <p14:creationId xmlns:p14="http://schemas.microsoft.com/office/powerpoint/2010/main" val="476007666"/>
       </p:ext>
     </p:extLst>
   </p:cSld>
@@ -10963,225 +11119,6 @@
           <a:p>
             <a:r>
               <a:rPr lang="en-US" sz="2800" u="sng" dirty="0" smtClean="0"/>
-              <a:t>Workshop debrief</a:t>
-            </a:r>
-            <a:br>
-              <a:rPr lang="en-US" sz="2800" u="sng" dirty="0" smtClean="0"/>
-            </a:br>
-            <a:r>
-              <a:rPr lang="en-US" sz="2800" dirty="0"/>
-              <a:t/>
-            </a:r>
-            <a:br>
-              <a:rPr lang="en-US" sz="2800" dirty="0"/>
-            </a:br>
-            <a:r>
-              <a:rPr lang="en-US" sz="2800" dirty="0" smtClean="0"/>
-              <a:t>By </a:t>
-            </a:r>
-            <a:r>
-              <a:rPr lang="en-US" sz="2800" dirty="0"/>
-              <a:t>the end of this workshop, participants have</a:t>
-            </a:r>
-            <a:r>
-              <a:rPr lang="en-US" sz="2800" dirty="0" smtClean="0"/>
-              <a:t>:</a:t>
-            </a:r>
-            <a:br>
-              <a:rPr lang="en-US" sz="2800" dirty="0" smtClean="0"/>
-            </a:br>
-            <a:r>
-              <a:rPr lang="en-US" sz="2800" dirty="0" smtClean="0"/>
-              <a:t/>
-            </a:r>
-            <a:br>
-              <a:rPr lang="en-US" sz="2800" dirty="0" smtClean="0"/>
-            </a:br>
-            <a:r>
-              <a:rPr lang="en-US" sz="2800" dirty="0" smtClean="0"/>
-              <a:t>&gt;&gt;  Reviewed </a:t>
-            </a:r>
-            <a:r>
-              <a:rPr lang="en-US" sz="2800" dirty="0"/>
-              <a:t>ethical practices to satisfy institutional needs (IRB) when working with "human subjects</a:t>
-            </a:r>
-            <a:r>
-              <a:rPr lang="en-US" sz="2800" dirty="0" smtClean="0"/>
-              <a:t>.”</a:t>
-            </a:r>
-            <a:br>
-              <a:rPr lang="en-US" sz="2800" dirty="0" smtClean="0"/>
-            </a:br>
-            <a:r>
-              <a:rPr lang="en-US" sz="2800" dirty="0" smtClean="0"/>
-              <a:t/>
-            </a:r>
-            <a:br>
-              <a:rPr lang="en-US" sz="2800" dirty="0" smtClean="0"/>
-            </a:br>
-            <a:r>
-              <a:rPr lang="en-US" sz="2800" dirty="0" smtClean="0"/>
-              <a:t>&gt;&gt;  Learned </a:t>
-            </a:r>
-            <a:r>
-              <a:rPr lang="en-US" sz="2800" dirty="0"/>
-              <a:t>specific ethical questions and levels of impact to consider when doing various forms of digital research and using digital tools</a:t>
-            </a:r>
-            <a:r>
-              <a:rPr lang="en-US" sz="2800" dirty="0" smtClean="0"/>
-              <a:t>.</a:t>
-            </a:r>
-            <a:br>
-              <a:rPr lang="en-US" sz="2800" dirty="0" smtClean="0"/>
-            </a:br>
-            <a:r>
-              <a:rPr lang="en-US" sz="2800" dirty="0"/>
-              <a:t/>
-            </a:r>
-            <a:br>
-              <a:rPr lang="en-US" sz="2800" dirty="0"/>
-            </a:br>
-            <a:r>
-              <a:rPr lang="en-US" sz="2800" dirty="0" smtClean="0"/>
-              <a:t>&gt;&gt;  Engaged </a:t>
-            </a:r>
-            <a:r>
-              <a:rPr lang="en-US" sz="2800" dirty="0"/>
-              <a:t>with alternative approaches and case examples</a:t>
-            </a:r>
-            <a:r>
-              <a:rPr lang="en-US" sz="2800" dirty="0" smtClean="0"/>
-              <a:t>.</a:t>
-            </a:r>
-            <a:br>
-              <a:rPr lang="en-US" sz="2800" dirty="0" smtClean="0"/>
-            </a:br>
-            <a:r>
-              <a:rPr lang="en-US" sz="2800" dirty="0"/>
-              <a:t/>
-            </a:r>
-            <a:br>
-              <a:rPr lang="en-US" sz="2800" dirty="0"/>
-            </a:br>
-            <a:r>
-              <a:rPr lang="en-US" sz="2800" dirty="0" smtClean="0"/>
-              <a:t>&gt;&gt;  Envisioned </a:t>
-            </a:r>
-            <a:r>
-              <a:rPr lang="en-US" sz="2800" dirty="0"/>
-              <a:t>the ethics of their own projects and methodologies.</a:t>
-            </a:r>
-            <a:endParaRPr lang="en-US" sz="1400" dirty="0"/>
-          </a:p>
-        </p:txBody>
-      </p:sp>
-      <p:sp>
-        <p:nvSpPr>
-          <p:cNvPr id="4" name="Rectangle 3"/>
-          <p:cNvSpPr/>
-          <p:nvPr/>
-        </p:nvSpPr>
-        <p:spPr>
-          <a:xfrm>
-            <a:off x="5218259" y="6273901"/>
-            <a:ext cx="1755481" cy="369332"/>
-          </a:xfrm>
-          <a:prstGeom prst="rect">
-            <a:avLst/>
-          </a:prstGeom>
-        </p:spPr>
-        <p:txBody>
-          <a:bodyPr wrap="none">
-            <a:spAutoFit/>
-          </a:bodyPr>
-          <a:lstStyle/>
-          <a:p>
-            <a:r>
-              <a:rPr lang="en-US" dirty="0" smtClean="0">
-                <a:solidFill>
-                  <a:schemeClr val="accent5"/>
-                </a:solidFill>
-              </a:rPr>
-              <a:t>[See: </a:t>
-            </a:r>
-            <a:r>
-              <a:rPr lang="en-US" dirty="0" err="1" smtClean="0">
-                <a:solidFill>
-                  <a:schemeClr val="accent5"/>
-                </a:solidFill>
-              </a:rPr>
-              <a:t>review.md</a:t>
-            </a:r>
-            <a:r>
-              <a:rPr lang="en-US" dirty="0" smtClean="0">
-                <a:solidFill>
-                  <a:schemeClr val="accent5"/>
-                </a:solidFill>
-              </a:rPr>
-              <a:t>]</a:t>
-            </a:r>
-            <a:endParaRPr lang="en-US" dirty="0">
-              <a:solidFill>
-                <a:schemeClr val="accent5"/>
-              </a:solidFill>
-            </a:endParaRPr>
-          </a:p>
-        </p:txBody>
-      </p:sp>
-    </p:spTree>
-    <p:extLst>
-      <p:ext uri="{BB962C8B-B14F-4D97-AF65-F5344CB8AC3E}">
-        <p14:creationId xmlns:p14="http://schemas.microsoft.com/office/powerpoint/2010/main" val="476007666"/>
-      </p:ext>
-    </p:extLst>
-  </p:cSld>
-  <p:clrMapOvr>
-    <a:masterClrMapping/>
-  </p:clrMapOvr>
-</p:sld>
-</file>
-
-<file path=ppt/slides/slide52.xml><?xml version="1.0" encoding="utf-8"?>
-<p:sld xmlns:a="http://schemas.openxmlformats.org/drawingml/2006/main" xmlns:r="http://schemas.openxmlformats.org/officeDocument/2006/relationships" xmlns:p="http://schemas.openxmlformats.org/presentationml/2006/main">
-  <p:cSld>
-    <p:spTree>
-      <p:nvGrpSpPr>
-        <p:cNvPr id="1" name=""/>
-        <p:cNvGrpSpPr/>
-        <p:nvPr/>
-      </p:nvGrpSpPr>
-      <p:grpSpPr>
-        <a:xfrm>
-          <a:off x="0" y="0"/>
-          <a:ext cx="0" cy="0"/>
-          <a:chOff x="0" y="0"/>
-          <a:chExt cx="0" cy="0"/>
-        </a:xfrm>
-      </p:grpSpPr>
-      <p:sp>
-        <p:nvSpPr>
-          <p:cNvPr id="2" name="Title 1"/>
-          <p:cNvSpPr>
-            <a:spLocks noGrp="1"/>
-          </p:cNvSpPr>
-          <p:nvPr>
-            <p:ph type="title"/>
-          </p:nvPr>
-        </p:nvSpPr>
-        <p:spPr>
-          <a:xfrm>
-            <a:off x="838200" y="2659146"/>
-            <a:ext cx="10515600" cy="1325563"/>
-          </a:xfrm>
-        </p:spPr>
-        <p:txBody>
-          <a:bodyPr>
-            <a:noAutofit/>
-          </a:bodyPr>
-          <a:lstStyle/>
-          <a:p>
-            <a:r>
-              <a:rPr lang="en-US" sz="2800" u="sng" dirty="0" smtClean="0"/>
               <a:t>Next steps:</a:t>
             </a:r>
             <a:br>
@@ -11315,7 +11252,7 @@
 </p:sld>
 </file>
 
-<file path=ppt/slides/slide53.xml><?xml version="1.0" encoding="utf-8"?>
+<file path=ppt/slides/slide52.xml><?xml version="1.0" encoding="utf-8"?>
 <p:sld xmlns:a="http://schemas.openxmlformats.org/drawingml/2006/main" xmlns:r="http://schemas.openxmlformats.org/officeDocument/2006/relationships" xmlns:p="http://schemas.openxmlformats.org/presentationml/2006/main">
   <p:cSld>
     <p:spTree>

--- a/slides.pptx
+++ b/slides.pptx
@@ -248,7 +248,7 @@
           <a:p>
             <a:fld id="{06B4544B-6879-EF48-AA6C-F3023B74A8AE}" type="datetimeFigureOut">
               <a:rPr lang="en-US" smtClean="0"/>
-              <a:t>6/13/18</a:t>
+              <a:t>6/14/18</a:t>
             </a:fld>
             <a:endParaRPr lang="en-US"/>
           </a:p>
@@ -731,7 +731,7 @@
           <a:p>
             <a:fld id="{9AC27B76-91ED-7A4A-8EA0-BB567F84DA22}" type="datetimeFigureOut">
               <a:rPr lang="en-US" smtClean="0"/>
-              <a:t>6/13/18</a:t>
+              <a:t>6/14/18</a:t>
             </a:fld>
             <a:endParaRPr lang="en-US"/>
           </a:p>
@@ -896,7 +896,7 @@
           <a:p>
             <a:fld id="{9AC27B76-91ED-7A4A-8EA0-BB567F84DA22}" type="datetimeFigureOut">
               <a:rPr lang="en-US" smtClean="0"/>
-              <a:t>6/13/18</a:t>
+              <a:t>6/14/18</a:t>
             </a:fld>
             <a:endParaRPr lang="en-US"/>
           </a:p>
@@ -1071,7 +1071,7 @@
           <a:p>
             <a:fld id="{9AC27B76-91ED-7A4A-8EA0-BB567F84DA22}" type="datetimeFigureOut">
               <a:rPr lang="en-US" smtClean="0"/>
-              <a:t>6/13/18</a:t>
+              <a:t>6/14/18</a:t>
             </a:fld>
             <a:endParaRPr lang="en-US"/>
           </a:p>
@@ -1236,7 +1236,7 @@
           <a:p>
             <a:fld id="{9AC27B76-91ED-7A4A-8EA0-BB567F84DA22}" type="datetimeFigureOut">
               <a:rPr lang="en-US" smtClean="0"/>
-              <a:t>6/13/18</a:t>
+              <a:t>6/14/18</a:t>
             </a:fld>
             <a:endParaRPr lang="en-US"/>
           </a:p>
@@ -1477,7 +1477,7 @@
           <a:p>
             <a:fld id="{9AC27B76-91ED-7A4A-8EA0-BB567F84DA22}" type="datetimeFigureOut">
               <a:rPr lang="en-US" smtClean="0"/>
-              <a:t>6/13/18</a:t>
+              <a:t>6/14/18</a:t>
             </a:fld>
             <a:endParaRPr lang="en-US"/>
           </a:p>
@@ -1704,7 +1704,7 @@
           <a:p>
             <a:fld id="{9AC27B76-91ED-7A4A-8EA0-BB567F84DA22}" type="datetimeFigureOut">
               <a:rPr lang="en-US" smtClean="0"/>
-              <a:t>6/13/18</a:t>
+              <a:t>6/14/18</a:t>
             </a:fld>
             <a:endParaRPr lang="en-US"/>
           </a:p>
@@ -2066,7 +2066,7 @@
           <a:p>
             <a:fld id="{9AC27B76-91ED-7A4A-8EA0-BB567F84DA22}" type="datetimeFigureOut">
               <a:rPr lang="en-US" smtClean="0"/>
-              <a:t>6/13/18</a:t>
+              <a:t>6/14/18</a:t>
             </a:fld>
             <a:endParaRPr lang="en-US"/>
           </a:p>
@@ -2179,7 +2179,7 @@
           <a:p>
             <a:fld id="{9AC27B76-91ED-7A4A-8EA0-BB567F84DA22}" type="datetimeFigureOut">
               <a:rPr lang="en-US" smtClean="0"/>
-              <a:t>6/13/18</a:t>
+              <a:t>6/14/18</a:t>
             </a:fld>
             <a:endParaRPr lang="en-US"/>
           </a:p>
@@ -2269,7 +2269,7 @@
           <a:p>
             <a:fld id="{9AC27B76-91ED-7A4A-8EA0-BB567F84DA22}" type="datetimeFigureOut">
               <a:rPr lang="en-US" smtClean="0"/>
-              <a:t>6/13/18</a:t>
+              <a:t>6/14/18</a:t>
             </a:fld>
             <a:endParaRPr lang="en-US"/>
           </a:p>
@@ -2541,7 +2541,7 @@
           <a:p>
             <a:fld id="{9AC27B76-91ED-7A4A-8EA0-BB567F84DA22}" type="datetimeFigureOut">
               <a:rPr lang="en-US" smtClean="0"/>
-              <a:t>6/13/18</a:t>
+              <a:t>6/14/18</a:t>
             </a:fld>
             <a:endParaRPr lang="en-US"/>
           </a:p>
@@ -2793,7 +2793,7 @@
           <a:p>
             <a:fld id="{9AC27B76-91ED-7A4A-8EA0-BB567F84DA22}" type="datetimeFigureOut">
               <a:rPr lang="en-US" smtClean="0"/>
-              <a:t>6/13/18</a:t>
+              <a:t>6/14/18</a:t>
             </a:fld>
             <a:endParaRPr lang="en-US"/>
           </a:p>
@@ -3001,7 +3001,7 @@
           <a:p>
             <a:fld id="{9AC27B76-91ED-7A4A-8EA0-BB567F84DA22}" type="datetimeFigureOut">
               <a:rPr lang="en-US" smtClean="0"/>
-              <a:t>6/13/18</a:t>
+              <a:t>6/14/18</a:t>
             </a:fld>
             <a:endParaRPr lang="en-US"/>
           </a:p>
@@ -3452,67 +3452,35 @@
           <a:lstStyle/>
           <a:p>
             <a:r>
-              <a:rPr lang="en-US" dirty="0" smtClean="0">
-                <a:solidFill>
-                  <a:schemeClr val="accent1"/>
-                </a:solidFill>
-              </a:rPr>
+              <a:rPr lang="en-US" dirty="0" smtClean="0"/>
               <a:t>Session leader and content created by: Kelsey Chatlosh @</a:t>
             </a:r>
             <a:r>
-              <a:rPr lang="en-US" dirty="0" err="1" smtClean="0">
-                <a:solidFill>
-                  <a:schemeClr val="accent1"/>
-                </a:solidFill>
-              </a:rPr>
+              <a:rPr lang="en-US" dirty="0" err="1" smtClean="0"/>
               <a:t>kchatlosh</a:t>
             </a:r>
-            <a:endParaRPr lang="en-US" dirty="0" smtClean="0">
-              <a:solidFill>
-                <a:schemeClr val="accent1"/>
-              </a:solidFill>
-            </a:endParaRPr>
-          </a:p>
-          <a:p>
-            <a:r>
-              <a:rPr lang="en-US" dirty="0" smtClean="0">
-                <a:solidFill>
-                  <a:schemeClr val="accent1"/>
-                </a:solidFill>
-              </a:rPr>
+            <a:endParaRPr lang="en-US" dirty="0" smtClean="0"/>
+          </a:p>
+          <a:p>
+            <a:r>
+              <a:rPr lang="en-US" dirty="0" smtClean="0"/>
               <a:t>Edited by: Patrick Sweeney @</a:t>
             </a:r>
             <a:r>
-              <a:rPr lang="en-US" dirty="0" err="1" smtClean="0">
-                <a:solidFill>
-                  <a:schemeClr val="accent1"/>
-                </a:solidFill>
-              </a:rPr>
+              <a:rPr lang="en-US" dirty="0" err="1" smtClean="0"/>
               <a:t>pswee</a:t>
             </a:r>
             <a:r>
-              <a:rPr lang="en-US" dirty="0" smtClean="0">
-                <a:solidFill>
-                  <a:schemeClr val="accent1"/>
-                </a:solidFill>
-              </a:rPr>
+              <a:rPr lang="en-US" dirty="0" smtClean="0"/>
               <a:t> and Patrick Smyth @psmyth01</a:t>
             </a:r>
           </a:p>
           <a:p>
             <a:r>
-              <a:rPr lang="en-US" dirty="0" smtClean="0">
-                <a:solidFill>
-                  <a:schemeClr val="accent1"/>
-                </a:solidFill>
-              </a:rPr>
+              <a:rPr lang="en-US" dirty="0" smtClean="0"/>
               <a:t>dhinstitutes.org #DHRI</a:t>
             </a:r>
-            <a:endParaRPr lang="en-US" dirty="0">
-              <a:solidFill>
-                <a:schemeClr val="accent1"/>
-              </a:solidFill>
-            </a:endParaRPr>
+            <a:endParaRPr lang="en-US" dirty="0"/>
           </a:p>
         </p:txBody>
       </p:sp>
@@ -3548,8 +3516,8 @@
         </p:nvSpPr>
         <p:spPr>
           <a:xfrm>
-            <a:off x="5098323" y="6356502"/>
-            <a:ext cx="1995354" cy="369332"/>
+            <a:off x="4594018" y="6334780"/>
+            <a:ext cx="3003964" cy="523220"/>
           </a:xfrm>
           <a:prstGeom prst="rect">
             <a:avLst/>
@@ -3563,18 +3531,10 @@
           <a:p>
             <a:pPr algn="ctr"/>
             <a:r>
-              <a:rPr lang="en-US" dirty="0" smtClean="0">
-                <a:solidFill>
-                  <a:schemeClr val="accent5"/>
-                </a:solidFill>
-              </a:rPr>
+              <a:rPr lang="en-US" sz="2800" dirty="0" smtClean="0"/>
               <a:t>[See: README.MD]</a:t>
             </a:r>
-            <a:endParaRPr lang="en-US" dirty="0">
-              <a:solidFill>
-                <a:schemeClr val="accent5"/>
-              </a:solidFill>
-            </a:endParaRPr>
+            <a:endParaRPr lang="en-US" sz="2800" dirty="0"/>
           </a:p>
         </p:txBody>
       </p:sp>
@@ -3718,8 +3678,8 @@
         </p:nvSpPr>
         <p:spPr>
           <a:xfrm>
-            <a:off x="5128651" y="6312205"/>
-            <a:ext cx="1934697" cy="369332"/>
+            <a:off x="4644318" y="6334780"/>
+            <a:ext cx="2903359" cy="523220"/>
           </a:xfrm>
           <a:prstGeom prst="rect">
             <a:avLst/>
@@ -3732,34 +3692,18 @@
           <a:lstStyle/>
           <a:p>
             <a:r>
-              <a:rPr lang="en-US" dirty="0" smtClean="0">
-                <a:solidFill>
-                  <a:schemeClr val="accent5"/>
-                </a:solidFill>
-              </a:rPr>
+              <a:rPr lang="en-US" sz="2800" dirty="0" smtClean="0"/>
               <a:t>[See: </a:t>
             </a:r>
             <a:r>
-              <a:rPr lang="en-US" dirty="0" err="1" smtClean="0">
-                <a:solidFill>
-                  <a:schemeClr val="accent5"/>
-                </a:solidFill>
-              </a:rPr>
+              <a:rPr lang="en-US" sz="2800" dirty="0" err="1" smtClean="0"/>
               <a:t>belmont.md</a:t>
             </a:r>
             <a:r>
-              <a:rPr lang="en-US" dirty="0" smtClean="0">
-                <a:solidFill>
-                  <a:schemeClr val="accent5"/>
-                </a:solidFill>
-              </a:rPr>
+              <a:rPr lang="en-US" sz="2800" dirty="0" smtClean="0"/>
               <a:t>]</a:t>
             </a:r>
-            <a:endParaRPr lang="en-US" dirty="0">
-              <a:solidFill>
-                <a:schemeClr val="accent5"/>
-              </a:solidFill>
-            </a:endParaRPr>
+            <a:endParaRPr lang="en-US" sz="2800" dirty="0"/>
           </a:p>
         </p:txBody>
       </p:sp>
@@ -3773,6 +3717,13 @@
   <p:clrMapOvr>
     <a:masterClrMapping/>
   </p:clrMapOvr>
+  <p:timing>
+    <p:tnLst>
+      <p:par>
+        <p:cTn id="1" dur="indefinite" restart="never" nodeType="tmRoot"/>
+      </p:par>
+    </p:tnLst>
+  </p:timing>
 </p:sld>
 </file>
 
@@ -3839,8 +3790,8 @@
         </p:nvSpPr>
         <p:spPr>
           <a:xfrm>
-            <a:off x="5397732" y="6360331"/>
-            <a:ext cx="1396536" cy="369332"/>
+            <a:off x="5061902" y="6334780"/>
+            <a:ext cx="2068195" cy="523220"/>
           </a:xfrm>
           <a:prstGeom prst="rect">
             <a:avLst/>
@@ -3853,34 +3804,18 @@
           <a:lstStyle/>
           <a:p>
             <a:r>
-              <a:rPr lang="en-US" dirty="0" smtClean="0">
-                <a:solidFill>
-                  <a:schemeClr val="accent5"/>
-                </a:solidFill>
-              </a:rPr>
+              <a:rPr lang="en-US" sz="2800" dirty="0" smtClean="0"/>
               <a:t>[See: </a:t>
             </a:r>
             <a:r>
-              <a:rPr lang="en-US" dirty="0" err="1" smtClean="0">
-                <a:solidFill>
-                  <a:schemeClr val="accent5"/>
-                </a:solidFill>
-              </a:rPr>
+              <a:rPr lang="en-US" sz="2800" dirty="0" err="1" smtClean="0"/>
               <a:t>irb.md</a:t>
             </a:r>
             <a:r>
-              <a:rPr lang="en-US" dirty="0" smtClean="0">
-                <a:solidFill>
-                  <a:schemeClr val="accent5"/>
-                </a:solidFill>
-              </a:rPr>
+              <a:rPr lang="en-US" sz="2800" dirty="0" smtClean="0"/>
               <a:t>]</a:t>
             </a:r>
-            <a:endParaRPr lang="en-US" dirty="0">
-              <a:solidFill>
-                <a:schemeClr val="accent5"/>
-              </a:solidFill>
-            </a:endParaRPr>
+            <a:endParaRPr lang="en-US" sz="2800" dirty="0"/>
           </a:p>
         </p:txBody>
       </p:sp>
@@ -3894,6 +3829,13 @@
   <p:clrMapOvr>
     <a:masterClrMapping/>
   </p:clrMapOvr>
+  <p:timing>
+    <p:tnLst>
+      <p:par>
+        <p:cTn id="1" dur="indefinite" restart="never" nodeType="tmRoot"/>
+      </p:par>
+    </p:tnLst>
+  </p:timing>
 </p:sld>
 </file>
 
@@ -3988,8 +3930,8 @@
         </p:nvSpPr>
         <p:spPr>
           <a:xfrm>
-            <a:off x="5397732" y="6360331"/>
-            <a:ext cx="1396536" cy="369332"/>
+            <a:off x="5045860" y="6334780"/>
+            <a:ext cx="2068195" cy="523220"/>
           </a:xfrm>
           <a:prstGeom prst="rect">
             <a:avLst/>
@@ -4002,34 +3944,18 @@
           <a:lstStyle/>
           <a:p>
             <a:r>
-              <a:rPr lang="en-US" dirty="0" smtClean="0">
-                <a:solidFill>
-                  <a:schemeClr val="accent5"/>
-                </a:solidFill>
-              </a:rPr>
+              <a:rPr lang="en-US" sz="2800" dirty="0" smtClean="0"/>
               <a:t>[See: </a:t>
             </a:r>
             <a:r>
-              <a:rPr lang="en-US" dirty="0" err="1" smtClean="0">
-                <a:solidFill>
-                  <a:schemeClr val="accent5"/>
-                </a:solidFill>
-              </a:rPr>
+              <a:rPr lang="en-US" sz="2800" dirty="0" err="1" smtClean="0"/>
               <a:t>irb.md</a:t>
             </a:r>
             <a:r>
-              <a:rPr lang="en-US" dirty="0" smtClean="0">
-                <a:solidFill>
-                  <a:schemeClr val="accent5"/>
-                </a:solidFill>
-              </a:rPr>
+              <a:rPr lang="en-US" sz="2800" dirty="0" smtClean="0"/>
               <a:t>]</a:t>
             </a:r>
-            <a:endParaRPr lang="en-US" dirty="0">
-              <a:solidFill>
-                <a:schemeClr val="accent5"/>
-              </a:solidFill>
-            </a:endParaRPr>
+            <a:endParaRPr lang="en-US" sz="2800" dirty="0"/>
           </a:p>
         </p:txBody>
       </p:sp>
@@ -4043,6 +3969,13 @@
   <p:clrMapOvr>
     <a:masterClrMapping/>
   </p:clrMapOvr>
+  <p:timing>
+    <p:tnLst>
+      <p:par>
+        <p:cTn id="1" dur="indefinite" restart="never" nodeType="tmRoot"/>
+      </p:par>
+    </p:tnLst>
+  </p:timing>
 </p:sld>
 </file>
 
@@ -4267,8 +4200,8 @@
         </p:nvSpPr>
         <p:spPr>
           <a:xfrm>
-            <a:off x="5167346" y="6376373"/>
-            <a:ext cx="1844608" cy="369332"/>
+            <a:off x="4708374" y="6334780"/>
+            <a:ext cx="2762551" cy="523220"/>
           </a:xfrm>
           <a:prstGeom prst="rect">
             <a:avLst/>
@@ -4281,7 +4214,7 @@
           <a:lstStyle/>
           <a:p>
             <a:r>
-              <a:rPr lang="en-US" dirty="0" smtClean="0">
+              <a:rPr lang="en-US" sz="2800" dirty="0" smtClean="0">
                 <a:solidFill>
                   <a:schemeClr val="tx2"/>
                 </a:solidFill>
@@ -4289,7 +4222,7 @@
               <a:t>[See: </a:t>
             </a:r>
             <a:r>
-              <a:rPr lang="en-US" dirty="0" err="1" smtClean="0">
+              <a:rPr lang="en-US" sz="2800" dirty="0" err="1" smtClean="0">
                 <a:solidFill>
                   <a:schemeClr val="tx2"/>
                 </a:solidFill>
@@ -4297,14 +4230,14 @@
               <a:t>beyond.md</a:t>
             </a:r>
             <a:r>
-              <a:rPr lang="en-US" dirty="0" smtClean="0">
+              <a:rPr lang="en-US" sz="2800" dirty="0" smtClean="0">
                 <a:solidFill>
                   <a:schemeClr val="tx2"/>
                 </a:solidFill>
               </a:rPr>
               <a:t>]</a:t>
             </a:r>
-            <a:endParaRPr lang="en-US" dirty="0">
+            <a:endParaRPr lang="en-US" sz="2800" dirty="0">
               <a:solidFill>
                 <a:schemeClr val="tx2"/>
               </a:solidFill>
@@ -4322,6 +4255,13 @@
   <p:clrMapOvr>
     <a:masterClrMapping/>
   </p:clrMapOvr>
+  <p:timing>
+    <p:tnLst>
+      <p:par>
+        <p:cTn id="1" dur="indefinite" restart="never" nodeType="tmRoot"/>
+      </p:par>
+    </p:tnLst>
+  </p:timing>
 </p:sld>
 </file>
 
@@ -4412,11 +4352,7 @@
             </a:br>
             <a:r>
               <a:rPr lang="en-US" sz="4800" dirty="0" smtClean="0"/>
-              <a:t>(Markham </a:t>
-            </a:r>
-            <a:r>
-              <a:rPr lang="en-US" sz="4800" dirty="0" smtClean="0"/>
-              <a:t>2016 </a:t>
+              <a:t>(Markham 2016 </a:t>
             </a:r>
             <a:r>
               <a:rPr lang="en-US" sz="4800" dirty="0" smtClean="0">
@@ -4507,8 +4443,8 @@
         </p:nvSpPr>
         <p:spPr>
           <a:xfrm>
-            <a:off x="5257800" y="6354110"/>
-            <a:ext cx="2313710" cy="369332"/>
+            <a:off x="4122240" y="6298297"/>
+            <a:ext cx="3491853" cy="523220"/>
           </a:xfrm>
           <a:prstGeom prst="rect">
             <a:avLst/>
@@ -4521,34 +4457,18 @@
           <a:lstStyle/>
           <a:p>
             <a:r>
-              <a:rPr lang="en-US" dirty="0" smtClean="0">
-                <a:solidFill>
-                  <a:schemeClr val="tx2"/>
-                </a:solidFill>
-              </a:rPr>
+              <a:rPr lang="en-US" sz="2800" dirty="0" smtClean="0"/>
               <a:t>[See: </a:t>
             </a:r>
             <a:r>
-              <a:rPr lang="en-US" dirty="0" err="1" smtClean="0">
-                <a:solidFill>
-                  <a:schemeClr val="tx2"/>
-                </a:solidFill>
-              </a:rPr>
+              <a:rPr lang="en-US" sz="2800" dirty="0" err="1" smtClean="0"/>
               <a:t>levelsimpact.md</a:t>
             </a:r>
             <a:r>
-              <a:rPr lang="en-US" dirty="0" smtClean="0">
-                <a:solidFill>
-                  <a:schemeClr val="tx2"/>
-                </a:solidFill>
-              </a:rPr>
+              <a:rPr lang="en-US" sz="2800" dirty="0" smtClean="0"/>
               <a:t>]</a:t>
             </a:r>
-            <a:endParaRPr lang="en-US" dirty="0">
-              <a:solidFill>
-                <a:schemeClr val="tx2"/>
-              </a:solidFill>
-            </a:endParaRPr>
+            <a:endParaRPr lang="en-US" sz="2800" dirty="0"/>
           </a:p>
         </p:txBody>
       </p:sp>
@@ -4562,6 +4482,13 @@
   <p:clrMapOvr>
     <a:masterClrMapping/>
   </p:clrMapOvr>
+  <p:timing>
+    <p:tnLst>
+      <p:par>
+        <p:cTn id="1" dur="indefinite" restart="never" nodeType="tmRoot"/>
+      </p:par>
+    </p:tnLst>
+  </p:timing>
 </p:sld>
 </file>
 
@@ -4660,8 +4587,8 @@
         </p:nvSpPr>
         <p:spPr>
           <a:xfrm>
-            <a:off x="4907061" y="6354110"/>
-            <a:ext cx="2313710" cy="369332"/>
+            <a:off x="4317989" y="6334780"/>
+            <a:ext cx="3491853" cy="523220"/>
           </a:xfrm>
           <a:prstGeom prst="rect">
             <a:avLst/>
@@ -4674,34 +4601,18 @@
           <a:lstStyle/>
           <a:p>
             <a:r>
-              <a:rPr lang="en-US" dirty="0" smtClean="0">
-                <a:solidFill>
-                  <a:schemeClr val="accent5"/>
-                </a:solidFill>
-              </a:rPr>
+              <a:rPr lang="en-US" sz="2800" dirty="0" smtClean="0"/>
               <a:t>[See: </a:t>
             </a:r>
             <a:r>
-              <a:rPr lang="en-US" dirty="0" err="1" smtClean="0">
-                <a:solidFill>
-                  <a:schemeClr val="accent5"/>
-                </a:solidFill>
-              </a:rPr>
+              <a:rPr lang="en-US" sz="2800" dirty="0" err="1" smtClean="0"/>
               <a:t>levelsimpact.md</a:t>
             </a:r>
             <a:r>
-              <a:rPr lang="en-US" dirty="0" smtClean="0">
-                <a:solidFill>
-                  <a:schemeClr val="accent5"/>
-                </a:solidFill>
-              </a:rPr>
+              <a:rPr lang="en-US" sz="2800" dirty="0" smtClean="0"/>
               <a:t>]</a:t>
             </a:r>
-            <a:endParaRPr lang="en-US" dirty="0">
-              <a:solidFill>
-                <a:schemeClr val="accent5"/>
-              </a:solidFill>
-            </a:endParaRPr>
+            <a:endParaRPr lang="en-US" sz="2800" dirty="0"/>
           </a:p>
         </p:txBody>
       </p:sp>
@@ -4715,6 +4626,13 @@
   <p:clrMapOvr>
     <a:masterClrMapping/>
   </p:clrMapOvr>
+  <p:timing>
+    <p:tnLst>
+      <p:par>
+        <p:cTn id="1" dur="indefinite" restart="never" nodeType="tmRoot"/>
+      </p:par>
+    </p:tnLst>
+  </p:timing>
 </p:sld>
 </file>
 
@@ -4846,8 +4764,8 @@
         </p:nvSpPr>
         <p:spPr>
           <a:xfrm>
-            <a:off x="4907061" y="6354110"/>
-            <a:ext cx="2313710" cy="369332"/>
+            <a:off x="4317989" y="6334780"/>
+            <a:ext cx="3491853" cy="523220"/>
           </a:xfrm>
           <a:prstGeom prst="rect">
             <a:avLst/>
@@ -4860,34 +4778,18 @@
           <a:lstStyle/>
           <a:p>
             <a:r>
-              <a:rPr lang="en-US" dirty="0" smtClean="0">
-                <a:solidFill>
-                  <a:schemeClr val="accent5"/>
-                </a:solidFill>
-              </a:rPr>
+              <a:rPr lang="en-US" sz="2800" dirty="0" smtClean="0"/>
               <a:t>[See: </a:t>
             </a:r>
             <a:r>
-              <a:rPr lang="en-US" dirty="0" err="1" smtClean="0">
-                <a:solidFill>
-                  <a:schemeClr val="accent5"/>
-                </a:solidFill>
-              </a:rPr>
+              <a:rPr lang="en-US" sz="2800" dirty="0" err="1" smtClean="0"/>
               <a:t>levelsimpact.md</a:t>
             </a:r>
             <a:r>
-              <a:rPr lang="en-US" dirty="0" smtClean="0">
-                <a:solidFill>
-                  <a:schemeClr val="accent5"/>
-                </a:solidFill>
-              </a:rPr>
+              <a:rPr lang="en-US" sz="2800" dirty="0" smtClean="0"/>
               <a:t>]</a:t>
             </a:r>
-            <a:endParaRPr lang="en-US" dirty="0">
-              <a:solidFill>
-                <a:schemeClr val="accent5"/>
-              </a:solidFill>
-            </a:endParaRPr>
+            <a:endParaRPr lang="en-US" sz="2800" dirty="0"/>
           </a:p>
         </p:txBody>
       </p:sp>
@@ -4901,6 +4803,13 @@
   <p:clrMapOvr>
     <a:masterClrMapping/>
   </p:clrMapOvr>
+  <p:timing>
+    <p:tnLst>
+      <p:par>
+        <p:cTn id="1" dur="indefinite" restart="never" nodeType="tmRoot"/>
+      </p:par>
+    </p:tnLst>
+  </p:timing>
 </p:sld>
 </file>
 
@@ -4996,8 +4905,8 @@
         </p:nvSpPr>
         <p:spPr>
           <a:xfrm>
-            <a:off x="4940374" y="6305984"/>
-            <a:ext cx="1955985" cy="369332"/>
+            <a:off x="4489931" y="6334780"/>
+            <a:ext cx="2856872" cy="523220"/>
           </a:xfrm>
           <a:prstGeom prst="rect">
             <a:avLst/>
@@ -5010,18 +4919,10 @@
           <a:lstStyle/>
           <a:p>
             <a:r>
-              <a:rPr lang="en-US" dirty="0" smtClean="0">
-                <a:solidFill>
-                  <a:schemeClr val="tx2"/>
-                </a:solidFill>
-              </a:rPr>
+              <a:rPr lang="en-US" sz="2800" dirty="0" smtClean="0"/>
               <a:t>[See: impact1.md]</a:t>
             </a:r>
-            <a:endParaRPr lang="en-US" dirty="0">
-              <a:solidFill>
-                <a:schemeClr val="tx2"/>
-              </a:solidFill>
-            </a:endParaRPr>
+            <a:endParaRPr lang="en-US" sz="2800" dirty="0"/>
           </a:p>
         </p:txBody>
       </p:sp>
@@ -5035,6 +4936,13 @@
   <p:clrMapOvr>
     <a:masterClrMapping/>
   </p:clrMapOvr>
+  <p:timing>
+    <p:tnLst>
+      <p:par>
+        <p:cTn id="1" dur="indefinite" restart="never" nodeType="tmRoot"/>
+      </p:par>
+    </p:tnLst>
+  </p:timing>
 </p:sld>
 </file>
 
@@ -5116,8 +5024,8 @@
         </p:nvSpPr>
         <p:spPr>
           <a:xfrm>
-            <a:off x="4940374" y="6305984"/>
-            <a:ext cx="1955985" cy="369332"/>
+            <a:off x="4667564" y="6334780"/>
+            <a:ext cx="2856872" cy="523220"/>
           </a:xfrm>
           <a:prstGeom prst="rect">
             <a:avLst/>
@@ -5130,18 +5038,10 @@
           <a:lstStyle/>
           <a:p>
             <a:r>
-              <a:rPr lang="en-US" dirty="0" smtClean="0">
-                <a:solidFill>
-                  <a:schemeClr val="accent5"/>
-                </a:solidFill>
-              </a:rPr>
+              <a:rPr lang="en-US" sz="2800" dirty="0" smtClean="0"/>
               <a:t>[See: impact1.md]</a:t>
             </a:r>
-            <a:endParaRPr lang="en-US" dirty="0">
-              <a:solidFill>
-                <a:schemeClr val="accent5"/>
-              </a:solidFill>
-            </a:endParaRPr>
+            <a:endParaRPr lang="en-US" sz="2800" dirty="0"/>
           </a:p>
         </p:txBody>
       </p:sp>
@@ -5155,6 +5055,13 @@
   <p:clrMapOvr>
     <a:masterClrMapping/>
   </p:clrMapOvr>
+  <p:timing>
+    <p:tnLst>
+      <p:par>
+        <p:cTn id="1" dur="indefinite" restart="never" nodeType="tmRoot"/>
+      </p:par>
+    </p:tnLst>
+  </p:timing>
 </p:sld>
 </file>
 
@@ -5304,8 +5211,8 @@
         </p:nvSpPr>
         <p:spPr>
           <a:xfrm>
-            <a:off x="4940374" y="6305984"/>
-            <a:ext cx="1955985" cy="369332"/>
+            <a:off x="4667564" y="6334780"/>
+            <a:ext cx="2856872" cy="523220"/>
           </a:xfrm>
           <a:prstGeom prst="rect">
             <a:avLst/>
@@ -5318,18 +5225,10 @@
           <a:lstStyle/>
           <a:p>
             <a:r>
-              <a:rPr lang="en-US" dirty="0" smtClean="0">
-                <a:solidFill>
-                  <a:schemeClr val="accent5"/>
-                </a:solidFill>
-              </a:rPr>
+              <a:rPr lang="en-US" sz="2800" dirty="0" smtClean="0"/>
               <a:t>[See: impact1.md]</a:t>
             </a:r>
-            <a:endParaRPr lang="en-US" dirty="0">
-              <a:solidFill>
-                <a:schemeClr val="accent5"/>
-              </a:solidFill>
-            </a:endParaRPr>
+            <a:endParaRPr lang="en-US" sz="2800" dirty="0"/>
           </a:p>
         </p:txBody>
       </p:sp>
@@ -5343,6 +5242,13 @@
   <p:clrMapOvr>
     <a:masterClrMapping/>
   </p:clrMapOvr>
+  <p:timing>
+    <p:tnLst>
+      <p:par>
+        <p:cTn id="1" dur="indefinite" restart="never" nodeType="tmRoot"/>
+      </p:par>
+    </p:tnLst>
+  </p:timing>
 </p:sld>
 </file>
 
@@ -5376,18 +5282,20 @@
         <p:spPr>
           <a:xfrm>
             <a:off x="603913" y="1361412"/>
-            <a:ext cx="5630839" cy="1325563"/>
-          </a:xfrm>
-        </p:spPr>
-        <p:txBody>
-          <a:bodyPr/>
-          <a:lstStyle/>
-          <a:p>
-            <a:r>
-              <a:rPr lang="en-US" dirty="0" smtClean="0"/>
+            <a:ext cx="6125500" cy="1325563"/>
+          </a:xfrm>
+        </p:spPr>
+        <p:txBody>
+          <a:bodyPr>
+            <a:noAutofit/>
+          </a:bodyPr>
+          <a:lstStyle/>
+          <a:p>
+            <a:r>
+              <a:rPr lang="en-US" sz="4800" dirty="0" smtClean="0"/>
               <a:t>institutional compliance</a:t>
             </a:r>
-            <a:endParaRPr lang="en-US" dirty="0"/>
+            <a:endParaRPr lang="en-US" sz="4800" dirty="0"/>
           </a:p>
         </p:txBody>
       </p:sp>
@@ -5401,8 +5309,8 @@
         </p:nvSpPr>
         <p:spPr>
           <a:xfrm>
-            <a:off x="5519262" y="4492375"/>
-            <a:ext cx="6078941" cy="1325563"/>
+            <a:off x="5000626" y="4492375"/>
+            <a:ext cx="6597578" cy="1325563"/>
           </a:xfrm>
           <a:prstGeom prst="rect">
             <a:avLst/>
@@ -5410,7 +5318,7 @@
         </p:spPr>
         <p:txBody>
           <a:bodyPr vert="horz" lIns="91440" tIns="45720" rIns="91440" bIns="45720" rtlCol="0" anchor="ctr">
-            <a:normAutofit/>
+            <a:noAutofit/>
           </a:bodyPr>
           <a:lstStyle>
             <a:lvl1pPr algn="l" defTabSz="914400" rtl="0" eaLnBrk="1" latinLnBrk="0" hangingPunct="1">
@@ -5433,14 +5341,14 @@
           </a:lstStyle>
           <a:p>
             <a:r>
-              <a:rPr lang="en-US" dirty="0"/>
+              <a:rPr lang="en-US" sz="4800" dirty="0"/>
               <a:t>e</a:t>
             </a:r>
             <a:r>
-              <a:rPr lang="en-US" dirty="0" smtClean="0"/>
+              <a:rPr lang="en-US" sz="4800" dirty="0" smtClean="0"/>
               <a:t>thics beyond compliance</a:t>
             </a:r>
-            <a:endParaRPr lang="en-US" dirty="0"/>
+            <a:endParaRPr lang="en-US" sz="4800" dirty="0"/>
           </a:p>
         </p:txBody>
       </p:sp>
@@ -5483,8 +5391,8 @@
         </p:nvSpPr>
         <p:spPr>
           <a:xfrm>
-            <a:off x="4943761" y="6356502"/>
-            <a:ext cx="1995354" cy="369332"/>
+            <a:off x="4594018" y="6334780"/>
+            <a:ext cx="3003964" cy="523220"/>
           </a:xfrm>
           <a:prstGeom prst="rect">
             <a:avLst/>
@@ -5497,18 +5405,10 @@
           <a:lstStyle/>
           <a:p>
             <a:r>
-              <a:rPr lang="en-US" dirty="0" smtClean="0">
-                <a:solidFill>
-                  <a:schemeClr val="accent5"/>
-                </a:solidFill>
-              </a:rPr>
+              <a:rPr lang="en-US" sz="2800" dirty="0" smtClean="0"/>
               <a:t>[See: README.MD]</a:t>
             </a:r>
-            <a:endParaRPr lang="en-US" dirty="0">
-              <a:solidFill>
-                <a:schemeClr val="accent5"/>
-              </a:solidFill>
-            </a:endParaRPr>
+            <a:endParaRPr lang="en-US" sz="2800" dirty="0"/>
           </a:p>
         </p:txBody>
       </p:sp>
@@ -5577,15 +5477,7 @@
             </a:r>
             <a:r>
               <a:rPr lang="en-US" sz="3200" smtClean="0"/>
-              <a:t>principle</a:t>
-            </a:r>
-            <a:r>
-              <a:rPr lang="en-US" sz="3200" smtClean="0"/>
-              <a:t>” </a:t>
-            </a:r>
-            <a:r>
-              <a:rPr lang="en-US" sz="3200" smtClean="0"/>
-              <a:t>(</a:t>
+              <a:t>principle” (</a:t>
             </a:r>
             <a:r>
               <a:rPr lang="en-US" sz="3200" dirty="0" smtClean="0"/>
@@ -5632,8 +5524,8 @@
         </p:nvSpPr>
         <p:spPr>
           <a:xfrm>
-            <a:off x="5118006" y="6299583"/>
-            <a:ext cx="1955985" cy="369332"/>
+            <a:off x="4667562" y="6291042"/>
+            <a:ext cx="2856872" cy="523220"/>
           </a:xfrm>
           <a:prstGeom prst="rect">
             <a:avLst/>
@@ -5646,34 +5538,10 @@
           <a:lstStyle/>
           <a:p>
             <a:r>
-              <a:rPr lang="en-US" dirty="0" smtClean="0">
-                <a:solidFill>
-                  <a:schemeClr val="accent5"/>
-                </a:solidFill>
-              </a:rPr>
-              <a:t>[See</a:t>
-            </a:r>
-            <a:r>
-              <a:rPr lang="en-US" smtClean="0">
-                <a:solidFill>
-                  <a:schemeClr val="accent5"/>
-                </a:solidFill>
-              </a:rPr>
-              <a:t>: impact1.md</a:t>
-            </a:r>
-            <a:r>
-              <a:rPr lang="en-US" dirty="0" smtClean="0">
-                <a:solidFill>
-                  <a:schemeClr val="accent5"/>
-                </a:solidFill>
-              </a:rPr>
-              <a:t>]</a:t>
-            </a:r>
-            <a:endParaRPr lang="en-US" dirty="0">
-              <a:solidFill>
-                <a:schemeClr val="accent5"/>
-              </a:solidFill>
-            </a:endParaRPr>
+              <a:rPr lang="en-US" sz="2800" dirty="0" smtClean="0"/>
+              <a:t>[See: impact1.md]</a:t>
+            </a:r>
+            <a:endParaRPr lang="en-US" sz="2800" dirty="0"/>
           </a:p>
         </p:txBody>
       </p:sp>
@@ -5757,6 +5625,13 @@
   <p:clrMapOvr>
     <a:masterClrMapping/>
   </p:clrMapOvr>
+  <p:timing>
+    <p:tnLst>
+      <p:par>
+        <p:cTn id="1" dur="indefinite" restart="never" nodeType="tmRoot"/>
+      </p:par>
+    </p:tnLst>
+  </p:timing>
 </p:sld>
 </file>
 
@@ -5816,8 +5691,8 @@
         </p:nvSpPr>
         <p:spPr>
           <a:xfrm>
-            <a:off x="4937221" y="6322027"/>
-            <a:ext cx="2317558" cy="369332"/>
+            <a:off x="4345200" y="6334780"/>
+            <a:ext cx="3501600" cy="523220"/>
           </a:xfrm>
           <a:prstGeom prst="rect">
             <a:avLst/>
@@ -5830,34 +5705,10 @@
           <a:lstStyle/>
           <a:p>
             <a:r>
-              <a:rPr lang="en-US" dirty="0" smtClean="0">
-                <a:solidFill>
-                  <a:schemeClr val="accent5"/>
-                </a:solidFill>
-              </a:rPr>
-              <a:t>[See</a:t>
-            </a:r>
-            <a:r>
-              <a:rPr lang="en-US" smtClean="0">
-                <a:solidFill>
-                  <a:schemeClr val="accent5"/>
-                </a:solidFill>
-              </a:rPr>
-              <a:t>: impact1cont.md</a:t>
-            </a:r>
-            <a:r>
-              <a:rPr lang="en-US" dirty="0" smtClean="0">
-                <a:solidFill>
-                  <a:schemeClr val="accent5"/>
-                </a:solidFill>
-              </a:rPr>
-              <a:t>]</a:t>
-            </a:r>
-            <a:endParaRPr lang="en-US" dirty="0">
-              <a:solidFill>
-                <a:schemeClr val="accent5"/>
-              </a:solidFill>
-            </a:endParaRPr>
+              <a:rPr lang="en-US" sz="2800" dirty="0" smtClean="0"/>
+              <a:t>[See: impact1cont.md]</a:t>
+            </a:r>
+            <a:endParaRPr lang="en-US" sz="2800" dirty="0"/>
           </a:p>
         </p:txBody>
       </p:sp>
@@ -5871,6 +5722,13 @@
   <p:clrMapOvr>
     <a:masterClrMapping/>
   </p:clrMapOvr>
+  <p:timing>
+    <p:tnLst>
+      <p:par>
+        <p:cTn id="1" dur="indefinite" restart="never" nodeType="tmRoot"/>
+      </p:par>
+    </p:tnLst>
+  </p:timing>
 </p:sld>
 </file>
 
@@ -5934,8 +5792,8 @@
         </p:nvSpPr>
         <p:spPr>
           <a:xfrm>
-            <a:off x="4937221" y="6322027"/>
-            <a:ext cx="2317558" cy="369332"/>
+            <a:off x="4345200" y="6334780"/>
+            <a:ext cx="3501600" cy="523220"/>
           </a:xfrm>
           <a:prstGeom prst="rect">
             <a:avLst/>
@@ -5948,18 +5806,10 @@
           <a:lstStyle/>
           <a:p>
             <a:r>
-              <a:rPr lang="en-US" dirty="0" smtClean="0">
-                <a:solidFill>
-                  <a:schemeClr val="accent5"/>
-                </a:solidFill>
-              </a:rPr>
+              <a:rPr lang="en-US" sz="2800" dirty="0" smtClean="0"/>
               <a:t>[See: impact1cont.md]</a:t>
             </a:r>
-            <a:endParaRPr lang="en-US" dirty="0">
-              <a:solidFill>
-                <a:schemeClr val="accent5"/>
-              </a:solidFill>
-            </a:endParaRPr>
+            <a:endParaRPr lang="en-US" sz="2800" dirty="0"/>
           </a:p>
         </p:txBody>
       </p:sp>
@@ -5973,6 +5823,13 @@
   <p:clrMapOvr>
     <a:masterClrMapping/>
   </p:clrMapOvr>
+  <p:timing>
+    <p:tnLst>
+      <p:par>
+        <p:cTn id="1" dur="indefinite" restart="never" nodeType="tmRoot"/>
+      </p:par>
+    </p:tnLst>
+  </p:timing>
 </p:sld>
 </file>
 
@@ -6365,8 +6222,8 @@
         </p:nvSpPr>
         <p:spPr>
           <a:xfrm>
-            <a:off x="4930871" y="6344289"/>
-            <a:ext cx="2317558" cy="369332"/>
+            <a:off x="4338850" y="6334780"/>
+            <a:ext cx="3501600" cy="523220"/>
           </a:xfrm>
           <a:prstGeom prst="rect">
             <a:avLst/>
@@ -6379,30 +6236,14 @@
           <a:lstStyle/>
           <a:p>
             <a:r>
-              <a:rPr lang="en-US" dirty="0" smtClean="0">
+              <a:rPr lang="en-US" sz="2800" dirty="0" smtClean="0">
                 <a:solidFill>
                   <a:schemeClr val="tx2"/>
                 </a:solidFill>
               </a:rPr>
-              <a:t>[See</a:t>
-            </a:r>
-            <a:r>
-              <a:rPr lang="en-US" smtClean="0">
-                <a:solidFill>
-                  <a:schemeClr val="tx2"/>
-                </a:solidFill>
-              </a:rPr>
-              <a:t>: impact1cont.md</a:t>
-            </a:r>
-            <a:r>
-              <a:rPr lang="en-US" dirty="0" smtClean="0">
-                <a:solidFill>
-                  <a:schemeClr val="tx2"/>
-                </a:solidFill>
-              </a:rPr>
-              <a:t>]</a:t>
-            </a:r>
-            <a:endParaRPr lang="en-US" dirty="0">
+              <a:t>[See: impact1cont.md]</a:t>
+            </a:r>
+            <a:endParaRPr lang="en-US" sz="2800" dirty="0">
               <a:solidFill>
                 <a:schemeClr val="tx2"/>
               </a:solidFill>
@@ -6420,6 +6261,13 @@
   <p:clrMapOvr>
     <a:masterClrMapping/>
   </p:clrMapOvr>
+  <p:timing>
+    <p:tnLst>
+      <p:par>
+        <p:cTn id="1" dur="indefinite" restart="never" nodeType="tmRoot"/>
+      </p:par>
+    </p:tnLst>
+  </p:timing>
 </p:sld>
 </file>
 
@@ -6493,11 +6341,7 @@
             </a:br>
             <a:r>
               <a:rPr lang="en-US" dirty="0" smtClean="0"/>
-              <a:t>the </a:t>
-            </a:r>
-            <a:r>
-              <a:rPr lang="en-US" dirty="0" smtClean="0"/>
-              <a:t>ramifications of (re)producing categories</a:t>
+              <a:t>the ramifications of (re)producing categories</a:t>
             </a:r>
             <a:endParaRPr lang="en-US" dirty="0"/>
           </a:p>
@@ -6511,8 +6355,8 @@
         </p:nvSpPr>
         <p:spPr>
           <a:xfrm>
-            <a:off x="5087138" y="6322027"/>
-            <a:ext cx="1903085" cy="369332"/>
+            <a:off x="4489931" y="6334780"/>
+            <a:ext cx="2856872" cy="523220"/>
           </a:xfrm>
           <a:prstGeom prst="rect">
             <a:avLst/>
@@ -6525,14 +6369,14 @@
           <a:lstStyle/>
           <a:p>
             <a:r>
-              <a:rPr lang="en-US" dirty="0" smtClean="0">
+              <a:rPr lang="en-US" sz="2800" dirty="0" smtClean="0">
                 <a:solidFill>
                   <a:schemeClr val="tx2"/>
                 </a:solidFill>
               </a:rPr>
               <a:t>[See: impact2.md]</a:t>
             </a:r>
-            <a:endParaRPr lang="en-US" dirty="0">
+            <a:endParaRPr lang="en-US" sz="2800" dirty="0">
               <a:solidFill>
                 <a:schemeClr val="tx2"/>
               </a:solidFill>
@@ -6550,6 +6394,13 @@
   <p:clrMapOvr>
     <a:masterClrMapping/>
   </p:clrMapOvr>
+  <p:timing>
+    <p:tnLst>
+      <p:par>
+        <p:cTn id="1" dur="indefinite" restart="never" nodeType="tmRoot"/>
+      </p:par>
+    </p:tnLst>
+  </p:timing>
 </p:sld>
 </file>
 
@@ -6644,8 +6495,8 @@
         </p:nvSpPr>
         <p:spPr>
           <a:xfrm>
-            <a:off x="5087138" y="6322027"/>
-            <a:ext cx="1903085" cy="369332"/>
+            <a:off x="4610245" y="6334780"/>
+            <a:ext cx="2856872" cy="523220"/>
           </a:xfrm>
           <a:prstGeom prst="rect">
             <a:avLst/>
@@ -6658,18 +6509,10 @@
           <a:lstStyle/>
           <a:p>
             <a:r>
-              <a:rPr lang="en-US" dirty="0" smtClean="0">
-                <a:solidFill>
-                  <a:schemeClr val="accent5"/>
-                </a:solidFill>
-              </a:rPr>
+              <a:rPr lang="en-US" sz="2800" dirty="0" smtClean="0"/>
               <a:t>[See: impact2.md]</a:t>
             </a:r>
-            <a:endParaRPr lang="en-US" dirty="0">
-              <a:solidFill>
-                <a:schemeClr val="accent5"/>
-              </a:solidFill>
-            </a:endParaRPr>
+            <a:endParaRPr lang="en-US" sz="2800" dirty="0"/>
           </a:p>
         </p:txBody>
       </p:sp>
@@ -6683,6 +6526,13 @@
   <p:clrMapOvr>
     <a:masterClrMapping/>
   </p:clrMapOvr>
+  <p:timing>
+    <p:tnLst>
+      <p:par>
+        <p:cTn id="1" dur="indefinite" restart="never" nodeType="tmRoot"/>
+      </p:par>
+    </p:tnLst>
+  </p:timing>
 </p:sld>
 </file>
 
@@ -6739,8 +6589,8 @@
         </p:nvSpPr>
         <p:spPr>
           <a:xfrm>
-            <a:off x="5087138" y="6322027"/>
-            <a:ext cx="1903085" cy="369332"/>
+            <a:off x="4724491" y="6334780"/>
+            <a:ext cx="2856872" cy="523220"/>
           </a:xfrm>
           <a:prstGeom prst="rect">
             <a:avLst/>
@@ -6753,34 +6603,10 @@
           <a:lstStyle/>
           <a:p>
             <a:r>
-              <a:rPr lang="en-US" dirty="0" smtClean="0">
-                <a:solidFill>
-                  <a:schemeClr val="accent5"/>
-                </a:solidFill>
-              </a:rPr>
-              <a:t>[See</a:t>
-            </a:r>
-            <a:r>
-              <a:rPr lang="en-US" smtClean="0">
-                <a:solidFill>
-                  <a:schemeClr val="accent5"/>
-                </a:solidFill>
-              </a:rPr>
-              <a:t>: impact2.md</a:t>
-            </a:r>
-            <a:r>
-              <a:rPr lang="en-US" dirty="0" smtClean="0">
-                <a:solidFill>
-                  <a:schemeClr val="accent5"/>
-                </a:solidFill>
-              </a:rPr>
-              <a:t>]</a:t>
-            </a:r>
-            <a:endParaRPr lang="en-US" dirty="0">
-              <a:solidFill>
-                <a:schemeClr val="accent5"/>
-              </a:solidFill>
-            </a:endParaRPr>
+              <a:rPr lang="en-US" sz="2800" dirty="0" smtClean="0"/>
+              <a:t>[See: impact2.md]</a:t>
+            </a:r>
+            <a:endParaRPr lang="en-US" sz="2800" dirty="0"/>
           </a:p>
         </p:txBody>
       </p:sp>
@@ -6794,6 +6620,13 @@
   <p:clrMapOvr>
     <a:masterClrMapping/>
   </p:clrMapOvr>
+  <p:timing>
+    <p:tnLst>
+      <p:par>
+        <p:cTn id="1" dur="indefinite" restart="never" nodeType="tmRoot"/>
+      </p:par>
+    </p:tnLst>
+  </p:timing>
 </p:sld>
 </file>
 
@@ -6853,8 +6686,8 @@
         </p:nvSpPr>
         <p:spPr>
           <a:xfrm>
-            <a:off x="5087138" y="6322027"/>
-            <a:ext cx="1903085" cy="369332"/>
+            <a:off x="4667564" y="6334780"/>
+            <a:ext cx="2856872" cy="523220"/>
           </a:xfrm>
           <a:prstGeom prst="rect">
             <a:avLst/>
@@ -6867,34 +6700,10 @@
           <a:lstStyle/>
           <a:p>
             <a:r>
-              <a:rPr lang="en-US" dirty="0" smtClean="0">
-                <a:solidFill>
-                  <a:schemeClr val="accent5"/>
-                </a:solidFill>
-              </a:rPr>
-              <a:t>[See</a:t>
-            </a:r>
-            <a:r>
-              <a:rPr lang="en-US" smtClean="0">
-                <a:solidFill>
-                  <a:schemeClr val="accent5"/>
-                </a:solidFill>
-              </a:rPr>
-              <a:t>: impact2.md</a:t>
-            </a:r>
-            <a:r>
-              <a:rPr lang="en-US" dirty="0" smtClean="0">
-                <a:solidFill>
-                  <a:schemeClr val="accent5"/>
-                </a:solidFill>
-              </a:rPr>
-              <a:t>]</a:t>
-            </a:r>
-            <a:endParaRPr lang="en-US" dirty="0">
-              <a:solidFill>
-                <a:schemeClr val="accent5"/>
-              </a:solidFill>
-            </a:endParaRPr>
+              <a:rPr lang="en-US" sz="2800" dirty="0" smtClean="0"/>
+              <a:t>[See: impact2.md]</a:t>
+            </a:r>
+            <a:endParaRPr lang="en-US" sz="2800" dirty="0"/>
           </a:p>
         </p:txBody>
       </p:sp>
@@ -6908,6 +6717,13 @@
   <p:clrMapOvr>
     <a:masterClrMapping/>
   </p:clrMapOvr>
+  <p:timing>
+    <p:tnLst>
+      <p:par>
+        <p:cTn id="1" dur="indefinite" restart="never" nodeType="tmRoot"/>
+      </p:par>
+    </p:tnLst>
+  </p:timing>
 </p:sld>
 </file>
 
@@ -6967,8 +6783,8 @@
         </p:nvSpPr>
         <p:spPr>
           <a:xfrm>
-            <a:off x="4937221" y="6338069"/>
-            <a:ext cx="2317558" cy="369332"/>
+            <a:off x="4345200" y="6334780"/>
+            <a:ext cx="3501600" cy="523220"/>
           </a:xfrm>
           <a:prstGeom prst="rect">
             <a:avLst/>
@@ -6981,34 +6797,10 @@
           <a:lstStyle/>
           <a:p>
             <a:r>
-              <a:rPr lang="en-US" dirty="0" smtClean="0">
-                <a:solidFill>
-                  <a:schemeClr val="accent5"/>
-                </a:solidFill>
-              </a:rPr>
-              <a:t>[See</a:t>
-            </a:r>
-            <a:r>
-              <a:rPr lang="en-US" smtClean="0">
-                <a:solidFill>
-                  <a:schemeClr val="accent5"/>
-                </a:solidFill>
-              </a:rPr>
-              <a:t>: impact2cont.md</a:t>
-            </a:r>
-            <a:r>
-              <a:rPr lang="en-US" dirty="0" smtClean="0">
-                <a:solidFill>
-                  <a:schemeClr val="accent5"/>
-                </a:solidFill>
-              </a:rPr>
-              <a:t>]</a:t>
-            </a:r>
-            <a:endParaRPr lang="en-US" dirty="0">
-              <a:solidFill>
-                <a:schemeClr val="accent5"/>
-              </a:solidFill>
-            </a:endParaRPr>
+              <a:rPr lang="en-US" sz="2800" dirty="0" smtClean="0"/>
+              <a:t>[See: impact2cont.md]</a:t>
+            </a:r>
+            <a:endParaRPr lang="en-US" sz="2800" dirty="0"/>
           </a:p>
         </p:txBody>
       </p:sp>
@@ -7022,6 +6814,13 @@
   <p:clrMapOvr>
     <a:masterClrMapping/>
   </p:clrMapOvr>
+  <p:timing>
+    <p:tnLst>
+      <p:par>
+        <p:cTn id="1" dur="indefinite" restart="never" nodeType="tmRoot"/>
+      </p:par>
+    </p:tnLst>
+  </p:timing>
 </p:sld>
 </file>
 
@@ -7149,8 +6948,8 @@
         </p:nvSpPr>
         <p:spPr>
           <a:xfrm>
-            <a:off x="4937221" y="6338069"/>
-            <a:ext cx="2317558" cy="369332"/>
+            <a:off x="4284213" y="6334780"/>
+            <a:ext cx="3501600" cy="523220"/>
           </a:xfrm>
           <a:prstGeom prst="rect">
             <a:avLst/>
@@ -7163,34 +6962,10 @@
           <a:lstStyle/>
           <a:p>
             <a:r>
-              <a:rPr lang="en-US" dirty="0" smtClean="0">
-                <a:solidFill>
-                  <a:schemeClr val="accent5"/>
-                </a:solidFill>
-              </a:rPr>
-              <a:t>[See</a:t>
-            </a:r>
-            <a:r>
-              <a:rPr lang="en-US" smtClean="0">
-                <a:solidFill>
-                  <a:schemeClr val="accent5"/>
-                </a:solidFill>
-              </a:rPr>
-              <a:t>: impact2cont.md</a:t>
-            </a:r>
-            <a:r>
-              <a:rPr lang="en-US" dirty="0" smtClean="0">
-                <a:solidFill>
-                  <a:schemeClr val="accent5"/>
-                </a:solidFill>
-              </a:rPr>
-              <a:t>]</a:t>
-            </a:r>
-            <a:endParaRPr lang="en-US" dirty="0">
-              <a:solidFill>
-                <a:schemeClr val="accent5"/>
-              </a:solidFill>
-            </a:endParaRPr>
+              <a:rPr lang="en-US" sz="2800" dirty="0" smtClean="0"/>
+              <a:t>[See: impact2cont.md]</a:t>
+            </a:r>
+            <a:endParaRPr lang="en-US" sz="2800" dirty="0"/>
           </a:p>
         </p:txBody>
       </p:sp>
@@ -7204,6 +6979,13 @@
   <p:clrMapOvr>
     <a:masterClrMapping/>
   </p:clrMapOvr>
+  <p:timing>
+    <p:tnLst>
+      <p:par>
+        <p:cTn id="1" dur="indefinite" restart="never" nodeType="tmRoot"/>
+      </p:par>
+    </p:tnLst>
+  </p:timing>
 </p:sld>
 </file>
 
@@ -7276,8 +7058,8 @@
         </p:nvSpPr>
         <p:spPr>
           <a:xfrm>
-            <a:off x="4943761" y="6356502"/>
-            <a:ext cx="2304477" cy="369332"/>
+            <a:off x="4247078" y="6334780"/>
+            <a:ext cx="3479479" cy="523220"/>
           </a:xfrm>
           <a:prstGeom prst="rect">
             <a:avLst/>
@@ -7290,34 +7072,18 @@
           <a:lstStyle/>
           <a:p>
             <a:r>
-              <a:rPr lang="en-US" dirty="0" smtClean="0">
-                <a:solidFill>
-                  <a:schemeClr val="accent5"/>
-                </a:solidFill>
-              </a:rPr>
+              <a:rPr lang="en-US" sz="2800" dirty="0" smtClean="0"/>
               <a:t>[See: </a:t>
             </a:r>
             <a:r>
-              <a:rPr lang="en-US" dirty="0" err="1" smtClean="0">
-                <a:solidFill>
-                  <a:schemeClr val="accent5"/>
-                </a:solidFill>
-              </a:rPr>
+              <a:rPr lang="en-US" sz="2800" dirty="0" err="1" smtClean="0"/>
               <a:t>introduction.md</a:t>
             </a:r>
             <a:r>
-              <a:rPr lang="en-US" dirty="0" smtClean="0">
-                <a:solidFill>
-                  <a:schemeClr val="accent5"/>
-                </a:solidFill>
-              </a:rPr>
+              <a:rPr lang="en-US" sz="2800" dirty="0" smtClean="0"/>
               <a:t>]</a:t>
             </a:r>
-            <a:endParaRPr lang="en-US" dirty="0">
-              <a:solidFill>
-                <a:schemeClr val="accent5"/>
-              </a:solidFill>
-            </a:endParaRPr>
+            <a:endParaRPr lang="en-US" sz="2800" dirty="0"/>
           </a:p>
         </p:txBody>
       </p:sp>
@@ -7331,6 +7097,13 @@
   <p:clrMapOvr>
     <a:masterClrMapping/>
   </p:clrMapOvr>
+  <p:timing>
+    <p:tnLst>
+      <p:par>
+        <p:cTn id="1" dur="indefinite" restart="never" nodeType="tmRoot"/>
+      </p:par>
+    </p:tnLst>
+  </p:timing>
 </p:sld>
 </file>
 
@@ -7394,8 +7167,8 @@
         </p:nvSpPr>
         <p:spPr>
           <a:xfrm>
-            <a:off x="4833212" y="6370153"/>
-            <a:ext cx="2317558" cy="369332"/>
+            <a:off x="3928984" y="6334780"/>
+            <a:ext cx="3501600" cy="523220"/>
           </a:xfrm>
           <a:prstGeom prst="rect">
             <a:avLst/>
@@ -7408,34 +7181,10 @@
           <a:lstStyle/>
           <a:p>
             <a:r>
-              <a:rPr lang="en-US" dirty="0" smtClean="0">
-                <a:solidFill>
-                  <a:schemeClr val="accent5"/>
-                </a:solidFill>
-              </a:rPr>
-              <a:t>[See</a:t>
-            </a:r>
-            <a:r>
-              <a:rPr lang="en-US" smtClean="0">
-                <a:solidFill>
-                  <a:schemeClr val="accent5"/>
-                </a:solidFill>
-              </a:rPr>
-              <a:t>: impact2cont.md</a:t>
-            </a:r>
-            <a:r>
-              <a:rPr lang="en-US" dirty="0" smtClean="0">
-                <a:solidFill>
-                  <a:schemeClr val="accent5"/>
-                </a:solidFill>
-              </a:rPr>
-              <a:t>]</a:t>
-            </a:r>
-            <a:endParaRPr lang="en-US" dirty="0">
-              <a:solidFill>
-                <a:schemeClr val="accent5"/>
-              </a:solidFill>
-            </a:endParaRPr>
+              <a:rPr lang="en-US" sz="2800" dirty="0" smtClean="0"/>
+              <a:t>[See: impact2cont.md]</a:t>
+            </a:r>
+            <a:endParaRPr lang="en-US" sz="2800" dirty="0"/>
           </a:p>
         </p:txBody>
       </p:sp>
@@ -7605,6 +7354,13 @@
   <p:clrMapOvr>
     <a:masterClrMapping/>
   </p:clrMapOvr>
+  <p:timing>
+    <p:tnLst>
+      <p:par>
+        <p:cTn id="1" dur="indefinite" restart="never" nodeType="tmRoot"/>
+      </p:par>
+    </p:tnLst>
+  </p:timing>
 </p:sld>
 </file>
 
@@ -7676,8 +7432,8 @@
         </p:nvSpPr>
         <p:spPr>
           <a:xfrm>
-            <a:off x="4937221" y="6338069"/>
-            <a:ext cx="2317558" cy="369332"/>
+            <a:off x="4345200" y="6334780"/>
+            <a:ext cx="3501600" cy="523220"/>
           </a:xfrm>
           <a:prstGeom prst="rect">
             <a:avLst/>
@@ -7690,34 +7446,10 @@
           <a:lstStyle/>
           <a:p>
             <a:r>
-              <a:rPr lang="en-US" dirty="0" smtClean="0">
-                <a:solidFill>
-                  <a:schemeClr val="accent5"/>
-                </a:solidFill>
-              </a:rPr>
-              <a:t>[See</a:t>
-            </a:r>
-            <a:r>
-              <a:rPr lang="en-US" smtClean="0">
-                <a:solidFill>
-                  <a:schemeClr val="accent5"/>
-                </a:solidFill>
-              </a:rPr>
-              <a:t>: impact2cont.md</a:t>
-            </a:r>
-            <a:r>
-              <a:rPr lang="en-US" dirty="0" smtClean="0">
-                <a:solidFill>
-                  <a:schemeClr val="accent5"/>
-                </a:solidFill>
-              </a:rPr>
-              <a:t>]</a:t>
-            </a:r>
-            <a:endParaRPr lang="en-US" dirty="0">
-              <a:solidFill>
-                <a:schemeClr val="accent5"/>
-              </a:solidFill>
-            </a:endParaRPr>
+              <a:rPr lang="en-US" sz="2800" dirty="0" smtClean="0"/>
+              <a:t>[See: impact2cont.md]</a:t>
+            </a:r>
+            <a:endParaRPr lang="en-US" sz="2800" dirty="0"/>
           </a:p>
         </p:txBody>
       </p:sp>
@@ -7731,6 +7463,13 @@
   <p:clrMapOvr>
     <a:masterClrMapping/>
   </p:clrMapOvr>
+  <p:timing>
+    <p:tnLst>
+      <p:par>
+        <p:cTn id="1" dur="indefinite" restart="never" nodeType="tmRoot"/>
+      </p:par>
+    </p:tnLst>
+  </p:timing>
 </p:sld>
 </file>
 
@@ -7975,10 +7714,6 @@
               <a:rPr lang="en-US" sz="3200" dirty="0" smtClean="0"/>
               <a:t>” (Joyner 2016)?</a:t>
             </a:r>
-            <a:r>
-              <a:rPr lang="en-US" sz="3200" dirty="0" smtClean="0"/>
-              <a:t/>
-            </a:r>
             <a:br>
               <a:rPr lang="en-US" sz="3200" dirty="0" smtClean="0"/>
             </a:br>
@@ -8031,8 +7766,8 @@
         </p:nvSpPr>
         <p:spPr>
           <a:xfrm>
-            <a:off x="4930871" y="6344289"/>
-            <a:ext cx="2317558" cy="369332"/>
+            <a:off x="4338850" y="6334780"/>
+            <a:ext cx="3501600" cy="523220"/>
           </a:xfrm>
           <a:prstGeom prst="rect">
             <a:avLst/>
@@ -8045,30 +7780,14 @@
           <a:lstStyle/>
           <a:p>
             <a:r>
-              <a:rPr lang="en-US" dirty="0" smtClean="0">
+              <a:rPr lang="en-US" sz="2800" dirty="0" smtClean="0">
                 <a:solidFill>
                   <a:schemeClr val="tx2"/>
                 </a:solidFill>
               </a:rPr>
-              <a:t>[See: </a:t>
-            </a:r>
-            <a:r>
-              <a:rPr lang="en-US" dirty="0" smtClean="0">
-                <a:solidFill>
-                  <a:schemeClr val="tx2"/>
-                </a:solidFill>
-              </a:rPr>
-              <a:t>impact2cont.md</a:t>
-            </a:r>
-            <a:r>
-              <a:rPr lang="en-US" dirty="0" smtClean="0">
-                <a:solidFill>
-                  <a:schemeClr val="tx2"/>
-                </a:solidFill>
-              </a:rPr>
-              <a:t>]</a:t>
-            </a:r>
-            <a:endParaRPr lang="en-US" dirty="0">
+              <a:t>[See: impact2cont.md]</a:t>
+            </a:r>
+            <a:endParaRPr lang="en-US" sz="2800" dirty="0">
               <a:solidFill>
                 <a:schemeClr val="tx2"/>
               </a:solidFill>
@@ -8086,6 +7805,13 @@
   <p:clrMapOvr>
     <a:masterClrMapping/>
   </p:clrMapOvr>
+  <p:timing>
+    <p:tnLst>
+      <p:par>
+        <p:cTn id="1" dur="indefinite" restart="never" nodeType="tmRoot"/>
+      </p:par>
+    </p:tnLst>
+  </p:timing>
 </p:sld>
 </file>
 
@@ -8172,8 +7898,8 @@
         </p:nvSpPr>
         <p:spPr>
           <a:xfrm>
-            <a:off x="5087138" y="6322027"/>
-            <a:ext cx="1903085" cy="369332"/>
+            <a:off x="4489931" y="6334780"/>
+            <a:ext cx="2856872" cy="523220"/>
           </a:xfrm>
           <a:prstGeom prst="rect">
             <a:avLst/>
@@ -8186,14 +7912,14 @@
           <a:lstStyle/>
           <a:p>
             <a:r>
-              <a:rPr lang="en-US" dirty="0" smtClean="0">
+              <a:rPr lang="en-US" sz="2800" dirty="0" smtClean="0">
                 <a:solidFill>
                   <a:schemeClr val="tx2"/>
                 </a:solidFill>
               </a:rPr>
               <a:t>[See: impact3.md]</a:t>
             </a:r>
-            <a:endParaRPr lang="en-US" dirty="0">
+            <a:endParaRPr lang="en-US" sz="2800" dirty="0">
               <a:solidFill>
                 <a:schemeClr val="tx2"/>
               </a:solidFill>
@@ -8211,6 +7937,13 @@
   <p:clrMapOvr>
     <a:masterClrMapping/>
   </p:clrMapOvr>
+  <p:timing>
+    <p:tnLst>
+      <p:par>
+        <p:cTn id="1" dur="indefinite" restart="never" nodeType="tmRoot"/>
+      </p:par>
+    </p:tnLst>
+  </p:timing>
 </p:sld>
 </file>
 
@@ -8326,8 +8059,8 @@
         </p:nvSpPr>
         <p:spPr>
           <a:xfrm>
-            <a:off x="4937221" y="6338069"/>
-            <a:ext cx="1903085" cy="369332"/>
+            <a:off x="4667564" y="6334780"/>
+            <a:ext cx="2856872" cy="523220"/>
           </a:xfrm>
           <a:prstGeom prst="rect">
             <a:avLst/>
@@ -8340,18 +8073,10 @@
           <a:lstStyle/>
           <a:p>
             <a:r>
-              <a:rPr lang="en-US" dirty="0" smtClean="0">
-                <a:solidFill>
-                  <a:schemeClr val="accent5"/>
-                </a:solidFill>
-              </a:rPr>
+              <a:rPr lang="en-US" sz="2800" dirty="0" smtClean="0"/>
               <a:t>[See: impact3.md]</a:t>
             </a:r>
-            <a:endParaRPr lang="en-US" dirty="0">
-              <a:solidFill>
-                <a:schemeClr val="accent5"/>
-              </a:solidFill>
-            </a:endParaRPr>
+            <a:endParaRPr lang="en-US" sz="2800" dirty="0"/>
           </a:p>
         </p:txBody>
       </p:sp>
@@ -8365,6 +8090,13 @@
   <p:clrMapOvr>
     <a:masterClrMapping/>
   </p:clrMapOvr>
+  <p:timing>
+    <p:tnLst>
+      <p:par>
+        <p:cTn id="1" dur="indefinite" restart="never" nodeType="tmRoot"/>
+      </p:par>
+    </p:tnLst>
+  </p:timing>
 </p:sld>
 </file>
 
@@ -8452,8 +8184,8 @@
         </p:nvSpPr>
         <p:spPr>
           <a:xfrm>
-            <a:off x="4937221" y="6338069"/>
-            <a:ext cx="1903085" cy="369332"/>
+            <a:off x="4667564" y="6334780"/>
+            <a:ext cx="2856872" cy="523220"/>
           </a:xfrm>
           <a:prstGeom prst="rect">
             <a:avLst/>
@@ -8466,18 +8198,10 @@
           <a:lstStyle/>
           <a:p>
             <a:r>
-              <a:rPr lang="en-US" dirty="0" smtClean="0">
-                <a:solidFill>
-                  <a:schemeClr val="accent5"/>
-                </a:solidFill>
-              </a:rPr>
+              <a:rPr lang="en-US" sz="2800" dirty="0" smtClean="0"/>
               <a:t>[See: impact3.md]</a:t>
             </a:r>
-            <a:endParaRPr lang="en-US" dirty="0">
-              <a:solidFill>
-                <a:schemeClr val="accent5"/>
-              </a:solidFill>
-            </a:endParaRPr>
+            <a:endParaRPr lang="en-US" sz="2800" dirty="0"/>
           </a:p>
         </p:txBody>
       </p:sp>
@@ -8491,6 +8215,13 @@
   <p:clrMapOvr>
     <a:masterClrMapping/>
   </p:clrMapOvr>
+  <p:timing>
+    <p:tnLst>
+      <p:par>
+        <p:cTn id="1" dur="indefinite" restart="never" nodeType="tmRoot"/>
+      </p:par>
+    </p:tnLst>
+  </p:timing>
 </p:sld>
 </file>
 
@@ -8566,8 +8297,8 @@
         </p:nvSpPr>
         <p:spPr>
           <a:xfrm>
-            <a:off x="4937221" y="6338069"/>
-            <a:ext cx="1903085" cy="369332"/>
+            <a:off x="4667564" y="6334780"/>
+            <a:ext cx="2856872" cy="523220"/>
           </a:xfrm>
           <a:prstGeom prst="rect">
             <a:avLst/>
@@ -8580,18 +8311,10 @@
           <a:lstStyle/>
           <a:p>
             <a:r>
-              <a:rPr lang="en-US" dirty="0" smtClean="0">
-                <a:solidFill>
-                  <a:schemeClr val="accent5"/>
-                </a:solidFill>
-              </a:rPr>
+              <a:rPr lang="en-US" sz="2800" dirty="0" smtClean="0"/>
               <a:t>[See: impact3.md]</a:t>
             </a:r>
-            <a:endParaRPr lang="en-US" dirty="0">
-              <a:solidFill>
-                <a:schemeClr val="accent5"/>
-              </a:solidFill>
-            </a:endParaRPr>
+            <a:endParaRPr lang="en-US" sz="2800" dirty="0"/>
           </a:p>
         </p:txBody>
       </p:sp>
@@ -8605,6 +8328,13 @@
   <p:clrMapOvr>
     <a:masterClrMapping/>
   </p:clrMapOvr>
+  <p:timing>
+    <p:tnLst>
+      <p:par>
+        <p:cTn id="1" dur="indefinite" restart="never" nodeType="tmRoot"/>
+      </p:par>
+    </p:tnLst>
+  </p:timing>
 </p:sld>
 </file>
 
@@ -8687,8 +8417,8 @@
         </p:nvSpPr>
         <p:spPr>
           <a:xfrm>
-            <a:off x="5144456" y="6300814"/>
-            <a:ext cx="1903085" cy="369332"/>
+            <a:off x="4667564" y="6320477"/>
+            <a:ext cx="2856872" cy="523220"/>
           </a:xfrm>
           <a:prstGeom prst="rect">
             <a:avLst/>
@@ -8701,34 +8431,10 @@
           <a:lstStyle/>
           <a:p>
             <a:r>
-              <a:rPr lang="en-US" dirty="0" smtClean="0">
-                <a:solidFill>
-                  <a:schemeClr val="accent5"/>
-                </a:solidFill>
-              </a:rPr>
-              <a:t>[See</a:t>
-            </a:r>
-            <a:r>
-              <a:rPr lang="en-US" smtClean="0">
-                <a:solidFill>
-                  <a:schemeClr val="accent5"/>
-                </a:solidFill>
-              </a:rPr>
-              <a:t>: impact3.md</a:t>
-            </a:r>
-            <a:r>
-              <a:rPr lang="en-US" dirty="0" smtClean="0">
-                <a:solidFill>
-                  <a:schemeClr val="accent5"/>
-                </a:solidFill>
-              </a:rPr>
-              <a:t>]</a:t>
-            </a:r>
-            <a:endParaRPr lang="en-US" dirty="0">
-              <a:solidFill>
-                <a:schemeClr val="accent5"/>
-              </a:solidFill>
-            </a:endParaRPr>
+              <a:rPr lang="en-US" sz="2800" dirty="0" smtClean="0"/>
+              <a:t>[See: impact3.md]</a:t>
+            </a:r>
+            <a:endParaRPr lang="en-US" sz="2800" dirty="0"/>
           </a:p>
         </p:txBody>
       </p:sp>
@@ -8799,6 +8505,13 @@
   <p:clrMapOvr>
     <a:masterClrMapping/>
   </p:clrMapOvr>
+  <p:timing>
+    <p:tnLst>
+      <p:par>
+        <p:cTn id="1" dur="indefinite" restart="never" nodeType="tmRoot"/>
+      </p:par>
+    </p:tnLst>
+  </p:timing>
 </p:sld>
 </file>
 
@@ -9015,8 +8728,8 @@
         </p:nvSpPr>
         <p:spPr>
           <a:xfrm>
-            <a:off x="5138107" y="6360332"/>
-            <a:ext cx="1903085" cy="369332"/>
+            <a:off x="4661214" y="6334780"/>
+            <a:ext cx="2856872" cy="523220"/>
           </a:xfrm>
           <a:prstGeom prst="rect">
             <a:avLst/>
@@ -9029,30 +8742,14 @@
           <a:lstStyle/>
           <a:p>
             <a:r>
-              <a:rPr lang="en-US" dirty="0" smtClean="0">
+              <a:rPr lang="en-US" sz="2800" dirty="0" smtClean="0">
                 <a:solidFill>
                   <a:schemeClr val="tx2"/>
                 </a:solidFill>
               </a:rPr>
-              <a:t>[See</a:t>
-            </a:r>
-            <a:r>
-              <a:rPr lang="en-US" smtClean="0">
-                <a:solidFill>
-                  <a:schemeClr val="tx2"/>
-                </a:solidFill>
-              </a:rPr>
-              <a:t>: impact3.md</a:t>
-            </a:r>
-            <a:r>
-              <a:rPr lang="en-US" dirty="0" smtClean="0">
-                <a:solidFill>
-                  <a:schemeClr val="tx2"/>
-                </a:solidFill>
-              </a:rPr>
-              <a:t>]</a:t>
-            </a:r>
-            <a:endParaRPr lang="en-US" dirty="0">
+              <a:t>[See: impact3.md]</a:t>
+            </a:r>
+            <a:endParaRPr lang="en-US" sz="2800" dirty="0">
               <a:solidFill>
                 <a:schemeClr val="tx2"/>
               </a:solidFill>
@@ -9070,6 +8767,13 @@
   <p:clrMapOvr>
     <a:masterClrMapping/>
   </p:clrMapOvr>
+  <p:timing>
+    <p:tnLst>
+      <p:par>
+        <p:cTn id="1" dur="indefinite" restart="never" nodeType="tmRoot"/>
+      </p:par>
+    </p:tnLst>
+  </p:timing>
 </p:sld>
 </file>
 
@@ -9153,8 +8857,8 @@
         </p:nvSpPr>
         <p:spPr>
           <a:xfrm>
-            <a:off x="5082272" y="6338070"/>
-            <a:ext cx="1672189" cy="369332"/>
+            <a:off x="4671295" y="6334780"/>
+            <a:ext cx="2494144" cy="523220"/>
           </a:xfrm>
           <a:prstGeom prst="rect">
             <a:avLst/>
@@ -9167,34 +8871,18 @@
           <a:lstStyle/>
           <a:p>
             <a:r>
-              <a:rPr lang="en-US" dirty="0" smtClean="0">
-                <a:solidFill>
-                  <a:schemeClr val="tx2"/>
-                </a:solidFill>
-              </a:rPr>
+              <a:rPr lang="en-US" sz="2800" dirty="0" smtClean="0"/>
               <a:t>[See: </a:t>
             </a:r>
             <a:r>
-              <a:rPr lang="en-US" dirty="0" err="1" smtClean="0">
-                <a:solidFill>
-                  <a:schemeClr val="tx2"/>
-                </a:solidFill>
-              </a:rPr>
+              <a:rPr lang="en-US" sz="2800" dirty="0" err="1" smtClean="0"/>
               <a:t>range.md</a:t>
             </a:r>
             <a:r>
-              <a:rPr lang="en-US" dirty="0" smtClean="0">
-                <a:solidFill>
-                  <a:schemeClr val="tx2"/>
-                </a:solidFill>
-              </a:rPr>
+              <a:rPr lang="en-US" sz="2800" dirty="0" smtClean="0"/>
               <a:t>]</a:t>
             </a:r>
-            <a:endParaRPr lang="en-US" dirty="0">
-              <a:solidFill>
-                <a:schemeClr val="tx2"/>
-              </a:solidFill>
-            </a:endParaRPr>
+            <a:endParaRPr lang="en-US" sz="2800" dirty="0"/>
           </a:p>
         </p:txBody>
       </p:sp>
@@ -9208,6 +8896,13 @@
   <p:clrMapOvr>
     <a:masterClrMapping/>
   </p:clrMapOvr>
+  <p:timing>
+    <p:tnLst>
+      <p:par>
+        <p:cTn id="1" dur="indefinite" restart="never" nodeType="tmRoot"/>
+      </p:par>
+    </p:tnLst>
+  </p:timing>
 </p:sld>
 </file>
 
@@ -9259,8 +8954,8 @@
         </p:nvSpPr>
         <p:spPr>
           <a:xfrm>
-            <a:off x="4943761" y="6356502"/>
-            <a:ext cx="2304477" cy="369332"/>
+            <a:off x="4356260" y="6334780"/>
+            <a:ext cx="3479479" cy="523220"/>
           </a:xfrm>
           <a:prstGeom prst="rect">
             <a:avLst/>
@@ -9273,34 +8968,18 @@
           <a:lstStyle/>
           <a:p>
             <a:r>
-              <a:rPr lang="en-US" dirty="0" smtClean="0">
-                <a:solidFill>
-                  <a:schemeClr val="accent5"/>
-                </a:solidFill>
-              </a:rPr>
+              <a:rPr lang="en-US" sz="2800" dirty="0" smtClean="0"/>
               <a:t>[See: </a:t>
             </a:r>
             <a:r>
-              <a:rPr lang="en-US" dirty="0" err="1" smtClean="0">
-                <a:solidFill>
-                  <a:schemeClr val="accent5"/>
-                </a:solidFill>
-              </a:rPr>
+              <a:rPr lang="en-US" sz="2800" dirty="0" err="1" smtClean="0"/>
               <a:t>introduction.md</a:t>
             </a:r>
             <a:r>
-              <a:rPr lang="en-US" dirty="0" smtClean="0">
-                <a:solidFill>
-                  <a:schemeClr val="accent5"/>
-                </a:solidFill>
-              </a:rPr>
+              <a:rPr lang="en-US" sz="2800" dirty="0" smtClean="0"/>
               <a:t>]</a:t>
             </a:r>
-            <a:endParaRPr lang="en-US" dirty="0">
-              <a:solidFill>
-                <a:schemeClr val="accent5"/>
-              </a:solidFill>
-            </a:endParaRPr>
+            <a:endParaRPr lang="en-US" sz="2800" dirty="0"/>
           </a:p>
         </p:txBody>
       </p:sp>
@@ -9314,6 +8993,13 @@
   <p:clrMapOvr>
     <a:masterClrMapping/>
   </p:clrMapOvr>
+  <p:timing>
+    <p:tnLst>
+      <p:par>
+        <p:cTn id="1" dur="indefinite" restart="never" nodeType="tmRoot"/>
+      </p:par>
+    </p:tnLst>
+  </p:timing>
 </p:sld>
 </file>
 
@@ -9388,8 +9074,8 @@
         </p:nvSpPr>
         <p:spPr>
           <a:xfrm>
-            <a:off x="5259905" y="6338069"/>
-            <a:ext cx="1672189" cy="369332"/>
+            <a:off x="4848928" y="6334780"/>
+            <a:ext cx="2494144" cy="523220"/>
           </a:xfrm>
           <a:prstGeom prst="rect">
             <a:avLst/>
@@ -9402,34 +9088,18 @@
           <a:lstStyle/>
           <a:p>
             <a:r>
-              <a:rPr lang="en-US" dirty="0" smtClean="0">
-                <a:solidFill>
-                  <a:schemeClr val="accent5"/>
-                </a:solidFill>
-              </a:rPr>
+              <a:rPr lang="en-US" sz="2800" dirty="0" smtClean="0"/>
               <a:t>[See: </a:t>
             </a:r>
             <a:r>
-              <a:rPr lang="en-US" dirty="0" err="1" smtClean="0">
-                <a:solidFill>
-                  <a:schemeClr val="accent5"/>
-                </a:solidFill>
-              </a:rPr>
+              <a:rPr lang="en-US" sz="2800" dirty="0" err="1" smtClean="0"/>
               <a:t>range.md</a:t>
             </a:r>
             <a:r>
-              <a:rPr lang="en-US" dirty="0" smtClean="0">
-                <a:solidFill>
-                  <a:schemeClr val="accent5"/>
-                </a:solidFill>
-              </a:rPr>
+              <a:rPr lang="en-US" sz="2800" dirty="0" smtClean="0"/>
               <a:t>]</a:t>
             </a:r>
-            <a:endParaRPr lang="en-US" dirty="0">
-              <a:solidFill>
-                <a:schemeClr val="accent5"/>
-              </a:solidFill>
-            </a:endParaRPr>
+            <a:endParaRPr lang="en-US" sz="2800" dirty="0"/>
           </a:p>
         </p:txBody>
       </p:sp>
@@ -9443,6 +9113,13 @@
   <p:clrMapOvr>
     <a:masterClrMapping/>
   </p:clrMapOvr>
+  <p:timing>
+    <p:tnLst>
+      <p:par>
+        <p:cTn id="1" dur="indefinite" restart="never" nodeType="tmRoot"/>
+      </p:par>
+    </p:tnLst>
+  </p:timing>
 </p:sld>
 </file>
 
@@ -9502,8 +9179,8 @@
         </p:nvSpPr>
         <p:spPr>
           <a:xfrm>
-            <a:off x="5259905" y="6338069"/>
-            <a:ext cx="1672189" cy="369332"/>
+            <a:off x="4848928" y="6334780"/>
+            <a:ext cx="2494144" cy="523220"/>
           </a:xfrm>
           <a:prstGeom prst="rect">
             <a:avLst/>
@@ -9516,34 +9193,18 @@
           <a:lstStyle/>
           <a:p>
             <a:r>
-              <a:rPr lang="en-US" dirty="0" smtClean="0">
-                <a:solidFill>
-                  <a:schemeClr val="accent5"/>
-                </a:solidFill>
-              </a:rPr>
+              <a:rPr lang="en-US" sz="2800" dirty="0" smtClean="0"/>
               <a:t>[See: </a:t>
             </a:r>
             <a:r>
-              <a:rPr lang="en-US" dirty="0" err="1" smtClean="0">
-                <a:solidFill>
-                  <a:schemeClr val="accent5"/>
-                </a:solidFill>
-              </a:rPr>
+              <a:rPr lang="en-US" sz="2800" dirty="0" err="1" smtClean="0"/>
               <a:t>range.md</a:t>
             </a:r>
             <a:r>
-              <a:rPr lang="en-US" dirty="0" smtClean="0">
-                <a:solidFill>
-                  <a:schemeClr val="accent5"/>
-                </a:solidFill>
-              </a:rPr>
+              <a:rPr lang="en-US" sz="2800" dirty="0" smtClean="0"/>
               <a:t>]</a:t>
             </a:r>
-            <a:endParaRPr lang="en-US" dirty="0">
-              <a:solidFill>
-                <a:schemeClr val="accent5"/>
-              </a:solidFill>
-            </a:endParaRPr>
+            <a:endParaRPr lang="en-US" sz="2800" dirty="0"/>
           </a:p>
         </p:txBody>
       </p:sp>
@@ -9557,6 +9218,13 @@
   <p:clrMapOvr>
     <a:masterClrMapping/>
   </p:clrMapOvr>
+  <p:timing>
+    <p:tnLst>
+      <p:par>
+        <p:cTn id="1" dur="indefinite" restart="never" nodeType="tmRoot"/>
+      </p:par>
+    </p:tnLst>
+  </p:timing>
 </p:sld>
 </file>
 
@@ -9616,8 +9284,8 @@
         </p:nvSpPr>
         <p:spPr>
           <a:xfrm>
-            <a:off x="5259905" y="6338069"/>
-            <a:ext cx="1672189" cy="369332"/>
+            <a:off x="4848928" y="6334780"/>
+            <a:ext cx="2494144" cy="523220"/>
           </a:xfrm>
           <a:prstGeom prst="rect">
             <a:avLst/>
@@ -9630,34 +9298,18 @@
           <a:lstStyle/>
           <a:p>
             <a:r>
-              <a:rPr lang="en-US" dirty="0" smtClean="0">
-                <a:solidFill>
-                  <a:schemeClr val="accent5"/>
-                </a:solidFill>
-              </a:rPr>
+              <a:rPr lang="en-US" sz="2800" dirty="0" smtClean="0"/>
               <a:t>[See: </a:t>
             </a:r>
             <a:r>
-              <a:rPr lang="en-US" dirty="0" err="1" smtClean="0">
-                <a:solidFill>
-                  <a:schemeClr val="accent5"/>
-                </a:solidFill>
-              </a:rPr>
+              <a:rPr lang="en-US" sz="2800" dirty="0" err="1" smtClean="0"/>
               <a:t>range.md</a:t>
             </a:r>
             <a:r>
-              <a:rPr lang="en-US" dirty="0" smtClean="0">
-                <a:solidFill>
-                  <a:schemeClr val="accent5"/>
-                </a:solidFill>
-              </a:rPr>
+              <a:rPr lang="en-US" sz="2800" dirty="0" smtClean="0"/>
               <a:t>]</a:t>
             </a:r>
-            <a:endParaRPr lang="en-US" dirty="0">
-              <a:solidFill>
-                <a:schemeClr val="accent5"/>
-              </a:solidFill>
-            </a:endParaRPr>
+            <a:endParaRPr lang="en-US" sz="2800" dirty="0"/>
           </a:p>
         </p:txBody>
       </p:sp>
@@ -9671,6 +9323,13 @@
   <p:clrMapOvr>
     <a:masterClrMapping/>
   </p:clrMapOvr>
+  <p:timing>
+    <p:tnLst>
+      <p:par>
+        <p:cTn id="1" dur="indefinite" restart="never" nodeType="tmRoot"/>
+      </p:par>
+    </p:tnLst>
+  </p:timing>
 </p:sld>
 </file>
 
@@ -9730,8 +9389,8 @@
         </p:nvSpPr>
         <p:spPr>
           <a:xfrm>
-            <a:off x="5259905" y="6338069"/>
-            <a:ext cx="1672189" cy="369332"/>
+            <a:off x="4848928" y="6334780"/>
+            <a:ext cx="2494144" cy="523220"/>
           </a:xfrm>
           <a:prstGeom prst="rect">
             <a:avLst/>
@@ -9744,34 +9403,18 @@
           <a:lstStyle/>
           <a:p>
             <a:r>
-              <a:rPr lang="en-US" dirty="0" smtClean="0">
-                <a:solidFill>
-                  <a:schemeClr val="accent5"/>
-                </a:solidFill>
-              </a:rPr>
+              <a:rPr lang="en-US" sz="2800" dirty="0" smtClean="0"/>
               <a:t>[See: </a:t>
             </a:r>
             <a:r>
-              <a:rPr lang="en-US" dirty="0" err="1" smtClean="0">
-                <a:solidFill>
-                  <a:schemeClr val="accent5"/>
-                </a:solidFill>
-              </a:rPr>
+              <a:rPr lang="en-US" sz="2800" dirty="0" err="1" smtClean="0"/>
               <a:t>range.md</a:t>
             </a:r>
             <a:r>
-              <a:rPr lang="en-US" dirty="0" smtClean="0">
-                <a:solidFill>
-                  <a:schemeClr val="accent5"/>
-                </a:solidFill>
-              </a:rPr>
+              <a:rPr lang="en-US" sz="2800" dirty="0" smtClean="0"/>
               <a:t>]</a:t>
             </a:r>
-            <a:endParaRPr lang="en-US" dirty="0">
-              <a:solidFill>
-                <a:schemeClr val="accent5"/>
-              </a:solidFill>
-            </a:endParaRPr>
+            <a:endParaRPr lang="en-US" sz="2800" dirty="0"/>
           </a:p>
         </p:txBody>
       </p:sp>
@@ -9785,6 +9428,13 @@
   <p:clrMapOvr>
     <a:masterClrMapping/>
   </p:clrMapOvr>
+  <p:timing>
+    <p:tnLst>
+      <p:par>
+        <p:cTn id="1" dur="indefinite" restart="never" nodeType="tmRoot"/>
+      </p:par>
+    </p:tnLst>
+  </p:timing>
 </p:sld>
 </file>
 
@@ -9860,8 +9510,8 @@
         </p:nvSpPr>
         <p:spPr>
           <a:xfrm>
-            <a:off x="5259905" y="6338069"/>
-            <a:ext cx="1672189" cy="369332"/>
+            <a:off x="4848928" y="6334780"/>
+            <a:ext cx="2494144" cy="523220"/>
           </a:xfrm>
           <a:prstGeom prst="rect">
             <a:avLst/>
@@ -9874,34 +9524,18 @@
           <a:lstStyle/>
           <a:p>
             <a:r>
-              <a:rPr lang="en-US" dirty="0" smtClean="0">
-                <a:solidFill>
-                  <a:schemeClr val="accent5"/>
-                </a:solidFill>
-              </a:rPr>
+              <a:rPr lang="en-US" sz="2800" dirty="0" smtClean="0"/>
               <a:t>[See: </a:t>
             </a:r>
             <a:r>
-              <a:rPr lang="en-US" dirty="0" err="1" smtClean="0">
-                <a:solidFill>
-                  <a:schemeClr val="accent5"/>
-                </a:solidFill>
-              </a:rPr>
+              <a:rPr lang="en-US" sz="2800" dirty="0" err="1" smtClean="0"/>
               <a:t>range.md</a:t>
             </a:r>
             <a:r>
-              <a:rPr lang="en-US" dirty="0" smtClean="0">
-                <a:solidFill>
-                  <a:schemeClr val="accent5"/>
-                </a:solidFill>
-              </a:rPr>
+              <a:rPr lang="en-US" sz="2800" dirty="0" smtClean="0"/>
               <a:t>]</a:t>
             </a:r>
-            <a:endParaRPr lang="en-US" dirty="0">
-              <a:solidFill>
-                <a:schemeClr val="accent5"/>
-              </a:solidFill>
-            </a:endParaRPr>
+            <a:endParaRPr lang="en-US" sz="2800" dirty="0"/>
           </a:p>
         </p:txBody>
       </p:sp>
@@ -9915,6 +9549,13 @@
   <p:clrMapOvr>
     <a:masterClrMapping/>
   </p:clrMapOvr>
+  <p:timing>
+    <p:tnLst>
+      <p:par>
+        <p:cTn id="1" dur="indefinite" restart="never" nodeType="tmRoot"/>
+      </p:par>
+    </p:tnLst>
+  </p:timing>
 </p:sld>
 </file>
 
@@ -9974,8 +9615,8 @@
         </p:nvSpPr>
         <p:spPr>
           <a:xfrm>
-            <a:off x="5259905" y="6338069"/>
-            <a:ext cx="1672189" cy="369332"/>
+            <a:off x="4848928" y="6334780"/>
+            <a:ext cx="2494144" cy="523220"/>
           </a:xfrm>
           <a:prstGeom prst="rect">
             <a:avLst/>
@@ -9988,34 +9629,18 @@
           <a:lstStyle/>
           <a:p>
             <a:r>
-              <a:rPr lang="en-US" dirty="0" smtClean="0">
-                <a:solidFill>
-                  <a:schemeClr val="accent5"/>
-                </a:solidFill>
-              </a:rPr>
+              <a:rPr lang="en-US" sz="2800" dirty="0" smtClean="0"/>
               <a:t>[See: </a:t>
             </a:r>
             <a:r>
-              <a:rPr lang="en-US" dirty="0" err="1" smtClean="0">
-                <a:solidFill>
-                  <a:schemeClr val="accent5"/>
-                </a:solidFill>
-              </a:rPr>
+              <a:rPr lang="en-US" sz="2800" dirty="0" err="1" smtClean="0"/>
               <a:t>range.md</a:t>
             </a:r>
             <a:r>
-              <a:rPr lang="en-US" dirty="0" smtClean="0">
-                <a:solidFill>
-                  <a:schemeClr val="accent5"/>
-                </a:solidFill>
-              </a:rPr>
+              <a:rPr lang="en-US" sz="2800" dirty="0" smtClean="0"/>
               <a:t>]</a:t>
             </a:r>
-            <a:endParaRPr lang="en-US" dirty="0">
-              <a:solidFill>
-                <a:schemeClr val="accent5"/>
-              </a:solidFill>
-            </a:endParaRPr>
+            <a:endParaRPr lang="en-US" sz="2800" dirty="0"/>
           </a:p>
         </p:txBody>
       </p:sp>
@@ -10029,6 +9654,13 @@
   <p:clrMapOvr>
     <a:masterClrMapping/>
   </p:clrMapOvr>
+  <p:timing>
+    <p:tnLst>
+      <p:par>
+        <p:cTn id="1" dur="indefinite" restart="never" nodeType="tmRoot"/>
+      </p:par>
+    </p:tnLst>
+  </p:timing>
 </p:sld>
 </file>
 
@@ -10100,8 +9732,8 @@
         </p:nvSpPr>
         <p:spPr>
           <a:xfrm>
-            <a:off x="5259905" y="6338069"/>
-            <a:ext cx="1672189" cy="369332"/>
+            <a:off x="4848928" y="6334780"/>
+            <a:ext cx="2494144" cy="523220"/>
           </a:xfrm>
           <a:prstGeom prst="rect">
             <a:avLst/>
@@ -10114,34 +9746,18 @@
           <a:lstStyle/>
           <a:p>
             <a:r>
-              <a:rPr lang="en-US" dirty="0" smtClean="0">
-                <a:solidFill>
-                  <a:schemeClr val="accent5"/>
-                </a:solidFill>
-              </a:rPr>
+              <a:rPr lang="en-US" sz="2800" dirty="0" smtClean="0"/>
               <a:t>[See: </a:t>
             </a:r>
             <a:r>
-              <a:rPr lang="en-US" dirty="0" err="1" smtClean="0">
-                <a:solidFill>
-                  <a:schemeClr val="accent5"/>
-                </a:solidFill>
-              </a:rPr>
+              <a:rPr lang="en-US" sz="2800" dirty="0" err="1" smtClean="0"/>
               <a:t>range.md</a:t>
             </a:r>
             <a:r>
-              <a:rPr lang="en-US" dirty="0" smtClean="0">
-                <a:solidFill>
-                  <a:schemeClr val="accent5"/>
-                </a:solidFill>
-              </a:rPr>
+              <a:rPr lang="en-US" sz="2800" dirty="0" smtClean="0"/>
               <a:t>]</a:t>
             </a:r>
-            <a:endParaRPr lang="en-US" dirty="0">
-              <a:solidFill>
-                <a:schemeClr val="accent5"/>
-              </a:solidFill>
-            </a:endParaRPr>
+            <a:endParaRPr lang="en-US" sz="2800" dirty="0"/>
           </a:p>
         </p:txBody>
       </p:sp>
@@ -10155,6 +9771,13 @@
   <p:clrMapOvr>
     <a:masterClrMapping/>
   </p:clrMapOvr>
+  <p:timing>
+    <p:tnLst>
+      <p:par>
+        <p:cTn id="1" dur="indefinite" restart="never" nodeType="tmRoot"/>
+      </p:par>
+    </p:tnLst>
+  </p:timing>
 </p:sld>
 </file>
 
@@ -10226,8 +9849,8 @@
         </p:nvSpPr>
         <p:spPr>
           <a:xfrm>
-            <a:off x="5259905" y="6338069"/>
-            <a:ext cx="1672189" cy="369332"/>
+            <a:off x="4848928" y="6334780"/>
+            <a:ext cx="2494144" cy="523220"/>
           </a:xfrm>
           <a:prstGeom prst="rect">
             <a:avLst/>
@@ -10240,34 +9863,18 @@
           <a:lstStyle/>
           <a:p>
             <a:r>
-              <a:rPr lang="en-US" dirty="0" smtClean="0">
-                <a:solidFill>
-                  <a:schemeClr val="accent5"/>
-                </a:solidFill>
-              </a:rPr>
+              <a:rPr lang="en-US" sz="2800" dirty="0" smtClean="0"/>
               <a:t>[See: </a:t>
             </a:r>
             <a:r>
-              <a:rPr lang="en-US" dirty="0" err="1" smtClean="0">
-                <a:solidFill>
-                  <a:schemeClr val="accent5"/>
-                </a:solidFill>
-              </a:rPr>
+              <a:rPr lang="en-US" sz="2800" dirty="0" err="1" smtClean="0"/>
               <a:t>range.md</a:t>
             </a:r>
             <a:r>
-              <a:rPr lang="en-US" dirty="0" smtClean="0">
-                <a:solidFill>
-                  <a:schemeClr val="accent5"/>
-                </a:solidFill>
-              </a:rPr>
+              <a:rPr lang="en-US" sz="2800" dirty="0" smtClean="0"/>
               <a:t>]</a:t>
             </a:r>
-            <a:endParaRPr lang="en-US" dirty="0">
-              <a:solidFill>
-                <a:schemeClr val="accent5"/>
-              </a:solidFill>
-            </a:endParaRPr>
+            <a:endParaRPr lang="en-US" sz="2800" dirty="0"/>
           </a:p>
         </p:txBody>
       </p:sp>
@@ -10281,6 +9888,13 @@
   <p:clrMapOvr>
     <a:masterClrMapping/>
   </p:clrMapOvr>
+  <p:timing>
+    <p:tnLst>
+      <p:par>
+        <p:cTn id="1" dur="indefinite" restart="never" nodeType="tmRoot"/>
+      </p:par>
+    </p:tnLst>
+  </p:timing>
 </p:sld>
 </file>
 
@@ -10511,8 +10125,8 @@
         </p:nvSpPr>
         <p:spPr>
           <a:xfrm>
-            <a:off x="5253555" y="6264079"/>
-            <a:ext cx="1672189" cy="369332"/>
+            <a:off x="4842578" y="6334780"/>
+            <a:ext cx="2494144" cy="523220"/>
           </a:xfrm>
           <a:prstGeom prst="rect">
             <a:avLst/>
@@ -10525,34 +10139,18 @@
           <a:lstStyle/>
           <a:p>
             <a:r>
-              <a:rPr lang="en-US" dirty="0" smtClean="0">
-                <a:solidFill>
-                  <a:schemeClr val="tx2"/>
-                </a:solidFill>
-              </a:rPr>
+              <a:rPr lang="en-US" sz="2800" dirty="0" smtClean="0"/>
               <a:t>[See: </a:t>
             </a:r>
             <a:r>
-              <a:rPr lang="en-US" dirty="0" err="1" smtClean="0">
-                <a:solidFill>
-                  <a:schemeClr val="tx2"/>
-                </a:solidFill>
-              </a:rPr>
+              <a:rPr lang="en-US" sz="2800" dirty="0" err="1" smtClean="0"/>
               <a:t>range.md</a:t>
             </a:r>
             <a:r>
-              <a:rPr lang="en-US" dirty="0" smtClean="0">
-                <a:solidFill>
-                  <a:schemeClr val="tx2"/>
-                </a:solidFill>
-              </a:rPr>
+              <a:rPr lang="en-US" sz="2800" dirty="0" smtClean="0"/>
               <a:t>]</a:t>
             </a:r>
-            <a:endParaRPr lang="en-US" dirty="0">
-              <a:solidFill>
-                <a:schemeClr val="tx2"/>
-              </a:solidFill>
-            </a:endParaRPr>
+            <a:endParaRPr lang="en-US" sz="2800" dirty="0"/>
           </a:p>
         </p:txBody>
       </p:sp>
@@ -10566,6 +10164,13 @@
   <p:clrMapOvr>
     <a:masterClrMapping/>
   </p:clrMapOvr>
+  <p:timing>
+    <p:tnLst>
+      <p:par>
+        <p:cTn id="1" dur="indefinite" restart="never" nodeType="tmRoot"/>
+      </p:par>
+    </p:tnLst>
+  </p:timing>
 </p:sld>
 </file>
 
@@ -10649,8 +10254,8 @@
         </p:nvSpPr>
         <p:spPr>
           <a:xfrm>
-            <a:off x="3771357" y="6354111"/>
-            <a:ext cx="4649286" cy="369332"/>
+            <a:off x="2531178" y="6334780"/>
+            <a:ext cx="7129644" cy="523220"/>
           </a:xfrm>
           <a:prstGeom prst="rect">
             <a:avLst/>
@@ -10663,66 +10268,34 @@
           <a:lstStyle/>
           <a:p>
             <a:r>
-              <a:rPr lang="en-US" dirty="0" smtClean="0">
-                <a:solidFill>
-                  <a:schemeClr val="accent5"/>
-                </a:solidFill>
-              </a:rPr>
+              <a:rPr lang="en-US" sz="2800" dirty="0" smtClean="0"/>
               <a:t>[See: </a:t>
             </a:r>
             <a:r>
-              <a:rPr lang="en-US" dirty="0" err="1" smtClean="0">
-                <a:solidFill>
-                  <a:schemeClr val="accent5"/>
-                </a:solidFill>
-              </a:rPr>
+              <a:rPr lang="en-US" sz="2800" dirty="0" err="1" smtClean="0"/>
               <a:t>cases.md</a:t>
             </a:r>
             <a:r>
-              <a:rPr lang="en-US" dirty="0" smtClean="0">
-                <a:solidFill>
-                  <a:schemeClr val="accent5"/>
-                </a:solidFill>
-              </a:rPr>
+              <a:rPr lang="en-US" sz="2800" dirty="0" smtClean="0"/>
               <a:t>, </a:t>
             </a:r>
             <a:r>
-              <a:rPr lang="en-US" dirty="0" err="1" smtClean="0">
-                <a:solidFill>
-                  <a:schemeClr val="accent5"/>
-                </a:solidFill>
-              </a:rPr>
+              <a:rPr lang="en-US" sz="2800" dirty="0" err="1" smtClean="0"/>
               <a:t>glossary.md</a:t>
             </a:r>
             <a:r>
-              <a:rPr lang="en-US" dirty="0" smtClean="0">
-                <a:solidFill>
-                  <a:schemeClr val="accent5"/>
-                </a:solidFill>
-              </a:rPr>
+              <a:rPr lang="en-US" sz="2800" dirty="0" smtClean="0"/>
               <a:t>, and </a:t>
             </a:r>
             <a:r>
-              <a:rPr lang="en-US" dirty="0" err="1" smtClean="0">
-                <a:solidFill>
-                  <a:schemeClr val="accent5"/>
-                </a:solidFill>
-              </a:rPr>
+              <a:rPr lang="en-US" sz="2800" dirty="0" err="1" smtClean="0"/>
               <a:t>resources.md</a:t>
             </a:r>
             <a:r>
-              <a:rPr lang="en-US" dirty="0" smtClean="0">
-                <a:solidFill>
-                  <a:schemeClr val="accent5"/>
-                </a:solidFill>
-              </a:rPr>
+              <a:rPr lang="en-US" sz="2800" dirty="0" smtClean="0"/>
               <a:t>]</a:t>
             </a:r>
-            <a:endParaRPr lang="en-US" dirty="0">
-              <a:solidFill>
-                <a:schemeClr val="accent5"/>
-              </a:solidFill>
-            </a:endParaRPr>
+            <a:endParaRPr lang="en-US" sz="2800" dirty="0"/>
           </a:p>
         </p:txBody>
       </p:sp>
@@ -10736,6 +10309,13 @@
   <p:clrMapOvr>
     <a:masterClrMapping/>
   </p:clrMapOvr>
+  <p:timing>
+    <p:tnLst>
+      <p:par>
+        <p:cTn id="1" dur="indefinite" restart="never" nodeType="tmRoot"/>
+      </p:par>
+    </p:tnLst>
+  </p:timing>
 </p:sld>
 </file>
 
@@ -10801,8 +10381,8 @@
         </p:nvSpPr>
         <p:spPr>
           <a:xfrm>
-            <a:off x="4943761" y="6356502"/>
-            <a:ext cx="2304477" cy="369332"/>
+            <a:off x="4356259" y="6334780"/>
+            <a:ext cx="3479479" cy="523220"/>
           </a:xfrm>
           <a:prstGeom prst="rect">
             <a:avLst/>
@@ -10815,34 +10395,18 @@
           <a:lstStyle/>
           <a:p>
             <a:r>
-              <a:rPr lang="en-US" dirty="0" smtClean="0">
-                <a:solidFill>
-                  <a:schemeClr val="accent5"/>
-                </a:solidFill>
-              </a:rPr>
+              <a:rPr lang="en-US" sz="2800" dirty="0" smtClean="0"/>
               <a:t>[See: </a:t>
             </a:r>
             <a:r>
-              <a:rPr lang="en-US" dirty="0" err="1" smtClean="0">
-                <a:solidFill>
-                  <a:schemeClr val="accent5"/>
-                </a:solidFill>
-              </a:rPr>
+              <a:rPr lang="en-US" sz="2800" dirty="0" err="1" smtClean="0"/>
               <a:t>introduction.md</a:t>
             </a:r>
             <a:r>
-              <a:rPr lang="en-US" dirty="0" smtClean="0">
-                <a:solidFill>
-                  <a:schemeClr val="accent5"/>
-                </a:solidFill>
-              </a:rPr>
+              <a:rPr lang="en-US" sz="2800" dirty="0" smtClean="0"/>
               <a:t>]</a:t>
             </a:r>
-            <a:endParaRPr lang="en-US" dirty="0">
-              <a:solidFill>
-                <a:schemeClr val="accent5"/>
-              </a:solidFill>
-            </a:endParaRPr>
+            <a:endParaRPr lang="en-US" sz="2800" dirty="0"/>
           </a:p>
         </p:txBody>
       </p:sp>
@@ -10856,6 +10420,13 @@
   <p:clrMapOvr>
     <a:masterClrMapping/>
   </p:clrMapOvr>
+  <p:timing>
+    <p:tnLst>
+      <p:par>
+        <p:cTn id="1" dur="indefinite" restart="never" nodeType="tmRoot"/>
+      </p:par>
+    </p:tnLst>
+  </p:timing>
 </p:sld>
 </file>
 
@@ -11020,8 +10591,8 @@
         </p:nvSpPr>
         <p:spPr>
           <a:xfrm>
-            <a:off x="5218259" y="6273901"/>
-            <a:ext cx="1755481" cy="369332"/>
+            <a:off x="4784423" y="6334780"/>
+            <a:ext cx="2623154" cy="523220"/>
           </a:xfrm>
           <a:prstGeom prst="rect">
             <a:avLst/>
@@ -11034,34 +10605,18 @@
           <a:lstStyle/>
           <a:p>
             <a:r>
-              <a:rPr lang="en-US" dirty="0" smtClean="0">
-                <a:solidFill>
-                  <a:schemeClr val="accent5"/>
-                </a:solidFill>
-              </a:rPr>
+              <a:rPr lang="en-US" sz="2800" dirty="0" smtClean="0"/>
               <a:t>[See: </a:t>
             </a:r>
             <a:r>
-              <a:rPr lang="en-US" dirty="0" err="1" smtClean="0">
-                <a:solidFill>
-                  <a:schemeClr val="accent5"/>
-                </a:solidFill>
-              </a:rPr>
+              <a:rPr lang="en-US" sz="2800" dirty="0" err="1" smtClean="0"/>
               <a:t>review.md</a:t>
             </a:r>
             <a:r>
-              <a:rPr lang="en-US" dirty="0" smtClean="0">
-                <a:solidFill>
-                  <a:schemeClr val="accent5"/>
-                </a:solidFill>
-              </a:rPr>
+              <a:rPr lang="en-US" sz="2800" dirty="0" smtClean="0"/>
               <a:t>]</a:t>
             </a:r>
-            <a:endParaRPr lang="en-US" dirty="0">
-              <a:solidFill>
-                <a:schemeClr val="accent5"/>
-              </a:solidFill>
-            </a:endParaRPr>
+            <a:endParaRPr lang="en-US" sz="2800" dirty="0"/>
           </a:p>
         </p:txBody>
       </p:sp>
@@ -11075,6 +10630,13 @@
   <p:clrMapOvr>
     <a:masterClrMapping/>
   </p:clrMapOvr>
+  <p:timing>
+    <p:tnLst>
+      <p:par>
+        <p:cTn id="1" dur="indefinite" restart="never" nodeType="tmRoot"/>
+      </p:par>
+    </p:tnLst>
+  </p:timing>
 </p:sld>
 </file>
 
@@ -11194,8 +10756,8 @@
         </p:nvSpPr>
         <p:spPr>
           <a:xfrm>
-            <a:off x="5218259" y="6273901"/>
-            <a:ext cx="1755481" cy="369332"/>
+            <a:off x="4784423" y="6334780"/>
+            <a:ext cx="2623154" cy="523220"/>
           </a:xfrm>
           <a:prstGeom prst="rect">
             <a:avLst/>
@@ -11208,34 +10770,18 @@
           <a:lstStyle/>
           <a:p>
             <a:r>
-              <a:rPr lang="en-US" dirty="0" smtClean="0">
-                <a:solidFill>
-                  <a:schemeClr val="accent5"/>
-                </a:solidFill>
-              </a:rPr>
+              <a:rPr lang="en-US" sz="2800" dirty="0" smtClean="0"/>
               <a:t>[See: </a:t>
             </a:r>
             <a:r>
-              <a:rPr lang="en-US" dirty="0" err="1" smtClean="0">
-                <a:solidFill>
-                  <a:schemeClr val="accent5"/>
-                </a:solidFill>
-              </a:rPr>
+              <a:rPr lang="en-US" sz="2800" dirty="0" err="1" smtClean="0"/>
               <a:t>review.md</a:t>
             </a:r>
             <a:r>
-              <a:rPr lang="en-US" dirty="0" smtClean="0">
-                <a:solidFill>
-                  <a:schemeClr val="accent5"/>
-                </a:solidFill>
-              </a:rPr>
+              <a:rPr lang="en-US" sz="2800" dirty="0" smtClean="0"/>
               <a:t>]</a:t>
             </a:r>
-            <a:endParaRPr lang="en-US" dirty="0">
-              <a:solidFill>
-                <a:schemeClr val="accent5"/>
-              </a:solidFill>
-            </a:endParaRPr>
+            <a:endParaRPr lang="en-US" sz="2800" dirty="0"/>
           </a:p>
         </p:txBody>
       </p:sp>
@@ -11315,67 +10861,35 @@
           <a:lstStyle/>
           <a:p>
             <a:r>
-              <a:rPr lang="en-US" dirty="0" smtClean="0">
-                <a:solidFill>
-                  <a:schemeClr val="accent1"/>
-                </a:solidFill>
-              </a:rPr>
+              <a:rPr lang="en-US" dirty="0" smtClean="0"/>
               <a:t>Session leader and content created by: Kelsey Chatlosh @</a:t>
             </a:r>
             <a:r>
-              <a:rPr lang="en-US" dirty="0" err="1" smtClean="0">
-                <a:solidFill>
-                  <a:schemeClr val="accent1"/>
-                </a:solidFill>
-              </a:rPr>
+              <a:rPr lang="en-US" dirty="0" err="1" smtClean="0"/>
               <a:t>kchatlosh</a:t>
             </a:r>
-            <a:endParaRPr lang="en-US" dirty="0" smtClean="0">
-              <a:solidFill>
-                <a:schemeClr val="accent1"/>
-              </a:solidFill>
-            </a:endParaRPr>
-          </a:p>
-          <a:p>
-            <a:r>
-              <a:rPr lang="en-US" dirty="0" smtClean="0">
-                <a:solidFill>
-                  <a:schemeClr val="accent1"/>
-                </a:solidFill>
-              </a:rPr>
+            <a:endParaRPr lang="en-US" dirty="0" smtClean="0"/>
+          </a:p>
+          <a:p>
+            <a:r>
+              <a:rPr lang="en-US" dirty="0" smtClean="0"/>
               <a:t>Edited by: Patrick Sweeney @</a:t>
             </a:r>
             <a:r>
-              <a:rPr lang="en-US" dirty="0" err="1" smtClean="0">
-                <a:solidFill>
-                  <a:schemeClr val="accent1"/>
-                </a:solidFill>
-              </a:rPr>
+              <a:rPr lang="en-US" dirty="0" err="1" smtClean="0"/>
               <a:t>pswee</a:t>
             </a:r>
             <a:r>
-              <a:rPr lang="en-US" dirty="0" smtClean="0">
-                <a:solidFill>
-                  <a:schemeClr val="accent1"/>
-                </a:solidFill>
-              </a:rPr>
+              <a:rPr lang="en-US" dirty="0" smtClean="0"/>
               <a:t> and Patrick Smyth @psmyth01</a:t>
             </a:r>
           </a:p>
           <a:p>
             <a:r>
-              <a:rPr lang="en-US" dirty="0" smtClean="0">
-                <a:solidFill>
-                  <a:schemeClr val="accent1"/>
-                </a:solidFill>
-              </a:rPr>
+              <a:rPr lang="en-US" dirty="0" smtClean="0"/>
               <a:t>dhinstitutes.org #DHRI</a:t>
             </a:r>
-            <a:endParaRPr lang="en-US" dirty="0">
-              <a:solidFill>
-                <a:schemeClr val="accent1"/>
-              </a:solidFill>
-            </a:endParaRPr>
+            <a:endParaRPr lang="en-US" dirty="0"/>
           </a:p>
         </p:txBody>
       </p:sp>
@@ -11411,8 +10925,8 @@
         </p:nvSpPr>
         <p:spPr>
           <a:xfrm>
-            <a:off x="5098323" y="6356502"/>
-            <a:ext cx="1995354" cy="369332"/>
+            <a:off x="4594018" y="6356502"/>
+            <a:ext cx="3003964" cy="523220"/>
           </a:xfrm>
           <a:prstGeom prst="rect">
             <a:avLst/>
@@ -11426,18 +10940,10 @@
           <a:p>
             <a:pPr algn="ctr"/>
             <a:r>
-              <a:rPr lang="en-US" dirty="0" smtClean="0">
-                <a:solidFill>
-                  <a:schemeClr val="accent5"/>
-                </a:solidFill>
-              </a:rPr>
+              <a:rPr lang="en-US" sz="2800" dirty="0" smtClean="0"/>
               <a:t>[See: README.MD]</a:t>
             </a:r>
-            <a:endParaRPr lang="en-US" dirty="0">
-              <a:solidFill>
-                <a:schemeClr val="accent5"/>
-              </a:solidFill>
-            </a:endParaRPr>
+            <a:endParaRPr lang="en-US" sz="2800" dirty="0"/>
           </a:p>
         </p:txBody>
       </p:sp>
@@ -11520,8 +11026,8 @@
         </p:nvSpPr>
         <p:spPr>
           <a:xfrm>
-            <a:off x="4943761" y="6356502"/>
-            <a:ext cx="2269211" cy="369332"/>
+            <a:off x="4365782" y="6334780"/>
+            <a:ext cx="3425168" cy="523220"/>
           </a:xfrm>
           <a:prstGeom prst="rect">
             <a:avLst/>
@@ -11534,7 +11040,7 @@
           <a:lstStyle/>
           <a:p>
             <a:r>
-              <a:rPr lang="en-US" dirty="0" smtClean="0">
+              <a:rPr lang="en-US" sz="2800" dirty="0" smtClean="0">
                 <a:solidFill>
                   <a:schemeClr val="tx2"/>
                 </a:solidFill>
@@ -11542,7 +11048,7 @@
               <a:t>[See: </a:t>
             </a:r>
             <a:r>
-              <a:rPr lang="en-US" dirty="0" err="1" smtClean="0">
+              <a:rPr lang="en-US" sz="2800" dirty="0" err="1" smtClean="0">
                 <a:solidFill>
                   <a:schemeClr val="tx2"/>
                 </a:solidFill>
@@ -11550,14 +11056,14 @@
               <a:t>institutional.md</a:t>
             </a:r>
             <a:r>
-              <a:rPr lang="en-US" dirty="0" smtClean="0">
+              <a:rPr lang="en-US" sz="2800" dirty="0" smtClean="0">
                 <a:solidFill>
                   <a:schemeClr val="tx2"/>
                 </a:solidFill>
               </a:rPr>
               <a:t>]</a:t>
             </a:r>
-            <a:endParaRPr lang="en-US" dirty="0">
+            <a:endParaRPr lang="en-US" sz="2800" dirty="0">
               <a:solidFill>
                 <a:schemeClr val="tx2"/>
               </a:solidFill>
@@ -11575,6 +11081,13 @@
   <p:clrMapOvr>
     <a:masterClrMapping/>
   </p:clrMapOvr>
+  <p:timing>
+    <p:tnLst>
+      <p:par>
+        <p:cTn id="1" dur="indefinite" restart="never" nodeType="tmRoot"/>
+      </p:par>
+    </p:tnLst>
+  </p:timing>
 </p:sld>
 </file>
 
@@ -11632,8 +11145,8 @@
         </p:nvSpPr>
         <p:spPr>
           <a:xfrm>
-            <a:off x="4943761" y="6356502"/>
-            <a:ext cx="2269211" cy="369332"/>
+            <a:off x="4383416" y="6356502"/>
+            <a:ext cx="3425168" cy="523220"/>
           </a:xfrm>
           <a:prstGeom prst="rect">
             <a:avLst/>
@@ -11646,34 +11159,18 @@
           <a:lstStyle/>
           <a:p>
             <a:r>
-              <a:rPr lang="en-US" dirty="0" smtClean="0">
-                <a:solidFill>
-                  <a:schemeClr val="accent5"/>
-                </a:solidFill>
-              </a:rPr>
+              <a:rPr lang="en-US" sz="2800" dirty="0" smtClean="0"/>
               <a:t>[See: </a:t>
             </a:r>
             <a:r>
-              <a:rPr lang="en-US" dirty="0" err="1" smtClean="0">
-                <a:solidFill>
-                  <a:schemeClr val="accent5"/>
-                </a:solidFill>
-              </a:rPr>
+              <a:rPr lang="en-US" sz="2800" dirty="0" err="1" smtClean="0"/>
               <a:t>institutional.md</a:t>
             </a:r>
             <a:r>
-              <a:rPr lang="en-US" dirty="0" smtClean="0">
-                <a:solidFill>
-                  <a:schemeClr val="accent5"/>
-                </a:solidFill>
-              </a:rPr>
+              <a:rPr lang="en-US" sz="2800" dirty="0" smtClean="0"/>
               <a:t>]</a:t>
             </a:r>
-            <a:endParaRPr lang="en-US" dirty="0">
-              <a:solidFill>
-                <a:schemeClr val="accent5"/>
-              </a:solidFill>
-            </a:endParaRPr>
+            <a:endParaRPr lang="en-US" sz="2800" dirty="0"/>
           </a:p>
         </p:txBody>
       </p:sp>
@@ -11741,6 +11238,13 @@
   <p:clrMapOvr>
     <a:masterClrMapping/>
   </p:clrMapOvr>
+  <p:timing>
+    <p:tnLst>
+      <p:par>
+        <p:cTn id="1" dur="indefinite" restart="never" nodeType="tmRoot"/>
+      </p:par>
+    </p:tnLst>
+  </p:timing>
 </p:sld>
 </file>
 
@@ -11842,8 +11346,8 @@
         </p:nvSpPr>
         <p:spPr>
           <a:xfrm>
-            <a:off x="5128651" y="6377125"/>
-            <a:ext cx="1934697" cy="369332"/>
+            <a:off x="4644320" y="6334780"/>
+            <a:ext cx="2903359" cy="523220"/>
           </a:xfrm>
           <a:prstGeom prst="rect">
             <a:avLst/>
@@ -11856,34 +11360,18 @@
           <a:lstStyle/>
           <a:p>
             <a:r>
-              <a:rPr lang="en-US" dirty="0" smtClean="0">
-                <a:solidFill>
-                  <a:schemeClr val="accent5"/>
-                </a:solidFill>
-              </a:rPr>
+              <a:rPr lang="en-US" sz="2800" dirty="0" smtClean="0"/>
               <a:t>[See: </a:t>
             </a:r>
             <a:r>
-              <a:rPr lang="en-US" dirty="0" err="1" smtClean="0">
-                <a:solidFill>
-                  <a:schemeClr val="accent5"/>
-                </a:solidFill>
-              </a:rPr>
+              <a:rPr lang="en-US" sz="2800" dirty="0" err="1" smtClean="0"/>
               <a:t>belmont.md</a:t>
             </a:r>
             <a:r>
-              <a:rPr lang="en-US" dirty="0" smtClean="0">
-                <a:solidFill>
-                  <a:schemeClr val="accent5"/>
-                </a:solidFill>
-              </a:rPr>
+              <a:rPr lang="en-US" sz="2800" dirty="0" smtClean="0"/>
               <a:t>]</a:t>
             </a:r>
-            <a:endParaRPr lang="en-US" dirty="0">
-              <a:solidFill>
-                <a:schemeClr val="accent5"/>
-              </a:solidFill>
-            </a:endParaRPr>
+            <a:endParaRPr lang="en-US" sz="2800" dirty="0"/>
           </a:p>
         </p:txBody>
       </p:sp>
@@ -11897,6 +11385,13 @@
   <p:clrMapOvr>
     <a:masterClrMapping/>
   </p:clrMapOvr>
+  <p:timing>
+    <p:tnLst>
+      <p:par>
+        <p:cTn id="1" dur="indefinite" restart="never" nodeType="tmRoot"/>
+      </p:par>
+    </p:tnLst>
+  </p:timing>
 </p:sld>
 </file>
 
@@ -12214,8 +11709,8 @@
         </p:nvSpPr>
         <p:spPr>
           <a:xfrm>
-            <a:off x="5128651" y="6377125"/>
-            <a:ext cx="1934697" cy="369332"/>
+            <a:off x="4645908" y="6334780"/>
+            <a:ext cx="2903359" cy="523220"/>
           </a:xfrm>
           <a:prstGeom prst="rect">
             <a:avLst/>
@@ -12228,34 +11723,18 @@
           <a:lstStyle/>
           <a:p>
             <a:r>
-              <a:rPr lang="en-US" dirty="0" smtClean="0">
-                <a:solidFill>
-                  <a:schemeClr val="accent5"/>
-                </a:solidFill>
-              </a:rPr>
+              <a:rPr lang="en-US" sz="2800" dirty="0" smtClean="0"/>
               <a:t>[See: </a:t>
             </a:r>
             <a:r>
-              <a:rPr lang="en-US" dirty="0" err="1" smtClean="0">
-                <a:solidFill>
-                  <a:schemeClr val="accent5"/>
-                </a:solidFill>
-              </a:rPr>
+              <a:rPr lang="en-US" sz="2800" dirty="0" err="1" smtClean="0"/>
               <a:t>belmont.md</a:t>
             </a:r>
             <a:r>
-              <a:rPr lang="en-US" dirty="0" smtClean="0">
-                <a:solidFill>
-                  <a:schemeClr val="accent5"/>
-                </a:solidFill>
-              </a:rPr>
+              <a:rPr lang="en-US" sz="2800" dirty="0" smtClean="0"/>
               <a:t>]</a:t>
             </a:r>
-            <a:endParaRPr lang="en-US" dirty="0">
-              <a:solidFill>
-                <a:schemeClr val="accent5"/>
-              </a:solidFill>
-            </a:endParaRPr>
+            <a:endParaRPr lang="en-US" sz="2800" dirty="0"/>
           </a:p>
         </p:txBody>
       </p:sp>
@@ -12269,6 +11748,13 @@
   <p:clrMapOvr>
     <a:masterClrMapping/>
   </p:clrMapOvr>
+  <p:timing>
+    <p:tnLst>
+      <p:par>
+        <p:cTn id="1" dur="indefinite" restart="never" nodeType="tmRoot"/>
+      </p:par>
+    </p:tnLst>
+  </p:timing>
 </p:sld>
 </file>
 
